--- a/Courses/Software-Sciences/Module-2-DS-and-Algo/11-Algorithms-Intro-and-Complexity/11-Algorithms-Intro-and-Complexity.pptx
+++ b/Courses/Software-Sciences/Module-2-DS-and-Algo/11-Algorithms-Intro-and-Complexity/11-Algorithms-Intro-and-Complexity.pptx
@@ -38,8 +38,8 @@
     <p:sldId id="459" r:id="rId26"/>
     <p:sldId id="494" r:id="rId27"/>
     <p:sldId id="526" r:id="rId28"/>
-    <p:sldId id="495" r:id="rId29"/>
-    <p:sldId id="501" r:id="rId30"/>
+    <p:sldId id="504" r:id="rId29"/>
+    <p:sldId id="505" r:id="rId30"/>
   </p:sldIdLst>
   <p:sldSz cx="12192000" cy="6858000"/>
   <p:notesSz cx="6858000" cy="9144000"/>
@@ -141,13 +141,13 @@
   <p:extLst>
     <p:ext uri="{521415D9-36F7-43E2-AB2F-B90AF26B5E84}">
       <p14:sectionLst xmlns:p14="http://schemas.microsoft.com/office/powerpoint/2010/main">
-        <p14:section name="Въведение" id="{7CD56E91-FAF9-4491-8C02-C5EA484460EA}">
+        <p14:section name="Въведение" id="{B972D4AD-167A-4666-BE1C-BFF8BB87E7FF}">
           <p14:sldIdLst>
             <p14:sldId id="394"/>
             <p14:sldId id="395"/>
           </p14:sldIdLst>
         </p14:section>
-        <p14:section name="Алгоритми" id="{49CEB6FD-120C-4B06-94D4-95A3ED832ECA}">
+        <p14:section name="Алгоритми" id="{573CC809-6562-4BAE-ABF7-BB574D0BF4FF}">
           <p14:sldIdLst>
             <p14:sldId id="425"/>
             <p14:sldId id="426"/>
@@ -156,7 +156,7 @@
             <p14:sldId id="429"/>
           </p14:sldIdLst>
         </p14:section>
-        <p14:section name="Сложност на алгоритми" id="{E329A533-407A-4515-B251-80BC9354713F}">
+        <p14:section name="Сложност на алгоритми" id="{5F6443D5-F412-40A6-AA01-D8DBDFCF6126}">
           <p14:sldIdLst>
             <p14:sldId id="528"/>
             <p14:sldId id="432"/>
@@ -174,7 +174,7 @@
             <p14:sldId id="445"/>
           </p14:sldIdLst>
         </p14:section>
-        <p14:section name="Анализиране на сложност" id="{C56923B2-D56D-49BC-800B-687E2F22D231}">
+        <p14:section name="Анализиране на сложност" id="{8F70975F-2655-44AD-9919-2DC11BC1EF9E}">
           <p14:sldIdLst>
             <p14:sldId id="456"/>
             <p14:sldId id="457"/>
@@ -183,11 +183,11 @@
             <p14:sldId id="494"/>
           </p14:sldIdLst>
         </p14:section>
-        <p14:section name="Обобщение" id="{EF417161-58EB-47E8-8157-D24FE2B783D1}">
+        <p14:section name="Обобщение" id="{F4AEF04E-CD45-4728-95B8-BA3B6BB242C1}">
           <p14:sldIdLst>
             <p14:sldId id="526"/>
-            <p14:sldId id="495"/>
-            <p14:sldId id="501"/>
+            <p14:sldId id="504"/>
+            <p14:sldId id="505"/>
           </p14:sldIdLst>
         </p14:section>
       </p14:sectionLst>
@@ -211,15 +211,6 @@
     </p:ext>
   </p:extLst>
 </p:presentation>
-</file>
-
-<file path=ppt/revisionInfo.xml><?xml version="1.0" encoding="utf-8"?>
-<p1510:revInfo xmlns:a="http://schemas.openxmlformats.org/drawingml/2006/main" xmlns:r="http://schemas.openxmlformats.org/officeDocument/2006/relationships" xmlns:p1510="http://schemas.microsoft.com/office/powerpoint/2015/10/main">
-  <p1510:revLst>
-    <p1510:client id="{3E269B6A-8C71-2B8E-746A-742A61965FAF}" v="1840" dt="2023-02-27T18:03:21.214"/>
-    <p1510:client id="{5C638A65-0880-D375-1945-868E9FAEAF24}" v="1638" dt="2023-03-03T12:26:13.446"/>
-  </p1510:revLst>
-</p1510:revInfo>
 </file>
 
 <file path=ppt/handoutMasters/handoutMaster1.xml><?xml version="1.0" encoding="utf-8"?>
@@ -316,7 +307,7 @@
           <a:p>
             <a:fld id="{4E087215-0C8F-4762-A664-737A353EC9A4}" type="datetimeFigureOut">
               <a:rPr lang="bg-BG" smtClean="0"/>
-              <a:t>27.08.23 г.</a:t>
+              <a:t>17.9.2023 г.</a:t>
             </a:fld>
             <a:endParaRPr lang="bg-BG"/>
           </a:p>
@@ -340,8 +331,8 @@
         </p:nvSpPr>
         <p:spPr>
           <a:xfrm>
-            <a:off x="-1" y="8847000"/>
-            <a:ext cx="6443999" cy="297000"/>
+            <a:off x="-1" y="8892000"/>
+            <a:ext cx="6443999" cy="252000"/>
           </a:xfrm>
           <a:prstGeom prst="rect">
             <a:avLst/>
@@ -356,19 +347,24 @@
           </a:lstStyle>
           <a:p>
             <a:r>
-              <a:rPr lang="en-US" sz="1100"/>
-              <a:t>© SoftUni – </a:t>
-            </a:r>
-            <a:r>
-              <a:rPr lang="en-US" sz="1100" u="sng">
+              <a:rPr lang="bg-BG" sz="1100" dirty="0"/>
+              <a:t>Работна група </a:t>
+            </a:r>
+            <a:r>
+              <a:rPr lang="ru-RU" sz="1100" dirty="0"/>
+              <a:t>"Образование по програмиране и ИТ</a:t>
+            </a:r>
+            <a:r>
+              <a:rPr lang="bg-BG" sz="1100" dirty="0"/>
+              <a:t>", с подкрепата на </a:t>
+            </a:r>
+            <a:r>
+              <a:rPr lang="en-US" sz="1100" dirty="0">
                 <a:hlinkClick r:id="rId2"/>
               </a:rPr>
-              <a:t>https://softuni.org</a:t>
-            </a:r>
-            <a:r>
-              <a:rPr lang="en-US" sz="1100"/>
-              <a:t>. Copyrighted document. Unauthorized copy or reproduction is not permitted.</a:t>
-            </a:r>
+              <a:t>SoftUni</a:t>
+            </a:r>
+            <a:endParaRPr lang="en-US" sz="1100" dirty="0"/>
           </a:p>
         </p:txBody>
       </p:sp>
@@ -390,8 +386,8 @@
         </p:nvSpPr>
         <p:spPr>
           <a:xfrm>
-            <a:off x="6443999" y="8847000"/>
-            <a:ext cx="412413" cy="297000"/>
+            <a:off x="6443999" y="8892000"/>
+            <a:ext cx="412413" cy="252000"/>
           </a:xfrm>
           <a:prstGeom prst="rect">
             <a:avLst/>
@@ -409,7 +405,7 @@
               <a:rPr lang="bg-BG" smtClean="0"/>
               <a:t>‹#›</a:t>
             </a:fld>
-            <a:endParaRPr lang="bg-BG"/>
+            <a:endParaRPr lang="bg-BG" dirty="0"/>
           </a:p>
         </p:txBody>
       </p:sp>
@@ -507,7 +503,7 @@
           <a:p>
             <a:fld id="{72D84649-876A-46C9-8472-14CB09C070D8}" type="datetimeFigureOut">
               <a:rPr lang="en-US" smtClean="0"/>
-              <a:t>8/27/23</a:t>
+              <a:t>9/17/2023</a:t>
             </a:fld>
             <a:endParaRPr lang="en-US"/>
           </a:p>
@@ -617,8 +613,8 @@
         </p:nvSpPr>
         <p:spPr>
           <a:xfrm>
-            <a:off x="6488999" y="8847000"/>
-            <a:ext cx="367414" cy="297000"/>
+            <a:off x="6488999" y="8892000"/>
+            <a:ext cx="367414" cy="252000"/>
           </a:xfrm>
           <a:prstGeom prst="rect">
             <a:avLst/>
@@ -636,7 +632,7 @@
               <a:rPr lang="en-US" smtClean="0"/>
               <a:t>‹#›</a:t>
             </a:fld>
-            <a:endParaRPr lang="en-US"/>
+            <a:endParaRPr lang="en-US" dirty="0"/>
           </a:p>
         </p:txBody>
       </p:sp>
@@ -658,8 +654,8 @@
         </p:nvSpPr>
         <p:spPr>
           <a:xfrm>
-            <a:off x="-1" y="8847000"/>
-            <a:ext cx="6488999" cy="297000"/>
+            <a:off x="-1" y="8892000"/>
+            <a:ext cx="6488999" cy="252000"/>
           </a:xfrm>
           <a:prstGeom prst="rect">
             <a:avLst/>
@@ -674,19 +670,24 @@
           </a:lstStyle>
           <a:p>
             <a:r>
-              <a:rPr lang="en-US"/>
-              <a:t>© SoftUni – </a:t>
-            </a:r>
-            <a:r>
-              <a:rPr lang="en-US" u="sng">
+              <a:rPr lang="bg-BG" sz="1100" dirty="0"/>
+              <a:t>Работна група </a:t>
+            </a:r>
+            <a:r>
+              <a:rPr lang="bg-BG" dirty="0"/>
+              <a:t>"Образование по програмиране и ИТ"</a:t>
+            </a:r>
+            <a:r>
+              <a:rPr lang="bg-BG" sz="1100" dirty="0"/>
+              <a:t>, с подкрепата на </a:t>
+            </a:r>
+            <a:r>
+              <a:rPr lang="en-US" sz="1100" dirty="0">
                 <a:hlinkClick r:id="rId2"/>
               </a:rPr>
-              <a:t>https://softuni.org</a:t>
-            </a:r>
-            <a:r>
-              <a:rPr lang="en-US"/>
-              <a:t>. Copyrighted document. Unauthorized copy or reproduction is not permitted.</a:t>
-            </a:r>
+              <a:t>SoftUni</a:t>
+            </a:r>
+            <a:endParaRPr lang="en-US" sz="1100" dirty="0"/>
           </a:p>
         </p:txBody>
       </p:sp>
@@ -868,10 +869,10 @@
       </p:sp>
       <p:sp>
         <p:nvSpPr>
-          <p:cNvPr id="7" name="Footer Placeholder 7">
+          <p:cNvPr id="4" name="Footer Placeholder 7">
             <a:extLst>
               <a:ext uri="{FF2B5EF4-FFF2-40B4-BE49-F238E27FC236}">
-                <a16:creationId xmlns:a16="http://schemas.microsoft.com/office/drawing/2014/main" id="{536F5BF3-869A-4170-BB4E-80701C1F2FA3}"/>
+                <a16:creationId xmlns:a16="http://schemas.microsoft.com/office/drawing/2014/main" id="{9938B563-61B7-99EB-7C5E-3145617748A3}"/>
               </a:ext>
             </a:extLst>
           </p:cNvPr>
@@ -884,8 +885,8 @@
         </p:nvSpPr>
         <p:spPr>
           <a:xfrm>
-            <a:off x="-1" y="8847000"/>
-            <a:ext cx="6488999" cy="297000"/>
+            <a:off x="-1" y="8892000"/>
+            <a:ext cx="6488999" cy="252000"/>
           </a:xfrm>
           <a:prstGeom prst="rect">
             <a:avLst/>
@@ -900,26 +901,31 @@
           </a:lstStyle>
           <a:p>
             <a:r>
-              <a:rPr lang="en-US" dirty="0"/>
-              <a:t>© SoftUni – </a:t>
-            </a:r>
-            <a:r>
-              <a:rPr lang="en-US" u="sng" dirty="0">
+              <a:rPr lang="bg-BG" sz="1100" dirty="0"/>
+              <a:t>Работна група </a:t>
+            </a:r>
+            <a:r>
+              <a:rPr lang="bg-BG" dirty="0"/>
+              <a:t>"Образование по програмиране и ИТ"</a:t>
+            </a:r>
+            <a:r>
+              <a:rPr lang="bg-BG" sz="1100" dirty="0"/>
+              <a:t>, с подкрепата на </a:t>
+            </a:r>
+            <a:r>
+              <a:rPr lang="en-US" sz="1100" dirty="0">
                 <a:hlinkClick r:id="rId3"/>
               </a:rPr>
-              <a:t>https://softuni.org</a:t>
-            </a:r>
-            <a:r>
-              <a:rPr lang="en-US" dirty="0"/>
-              <a:t>. Copyrighted document. Unauthorized copy or reproduction is not permitted.</a:t>
-            </a:r>
+              <a:t>SoftUni</a:t>
+            </a:r>
+            <a:endParaRPr lang="en-US" sz="1100" dirty="0"/>
           </a:p>
         </p:txBody>
       </p:sp>
     </p:spTree>
     <p:extLst>
       <p:ext uri="{BB962C8B-B14F-4D97-AF65-F5344CB8AC3E}">
-        <p14:creationId xmlns:p14="http://schemas.microsoft.com/office/powerpoint/2010/main" val="3303417810"/>
+        <p14:creationId xmlns:p14="http://schemas.microsoft.com/office/powerpoint/2010/main" val="4047859649"/>
       </p:ext>
     </p:extLst>
   </p:cSld>
@@ -1010,10 +1016,10 @@
       </p:sp>
       <p:sp>
         <p:nvSpPr>
-          <p:cNvPr id="6" name="Footer Placeholder 7">
+          <p:cNvPr id="2" name="Footer Placeholder 7">
             <a:extLst>
               <a:ext uri="{FF2B5EF4-FFF2-40B4-BE49-F238E27FC236}">
-                <a16:creationId xmlns:a16="http://schemas.microsoft.com/office/drawing/2014/main" id="{D3661285-BBE3-44D6-B1C0-7BF390FC8BFF}"/>
+                <a16:creationId xmlns:a16="http://schemas.microsoft.com/office/drawing/2014/main" id="{884AE814-D1F6-72E7-0FA5-026351174A95}"/>
               </a:ext>
             </a:extLst>
           </p:cNvPr>
@@ -1026,8 +1032,8 @@
         </p:nvSpPr>
         <p:spPr>
           <a:xfrm>
-            <a:off x="-1" y="8847000"/>
-            <a:ext cx="6488999" cy="297000"/>
+            <a:off x="-1" y="8892000"/>
+            <a:ext cx="6488999" cy="252000"/>
           </a:xfrm>
           <a:prstGeom prst="rect">
             <a:avLst/>
@@ -1042,26 +1048,31 @@
           </a:lstStyle>
           <a:p>
             <a:r>
-              <a:rPr lang="en-US"/>
-              <a:t>© SoftUni – </a:t>
-            </a:r>
-            <a:r>
-              <a:rPr lang="en-US" u="sng">
+              <a:rPr lang="bg-BG" sz="1100" dirty="0"/>
+              <a:t>Работна група </a:t>
+            </a:r>
+            <a:r>
+              <a:rPr lang="bg-BG" dirty="0"/>
+              <a:t>"Образование по програмиране и ИТ"</a:t>
+            </a:r>
+            <a:r>
+              <a:rPr lang="bg-BG" sz="1100" dirty="0"/>
+              <a:t>, с подкрепата на </a:t>
+            </a:r>
+            <a:r>
+              <a:rPr lang="en-US" sz="1100" dirty="0">
                 <a:hlinkClick r:id="rId3"/>
               </a:rPr>
-              <a:t>https://softuni.org</a:t>
-            </a:r>
-            <a:r>
-              <a:rPr lang="en-US"/>
-              <a:t>. Copyrighted document. Unauthorized copy or reproduction is not permitted.</a:t>
-            </a:r>
+              <a:t>SoftUni</a:t>
+            </a:r>
+            <a:endParaRPr lang="en-US" sz="1100" dirty="0"/>
           </a:p>
         </p:txBody>
       </p:sp>
     </p:spTree>
     <p:extLst>
       <p:ext uri="{BB962C8B-B14F-4D97-AF65-F5344CB8AC3E}">
-        <p14:creationId xmlns:p14="http://schemas.microsoft.com/office/powerpoint/2010/main" val="18193125"/>
+        <p14:creationId xmlns:p14="http://schemas.microsoft.com/office/powerpoint/2010/main" val="1893858374"/>
       </p:ext>
     </p:extLst>
   </p:cSld>
@@ -1152,10 +1163,10 @@
       </p:sp>
       <p:sp>
         <p:nvSpPr>
-          <p:cNvPr id="6" name="Footer Placeholder 7">
+          <p:cNvPr id="2" name="Footer Placeholder 7">
             <a:extLst>
               <a:ext uri="{FF2B5EF4-FFF2-40B4-BE49-F238E27FC236}">
-                <a16:creationId xmlns:a16="http://schemas.microsoft.com/office/drawing/2014/main" id="{D3FA59BF-5FD7-42FB-A274-A00076AB2F95}"/>
+                <a16:creationId xmlns:a16="http://schemas.microsoft.com/office/drawing/2014/main" id="{ED037AA2-4690-554F-3E14-3A4357CA07D7}"/>
               </a:ext>
             </a:extLst>
           </p:cNvPr>
@@ -1168,8 +1179,8 @@
         </p:nvSpPr>
         <p:spPr>
           <a:xfrm>
-            <a:off x="-1" y="8847000"/>
-            <a:ext cx="6488999" cy="297000"/>
+            <a:off x="-1" y="8892000"/>
+            <a:ext cx="6488999" cy="252000"/>
           </a:xfrm>
           <a:prstGeom prst="rect">
             <a:avLst/>
@@ -1184,26 +1195,31 @@
           </a:lstStyle>
           <a:p>
             <a:r>
-              <a:rPr lang="en-US"/>
-              <a:t>© SoftUni – </a:t>
-            </a:r>
-            <a:r>
-              <a:rPr lang="en-US" u="sng">
+              <a:rPr lang="bg-BG" sz="1100" dirty="0"/>
+              <a:t>Работна група </a:t>
+            </a:r>
+            <a:r>
+              <a:rPr lang="bg-BG" dirty="0"/>
+              <a:t>"Образование по програмиране и ИТ"</a:t>
+            </a:r>
+            <a:r>
+              <a:rPr lang="bg-BG" sz="1100" dirty="0"/>
+              <a:t>, с подкрепата на </a:t>
+            </a:r>
+            <a:r>
+              <a:rPr lang="en-US" sz="1100" dirty="0">
                 <a:hlinkClick r:id="rId3"/>
               </a:rPr>
-              <a:t>https://softuni.org</a:t>
-            </a:r>
-            <a:r>
-              <a:rPr lang="en-US"/>
-              <a:t>. Copyrighted document. Unauthorized copy or reproduction is not permitted.</a:t>
-            </a:r>
+              <a:t>SoftUni</a:t>
+            </a:r>
+            <a:endParaRPr lang="en-US" sz="1100" dirty="0"/>
           </a:p>
         </p:txBody>
       </p:sp>
     </p:spTree>
     <p:extLst>
       <p:ext uri="{BB962C8B-B14F-4D97-AF65-F5344CB8AC3E}">
-        <p14:creationId xmlns:p14="http://schemas.microsoft.com/office/powerpoint/2010/main" val="1471460041"/>
+        <p14:creationId xmlns:p14="http://schemas.microsoft.com/office/powerpoint/2010/main" val="2291307355"/>
       </p:ext>
     </p:extLst>
   </p:cSld>
@@ -1294,10 +1310,10 @@
       </p:sp>
       <p:sp>
         <p:nvSpPr>
-          <p:cNvPr id="6" name="Footer Placeholder 7">
+          <p:cNvPr id="2" name="Footer Placeholder 7">
             <a:extLst>
               <a:ext uri="{FF2B5EF4-FFF2-40B4-BE49-F238E27FC236}">
-                <a16:creationId xmlns:a16="http://schemas.microsoft.com/office/drawing/2014/main" id="{1011BF55-596D-4C43-80D5-B8EF20FD016D}"/>
+                <a16:creationId xmlns:a16="http://schemas.microsoft.com/office/drawing/2014/main" id="{A0FFC5D5-FB0C-9F74-C37F-5E304C0E65EF}"/>
               </a:ext>
             </a:extLst>
           </p:cNvPr>
@@ -1310,8 +1326,8 @@
         </p:nvSpPr>
         <p:spPr>
           <a:xfrm>
-            <a:off x="-1" y="8847000"/>
-            <a:ext cx="6488999" cy="297000"/>
+            <a:off x="-1" y="8892000"/>
+            <a:ext cx="6488999" cy="252000"/>
           </a:xfrm>
           <a:prstGeom prst="rect">
             <a:avLst/>
@@ -1326,26 +1342,31 @@
           </a:lstStyle>
           <a:p>
             <a:r>
-              <a:rPr lang="en-US"/>
-              <a:t>© SoftUni – </a:t>
-            </a:r>
-            <a:r>
-              <a:rPr lang="en-US" u="sng">
+              <a:rPr lang="bg-BG" sz="1100" dirty="0"/>
+              <a:t>Работна група </a:t>
+            </a:r>
+            <a:r>
+              <a:rPr lang="bg-BG" dirty="0"/>
+              <a:t>"Образование по програмиране и ИТ"</a:t>
+            </a:r>
+            <a:r>
+              <a:rPr lang="bg-BG" sz="1100" dirty="0"/>
+              <a:t>, с подкрепата на </a:t>
+            </a:r>
+            <a:r>
+              <a:rPr lang="en-US" sz="1100" dirty="0">
                 <a:hlinkClick r:id="rId3"/>
               </a:rPr>
-              <a:t>https://softuni.org</a:t>
-            </a:r>
-            <a:r>
-              <a:rPr lang="en-US"/>
-              <a:t>. Copyrighted document. Unauthorized copy or reproduction is not permitted.</a:t>
-            </a:r>
+              <a:t>SoftUni</a:t>
+            </a:r>
+            <a:endParaRPr lang="en-US" sz="1100" dirty="0"/>
           </a:p>
         </p:txBody>
       </p:sp>
     </p:spTree>
     <p:extLst>
       <p:ext uri="{BB962C8B-B14F-4D97-AF65-F5344CB8AC3E}">
-        <p14:creationId xmlns:p14="http://schemas.microsoft.com/office/powerpoint/2010/main" val="4125360040"/>
+        <p14:creationId xmlns:p14="http://schemas.microsoft.com/office/powerpoint/2010/main" val="586549180"/>
       </p:ext>
     </p:extLst>
   </p:cSld>
@@ -1436,10 +1457,10 @@
       </p:sp>
       <p:sp>
         <p:nvSpPr>
-          <p:cNvPr id="6" name="Footer Placeholder 7">
+          <p:cNvPr id="2" name="Footer Placeholder 7">
             <a:extLst>
               <a:ext uri="{FF2B5EF4-FFF2-40B4-BE49-F238E27FC236}">
-                <a16:creationId xmlns:a16="http://schemas.microsoft.com/office/drawing/2014/main" id="{63B346B2-E794-4E0D-8D0A-4A5FFD5DAE3E}"/>
+                <a16:creationId xmlns:a16="http://schemas.microsoft.com/office/drawing/2014/main" id="{20B4EC09-2B8D-C35E-8616-8842476DEFDB}"/>
               </a:ext>
             </a:extLst>
           </p:cNvPr>
@@ -1452,8 +1473,8 @@
         </p:nvSpPr>
         <p:spPr>
           <a:xfrm>
-            <a:off x="-1" y="8847000"/>
-            <a:ext cx="6488999" cy="297000"/>
+            <a:off x="-1" y="8892000"/>
+            <a:ext cx="6488999" cy="252000"/>
           </a:xfrm>
           <a:prstGeom prst="rect">
             <a:avLst/>
@@ -1468,26 +1489,31 @@
           </a:lstStyle>
           <a:p>
             <a:r>
-              <a:rPr lang="en-US"/>
-              <a:t>© SoftUni – </a:t>
-            </a:r>
-            <a:r>
-              <a:rPr lang="en-US" u="sng">
+              <a:rPr lang="bg-BG" sz="1100" dirty="0"/>
+              <a:t>Работна група </a:t>
+            </a:r>
+            <a:r>
+              <a:rPr lang="bg-BG" dirty="0"/>
+              <a:t>"Образование по програмиране и ИТ"</a:t>
+            </a:r>
+            <a:r>
+              <a:rPr lang="bg-BG" sz="1100" dirty="0"/>
+              <a:t>, с подкрепата на </a:t>
+            </a:r>
+            <a:r>
+              <a:rPr lang="en-US" sz="1100" dirty="0">
                 <a:hlinkClick r:id="rId3"/>
               </a:rPr>
-              <a:t>https://softuni.org</a:t>
-            </a:r>
-            <a:r>
-              <a:rPr lang="en-US"/>
-              <a:t>. Copyrighted document. Unauthorized copy or reproduction is not permitted.</a:t>
-            </a:r>
+              <a:t>SoftUni</a:t>
+            </a:r>
+            <a:endParaRPr lang="en-US" sz="1100" dirty="0"/>
           </a:p>
         </p:txBody>
       </p:sp>
     </p:spTree>
     <p:extLst>
       <p:ext uri="{BB962C8B-B14F-4D97-AF65-F5344CB8AC3E}">
-        <p14:creationId xmlns:p14="http://schemas.microsoft.com/office/powerpoint/2010/main" val="2056900809"/>
+        <p14:creationId xmlns:p14="http://schemas.microsoft.com/office/powerpoint/2010/main" val="144865226"/>
       </p:ext>
     </p:extLst>
   </p:cSld>
@@ -1576,10 +1602,10 @@
       </p:sp>
       <p:sp>
         <p:nvSpPr>
-          <p:cNvPr id="7" name="Footer Placeholder 7">
+          <p:cNvPr id="4" name="Footer Placeholder 7">
             <a:extLst>
               <a:ext uri="{FF2B5EF4-FFF2-40B4-BE49-F238E27FC236}">
-                <a16:creationId xmlns:a16="http://schemas.microsoft.com/office/drawing/2014/main" id="{C370C5F2-247E-4CDA-A1BD-3D886D99A92D}"/>
+                <a16:creationId xmlns:a16="http://schemas.microsoft.com/office/drawing/2014/main" id="{A5873F47-44F1-44F6-A4D6-9BE006CD9DEA}"/>
               </a:ext>
             </a:extLst>
           </p:cNvPr>
@@ -1592,8 +1618,8 @@
         </p:nvSpPr>
         <p:spPr>
           <a:xfrm>
-            <a:off x="-1" y="8847000"/>
-            <a:ext cx="6488999" cy="297000"/>
+            <a:off x="-1" y="8892000"/>
+            <a:ext cx="6488999" cy="252000"/>
           </a:xfrm>
           <a:prstGeom prst="rect">
             <a:avLst/>
@@ -1608,26 +1634,31 @@
           </a:lstStyle>
           <a:p>
             <a:r>
-              <a:rPr lang="en-US"/>
-              <a:t>© SoftUni – </a:t>
-            </a:r>
-            <a:r>
-              <a:rPr lang="en-US" u="sng">
+              <a:rPr lang="bg-BG" sz="1100" dirty="0"/>
+              <a:t>Работна група </a:t>
+            </a:r>
+            <a:r>
+              <a:rPr lang="bg-BG" dirty="0"/>
+              <a:t>"Образование по програмиране и ИТ"</a:t>
+            </a:r>
+            <a:r>
+              <a:rPr lang="bg-BG" sz="1100" dirty="0"/>
+              <a:t>, с подкрепата на </a:t>
+            </a:r>
+            <a:r>
+              <a:rPr lang="en-US" sz="1100" dirty="0">
                 <a:hlinkClick r:id="rId3"/>
               </a:rPr>
-              <a:t>https://softuni.org</a:t>
-            </a:r>
-            <a:r>
-              <a:rPr lang="en-US"/>
-              <a:t>. Copyrighted document. Unauthorized copy or reproduction is not permitted.</a:t>
-            </a:r>
+              <a:t>SoftUni</a:t>
+            </a:r>
+            <a:endParaRPr lang="en-US" sz="1100" dirty="0"/>
           </a:p>
         </p:txBody>
       </p:sp>
     </p:spTree>
     <p:extLst>
       <p:ext uri="{BB962C8B-B14F-4D97-AF65-F5344CB8AC3E}">
-        <p14:creationId xmlns:p14="http://schemas.microsoft.com/office/powerpoint/2010/main" val="3941852076"/>
+        <p14:creationId xmlns:p14="http://schemas.microsoft.com/office/powerpoint/2010/main" val="3521669831"/>
       </p:ext>
     </p:extLst>
   </p:cSld>
@@ -1681,7 +1712,7 @@
           <a:bodyPr/>
           <a:lstStyle/>
           <a:p>
-            <a:endParaRPr lang="en-US"/>
+            <a:endParaRPr lang="en-US" dirty="0"/>
           </a:p>
         </p:txBody>
       </p:sp>
@@ -1811,16 +1842,16 @@
               <a:pPr/>
               <a:t>28</a:t>
             </a:fld>
-            <a:endParaRPr lang="en-US"/>
+            <a:endParaRPr lang="en-US" dirty="0"/>
           </a:p>
         </p:txBody>
       </p:sp>
       <p:sp>
         <p:nvSpPr>
-          <p:cNvPr id="6" name="Footer Placeholder 7">
+          <p:cNvPr id="5" name="Footer Placeholder 7">
             <a:extLst>
               <a:ext uri="{FF2B5EF4-FFF2-40B4-BE49-F238E27FC236}">
-                <a16:creationId xmlns:a16="http://schemas.microsoft.com/office/drawing/2014/main" id="{9CFE5E97-8D68-4134-8407-17031A0C4EE4}"/>
+                <a16:creationId xmlns:a16="http://schemas.microsoft.com/office/drawing/2014/main" id="{254488DC-ADDD-F7BA-BD80-19954767367E}"/>
               </a:ext>
             </a:extLst>
           </p:cNvPr>
@@ -1833,8 +1864,8 @@
         </p:nvSpPr>
         <p:spPr>
           <a:xfrm>
-            <a:off x="-1" y="8847000"/>
-            <a:ext cx="6488999" cy="297000"/>
+            <a:off x="-1" y="8892000"/>
+            <a:ext cx="6488999" cy="252000"/>
           </a:xfrm>
           <a:prstGeom prst="rect">
             <a:avLst/>
@@ -1849,26 +1880,31 @@
           </a:lstStyle>
           <a:p>
             <a:r>
-              <a:rPr lang="en-US"/>
-              <a:t>© SoftUni – </a:t>
-            </a:r>
-            <a:r>
-              <a:rPr lang="en-US" u="sng">
+              <a:rPr lang="bg-BG" sz="1100" dirty="0"/>
+              <a:t>Работна група </a:t>
+            </a:r>
+            <a:r>
+              <a:rPr lang="bg-BG" dirty="0"/>
+              <a:t>"Образование по програмиране и ИТ"</a:t>
+            </a:r>
+            <a:r>
+              <a:rPr lang="bg-BG" sz="1100" dirty="0"/>
+              <a:t>, с подкрепата на </a:t>
+            </a:r>
+            <a:r>
+              <a:rPr lang="en-US" sz="1100" dirty="0">
                 <a:hlinkClick r:id="rId3"/>
               </a:rPr>
-              <a:t>https://softuni.org</a:t>
-            </a:r>
-            <a:r>
-              <a:rPr lang="en-US"/>
-              <a:t>. Copyrighted document. Unauthorized copy or reproduction is not permitted.</a:t>
-            </a:r>
+              <a:t>SoftUni</a:t>
+            </a:r>
+            <a:endParaRPr lang="en-US" sz="1100" dirty="0"/>
           </a:p>
         </p:txBody>
       </p:sp>
     </p:spTree>
     <p:extLst>
       <p:ext uri="{BB962C8B-B14F-4D97-AF65-F5344CB8AC3E}">
-        <p14:creationId xmlns:p14="http://schemas.microsoft.com/office/powerpoint/2010/main" val="93676303"/>
+        <p14:creationId xmlns:p14="http://schemas.microsoft.com/office/powerpoint/2010/main" val="1997793697"/>
       </p:ext>
     </p:extLst>
   </p:cSld>
@@ -2052,16 +2088,16 @@
               <a:pPr/>
               <a:t>29</a:t>
             </a:fld>
-            <a:endParaRPr lang="en-US"/>
+            <a:endParaRPr lang="en-US" dirty="0"/>
           </a:p>
         </p:txBody>
       </p:sp>
       <p:sp>
         <p:nvSpPr>
-          <p:cNvPr id="7" name="Footer Placeholder 7">
+          <p:cNvPr id="5" name="Footer Placeholder 7">
             <a:extLst>
               <a:ext uri="{FF2B5EF4-FFF2-40B4-BE49-F238E27FC236}">
-                <a16:creationId xmlns:a16="http://schemas.microsoft.com/office/drawing/2014/main" id="{6440DE1F-FF39-450B-9BB2-FD91A9B92021}"/>
+                <a16:creationId xmlns:a16="http://schemas.microsoft.com/office/drawing/2014/main" id="{2AE3FAC6-144B-E792-1337-0B70224CF314}"/>
               </a:ext>
             </a:extLst>
           </p:cNvPr>
@@ -2074,8 +2110,8 @@
         </p:nvSpPr>
         <p:spPr>
           <a:xfrm>
-            <a:off x="-1" y="8847000"/>
-            <a:ext cx="6488999" cy="297000"/>
+            <a:off x="-1" y="8892000"/>
+            <a:ext cx="6488999" cy="252000"/>
           </a:xfrm>
           <a:prstGeom prst="rect">
             <a:avLst/>
@@ -2090,26 +2126,31 @@
           </a:lstStyle>
           <a:p>
             <a:r>
-              <a:rPr lang="en-US"/>
-              <a:t>© SoftUni – </a:t>
-            </a:r>
-            <a:r>
-              <a:rPr lang="en-US" u="sng">
+              <a:rPr lang="bg-BG" sz="1100" dirty="0"/>
+              <a:t>Работна група </a:t>
+            </a:r>
+            <a:r>
+              <a:rPr lang="bg-BG" dirty="0"/>
+              <a:t>"Образование по програмиране и ИТ"</a:t>
+            </a:r>
+            <a:r>
+              <a:rPr lang="bg-BG" sz="1100" dirty="0"/>
+              <a:t>, с подкрепата на </a:t>
+            </a:r>
+            <a:r>
+              <a:rPr lang="en-US" sz="1100" dirty="0">
                 <a:hlinkClick r:id="rId3"/>
               </a:rPr>
-              <a:t>https://softuni.org</a:t>
-            </a:r>
-            <a:r>
-              <a:rPr lang="en-US"/>
-              <a:t>. Copyrighted document. Unauthorized copy or reproduction is not permitted.</a:t>
-            </a:r>
+              <a:t>SoftUni</a:t>
+            </a:r>
+            <a:endParaRPr lang="en-US" sz="1100" dirty="0"/>
           </a:p>
         </p:txBody>
       </p:sp>
     </p:spTree>
     <p:extLst>
       <p:ext uri="{BB962C8B-B14F-4D97-AF65-F5344CB8AC3E}">
-        <p14:creationId xmlns:p14="http://schemas.microsoft.com/office/powerpoint/2010/main" val="2767550425"/>
+        <p14:creationId xmlns:p14="http://schemas.microsoft.com/office/powerpoint/2010/main" val="873861646"/>
       </p:ext>
     </p:extLst>
   </p:cSld>
@@ -2195,10 +2236,10 @@
       </p:sp>
       <p:sp>
         <p:nvSpPr>
-          <p:cNvPr id="6" name="Footer Placeholder 7">
+          <p:cNvPr id="2" name="Footer Placeholder 7">
             <a:extLst>
               <a:ext uri="{FF2B5EF4-FFF2-40B4-BE49-F238E27FC236}">
-                <a16:creationId xmlns:a16="http://schemas.microsoft.com/office/drawing/2014/main" id="{E26A172B-48E5-4E83-BE6F-90F3D68A4E12}"/>
+                <a16:creationId xmlns:a16="http://schemas.microsoft.com/office/drawing/2014/main" id="{98F96A6D-2933-4133-3BFA-09B34E0B9AF1}"/>
               </a:ext>
             </a:extLst>
           </p:cNvPr>
@@ -2211,8 +2252,8 @@
         </p:nvSpPr>
         <p:spPr>
           <a:xfrm>
-            <a:off x="-1" y="8847000"/>
-            <a:ext cx="6488999" cy="297000"/>
+            <a:off x="-1" y="8892000"/>
+            <a:ext cx="6488999" cy="252000"/>
           </a:xfrm>
           <a:prstGeom prst="rect">
             <a:avLst/>
@@ -2227,26 +2268,31 @@
           </a:lstStyle>
           <a:p>
             <a:r>
-              <a:rPr lang="en-US"/>
-              <a:t>© SoftUni – </a:t>
-            </a:r>
-            <a:r>
-              <a:rPr lang="en-US" u="sng">
+              <a:rPr lang="bg-BG" sz="1100" dirty="0"/>
+              <a:t>Работна група </a:t>
+            </a:r>
+            <a:r>
+              <a:rPr lang="bg-BG" dirty="0"/>
+              <a:t>"Образование по програмиране и ИТ"</a:t>
+            </a:r>
+            <a:r>
+              <a:rPr lang="bg-BG" sz="1100" dirty="0"/>
+              <a:t>, с подкрепата на </a:t>
+            </a:r>
+            <a:r>
+              <a:rPr lang="en-US" sz="1100" dirty="0">
                 <a:hlinkClick r:id="rId3"/>
               </a:rPr>
-              <a:t>https://softuni.org</a:t>
-            </a:r>
-            <a:r>
-              <a:rPr lang="en-US"/>
-              <a:t>. Copyrighted document. Unauthorized copy or reproduction is not permitted.</a:t>
-            </a:r>
+              <a:t>SoftUni</a:t>
+            </a:r>
+            <a:endParaRPr lang="en-US" sz="1100" dirty="0"/>
           </a:p>
         </p:txBody>
       </p:sp>
     </p:spTree>
     <p:extLst>
       <p:ext uri="{BB962C8B-B14F-4D97-AF65-F5344CB8AC3E}">
-        <p14:creationId xmlns:p14="http://schemas.microsoft.com/office/powerpoint/2010/main" val="2660436326"/>
+        <p14:creationId xmlns:p14="http://schemas.microsoft.com/office/powerpoint/2010/main" val="3914208577"/>
       </p:ext>
     </p:extLst>
   </p:cSld>
@@ -2329,7 +2375,13 @@
       </p:sp>
       <p:sp>
         <p:nvSpPr>
-          <p:cNvPr id="5" name="Footer Placeholder 4"/>
+          <p:cNvPr id="6" name="Footer Placeholder 7">
+            <a:extLst>
+              <a:ext uri="{FF2B5EF4-FFF2-40B4-BE49-F238E27FC236}">
+                <a16:creationId xmlns:a16="http://schemas.microsoft.com/office/drawing/2014/main" id="{11FC5578-6E75-355F-16C4-AA20201AF88A}"/>
+              </a:ext>
+            </a:extLst>
+          </p:cNvPr>
           <p:cNvSpPr>
             <a:spLocks noGrp="1"/>
           </p:cNvSpPr>
@@ -2337,32 +2389,49 @@
             <p:ph type="ftr" sz="quarter" idx="4"/>
           </p:nvPr>
         </p:nvSpPr>
-        <p:spPr/>
+        <p:spPr>
+          <a:xfrm>
+            <a:off x="-1" y="8892000"/>
+            <a:ext cx="6488999" cy="252000"/>
+          </a:xfrm>
+          <a:prstGeom prst="rect">
+            <a:avLst/>
+          </a:prstGeom>
+        </p:spPr>
         <p:txBody>
-          <a:bodyPr/>
-          <a:lstStyle/>
-          <a:p>
-            <a:r>
-              <a:rPr lang="en-US"/>
-              <a:t>© SoftUni – </a:t>
-            </a:r>
-            <a:r>
-              <a:rPr lang="en-US" u="sng">
+          <a:bodyPr vert="horz" lIns="91440" tIns="45720" rIns="91440" bIns="45720" rtlCol="0" anchor="b"/>
+          <a:lstStyle>
+            <a:lvl1pPr algn="l">
+              <a:defRPr sz="1100"/>
+            </a:lvl1pPr>
+          </a:lstStyle>
+          <a:p>
+            <a:r>
+              <a:rPr lang="bg-BG" sz="1100" dirty="0"/>
+              <a:t>Работна група </a:t>
+            </a:r>
+            <a:r>
+              <a:rPr lang="bg-BG" dirty="0"/>
+              <a:t>"Образование по програмиране и ИТ"</a:t>
+            </a:r>
+            <a:r>
+              <a:rPr lang="bg-BG" sz="1100" dirty="0"/>
+              <a:t>, с подкрепата на </a:t>
+            </a:r>
+            <a:r>
+              <a:rPr lang="en-US" sz="1100" dirty="0">
                 <a:hlinkClick r:id="rId3"/>
               </a:rPr>
-              <a:t>https://softuni.org</a:t>
-            </a:r>
-            <a:r>
-              <a:rPr lang="en-US"/>
-              <a:t>. Copyrighted document. Unauthorized copy or reproduction is not permitted.</a:t>
-            </a:r>
+              <a:t>SoftUni</a:t>
+            </a:r>
+            <a:endParaRPr lang="en-US" sz="1100" dirty="0"/>
           </a:p>
         </p:txBody>
       </p:sp>
     </p:spTree>
     <p:extLst>
       <p:ext uri="{BB962C8B-B14F-4D97-AF65-F5344CB8AC3E}">
-        <p14:creationId xmlns:p14="http://schemas.microsoft.com/office/powerpoint/2010/main" val="2619745645"/>
+        <p14:creationId xmlns:p14="http://schemas.microsoft.com/office/powerpoint/2010/main" val="1275795770"/>
       </p:ext>
     </p:extLst>
   </p:cSld>
@@ -2453,10 +2522,10 @@
       </p:sp>
       <p:sp>
         <p:nvSpPr>
-          <p:cNvPr id="6" name="Footer Placeholder 7">
+          <p:cNvPr id="2" name="Footer Placeholder 7">
             <a:extLst>
               <a:ext uri="{FF2B5EF4-FFF2-40B4-BE49-F238E27FC236}">
-                <a16:creationId xmlns:a16="http://schemas.microsoft.com/office/drawing/2014/main" id="{45D2FF36-952E-4296-9CFE-EE129A3112CF}"/>
+                <a16:creationId xmlns:a16="http://schemas.microsoft.com/office/drawing/2014/main" id="{C74333D2-371F-A3B5-123D-D8183390208A}"/>
               </a:ext>
             </a:extLst>
           </p:cNvPr>
@@ -2469,8 +2538,8 @@
         </p:nvSpPr>
         <p:spPr>
           <a:xfrm>
-            <a:off x="-1" y="8847000"/>
-            <a:ext cx="6488999" cy="297000"/>
+            <a:off x="-1" y="8892000"/>
+            <a:ext cx="6488999" cy="252000"/>
           </a:xfrm>
           <a:prstGeom prst="rect">
             <a:avLst/>
@@ -2485,26 +2554,31 @@
           </a:lstStyle>
           <a:p>
             <a:r>
-              <a:rPr lang="en-US"/>
-              <a:t>© SoftUni – </a:t>
-            </a:r>
-            <a:r>
-              <a:rPr lang="en-US" u="sng">
+              <a:rPr lang="bg-BG" sz="1100" dirty="0"/>
+              <a:t>Работна група </a:t>
+            </a:r>
+            <a:r>
+              <a:rPr lang="bg-BG" dirty="0"/>
+              <a:t>"Образование по програмиране и ИТ"</a:t>
+            </a:r>
+            <a:r>
+              <a:rPr lang="bg-BG" sz="1100" dirty="0"/>
+              <a:t>, с подкрепата на </a:t>
+            </a:r>
+            <a:r>
+              <a:rPr lang="en-US" sz="1100" dirty="0">
                 <a:hlinkClick r:id="rId3"/>
               </a:rPr>
-              <a:t>https://softuni.org</a:t>
-            </a:r>
-            <a:r>
-              <a:rPr lang="en-US"/>
-              <a:t>. Copyrighted document. Unauthorized copy or reproduction is not permitted.</a:t>
-            </a:r>
+              <a:t>SoftUni</a:t>
+            </a:r>
+            <a:endParaRPr lang="en-US" sz="1100" dirty="0"/>
           </a:p>
         </p:txBody>
       </p:sp>
     </p:spTree>
     <p:extLst>
       <p:ext uri="{BB962C8B-B14F-4D97-AF65-F5344CB8AC3E}">
-        <p14:creationId xmlns:p14="http://schemas.microsoft.com/office/powerpoint/2010/main" val="4121568492"/>
+        <p14:creationId xmlns:p14="http://schemas.microsoft.com/office/powerpoint/2010/main" val="1844120147"/>
       </p:ext>
     </p:extLst>
   </p:cSld>
@@ -2595,10 +2669,10 @@
       </p:sp>
       <p:sp>
         <p:nvSpPr>
-          <p:cNvPr id="6" name="Footer Placeholder 7">
+          <p:cNvPr id="2" name="Footer Placeholder 7">
             <a:extLst>
               <a:ext uri="{FF2B5EF4-FFF2-40B4-BE49-F238E27FC236}">
-                <a16:creationId xmlns:a16="http://schemas.microsoft.com/office/drawing/2014/main" id="{6C8222CB-B7C3-40BD-A7E4-68AEA80255D3}"/>
+                <a16:creationId xmlns:a16="http://schemas.microsoft.com/office/drawing/2014/main" id="{53D3517E-B354-DAD9-5671-F25442CB37A4}"/>
               </a:ext>
             </a:extLst>
           </p:cNvPr>
@@ -2611,8 +2685,8 @@
         </p:nvSpPr>
         <p:spPr>
           <a:xfrm>
-            <a:off x="-1" y="8847000"/>
-            <a:ext cx="6488999" cy="297000"/>
+            <a:off x="-1" y="8892000"/>
+            <a:ext cx="6488999" cy="252000"/>
           </a:xfrm>
           <a:prstGeom prst="rect">
             <a:avLst/>
@@ -2627,26 +2701,31 @@
           </a:lstStyle>
           <a:p>
             <a:r>
-              <a:rPr lang="en-US"/>
-              <a:t>© SoftUni – </a:t>
-            </a:r>
-            <a:r>
-              <a:rPr lang="en-US" u="sng">
+              <a:rPr lang="bg-BG" sz="1100" dirty="0"/>
+              <a:t>Работна група </a:t>
+            </a:r>
+            <a:r>
+              <a:rPr lang="bg-BG" dirty="0"/>
+              <a:t>"Образование по програмиране и ИТ"</a:t>
+            </a:r>
+            <a:r>
+              <a:rPr lang="bg-BG" sz="1100" dirty="0"/>
+              <a:t>, с подкрепата на </a:t>
+            </a:r>
+            <a:r>
+              <a:rPr lang="en-US" sz="1100" dirty="0">
                 <a:hlinkClick r:id="rId3"/>
               </a:rPr>
-              <a:t>https://softuni.org</a:t>
-            </a:r>
-            <a:r>
-              <a:rPr lang="en-US"/>
-              <a:t>. Copyrighted document. Unauthorized copy or reproduction is not permitted.</a:t>
-            </a:r>
+              <a:t>SoftUni</a:t>
+            </a:r>
+            <a:endParaRPr lang="en-US" sz="1100" dirty="0"/>
           </a:p>
         </p:txBody>
       </p:sp>
     </p:spTree>
     <p:extLst>
       <p:ext uri="{BB962C8B-B14F-4D97-AF65-F5344CB8AC3E}">
-        <p14:creationId xmlns:p14="http://schemas.microsoft.com/office/powerpoint/2010/main" val="280675913"/>
+        <p14:creationId xmlns:p14="http://schemas.microsoft.com/office/powerpoint/2010/main" val="1335191289"/>
       </p:ext>
     </p:extLst>
   </p:cSld>
@@ -2737,10 +2816,10 @@
       </p:sp>
       <p:sp>
         <p:nvSpPr>
-          <p:cNvPr id="6" name="Footer Placeholder 7">
+          <p:cNvPr id="2" name="Footer Placeholder 7">
             <a:extLst>
               <a:ext uri="{FF2B5EF4-FFF2-40B4-BE49-F238E27FC236}">
-                <a16:creationId xmlns:a16="http://schemas.microsoft.com/office/drawing/2014/main" id="{377A65A9-7300-4B52-B53F-21F34B8C4B70}"/>
+                <a16:creationId xmlns:a16="http://schemas.microsoft.com/office/drawing/2014/main" id="{55125398-DBB8-3A01-6444-4937559122EF}"/>
               </a:ext>
             </a:extLst>
           </p:cNvPr>
@@ -2753,8 +2832,8 @@
         </p:nvSpPr>
         <p:spPr>
           <a:xfrm>
-            <a:off x="-1" y="8847000"/>
-            <a:ext cx="6488999" cy="297000"/>
+            <a:off x="-1" y="8892000"/>
+            <a:ext cx="6488999" cy="252000"/>
           </a:xfrm>
           <a:prstGeom prst="rect">
             <a:avLst/>
@@ -2769,26 +2848,31 @@
           </a:lstStyle>
           <a:p>
             <a:r>
-              <a:rPr lang="en-US"/>
-              <a:t>© SoftUni – </a:t>
-            </a:r>
-            <a:r>
-              <a:rPr lang="en-US" u="sng">
+              <a:rPr lang="bg-BG" sz="1100" dirty="0"/>
+              <a:t>Работна група </a:t>
+            </a:r>
+            <a:r>
+              <a:rPr lang="bg-BG" dirty="0"/>
+              <a:t>"Образование по програмиране и ИТ"</a:t>
+            </a:r>
+            <a:r>
+              <a:rPr lang="bg-BG" sz="1100" dirty="0"/>
+              <a:t>, с подкрепата на </a:t>
+            </a:r>
+            <a:r>
+              <a:rPr lang="en-US" sz="1100" dirty="0">
                 <a:hlinkClick r:id="rId3"/>
               </a:rPr>
-              <a:t>https://softuni.org</a:t>
-            </a:r>
-            <a:r>
-              <a:rPr lang="en-US"/>
-              <a:t>. Copyrighted document. Unauthorized copy or reproduction is not permitted.</a:t>
-            </a:r>
+              <a:t>SoftUni</a:t>
+            </a:r>
+            <a:endParaRPr lang="en-US" sz="1100" dirty="0"/>
           </a:p>
         </p:txBody>
       </p:sp>
     </p:spTree>
     <p:extLst>
       <p:ext uri="{BB962C8B-B14F-4D97-AF65-F5344CB8AC3E}">
-        <p14:creationId xmlns:p14="http://schemas.microsoft.com/office/powerpoint/2010/main" val="1685973392"/>
+        <p14:creationId xmlns:p14="http://schemas.microsoft.com/office/powerpoint/2010/main" val="2181811689"/>
       </p:ext>
     </p:extLst>
   </p:cSld>
@@ -2879,10 +2963,10 @@
       </p:sp>
       <p:sp>
         <p:nvSpPr>
-          <p:cNvPr id="6" name="Footer Placeholder 7">
+          <p:cNvPr id="2" name="Footer Placeholder 7">
             <a:extLst>
               <a:ext uri="{FF2B5EF4-FFF2-40B4-BE49-F238E27FC236}">
-                <a16:creationId xmlns:a16="http://schemas.microsoft.com/office/drawing/2014/main" id="{EDC3A525-A548-404C-99C8-027807BDB603}"/>
+                <a16:creationId xmlns:a16="http://schemas.microsoft.com/office/drawing/2014/main" id="{CC307100-F238-B3A1-2939-65498AB1643A}"/>
               </a:ext>
             </a:extLst>
           </p:cNvPr>
@@ -2895,8 +2979,8 @@
         </p:nvSpPr>
         <p:spPr>
           <a:xfrm>
-            <a:off x="-1" y="8847000"/>
-            <a:ext cx="6488999" cy="297000"/>
+            <a:off x="-1" y="8892000"/>
+            <a:ext cx="6488999" cy="252000"/>
           </a:xfrm>
           <a:prstGeom prst="rect">
             <a:avLst/>
@@ -2911,26 +2995,31 @@
           </a:lstStyle>
           <a:p>
             <a:r>
-              <a:rPr lang="en-US"/>
-              <a:t>© SoftUni – </a:t>
-            </a:r>
-            <a:r>
-              <a:rPr lang="en-US" u="sng">
+              <a:rPr lang="bg-BG" sz="1100" dirty="0"/>
+              <a:t>Работна група </a:t>
+            </a:r>
+            <a:r>
+              <a:rPr lang="bg-BG" dirty="0"/>
+              <a:t>"Образование по програмиране и ИТ"</a:t>
+            </a:r>
+            <a:r>
+              <a:rPr lang="bg-BG" sz="1100" dirty="0"/>
+              <a:t>, с подкрепата на </a:t>
+            </a:r>
+            <a:r>
+              <a:rPr lang="en-US" sz="1100" dirty="0">
                 <a:hlinkClick r:id="rId3"/>
               </a:rPr>
-              <a:t>https://softuni.org</a:t>
-            </a:r>
-            <a:r>
-              <a:rPr lang="en-US"/>
-              <a:t>. Copyrighted document. Unauthorized copy or reproduction is not permitted.</a:t>
-            </a:r>
+              <a:t>SoftUni</a:t>
+            </a:r>
+            <a:endParaRPr lang="en-US" sz="1100" dirty="0"/>
           </a:p>
         </p:txBody>
       </p:sp>
     </p:spTree>
     <p:extLst>
       <p:ext uri="{BB962C8B-B14F-4D97-AF65-F5344CB8AC3E}">
-        <p14:creationId xmlns:p14="http://schemas.microsoft.com/office/powerpoint/2010/main" val="1259705094"/>
+        <p14:creationId xmlns:p14="http://schemas.microsoft.com/office/powerpoint/2010/main" val="3932796104"/>
       </p:ext>
     </p:extLst>
   </p:cSld>
@@ -3021,10 +3110,10 @@
       </p:sp>
       <p:sp>
         <p:nvSpPr>
-          <p:cNvPr id="6" name="Footer Placeholder 7">
+          <p:cNvPr id="2" name="Footer Placeholder 7">
             <a:extLst>
               <a:ext uri="{FF2B5EF4-FFF2-40B4-BE49-F238E27FC236}">
-                <a16:creationId xmlns:a16="http://schemas.microsoft.com/office/drawing/2014/main" id="{E1BC352E-B394-4CB7-A416-44040F6493A2}"/>
+                <a16:creationId xmlns:a16="http://schemas.microsoft.com/office/drawing/2014/main" id="{29C97A70-DDB6-4D32-DDF6-5334EB5E4FC8}"/>
               </a:ext>
             </a:extLst>
           </p:cNvPr>
@@ -3037,8 +3126,8 @@
         </p:nvSpPr>
         <p:spPr>
           <a:xfrm>
-            <a:off x="-1" y="8847000"/>
-            <a:ext cx="6488999" cy="297000"/>
+            <a:off x="-1" y="8892000"/>
+            <a:ext cx="6488999" cy="252000"/>
           </a:xfrm>
           <a:prstGeom prst="rect">
             <a:avLst/>
@@ -3053,26 +3142,31 @@
           </a:lstStyle>
           <a:p>
             <a:r>
-              <a:rPr lang="en-US"/>
-              <a:t>© SoftUni – </a:t>
-            </a:r>
-            <a:r>
-              <a:rPr lang="en-US" u="sng">
+              <a:rPr lang="bg-BG" sz="1100" dirty="0"/>
+              <a:t>Работна група </a:t>
+            </a:r>
+            <a:r>
+              <a:rPr lang="bg-BG" dirty="0"/>
+              <a:t>"Образование по програмиране и ИТ"</a:t>
+            </a:r>
+            <a:r>
+              <a:rPr lang="bg-BG" sz="1100" dirty="0"/>
+              <a:t>, с подкрепата на </a:t>
+            </a:r>
+            <a:r>
+              <a:rPr lang="en-US" sz="1100" dirty="0">
                 <a:hlinkClick r:id="rId3"/>
               </a:rPr>
-              <a:t>https://softuni.org</a:t>
-            </a:r>
-            <a:r>
-              <a:rPr lang="en-US"/>
-              <a:t>. Copyrighted document. Unauthorized copy or reproduction is not permitted.</a:t>
-            </a:r>
+              <a:t>SoftUni</a:t>
+            </a:r>
+            <a:endParaRPr lang="en-US" sz="1100" dirty="0"/>
           </a:p>
         </p:txBody>
       </p:sp>
     </p:spTree>
     <p:extLst>
       <p:ext uri="{BB962C8B-B14F-4D97-AF65-F5344CB8AC3E}">
-        <p14:creationId xmlns:p14="http://schemas.microsoft.com/office/powerpoint/2010/main" val="3489819165"/>
+        <p14:creationId xmlns:p14="http://schemas.microsoft.com/office/powerpoint/2010/main" val="3831013128"/>
       </p:ext>
     </p:extLst>
   </p:cSld>
@@ -3163,10 +3257,10 @@
       </p:sp>
       <p:sp>
         <p:nvSpPr>
-          <p:cNvPr id="6" name="Footer Placeholder 7">
+          <p:cNvPr id="2" name="Footer Placeholder 7">
             <a:extLst>
               <a:ext uri="{FF2B5EF4-FFF2-40B4-BE49-F238E27FC236}">
-                <a16:creationId xmlns:a16="http://schemas.microsoft.com/office/drawing/2014/main" id="{15886A89-C7EE-45BF-89FE-49CD52B1F0DE}"/>
+                <a16:creationId xmlns:a16="http://schemas.microsoft.com/office/drawing/2014/main" id="{FED36DB6-E2A3-A85D-4849-8C96A740EE5F}"/>
               </a:ext>
             </a:extLst>
           </p:cNvPr>
@@ -3179,8 +3273,8 @@
         </p:nvSpPr>
         <p:spPr>
           <a:xfrm>
-            <a:off x="-1" y="8847000"/>
-            <a:ext cx="6488999" cy="297000"/>
+            <a:off x="-1" y="8892000"/>
+            <a:ext cx="6488999" cy="252000"/>
           </a:xfrm>
           <a:prstGeom prst="rect">
             <a:avLst/>
@@ -3195,26 +3289,31 @@
           </a:lstStyle>
           <a:p>
             <a:r>
-              <a:rPr lang="en-US"/>
-              <a:t>© SoftUni – </a:t>
-            </a:r>
-            <a:r>
-              <a:rPr lang="en-US" u="sng">
+              <a:rPr lang="bg-BG" sz="1100" dirty="0"/>
+              <a:t>Работна група </a:t>
+            </a:r>
+            <a:r>
+              <a:rPr lang="bg-BG" dirty="0"/>
+              <a:t>"Образование по програмиране и ИТ"</a:t>
+            </a:r>
+            <a:r>
+              <a:rPr lang="bg-BG" sz="1100" dirty="0"/>
+              <a:t>, с подкрепата на </a:t>
+            </a:r>
+            <a:r>
+              <a:rPr lang="en-US" sz="1100" dirty="0">
                 <a:hlinkClick r:id="rId3"/>
               </a:rPr>
-              <a:t>https://softuni.org</a:t>
-            </a:r>
-            <a:r>
-              <a:rPr lang="en-US"/>
-              <a:t>. Copyrighted document. Unauthorized copy or reproduction is not permitted.</a:t>
-            </a:r>
+              <a:t>SoftUni</a:t>
+            </a:r>
+            <a:endParaRPr lang="en-US" sz="1100" dirty="0"/>
           </a:p>
         </p:txBody>
       </p:sp>
     </p:spTree>
     <p:extLst>
       <p:ext uri="{BB962C8B-B14F-4D97-AF65-F5344CB8AC3E}">
-        <p14:creationId xmlns:p14="http://schemas.microsoft.com/office/powerpoint/2010/main" val="2983617720"/>
+        <p14:creationId xmlns:p14="http://schemas.microsoft.com/office/powerpoint/2010/main" val="3699478269"/>
       </p:ext>
     </p:extLst>
   </p:cSld>
@@ -3225,7 +3324,7 @@
 </file>
 
 <file path=ppt/slideLayouts/slideLayout1.xml><?xml version="1.0" encoding="utf-8"?>
-<p:sldLayout xmlns:a="http://schemas.openxmlformats.org/drawingml/2006/main" xmlns:r="http://schemas.openxmlformats.org/officeDocument/2006/relationships" xmlns:p="http://schemas.openxmlformats.org/presentationml/2006/main" preserve="1">
+<p:sldLayout xmlns:a="http://schemas.openxmlformats.org/drawingml/2006/main" xmlns:r="http://schemas.openxmlformats.org/officeDocument/2006/relationships" xmlns:p="http://schemas.openxmlformats.org/presentationml/2006/main" preserve="1" userDrawn="1">
   <p:cSld name="Presentation Title Slide">
     <p:spTree>
       <p:nvGrpSpPr>
@@ -3251,7 +3350,7 @@
             </a:extLst>
           </p:cNvPr>
           <p:cNvSpPr/>
-          <p:nvPr/>
+          <p:nvPr userDrawn="1"/>
         </p:nvSpPr>
         <p:spPr>
           <a:xfrm>
@@ -3322,55 +3421,139 @@
           </a:p>
         </p:txBody>
       </p:sp>
-      <p:pic>
-        <p:nvPicPr>
-          <p:cNvPr id="14" name="Picture Logo SoftUni" descr="SoftUni logo">
+      <p:sp>
+        <p:nvSpPr>
+          <p:cNvPr id="33" name="Picture Placeholder Title Image">
             <a:extLst>
               <a:ext uri="{FF2B5EF4-FFF2-40B4-BE49-F238E27FC236}">
-                <a16:creationId xmlns:a16="http://schemas.microsoft.com/office/drawing/2014/main" id="{C4D6B2A2-DFF0-4712-BFEC-6676BEC99FEC}"/>
+                <a16:creationId xmlns:a16="http://schemas.microsoft.com/office/drawing/2014/main" id="{A04D819A-89E2-4714-8C56-1838BF467EF7}"/>
               </a:ext>
             </a:extLst>
           </p:cNvPr>
-          <p:cNvPicPr>
-            <a:picLocks noChangeAspect="1"/>
-          </p:cNvPicPr>
-          <p:nvPr userDrawn="1"/>
-        </p:nvPicPr>
-        <p:blipFill>
-          <a:blip r:embed="rId2">
-            <a:clrChange>
-              <a:clrFrom>
-                <a:srgbClr val="FFFFFF"/>
-              </a:clrFrom>
-              <a:clrTo>
-                <a:srgbClr val="FFFFFF">
-                  <a:alpha val="0"/>
-                </a:srgbClr>
-              </a:clrTo>
-            </a:clrChange>
+          <p:cNvSpPr>
+            <a:spLocks noGrp="1"/>
+          </p:cNvSpPr>
+          <p:nvPr>
+            <p:ph type="pic" sz="quarter" idx="10"/>
+          </p:nvPr>
+        </p:nvSpPr>
+        <p:spPr>
+          <a:xfrm>
+            <a:off x="6390123" y="3400017"/>
+            <a:ext cx="5248260" cy="2188983"/>
+          </a:xfrm>
+        </p:spPr>
+        <p:txBody>
+          <a:bodyPr/>
+          <a:lstStyle>
+            <a:lvl1pPr marL="0" indent="0" algn="ctr" latinLnBrk="0">
+              <a:buNone/>
+              <a:defRPr>
+                <a:solidFill>
+                  <a:schemeClr val="bg1"/>
+                </a:solidFill>
+              </a:defRPr>
+            </a:lvl1pPr>
+          </a:lstStyle>
+          <a:p>
+            <a:r>
+              <a:rPr lang="en-US" noProof="0" dirty="0"/>
+              <a:t>Click icon to add picture</a:t>
+            </a:r>
+          </a:p>
+        </p:txBody>
+      </p:sp>
+      <p:sp>
+        <p:nvSpPr>
+          <p:cNvPr id="10" name="Company Web Site">
             <a:extLst>
-              <a:ext uri="{28A0092B-C50C-407E-A947-70E740481C1C}">
-                <a14:useLocalDpi xmlns:a14="http://schemas.microsoft.com/office/drawing/2010/main" val="0"/>
+              <a:ext uri="{FF2B5EF4-FFF2-40B4-BE49-F238E27FC236}">
+                <a16:creationId xmlns:a16="http://schemas.microsoft.com/office/drawing/2014/main" id="{0B99B1EE-62FA-4AA4-920C-D444D6C0B778}"/>
               </a:ext>
             </a:extLst>
-          </a:blip>
-          <a:stretch>
-            <a:fillRect/>
-          </a:stretch>
-        </p:blipFill>
+          </p:cNvPr>
+          <p:cNvSpPr>
+            <a:spLocks noGrp="1"/>
+          </p:cNvSpPr>
+          <p:nvPr>
+            <p:ph type="body" sz="quarter" idx="22" hasCustomPrompt="1"/>
+          </p:nvPr>
+        </p:nvSpPr>
         <p:spPr>
           <a:xfrm>
-            <a:off x="4324460" y="5184000"/>
-            <a:ext cx="3751540" cy="1297655"/>
+            <a:off x="6390120" y="6086106"/>
+            <a:ext cx="5248260" cy="341313"/>
           </a:xfrm>
-          <a:prstGeom prst="rect">
-            <a:avLst/>
-          </a:prstGeom>
         </p:spPr>
-      </p:pic>
+        <p:txBody>
+          <a:bodyPr lIns="36000" rIns="36000" anchor="ctr" anchorCtr="0">
+            <a:noAutofit/>
+          </a:bodyPr>
+          <a:lstStyle>
+            <a:lvl1pPr marL="0" indent="0" algn="r">
+              <a:buNone/>
+              <a:defRPr sz="1800"/>
+            </a:lvl1pPr>
+          </a:lstStyle>
+          <a:p>
+            <a:pPr lvl="0"/>
+            <a:r>
+              <a:rPr lang="en-US" dirty="0"/>
+              <a:t>https://softuni.foundation  </a:t>
+            </a:r>
+          </a:p>
+        </p:txBody>
+      </p:sp>
       <p:sp>
         <p:nvSpPr>
-          <p:cNvPr id="31" name="Text Placeholder Company Site">
+          <p:cNvPr id="6" name="Company Name">
+            <a:extLst>
+              <a:ext uri="{FF2B5EF4-FFF2-40B4-BE49-F238E27FC236}">
+                <a16:creationId xmlns:a16="http://schemas.microsoft.com/office/drawing/2014/main" id="{2A76510A-0BAE-A827-E77C-BE88E38F52AA}"/>
+              </a:ext>
+            </a:extLst>
+          </p:cNvPr>
+          <p:cNvSpPr>
+            <a:spLocks noGrp="1"/>
+          </p:cNvSpPr>
+          <p:nvPr>
+            <p:ph type="body" sz="quarter" idx="21" hasCustomPrompt="1"/>
+          </p:nvPr>
+        </p:nvSpPr>
+        <p:spPr>
+          <a:xfrm>
+            <a:off x="6390122" y="5698189"/>
+            <a:ext cx="5248260" cy="374236"/>
+          </a:xfrm>
+        </p:spPr>
+        <p:txBody>
+          <a:bodyPr lIns="36000" rIns="36000" anchor="ctr" anchorCtr="0">
+            <a:normAutofit/>
+          </a:bodyPr>
+          <a:lstStyle>
+            <a:lvl1pPr marL="0" indent="0" algn="r">
+              <a:buNone/>
+              <a:defRPr sz="2000" b="1">
+                <a:solidFill>
+                  <a:schemeClr val="tx1">
+                    <a:lumMod val="75000"/>
+                  </a:schemeClr>
+                </a:solidFill>
+              </a:defRPr>
+            </a:lvl1pPr>
+          </a:lstStyle>
+          <a:p>
+            <a:pPr lvl="0"/>
+            <a:r>
+              <a:rPr lang="en-US" dirty="0"/>
+              <a:t>SoftUni Foundation</a:t>
+            </a:r>
+          </a:p>
+        </p:txBody>
+      </p:sp>
+      <p:sp>
+        <p:nvSpPr>
+          <p:cNvPr id="31" name="Author Position">
             <a:extLst>
               <a:ext uri="{FF2B5EF4-FFF2-40B4-BE49-F238E27FC236}">
                 <a16:creationId xmlns:a16="http://schemas.microsoft.com/office/drawing/2014/main" id="{3E6B87B7-9D33-4EBB-BD4F-C0436BA3FD72}"/>
@@ -3386,274 +3569,8 @@
         </p:nvSpPr>
         <p:spPr bwMode="auto">
           <a:xfrm>
-            <a:off x="8708505" y="6130863"/>
-            <a:ext cx="2951518" cy="341556"/>
-          </a:xfrm>
-          <a:prstGeom prst="rect">
-            <a:avLst/>
-          </a:prstGeom>
-          <a:noFill/>
-          <a:effectLst/>
-        </p:spPr>
-        <p:txBody>
-          <a:bodyPr wrap="square" lIns="36000" tIns="36000" rIns="36000" bIns="36000" rtlCol="0" anchor="ctr" anchorCtr="0">
-            <a:noAutofit/>
-          </a:bodyPr>
-          <a:lstStyle>
-            <a:lvl1pPr marL="0" indent="0" algn="r" rtl="0" fontAlgn="base" latinLnBrk="0">
-              <a:spcBef>
-                <a:spcPct val="0"/>
-              </a:spcBef>
-              <a:spcAft>
-                <a:spcPct val="0"/>
-              </a:spcAft>
-              <a:buNone/>
-              <a:defRPr lang="en-US" sz="1798" b="1" kern="1200" dirty="0" smtClean="0">
-                <a:solidFill>
-                  <a:schemeClr val="tx1">
-                    <a:lumMod val="75000"/>
-                  </a:schemeClr>
-                </a:solidFill>
-                <a:effectLst/>
-                <a:latin typeface="+mn-lt"/>
-                <a:ea typeface="+mn-ea"/>
-                <a:cs typeface="+mn-cs"/>
-              </a:defRPr>
-            </a:lvl1pPr>
-          </a:lstStyle>
-          <a:p>
-            <a:pPr lvl="0"/>
-            <a:r>
-              <a:rPr lang="en-US" noProof="0"/>
-              <a:t>Company Web Site</a:t>
-            </a:r>
-          </a:p>
-        </p:txBody>
-      </p:sp>
-      <p:sp>
-        <p:nvSpPr>
-          <p:cNvPr id="30" name="Text Placeholder Company Name">
-            <a:extLst>
-              <a:ext uri="{FF2B5EF4-FFF2-40B4-BE49-F238E27FC236}">
-                <a16:creationId xmlns:a16="http://schemas.microsoft.com/office/drawing/2014/main" id="{2EA92DCA-4DB5-4D03-ACD3-A6A296592D0C}"/>
-              </a:ext>
-            </a:extLst>
-          </p:cNvPr>
-          <p:cNvSpPr>
-            <a:spLocks noGrp="1"/>
-          </p:cNvSpPr>
-          <p:nvPr>
-            <p:ph type="body" sz="quarter" idx="17" hasCustomPrompt="1"/>
-          </p:nvPr>
-        </p:nvSpPr>
-        <p:spPr bwMode="auto">
-          <a:xfrm>
-            <a:off x="8708505" y="5756628"/>
-            <a:ext cx="2951518" cy="367080"/>
-          </a:xfrm>
-          <a:prstGeom prst="rect">
-            <a:avLst/>
-          </a:prstGeom>
-          <a:noFill/>
-          <a:effectLst/>
-        </p:spPr>
-        <p:txBody>
-          <a:bodyPr wrap="square" lIns="36000" tIns="36000" rIns="36000" bIns="36000" rtlCol="0" anchor="ctr" anchorCtr="0">
-            <a:noAutofit/>
-          </a:bodyPr>
-          <a:lstStyle>
-            <a:lvl1pPr marL="0" indent="0" algn="r" rtl="0" fontAlgn="base" latinLnBrk="0">
-              <a:spcBef>
-                <a:spcPct val="0"/>
-              </a:spcBef>
-              <a:spcAft>
-                <a:spcPct val="0"/>
-              </a:spcAft>
-              <a:buNone/>
-              <a:defRPr lang="en-US" sz="1998" b="1" kern="1200" dirty="0" smtClean="0">
-                <a:solidFill>
-                  <a:schemeClr val="tx1">
-                    <a:lumMod val="75000"/>
-                  </a:schemeClr>
-                </a:solidFill>
-                <a:effectLst/>
-                <a:latin typeface="+mn-lt"/>
-                <a:ea typeface="+mn-ea"/>
-                <a:cs typeface="+mn-cs"/>
-              </a:defRPr>
-            </a:lvl1pPr>
-          </a:lstStyle>
-          <a:p>
-            <a:pPr lvl="0"/>
-            <a:r>
-              <a:rPr lang="en-US" noProof="0"/>
-              <a:t>Company Name</a:t>
-            </a:r>
-          </a:p>
-        </p:txBody>
-      </p:sp>
-      <p:pic>
-        <p:nvPicPr>
-          <p:cNvPr id="35" name="Picture SoftUni Mascot" descr="SoftUni mascot">
-            <a:extLst>
-              <a:ext uri="{FF2B5EF4-FFF2-40B4-BE49-F238E27FC236}">
-                <a16:creationId xmlns:a16="http://schemas.microsoft.com/office/drawing/2014/main" id="{951E7DA9-C5F0-43D9-B013-3BDF9EEF029D}"/>
-              </a:ext>
-            </a:extLst>
-          </p:cNvPr>
-          <p:cNvPicPr>
-            <a:picLocks noChangeAspect="1"/>
-          </p:cNvPicPr>
-          <p:nvPr/>
-        </p:nvPicPr>
-        <p:blipFill rotWithShape="1">
-          <a:blip r:embed="rId3" cstate="print">
-            <a:extLst>
-              <a:ext uri="{28A0092B-C50C-407E-A947-70E740481C1C}">
-                <a14:useLocalDpi xmlns:a14="http://schemas.microsoft.com/office/drawing/2010/main" val="0"/>
-              </a:ext>
-            </a:extLst>
-          </a:blip>
-          <a:srcRect/>
-          <a:stretch/>
-        </p:blipFill>
-        <p:spPr>
-          <a:xfrm flipH="1">
-            <a:off x="8848924" y="2609644"/>
-            <a:ext cx="2788893" cy="3018284"/>
-          </a:xfrm>
-          <a:prstGeom prst="rect">
-            <a:avLst/>
-          </a:prstGeom>
-        </p:spPr>
-      </p:pic>
-      <p:pic>
-        <p:nvPicPr>
-          <p:cNvPr id="22" name="Picture Logo Software University" descr="Software University logo">
-            <a:hlinkClick r:id="rId4"/>
-            <a:extLst>
-              <a:ext uri="{FF2B5EF4-FFF2-40B4-BE49-F238E27FC236}">
-                <a16:creationId xmlns:a16="http://schemas.microsoft.com/office/drawing/2014/main" id="{F2315EB3-3FE4-4D3B-921E-5F209CEC13CB}"/>
-              </a:ext>
-            </a:extLst>
-          </p:cNvPr>
-          <p:cNvPicPr>
-            <a:picLocks noChangeAspect="1"/>
-          </p:cNvPicPr>
-          <p:nvPr userDrawn="1"/>
-        </p:nvPicPr>
-        <p:blipFill>
-          <a:blip r:embed="rId5">
-            <a:clrChange>
-              <a:clrFrom>
-                <a:srgbClr val="FFFFFF"/>
-              </a:clrFrom>
-              <a:clrTo>
-                <a:srgbClr val="FFFFFF">
-                  <a:alpha val="0"/>
-                </a:srgbClr>
-              </a:clrTo>
-            </a:clrChange>
-            <a:extLst>
-              <a:ext uri="{28A0092B-C50C-407E-A947-70E740481C1C}">
-                <a14:useLocalDpi xmlns:a14="http://schemas.microsoft.com/office/drawing/2010/main" val="0"/>
-              </a:ext>
-            </a:extLst>
-          </a:blip>
-          <a:stretch>
-            <a:fillRect/>
-          </a:stretch>
-        </p:blipFill>
-        <p:spPr>
-          <a:xfrm>
-            <a:off x="507944" y="5918567"/>
-            <a:ext cx="1830305" cy="628159"/>
-          </a:xfrm>
-          <a:prstGeom prst="rect">
-            <a:avLst/>
-          </a:prstGeom>
-        </p:spPr>
-      </p:pic>
-      <p:sp>
-        <p:nvSpPr>
-          <p:cNvPr id="40" name="Text Placeholder Author Position">
-            <a:extLst>
-              <a:ext uri="{FF2B5EF4-FFF2-40B4-BE49-F238E27FC236}">
-                <a16:creationId xmlns:a16="http://schemas.microsoft.com/office/drawing/2014/main" id="{CD940256-851E-46C8-8BFB-A5ECA6C7DA07}"/>
-              </a:ext>
-            </a:extLst>
-          </p:cNvPr>
-          <p:cNvSpPr>
-            <a:spLocks noGrp="1"/>
-          </p:cNvSpPr>
-          <p:nvPr>
-            <p:ph type="body" sz="quarter" idx="20" hasCustomPrompt="1"/>
-          </p:nvPr>
-        </p:nvSpPr>
-        <p:spPr bwMode="auto">
-          <a:xfrm>
-            <a:off x="553082" y="5344180"/>
-            <a:ext cx="2980696" cy="444793"/>
-          </a:xfrm>
-          <a:prstGeom prst="rect">
-            <a:avLst/>
-          </a:prstGeom>
-          <a:noFill/>
-          <a:effectLst/>
-        </p:spPr>
-        <p:txBody>
-          <a:bodyPr wrap="square" lIns="36000" tIns="36000" rIns="36000" bIns="36000" rtlCol="0" anchor="ctr" anchorCtr="0">
-            <a:spAutoFit/>
-          </a:bodyPr>
-          <a:lstStyle>
-            <a:lvl1pPr marL="0" indent="0" algn="l" rtl="0" fontAlgn="base" latinLnBrk="0">
-              <a:spcBef>
-                <a:spcPct val="0"/>
-              </a:spcBef>
-              <a:spcAft>
-                <a:spcPct val="0"/>
-              </a:spcAft>
-              <a:buNone/>
-              <a:defRPr lang="en-US" sz="2398" b="1" kern="1200" dirty="0" smtClean="0">
-                <a:solidFill>
-                  <a:schemeClr val="tx1"/>
-                </a:solidFill>
-                <a:effectLst/>
-                <a:latin typeface="+mn-lt"/>
-                <a:ea typeface="+mn-ea"/>
-                <a:cs typeface="+mn-cs"/>
-              </a:defRPr>
-            </a:lvl1pPr>
-          </a:lstStyle>
-          <a:p>
-            <a:pPr lvl="0"/>
-            <a:r>
-              <a:rPr lang="en-US" noProof="0"/>
-              <a:t>Position</a:t>
-            </a:r>
-          </a:p>
-        </p:txBody>
-      </p:sp>
-      <p:sp>
-        <p:nvSpPr>
-          <p:cNvPr id="36" name="Text Placeholder Author Name">
-            <a:extLst>
-              <a:ext uri="{FF2B5EF4-FFF2-40B4-BE49-F238E27FC236}">
-                <a16:creationId xmlns:a16="http://schemas.microsoft.com/office/drawing/2014/main" id="{3B21F47B-DE1F-442D-A2B7-6866F8786704}"/>
-              </a:ext>
-            </a:extLst>
-          </p:cNvPr>
-          <p:cNvSpPr>
-            <a:spLocks noGrp="1"/>
-          </p:cNvSpPr>
-          <p:nvPr>
-            <p:ph type="body" sz="quarter" idx="19" hasCustomPrompt="1"/>
-          </p:nvPr>
-        </p:nvSpPr>
-        <p:spPr bwMode="auto">
-          <a:xfrm>
-            <a:off x="553082" y="4851838"/>
-            <a:ext cx="2980696" cy="454398"/>
+            <a:off x="534045" y="6085863"/>
+            <a:ext cx="4751953" cy="341556"/>
           </a:xfrm>
           <a:prstGeom prst="rect">
             <a:avLst/>
@@ -3674,9 +3591,11 @@
                 <a:spcPct val="0"/>
               </a:spcAft>
               <a:buNone/>
-              <a:defRPr lang="en-US" sz="2798" b="1" kern="1200" dirty="0" smtClean="0">
+              <a:defRPr lang="en-US" sz="1800" b="0" kern="1200" dirty="0" smtClean="0">
                 <a:solidFill>
-                  <a:schemeClr val="tx1"/>
+                  <a:schemeClr val="tx1">
+                    <a:lumMod val="75000"/>
+                  </a:schemeClr>
                 </a:solidFill>
                 <a:effectLst/>
                 <a:latin typeface="+mn-lt"/>
@@ -3688,18 +3607,18 @@
           <a:p>
             <a:pPr lvl="0"/>
             <a:r>
-              <a:rPr lang="en-US" noProof="0"/>
-              <a:t>Author Name</a:t>
+              <a:rPr lang="en-US" noProof="0" dirty="0"/>
+              <a:t>URL</a:t>
             </a:r>
           </a:p>
         </p:txBody>
       </p:sp>
       <p:sp>
         <p:nvSpPr>
-          <p:cNvPr id="33" name="Picture Placeholder Title Image">
+          <p:cNvPr id="30" name="Author Name">
             <a:extLst>
               <a:ext uri="{FF2B5EF4-FFF2-40B4-BE49-F238E27FC236}">
-                <a16:creationId xmlns:a16="http://schemas.microsoft.com/office/drawing/2014/main" id="{A04D819A-89E2-4714-8C56-1838BF467EF7}"/>
+                <a16:creationId xmlns:a16="http://schemas.microsoft.com/office/drawing/2014/main" id="{2EA92DCA-4DB5-4D03-ACD3-A6A296592D0C}"/>
               </a:ext>
             </a:extLst>
           </p:cNvPr>
@@ -3707,31 +3626,51 @@
             <a:spLocks noGrp="1"/>
           </p:cNvSpPr>
           <p:nvPr>
-            <p:ph type="pic" sz="quarter" idx="10"/>
+            <p:ph type="body" sz="quarter" idx="17" hasCustomPrompt="1"/>
           </p:nvPr>
         </p:nvSpPr>
-        <p:spPr>
+        <p:spPr bwMode="auto">
           <a:xfrm>
-            <a:off x="553082" y="2740913"/>
-            <a:ext cx="4642919" cy="1936503"/>
+            <a:off x="534046" y="5251106"/>
+            <a:ext cx="4751954" cy="724904"/>
           </a:xfrm>
+          <a:prstGeom prst="rect">
+            <a:avLst/>
+          </a:prstGeom>
+          <a:noFill/>
+          <a:effectLst/>
         </p:spPr>
         <p:txBody>
-          <a:bodyPr/>
+          <a:bodyPr wrap="square" lIns="36000" tIns="36000" rIns="36000" bIns="36000" rtlCol="0" anchor="ctr" anchorCtr="0">
+            <a:noAutofit/>
+          </a:bodyPr>
           <a:lstStyle>
-            <a:lvl1pPr marL="0" indent="0" algn="ctr" latinLnBrk="0">
+            <a:lvl1pPr marL="0" indent="0" algn="l" rtl="0" fontAlgn="base" latinLnBrk="0">
+              <a:spcBef>
+                <a:spcPct val="0"/>
+              </a:spcBef>
+              <a:spcAft>
+                <a:spcPct val="0"/>
+              </a:spcAft>
               <a:buNone/>
-              <a:defRPr>
+              <a:defRPr lang="en-US" sz="2000" b="1" kern="1200" dirty="0" smtClean="0">
                 <a:solidFill>
-                  <a:schemeClr val="bg1"/>
+                  <a:schemeClr val="tx1">
+                    <a:lumMod val="75000"/>
+                  </a:schemeClr>
                 </a:solidFill>
+                <a:effectLst/>
+                <a:latin typeface="+mn-lt"/>
+                <a:ea typeface="+mn-ea"/>
+                <a:cs typeface="+mn-cs"/>
               </a:defRPr>
             </a:lvl1pPr>
           </a:lstStyle>
           <a:p>
-            <a:r>
-              <a:rPr lang="en-US" noProof="0"/>
-              <a:t>Click icon to add picture</a:t>
+            <a:pPr lvl="0"/>
+            <a:r>
+              <a:rPr lang="en-US" noProof="0" dirty="0"/>
+              <a:t>Authors</a:t>
             </a:r>
           </a:p>
         </p:txBody>
@@ -3754,8 +3693,8 @@
         </p:nvSpPr>
         <p:spPr>
           <a:xfrm>
-            <a:off x="554182" y="1258272"/>
-            <a:ext cx="11083636" cy="1315728"/>
+            <a:off x="554746" y="1402942"/>
+            <a:ext cx="11083636" cy="1306057"/>
           </a:xfrm>
         </p:spPr>
         <p:txBody>
@@ -3765,7 +3704,7 @@
           <a:lstStyle>
             <a:lvl1pPr marL="0" indent="0" algn="ctr" latinLnBrk="0">
               <a:buNone/>
-              <a:defRPr sz="3598">
+              <a:defRPr sz="3600">
                 <a:solidFill>
                   <a:schemeClr val="tx1"/>
                 </a:solidFill>
@@ -3774,7 +3713,7 @@
           </a:lstStyle>
           <a:p>
             <a:r>
-              <a:rPr lang="en-US" noProof="0"/>
+              <a:rPr lang="en-US" noProof="0" dirty="0"/>
               <a:t>Presentation Subtitle</a:t>
             </a:r>
           </a:p>
@@ -3798,29 +3737,115 @@
         </p:nvSpPr>
         <p:spPr>
           <a:xfrm>
-            <a:off x="554182" y="321502"/>
-            <a:ext cx="11083636" cy="882654"/>
+            <a:off x="554746" y="321501"/>
+            <a:ext cx="11083636" cy="971589"/>
           </a:xfrm>
         </p:spPr>
         <p:txBody>
-          <a:bodyPr/>
+          <a:bodyPr>
+            <a:normAutofit/>
+          </a:bodyPr>
           <a:lstStyle>
             <a:lvl1pPr algn="ctr" latinLnBrk="0">
-              <a:defRPr sz="4798"/>
+              <a:defRPr sz="5400"/>
             </a:lvl1pPr>
           </a:lstStyle>
           <a:p>
             <a:r>
-              <a:rPr lang="en-US" noProof="0"/>
+              <a:rPr lang="en-US" noProof="0" dirty="0"/>
               <a:t>Presentation Title</a:t>
             </a:r>
           </a:p>
         </p:txBody>
       </p:sp>
+      <p:pic>
+        <p:nvPicPr>
+          <p:cNvPr id="4" name="Picture 3">
+            <a:extLst>
+              <a:ext uri="{FF2B5EF4-FFF2-40B4-BE49-F238E27FC236}">
+                <a16:creationId xmlns:a16="http://schemas.microsoft.com/office/drawing/2014/main" id="{324D0DB3-F60A-469B-7831-209CB666CCE4}"/>
+              </a:ext>
+            </a:extLst>
+          </p:cNvPr>
+          <p:cNvPicPr>
+            <a:picLocks noChangeAspect="1"/>
+          </p:cNvPicPr>
+          <p:nvPr userDrawn="1"/>
+        </p:nvPicPr>
+        <p:blipFill>
+          <a:blip r:embed="rId2" cstate="print">
+            <a:extLst>
+              <a:ext uri="{28A0092B-C50C-407E-A947-70E740481C1C}">
+                <a14:useLocalDpi xmlns:a14="http://schemas.microsoft.com/office/drawing/2010/main" val="0"/>
+              </a:ext>
+            </a:extLst>
+          </a:blip>
+          <a:stretch>
+            <a:fillRect/>
+          </a:stretch>
+        </p:blipFill>
+        <p:spPr>
+          <a:xfrm>
+            <a:off x="536549" y="4325954"/>
+            <a:ext cx="2538082" cy="633046"/>
+          </a:xfrm>
+          <a:prstGeom prst="rect">
+            <a:avLst/>
+          </a:prstGeom>
+        </p:spPr>
+      </p:pic>
+      <p:pic>
+        <p:nvPicPr>
+          <p:cNvPr id="5" name="Picture 4" title="CC-BY-NC-SA License">
+            <a:hlinkClick r:id="rId3" tooltip="This work is licensed under the &quot;Creative Commons Attribution-NonCommercial-ShareAlike 4.0 International&quot; license"/>
+            <a:extLst>
+              <a:ext uri="{FF2B5EF4-FFF2-40B4-BE49-F238E27FC236}">
+                <a16:creationId xmlns:a16="http://schemas.microsoft.com/office/drawing/2014/main" id="{2D40731C-0303-A69D-63FD-E048A73CA59F}"/>
+              </a:ext>
+            </a:extLst>
+          </p:cNvPr>
+          <p:cNvPicPr>
+            <a:picLocks noChangeAspect="1" noChangeArrowheads="1"/>
+          </p:cNvPicPr>
+          <p:nvPr userDrawn="1"/>
+        </p:nvPicPr>
+        <p:blipFill>
+          <a:blip r:embed="rId4">
+            <a:extLst>
+              <a:ext uri="{28A0092B-C50C-407E-A947-70E740481C1C}">
+                <a14:useLocalDpi xmlns:a14="http://schemas.microsoft.com/office/drawing/2010/main"/>
+              </a:ext>
+            </a:extLst>
+          </a:blip>
+          <a:srcRect/>
+          <a:stretch>
+            <a:fillRect/>
+          </a:stretch>
+        </p:blipFill>
+        <p:spPr bwMode="auto">
+          <a:xfrm>
+            <a:off x="3402682" y="4321352"/>
+            <a:ext cx="1809336" cy="633045"/>
+          </a:xfrm>
+          <a:prstGeom prst="roundRect">
+            <a:avLst>
+              <a:gd name="adj" fmla="val 3940"/>
+            </a:avLst>
+          </a:prstGeom>
+          <a:solidFill>
+            <a:srgbClr val="231F20">
+              <a:alpha val="50000"/>
+            </a:srgbClr>
+          </a:solidFill>
+          <a:ln>
+            <a:noFill/>
+          </a:ln>
+        </p:spPr>
+      </p:pic>
     </p:spTree>
     <p:extLst>
       <p:ext uri="{BB962C8B-B14F-4D97-AF65-F5344CB8AC3E}">
-        <p14:creationId xmlns:p14="http://schemas.microsoft.com/office/powerpoint/2010/main" val="970179299"/>
+        <p14:creationId xmlns:p14="http://schemas.microsoft.com/office/powerpoint/2010/main" val="370654144"/>
       </p:ext>
     </p:extLst>
   </p:cSld>
@@ -3993,7 +4018,7 @@
               <a:pPr/>
               <a:t>‹#›</a:t>
             </a:fld>
-            <a:endParaRPr lang="en-US"/>
+            <a:endParaRPr lang="en-US" dirty="0"/>
           </a:p>
         </p:txBody>
       </p:sp>
@@ -4074,42 +4099,6 @@
           </a:p>
         </p:txBody>
       </p:sp>
-      <p:pic>
-        <p:nvPicPr>
-          <p:cNvPr id="12" name="Logo Software University Down" descr="Software University logo">
-            <a:extLst>
-              <a:ext uri="{FF2B5EF4-FFF2-40B4-BE49-F238E27FC236}">
-                <a16:creationId xmlns:a16="http://schemas.microsoft.com/office/drawing/2014/main" id="{7028D2F0-1E67-414B-A93D-D3F8F131A132}"/>
-              </a:ext>
-            </a:extLst>
-          </p:cNvPr>
-          <p:cNvPicPr>
-            <a:picLocks noChangeAspect="1"/>
-          </p:cNvPicPr>
-          <p:nvPr/>
-        </p:nvPicPr>
-        <p:blipFill>
-          <a:blip r:embed="rId2" cstate="print">
-            <a:extLst>
-              <a:ext uri="{28A0092B-C50C-407E-A947-70E740481C1C}">
-                <a14:useLocalDpi xmlns:a14="http://schemas.microsoft.com/office/drawing/2010/main" val="0"/>
-              </a:ext>
-            </a:extLst>
-          </a:blip>
-          <a:stretch>
-            <a:fillRect/>
-          </a:stretch>
-        </p:blipFill>
-        <p:spPr>
-          <a:xfrm>
-            <a:off x="5616551" y="5206773"/>
-            <a:ext cx="958900" cy="1184869"/>
-          </a:xfrm>
-          <a:prstGeom prst="rect">
-            <a:avLst/>
-          </a:prstGeom>
-        </p:spPr>
-      </p:pic>
       <p:sp>
         <p:nvSpPr>
           <p:cNvPr id="10" name="Text Placeholder Right">
@@ -4154,35 +4143,35 @@
           <a:p>
             <a:pPr lvl="0"/>
             <a:r>
-              <a:rPr lang="en-US" noProof="0"/>
+              <a:rPr lang="en-US" noProof="0" dirty="0"/>
               <a:t>Edit Master text styles</a:t>
             </a:r>
           </a:p>
           <a:p>
             <a:pPr lvl="1"/>
             <a:r>
-              <a:rPr lang="en-US" noProof="0"/>
+              <a:rPr lang="en-US" noProof="0" dirty="0"/>
               <a:t>Second level</a:t>
             </a:r>
           </a:p>
           <a:p>
             <a:pPr lvl="2"/>
             <a:r>
-              <a:rPr lang="en-US" noProof="0"/>
+              <a:rPr lang="en-US" noProof="0" dirty="0"/>
               <a:t>Third level</a:t>
             </a:r>
           </a:p>
           <a:p>
             <a:pPr lvl="3"/>
             <a:r>
-              <a:rPr lang="en-US" noProof="0"/>
+              <a:rPr lang="en-US" noProof="0" dirty="0"/>
               <a:t>Fourth level</a:t>
             </a:r>
           </a:p>
           <a:p>
             <a:pPr lvl="4"/>
             <a:r>
-              <a:rPr lang="en-US" noProof="0"/>
+              <a:rPr lang="en-US" noProof="0" dirty="0"/>
               <a:t>Fifth level</a:t>
             </a:r>
           </a:p>
@@ -4232,35 +4221,35 @@
           <a:p>
             <a:pPr lvl="0"/>
             <a:r>
-              <a:rPr lang="en-US" noProof="0"/>
+              <a:rPr lang="en-US" noProof="0" dirty="0"/>
               <a:t>Edit Master text styles</a:t>
             </a:r>
           </a:p>
           <a:p>
             <a:pPr lvl="1"/>
             <a:r>
-              <a:rPr lang="en-US" noProof="0"/>
+              <a:rPr lang="en-US" noProof="0" dirty="0"/>
               <a:t>Second level</a:t>
             </a:r>
           </a:p>
           <a:p>
             <a:pPr lvl="2"/>
             <a:r>
-              <a:rPr lang="en-US" noProof="0"/>
+              <a:rPr lang="en-US" noProof="0" dirty="0"/>
               <a:t>Third level</a:t>
             </a:r>
           </a:p>
           <a:p>
             <a:pPr lvl="3"/>
             <a:r>
-              <a:rPr lang="en-US" noProof="0"/>
+              <a:rPr lang="en-US" noProof="0" dirty="0"/>
               <a:t>Fourth level</a:t>
             </a:r>
           </a:p>
           <a:p>
             <a:pPr lvl="4"/>
             <a:r>
-              <a:rPr lang="en-US" noProof="0"/>
+              <a:rPr lang="en-US" noProof="0" dirty="0"/>
               <a:t>Fifth level</a:t>
             </a:r>
           </a:p>
@@ -4347,42 +4336,6 @@
           </a:p>
         </p:txBody>
       </p:sp>
-      <p:pic>
-        <p:nvPicPr>
-          <p:cNvPr id="14" name="Logo Software University" descr="Software University logo">
-            <a:extLst>
-              <a:ext uri="{FF2B5EF4-FFF2-40B4-BE49-F238E27FC236}">
-                <a16:creationId xmlns:a16="http://schemas.microsoft.com/office/drawing/2014/main" id="{19A67BB9-D880-4EAD-B90E-89C4219BFC0B}"/>
-              </a:ext>
-            </a:extLst>
-          </p:cNvPr>
-          <p:cNvPicPr>
-            <a:picLocks noChangeAspect="1"/>
-          </p:cNvPicPr>
-          <p:nvPr userDrawn="1"/>
-        </p:nvPicPr>
-        <p:blipFill>
-          <a:blip r:embed="rId3">
-            <a:extLst>
-              <a:ext uri="{28A0092B-C50C-407E-A947-70E740481C1C}">
-                <a14:useLocalDpi xmlns:a14="http://schemas.microsoft.com/office/drawing/2010/main" val="0"/>
-              </a:ext>
-            </a:extLst>
-          </a:blip>
-          <a:stretch>
-            <a:fillRect/>
-          </a:stretch>
-        </p:blipFill>
-        <p:spPr>
-          <a:xfrm>
-            <a:off x="10067957" y="253936"/>
-            <a:ext cx="1915704" cy="559235"/>
-          </a:xfrm>
-          <a:prstGeom prst="rect">
-            <a:avLst/>
-          </a:prstGeom>
-        </p:spPr>
-      </p:pic>
       <p:sp>
         <p:nvSpPr>
           <p:cNvPr id="15" name="Slide Title">
@@ -4401,8 +4354,8 @@
         </p:nvSpPr>
         <p:spPr>
           <a:xfrm>
-            <a:off x="190406" y="100750"/>
-            <a:ext cx="9715594" cy="882654"/>
+            <a:off x="190405" y="100750"/>
+            <a:ext cx="10270595" cy="882654"/>
           </a:xfrm>
         </p:spPr>
         <p:txBody>
@@ -4418,12 +4371,78 @@
           </a:lstStyle>
           <a:p>
             <a:r>
-              <a:rPr lang="en-US" noProof="0"/>
+              <a:rPr lang="en-US" noProof="0" dirty="0"/>
               <a:t>Slide Title</a:t>
             </a:r>
           </a:p>
         </p:txBody>
       </p:sp>
+      <p:pic>
+        <p:nvPicPr>
+          <p:cNvPr id="8" name="Picture 7">
+            <a:extLst>
+              <a:ext uri="{FF2B5EF4-FFF2-40B4-BE49-F238E27FC236}">
+                <a16:creationId xmlns:a16="http://schemas.microsoft.com/office/drawing/2014/main" id="{2C9792D8-D354-4699-B7D6-B8CB7F77594F}"/>
+              </a:ext>
+            </a:extLst>
+          </p:cNvPr>
+          <p:cNvPicPr>
+            <a:picLocks noChangeAspect="1"/>
+          </p:cNvPicPr>
+          <p:nvPr userDrawn="1"/>
+        </p:nvPicPr>
+        <p:blipFill>
+          <a:blip r:embed="rId2"/>
+          <a:stretch>
+            <a:fillRect/>
+          </a:stretch>
+        </p:blipFill>
+        <p:spPr>
+          <a:xfrm>
+            <a:off x="5398753" y="5340443"/>
+            <a:ext cx="1334859" cy="982867"/>
+          </a:xfrm>
+          <a:prstGeom prst="rect">
+            <a:avLst/>
+          </a:prstGeom>
+        </p:spPr>
+      </p:pic>
+      <p:pic>
+        <p:nvPicPr>
+          <p:cNvPr id="3" name="Picture 2">
+            <a:extLst>
+              <a:ext uri="{FF2B5EF4-FFF2-40B4-BE49-F238E27FC236}">
+                <a16:creationId xmlns:a16="http://schemas.microsoft.com/office/drawing/2014/main" id="{B6351E19-25DA-EAD2-9FBE-358B6135D728}"/>
+              </a:ext>
+            </a:extLst>
+          </p:cNvPr>
+          <p:cNvPicPr>
+            <a:picLocks noChangeAspect="1"/>
+          </p:cNvPicPr>
+          <p:nvPr userDrawn="1"/>
+        </p:nvPicPr>
+        <p:blipFill>
+          <a:blip r:embed="rId3" cstate="print">
+            <a:extLst>
+              <a:ext uri="{28A0092B-C50C-407E-A947-70E740481C1C}">
+                <a14:useLocalDpi xmlns:a14="http://schemas.microsoft.com/office/drawing/2010/main" val="0"/>
+              </a:ext>
+            </a:extLst>
+          </a:blip>
+          <a:stretch>
+            <a:fillRect/>
+          </a:stretch>
+        </p:blipFill>
+        <p:spPr>
+          <a:xfrm>
+            <a:off x="10553573" y="368999"/>
+            <a:ext cx="1443361" cy="360001"/>
+          </a:xfrm>
+          <a:prstGeom prst="rect">
+            <a:avLst/>
+          </a:prstGeom>
+        </p:spPr>
+      </p:pic>
     </p:spTree>
     <p:extLst>
       <p:ext uri="{BB962C8B-B14F-4D97-AF65-F5344CB8AC3E}">
@@ -4988,42 +5007,6 @@
           </a:p>
         </p:txBody>
       </p:sp>
-      <p:pic>
-        <p:nvPicPr>
-          <p:cNvPr id="12" name="Logo Software University" descr="Software University logo">
-            <a:extLst>
-              <a:ext uri="{FF2B5EF4-FFF2-40B4-BE49-F238E27FC236}">
-                <a16:creationId xmlns:a16="http://schemas.microsoft.com/office/drawing/2014/main" id="{233CBB95-791E-4630-B3D9-FADFCE7BCF52}"/>
-              </a:ext>
-            </a:extLst>
-          </p:cNvPr>
-          <p:cNvPicPr>
-            <a:picLocks noChangeAspect="1"/>
-          </p:cNvPicPr>
-          <p:nvPr userDrawn="1"/>
-        </p:nvPicPr>
-        <p:blipFill>
-          <a:blip r:embed="rId2">
-            <a:extLst>
-              <a:ext uri="{28A0092B-C50C-407E-A947-70E740481C1C}">
-                <a14:useLocalDpi xmlns:a14="http://schemas.microsoft.com/office/drawing/2010/main" val="0"/>
-              </a:ext>
-            </a:extLst>
-          </a:blip>
-          <a:stretch>
-            <a:fillRect/>
-          </a:stretch>
-        </p:blipFill>
-        <p:spPr>
-          <a:xfrm>
-            <a:off x="10067957" y="253936"/>
-            <a:ext cx="1915704" cy="559235"/>
-          </a:xfrm>
-          <a:prstGeom prst="rect">
-            <a:avLst/>
-          </a:prstGeom>
-        </p:spPr>
-      </p:pic>
       <p:sp>
         <p:nvSpPr>
           <p:cNvPr id="13" name="Slide Title">
@@ -5043,7 +5026,7 @@
         <p:spPr>
           <a:xfrm>
             <a:off x="190406" y="100750"/>
-            <a:ext cx="9715594" cy="882654"/>
+            <a:ext cx="10270594" cy="882654"/>
           </a:xfrm>
         </p:spPr>
         <p:txBody>
@@ -5059,12 +5042,48 @@
           </a:lstStyle>
           <a:p>
             <a:r>
-              <a:rPr lang="en-US" noProof="0"/>
+              <a:rPr lang="en-US" noProof="0" dirty="0"/>
               <a:t>Slide Title</a:t>
             </a:r>
           </a:p>
         </p:txBody>
       </p:sp>
+      <p:pic>
+        <p:nvPicPr>
+          <p:cNvPr id="4" name="Picture 3">
+            <a:extLst>
+              <a:ext uri="{FF2B5EF4-FFF2-40B4-BE49-F238E27FC236}">
+                <a16:creationId xmlns:a16="http://schemas.microsoft.com/office/drawing/2014/main" id="{42F3DB3E-BDAA-8201-9A01-2F52640A84CA}"/>
+              </a:ext>
+            </a:extLst>
+          </p:cNvPr>
+          <p:cNvPicPr>
+            <a:picLocks noChangeAspect="1"/>
+          </p:cNvPicPr>
+          <p:nvPr userDrawn="1"/>
+        </p:nvPicPr>
+        <p:blipFill>
+          <a:blip r:embed="rId2" cstate="print">
+            <a:extLst>
+              <a:ext uri="{28A0092B-C50C-407E-A947-70E740481C1C}">
+                <a14:useLocalDpi xmlns:a14="http://schemas.microsoft.com/office/drawing/2010/main" val="0"/>
+              </a:ext>
+            </a:extLst>
+          </a:blip>
+          <a:stretch>
+            <a:fillRect/>
+          </a:stretch>
+        </p:blipFill>
+        <p:spPr>
+          <a:xfrm>
+            <a:off x="10553573" y="368999"/>
+            <a:ext cx="1443361" cy="360001"/>
+          </a:xfrm>
+          <a:prstGeom prst="rect">
+            <a:avLst/>
+          </a:prstGeom>
+        </p:spPr>
+      </p:pic>
     </p:spTree>
     <p:extLst>
       <p:ext uri="{BB962C8B-B14F-4D97-AF65-F5344CB8AC3E}">
@@ -5194,714 +5213,10 @@
       </p:sp>
       <p:sp>
         <p:nvSpPr>
-          <p:cNvPr id="53" name="Rectangle Bottom Copyright">
+          <p:cNvPr id="3" name="Title 2">
             <a:extLst>
               <a:ext uri="{FF2B5EF4-FFF2-40B4-BE49-F238E27FC236}">
-                <a16:creationId xmlns:a16="http://schemas.microsoft.com/office/drawing/2014/main" id="{B07FB7FB-DA6C-4F5D-B068-357F0FCE27D8}"/>
-              </a:ext>
-            </a:extLst>
-          </p:cNvPr>
-          <p:cNvSpPr/>
-          <p:nvPr userDrawn="1"/>
-        </p:nvSpPr>
-        <p:spPr>
-          <a:xfrm>
-            <a:off x="111000" y="6454758"/>
-            <a:ext cx="11970000" cy="258449"/>
-          </a:xfrm>
-          <a:prstGeom prst="rect">
-            <a:avLst/>
-          </a:prstGeom>
-        </p:spPr>
-        <p:txBody>
-          <a:bodyPr wrap="square">
-            <a:noAutofit/>
-          </a:bodyPr>
-          <a:lstStyle/>
-          <a:p>
-            <a:pPr algn="ctr">
-              <a:lnSpc>
-                <a:spcPct val="100000"/>
-              </a:lnSpc>
-              <a:spcBef>
-                <a:spcPts val="0"/>
-              </a:spcBef>
-              <a:spcAft>
-                <a:spcPts val="0"/>
-              </a:spcAft>
-            </a:pPr>
-            <a:r>
-              <a:rPr lang="en-US" sz="1600" noProof="0">
-                <a:solidFill>
-                  <a:schemeClr val="bg2"/>
-                </a:solidFill>
-                <a:effectLst/>
-                <a:latin typeface="Calibri" panose="020F0502020204030204" pitchFamily="34" charset="0"/>
-                <a:ea typeface="Calibri" panose="020F0502020204030204" pitchFamily="34" charset="0"/>
-                <a:cs typeface="Arial" panose="020B0604020202020204" pitchFamily="34" charset="0"/>
-              </a:rPr>
-              <a:t>© SoftUni – </a:t>
-            </a:r>
-            <a:r>
-              <a:rPr lang="en-US" sz="1600" u="sng" noProof="0">
-                <a:solidFill>
-                  <a:schemeClr val="bg2"/>
-                </a:solidFill>
-                <a:effectLst/>
-                <a:latin typeface="Calibri" panose="020F0502020204030204" pitchFamily="34" charset="0"/>
-                <a:ea typeface="Calibri" panose="020F0502020204030204" pitchFamily="34" charset="0"/>
-                <a:cs typeface="Arial" panose="020B0604020202020204" pitchFamily="34" charset="0"/>
-                <a:hlinkClick r:id="rId2">
-                  <a:extLst>
-                    <a:ext uri="{A12FA001-AC4F-418D-AE19-62706E023703}">
-                      <ahyp:hlinkClr xmlns:ahyp="http://schemas.microsoft.com/office/drawing/2018/hyperlinkcolor" val="tx"/>
-                    </a:ext>
-                  </a:extLst>
-                </a:hlinkClick>
-              </a:rPr>
-              <a:t>https://softuni.org</a:t>
-            </a:r>
-            <a:r>
-              <a:rPr lang="en-US" sz="1600" noProof="0">
-                <a:solidFill>
-                  <a:schemeClr val="bg2"/>
-                </a:solidFill>
-                <a:effectLst/>
-                <a:latin typeface="Calibri" panose="020F0502020204030204" pitchFamily="34" charset="0"/>
-                <a:ea typeface="Calibri" panose="020F0502020204030204" pitchFamily="34" charset="0"/>
-                <a:cs typeface="Arial" panose="020B0604020202020204" pitchFamily="34" charset="0"/>
-              </a:rPr>
-              <a:t>. Copyrighted document. Unauthorized copy, reproduction or use is not permitted.</a:t>
-            </a:r>
-            <a:endParaRPr lang="en-US" sz="2400" noProof="0">
-              <a:solidFill>
-                <a:schemeClr val="bg2"/>
-              </a:solidFill>
-              <a:effectLst/>
-              <a:latin typeface="Calibri" panose="020F0502020204030204" pitchFamily="34" charset="0"/>
-              <a:ea typeface="Calibri" panose="020F0502020204030204" pitchFamily="34" charset="0"/>
-              <a:cs typeface="Arial" panose="020B0604020202020204" pitchFamily="34" charset="0"/>
-            </a:endParaRPr>
-          </a:p>
-        </p:txBody>
-      </p:sp>
-      <p:pic>
-        <p:nvPicPr>
-          <p:cNvPr id="26" name="Picture SoftUni Mascot" descr="SoftUni mascot with open hand">
-            <a:extLst>
-              <a:ext uri="{FF2B5EF4-FFF2-40B4-BE49-F238E27FC236}">
-                <a16:creationId xmlns:a16="http://schemas.microsoft.com/office/drawing/2014/main" id="{247CFF3C-C4FA-493D-8505-DF469F4D36A4}"/>
-              </a:ext>
-            </a:extLst>
-          </p:cNvPr>
-          <p:cNvPicPr>
-            <a:picLocks noChangeAspect="1"/>
-          </p:cNvPicPr>
-          <p:nvPr/>
-        </p:nvPicPr>
-        <p:blipFill>
-          <a:blip r:embed="rId3" cstate="print">
-            <a:extLst>
-              <a:ext uri="{28A0092B-C50C-407E-A947-70E740481C1C}">
-                <a14:useLocalDpi xmlns:a14="http://schemas.microsoft.com/office/drawing/2010/main" val="0"/>
-              </a:ext>
-            </a:extLst>
-          </a:blip>
-          <a:stretch>
-            <a:fillRect/>
-          </a:stretch>
-        </p:blipFill>
-        <p:spPr>
-          <a:xfrm>
-            <a:off x="642586" y="2898830"/>
-            <a:ext cx="2451608" cy="2959741"/>
-          </a:xfrm>
-          <a:prstGeom prst="rect">
-            <a:avLst/>
-          </a:prstGeom>
-        </p:spPr>
-      </p:pic>
-      <p:grpSp>
-        <p:nvGrpSpPr>
-          <p:cNvPr id="2" name="Group SoftUni Brands">
-            <a:extLst>
-              <a:ext uri="{FF2B5EF4-FFF2-40B4-BE49-F238E27FC236}">
-                <a16:creationId xmlns:a16="http://schemas.microsoft.com/office/drawing/2014/main" id="{418FAE34-C1F8-46C7-A4AE-F270D1E70F25}"/>
-              </a:ext>
-            </a:extLst>
-          </p:cNvPr>
-          <p:cNvGrpSpPr/>
-          <p:nvPr userDrawn="1"/>
-        </p:nvGrpSpPr>
-        <p:grpSpPr>
-          <a:xfrm>
-            <a:off x="3332216" y="1702473"/>
-            <a:ext cx="8314909" cy="3543782"/>
-            <a:chOff x="3332216" y="1702473"/>
-            <a:chExt cx="8314909" cy="3543782"/>
-          </a:xfrm>
-        </p:grpSpPr>
-        <p:pic>
-          <p:nvPicPr>
-            <p:cNvPr id="24" name="Picture SoftUni Kids Logo" descr="SoftUni Kids logo">
-              <a:extLst>
-                <a:ext uri="{FF2B5EF4-FFF2-40B4-BE49-F238E27FC236}">
-                  <a16:creationId xmlns:a16="http://schemas.microsoft.com/office/drawing/2014/main" id="{B0812936-74B6-4265-8C08-AEDC8C798702}"/>
-                </a:ext>
-              </a:extLst>
-            </p:cNvPr>
-            <p:cNvPicPr>
-              <a:picLocks noChangeAspect="1"/>
-            </p:cNvPicPr>
-            <p:nvPr/>
-          </p:nvPicPr>
-          <p:blipFill>
-            <a:blip r:embed="rId4" cstate="print">
-              <a:extLst>
-                <a:ext uri="{28A0092B-C50C-407E-A947-70E740481C1C}">
-                  <a14:useLocalDpi xmlns:a14="http://schemas.microsoft.com/office/drawing/2010/main" val="0"/>
-                </a:ext>
-              </a:extLst>
-            </a:blip>
-            <a:stretch>
-              <a:fillRect/>
-            </a:stretch>
-          </p:blipFill>
-          <p:spPr>
-            <a:xfrm>
-              <a:off x="10516883" y="3776294"/>
-              <a:ext cx="1130242" cy="1389256"/>
-            </a:xfrm>
-            <a:prstGeom prst="rect">
-              <a:avLst/>
-            </a:prstGeom>
-          </p:spPr>
-        </p:pic>
-        <p:pic>
-          <p:nvPicPr>
-            <p:cNvPr id="23" name="Picture SoftUni Foundation Logo" descr="SoftUni Foundation logo">
-              <a:extLst>
-                <a:ext uri="{FF2B5EF4-FFF2-40B4-BE49-F238E27FC236}">
-                  <a16:creationId xmlns:a16="http://schemas.microsoft.com/office/drawing/2014/main" id="{6643F71A-2013-433A-8322-FBAAED3162D8}"/>
-                </a:ext>
-              </a:extLst>
-            </p:cNvPr>
-            <p:cNvPicPr>
-              <a:picLocks noChangeAspect="1"/>
-            </p:cNvPicPr>
-            <p:nvPr userDrawn="1"/>
-          </p:nvPicPr>
-          <p:blipFill>
-            <a:blip r:embed="rId5" cstate="print">
-              <a:extLst>
-                <a:ext uri="{28A0092B-C50C-407E-A947-70E740481C1C}">
-                  <a14:useLocalDpi xmlns:a14="http://schemas.microsoft.com/office/drawing/2010/main" val="0"/>
-                </a:ext>
-              </a:extLst>
-            </a:blip>
-            <a:stretch>
-              <a:fillRect/>
-            </a:stretch>
-          </p:blipFill>
-          <p:spPr>
-            <a:xfrm>
-              <a:off x="9053913" y="3788231"/>
-              <a:ext cx="1166400" cy="1350756"/>
-            </a:xfrm>
-            <a:prstGeom prst="rect">
-              <a:avLst/>
-            </a:prstGeom>
-          </p:spPr>
-        </p:pic>
-        <p:pic>
-          <p:nvPicPr>
-            <p:cNvPr id="22" name="Picture SoftUni Digital Logo" descr="SoftUni Digital logo">
-              <a:extLst>
-                <a:ext uri="{FF2B5EF4-FFF2-40B4-BE49-F238E27FC236}">
-                  <a16:creationId xmlns:a16="http://schemas.microsoft.com/office/drawing/2014/main" id="{0A83D66F-855B-463B-920B-BF239B01A206}"/>
-                </a:ext>
-              </a:extLst>
-            </p:cNvPr>
-            <p:cNvPicPr>
-              <a:picLocks noChangeAspect="1"/>
-            </p:cNvPicPr>
-            <p:nvPr userDrawn="1"/>
-          </p:nvPicPr>
-          <p:blipFill>
-            <a:blip r:embed="rId6" cstate="print">
-              <a:extLst>
-                <a:ext uri="{28A0092B-C50C-407E-A947-70E740481C1C}">
-                  <a14:useLocalDpi xmlns:a14="http://schemas.microsoft.com/office/drawing/2010/main" val="0"/>
-                </a:ext>
-              </a:extLst>
-            </a:blip>
-            <a:stretch>
-              <a:fillRect/>
-            </a:stretch>
-          </p:blipFill>
-          <p:spPr>
-            <a:xfrm>
-              <a:off x="7657695" y="3789000"/>
-              <a:ext cx="1084614" cy="1457255"/>
-            </a:xfrm>
-            <a:prstGeom prst="rect">
-              <a:avLst/>
-            </a:prstGeom>
-          </p:spPr>
-        </p:pic>
-        <p:pic>
-          <p:nvPicPr>
-            <p:cNvPr id="21" name="Picture SoftUni Creative Logo" descr="SoftUni Creative logo">
-              <a:extLst>
-                <a:ext uri="{FF2B5EF4-FFF2-40B4-BE49-F238E27FC236}">
-                  <a16:creationId xmlns:a16="http://schemas.microsoft.com/office/drawing/2014/main" id="{EA755AAE-BA08-481C-9224-0061170EE4B8}"/>
-                </a:ext>
-              </a:extLst>
-            </p:cNvPr>
-            <p:cNvPicPr>
-              <a:picLocks noChangeAspect="1"/>
-            </p:cNvPicPr>
-            <p:nvPr/>
-          </p:nvPicPr>
-          <p:blipFill>
-            <a:blip r:embed="rId7" cstate="print">
-              <a:extLst>
-                <a:ext uri="{28A0092B-C50C-407E-A947-70E740481C1C}">
-                  <a14:useLocalDpi xmlns:a14="http://schemas.microsoft.com/office/drawing/2010/main" val="0"/>
-                </a:ext>
-              </a:extLst>
-            </a:blip>
-            <a:stretch>
-              <a:fillRect/>
-            </a:stretch>
-          </p:blipFill>
-          <p:spPr>
-            <a:xfrm>
-              <a:off x="6173913" y="3776293"/>
-              <a:ext cx="1166400" cy="1389257"/>
-            </a:xfrm>
-            <a:prstGeom prst="rect">
-              <a:avLst/>
-            </a:prstGeom>
-          </p:spPr>
-        </p:pic>
-        <p:pic>
-          <p:nvPicPr>
-            <p:cNvPr id="20" name="Picture SoftUni Svetlina Logo" descr="SoftUni Svetlina logo">
-              <a:extLst>
-                <a:ext uri="{FF2B5EF4-FFF2-40B4-BE49-F238E27FC236}">
-                  <a16:creationId xmlns:a16="http://schemas.microsoft.com/office/drawing/2014/main" id="{827D15FD-4C66-4B85-98E6-7826AA8F61C6}"/>
-                </a:ext>
-              </a:extLst>
-            </p:cNvPr>
-            <p:cNvPicPr>
-              <a:picLocks noChangeAspect="1"/>
-            </p:cNvPicPr>
-            <p:nvPr/>
-          </p:nvPicPr>
-          <p:blipFill>
-            <a:blip r:embed="rId8">
-              <a:extLst>
-                <a:ext uri="{28A0092B-C50C-407E-A947-70E740481C1C}">
-                  <a14:useLocalDpi xmlns:a14="http://schemas.microsoft.com/office/drawing/2010/main" val="0"/>
-                </a:ext>
-              </a:extLst>
-            </a:blip>
-            <a:stretch>
-              <a:fillRect/>
-            </a:stretch>
-          </p:blipFill>
-          <p:spPr>
-            <a:xfrm>
-              <a:off x="4735029" y="3776293"/>
-              <a:ext cx="1166400" cy="1402229"/>
-            </a:xfrm>
-            <a:prstGeom prst="rect">
-              <a:avLst/>
-            </a:prstGeom>
-          </p:spPr>
-        </p:pic>
-        <p:pic>
-          <p:nvPicPr>
-            <p:cNvPr id="25" name="Picture Software University Logo" descr="Software University logo">
-              <a:extLst>
-                <a:ext uri="{FF2B5EF4-FFF2-40B4-BE49-F238E27FC236}">
-                  <a16:creationId xmlns:a16="http://schemas.microsoft.com/office/drawing/2014/main" id="{C74C190C-5856-41B9-8819-AE8DE0E10980}"/>
-                </a:ext>
-              </a:extLst>
-            </p:cNvPr>
-            <p:cNvPicPr>
-              <a:picLocks noChangeAspect="1"/>
-            </p:cNvPicPr>
-            <p:nvPr/>
-          </p:nvPicPr>
-          <p:blipFill>
-            <a:blip r:embed="rId9" cstate="print">
-              <a:extLst>
-                <a:ext uri="{28A0092B-C50C-407E-A947-70E740481C1C}">
-                  <a14:useLocalDpi xmlns:a14="http://schemas.microsoft.com/office/drawing/2010/main" val="0"/>
-                </a:ext>
-              </a:extLst>
-            </a:blip>
-            <a:stretch>
-              <a:fillRect/>
-            </a:stretch>
-          </p:blipFill>
-          <p:spPr>
-            <a:xfrm>
-              <a:off x="3332216" y="3776295"/>
-              <a:ext cx="1164654" cy="1440000"/>
-            </a:xfrm>
-            <a:prstGeom prst="rect">
-              <a:avLst/>
-            </a:prstGeom>
-          </p:spPr>
-        </p:pic>
-        <p:cxnSp>
-          <p:nvCxnSpPr>
-            <p:cNvPr id="33" name="Straight Connector 6">
-              <a:extLst>
-                <a:ext uri="{FF2B5EF4-FFF2-40B4-BE49-F238E27FC236}">
-                  <a16:creationId xmlns:a16="http://schemas.microsoft.com/office/drawing/2014/main" id="{5C63D1E8-4A92-4691-8A24-A2FC7E8008E5}"/>
-                </a:ext>
-              </a:extLst>
-            </p:cNvPr>
-            <p:cNvCxnSpPr>
-              <a:cxnSpLocks/>
-            </p:cNvCxnSpPr>
-            <p:nvPr userDrawn="1"/>
-          </p:nvCxnSpPr>
-          <p:spPr>
-            <a:xfrm>
-              <a:off x="11077113" y="3335565"/>
-              <a:ext cx="0" cy="236220"/>
-            </a:xfrm>
-            <a:prstGeom prst="line">
-              <a:avLst/>
-            </a:prstGeom>
-            <a:ln w="25400"/>
-          </p:spPr>
-          <p:style>
-            <a:lnRef idx="1">
-              <a:schemeClr val="accent1"/>
-            </a:lnRef>
-            <a:fillRef idx="0">
-              <a:schemeClr val="accent1"/>
-            </a:fillRef>
-            <a:effectRef idx="0">
-              <a:schemeClr val="accent1"/>
-            </a:effectRef>
-            <a:fontRef idx="minor">
-              <a:schemeClr val="tx1"/>
-            </a:fontRef>
-          </p:style>
-        </p:cxnSp>
-        <p:cxnSp>
-          <p:nvCxnSpPr>
-            <p:cNvPr id="32" name="Straight Connector 5">
-              <a:extLst>
-                <a:ext uri="{FF2B5EF4-FFF2-40B4-BE49-F238E27FC236}">
-                  <a16:creationId xmlns:a16="http://schemas.microsoft.com/office/drawing/2014/main" id="{6E91D320-3732-40B8-864D-142D0A277ED1}"/>
-                </a:ext>
-              </a:extLst>
-            </p:cNvPr>
-            <p:cNvCxnSpPr>
-              <a:cxnSpLocks/>
-            </p:cNvCxnSpPr>
-            <p:nvPr userDrawn="1"/>
-          </p:nvCxnSpPr>
-          <p:spPr>
-            <a:xfrm>
-              <a:off x="9637113" y="3329215"/>
-              <a:ext cx="0" cy="236220"/>
-            </a:xfrm>
-            <a:prstGeom prst="line">
-              <a:avLst/>
-            </a:prstGeom>
-            <a:ln w="25400"/>
-          </p:spPr>
-          <p:style>
-            <a:lnRef idx="1">
-              <a:schemeClr val="accent1"/>
-            </a:lnRef>
-            <a:fillRef idx="0">
-              <a:schemeClr val="accent1"/>
-            </a:fillRef>
-            <a:effectRef idx="0">
-              <a:schemeClr val="accent1"/>
-            </a:effectRef>
-            <a:fontRef idx="minor">
-              <a:schemeClr val="tx1"/>
-            </a:fontRef>
-          </p:style>
-        </p:cxnSp>
-        <p:cxnSp>
-          <p:nvCxnSpPr>
-            <p:cNvPr id="31" name="Straight Connector 4">
-              <a:extLst>
-                <a:ext uri="{FF2B5EF4-FFF2-40B4-BE49-F238E27FC236}">
-                  <a16:creationId xmlns:a16="http://schemas.microsoft.com/office/drawing/2014/main" id="{299ABE09-E33C-46B7-A80D-7BF4A6956211}"/>
-                </a:ext>
-              </a:extLst>
-            </p:cNvPr>
-            <p:cNvCxnSpPr/>
-            <p:nvPr userDrawn="1"/>
-          </p:nvCxnSpPr>
-          <p:spPr>
-            <a:xfrm>
-              <a:off x="8197113" y="3329215"/>
-              <a:ext cx="0" cy="236220"/>
-            </a:xfrm>
-            <a:prstGeom prst="line">
-              <a:avLst/>
-            </a:prstGeom>
-            <a:ln w="25400"/>
-          </p:spPr>
-          <p:style>
-            <a:lnRef idx="1">
-              <a:schemeClr val="accent1"/>
-            </a:lnRef>
-            <a:fillRef idx="0">
-              <a:schemeClr val="accent1"/>
-            </a:fillRef>
-            <a:effectRef idx="0">
-              <a:schemeClr val="accent1"/>
-            </a:effectRef>
-            <a:fontRef idx="minor">
-              <a:schemeClr val="tx1"/>
-            </a:fontRef>
-          </p:style>
-        </p:cxnSp>
-        <p:cxnSp>
-          <p:nvCxnSpPr>
-            <p:cNvPr id="30" name="Straight Connector 3">
-              <a:extLst>
-                <a:ext uri="{FF2B5EF4-FFF2-40B4-BE49-F238E27FC236}">
-                  <a16:creationId xmlns:a16="http://schemas.microsoft.com/office/drawing/2014/main" id="{93DDBF37-0764-47AA-94E3-9A44F3ED8FB5}"/>
-                </a:ext>
-              </a:extLst>
-            </p:cNvPr>
-            <p:cNvCxnSpPr/>
-            <p:nvPr userDrawn="1"/>
-          </p:nvCxnSpPr>
-          <p:spPr>
-            <a:xfrm>
-              <a:off x="6757113" y="3329215"/>
-              <a:ext cx="0" cy="236220"/>
-            </a:xfrm>
-            <a:prstGeom prst="line">
-              <a:avLst/>
-            </a:prstGeom>
-            <a:ln w="25400"/>
-          </p:spPr>
-          <p:style>
-            <a:lnRef idx="1">
-              <a:schemeClr val="accent1"/>
-            </a:lnRef>
-            <a:fillRef idx="0">
-              <a:schemeClr val="accent1"/>
-            </a:fillRef>
-            <a:effectRef idx="0">
-              <a:schemeClr val="accent1"/>
-            </a:effectRef>
-            <a:fontRef idx="minor">
-              <a:schemeClr val="tx1"/>
-            </a:fontRef>
-          </p:style>
-        </p:cxnSp>
-        <p:cxnSp>
-          <p:nvCxnSpPr>
-            <p:cNvPr id="29" name="Straight Connector 2">
-              <a:extLst>
-                <a:ext uri="{FF2B5EF4-FFF2-40B4-BE49-F238E27FC236}">
-                  <a16:creationId xmlns:a16="http://schemas.microsoft.com/office/drawing/2014/main" id="{72BFE2F3-0845-4E5B-9375-E9D4027DD675}"/>
-                </a:ext>
-              </a:extLst>
-            </p:cNvPr>
-            <p:cNvCxnSpPr/>
-            <p:nvPr userDrawn="1"/>
-          </p:nvCxnSpPr>
-          <p:spPr>
-            <a:xfrm>
-              <a:off x="5309913" y="3335565"/>
-              <a:ext cx="0" cy="236220"/>
-            </a:xfrm>
-            <a:prstGeom prst="line">
-              <a:avLst/>
-            </a:prstGeom>
-            <a:ln w="25400"/>
-          </p:spPr>
-          <p:style>
-            <a:lnRef idx="1">
-              <a:schemeClr val="accent1"/>
-            </a:lnRef>
-            <a:fillRef idx="0">
-              <a:schemeClr val="accent1"/>
-            </a:fillRef>
-            <a:effectRef idx="0">
-              <a:schemeClr val="accent1"/>
-            </a:effectRef>
-            <a:fontRef idx="minor">
-              <a:schemeClr val="tx1"/>
-            </a:fontRef>
-          </p:style>
-        </p:cxnSp>
-        <p:cxnSp>
-          <p:nvCxnSpPr>
-            <p:cNvPr id="28" name="Straight Connector 1">
-              <a:extLst>
-                <a:ext uri="{FF2B5EF4-FFF2-40B4-BE49-F238E27FC236}">
-                  <a16:creationId xmlns:a16="http://schemas.microsoft.com/office/drawing/2014/main" id="{D4E5982E-3110-47E1-A5BB-91B7BECC3093}"/>
-                </a:ext>
-              </a:extLst>
-            </p:cNvPr>
-            <p:cNvCxnSpPr/>
-            <p:nvPr userDrawn="1"/>
-          </p:nvCxnSpPr>
-          <p:spPr>
-            <a:xfrm>
-              <a:off x="3915327" y="3335565"/>
-              <a:ext cx="0" cy="236220"/>
-            </a:xfrm>
-            <a:prstGeom prst="line">
-              <a:avLst/>
-            </a:prstGeom>
-            <a:ln w="25400"/>
-          </p:spPr>
-          <p:style>
-            <a:lnRef idx="1">
-              <a:schemeClr val="accent1"/>
-            </a:lnRef>
-            <a:fillRef idx="0">
-              <a:schemeClr val="accent1"/>
-            </a:fillRef>
-            <a:effectRef idx="0">
-              <a:schemeClr val="accent1"/>
-            </a:effectRef>
-            <a:fontRef idx="minor">
-              <a:schemeClr val="tx1"/>
-            </a:fontRef>
-          </p:style>
-        </p:cxnSp>
-        <p:cxnSp>
-          <p:nvCxnSpPr>
-            <p:cNvPr id="27" name="Straight Connector Horizontal">
-              <a:extLst>
-                <a:ext uri="{FF2B5EF4-FFF2-40B4-BE49-F238E27FC236}">
-                  <a16:creationId xmlns:a16="http://schemas.microsoft.com/office/drawing/2014/main" id="{5F62FB7C-BD6E-4383-98C1-2CF30F34CAFD}"/>
-                </a:ext>
-              </a:extLst>
-            </p:cNvPr>
-            <p:cNvCxnSpPr>
-              <a:cxnSpLocks/>
-            </p:cNvCxnSpPr>
-            <p:nvPr userDrawn="1"/>
-          </p:nvCxnSpPr>
-          <p:spPr>
-            <a:xfrm>
-              <a:off x="3915327" y="3335565"/>
-              <a:ext cx="7161786" cy="0"/>
-            </a:xfrm>
-            <a:prstGeom prst="line">
-              <a:avLst/>
-            </a:prstGeom>
-            <a:ln w="25400"/>
-          </p:spPr>
-          <p:style>
-            <a:lnRef idx="1">
-              <a:schemeClr val="accent1"/>
-            </a:lnRef>
-            <a:fillRef idx="0">
-              <a:schemeClr val="accent1"/>
-            </a:fillRef>
-            <a:effectRef idx="0">
-              <a:schemeClr val="accent1"/>
-            </a:effectRef>
-            <a:fontRef idx="minor">
-              <a:schemeClr val="tx1"/>
-            </a:fontRef>
-          </p:style>
-        </p:cxnSp>
-        <p:cxnSp>
-          <p:nvCxnSpPr>
-            <p:cNvPr id="34" name="Straight Connector 0">
-              <a:extLst>
-                <a:ext uri="{FF2B5EF4-FFF2-40B4-BE49-F238E27FC236}">
-                  <a16:creationId xmlns:a16="http://schemas.microsoft.com/office/drawing/2014/main" id="{C84A0FE1-723D-4682-8682-77BAD950EE15}"/>
-                </a:ext>
-              </a:extLst>
-            </p:cNvPr>
-            <p:cNvCxnSpPr/>
-            <p:nvPr userDrawn="1"/>
-          </p:nvCxnSpPr>
-          <p:spPr>
-            <a:xfrm>
-              <a:off x="7496220" y="3092995"/>
-              <a:ext cx="0" cy="236220"/>
-            </a:xfrm>
-            <a:prstGeom prst="line">
-              <a:avLst/>
-            </a:prstGeom>
-            <a:ln w="25400"/>
-          </p:spPr>
-          <p:style>
-            <a:lnRef idx="1">
-              <a:schemeClr val="accent1"/>
-            </a:lnRef>
-            <a:fillRef idx="0">
-              <a:schemeClr val="accent1"/>
-            </a:fillRef>
-            <a:effectRef idx="0">
-              <a:schemeClr val="accent1"/>
-            </a:effectRef>
-            <a:fontRef idx="minor">
-              <a:schemeClr val="tx1"/>
-            </a:fontRef>
-          </p:style>
-        </p:cxnSp>
-        <p:pic>
-          <p:nvPicPr>
-            <p:cNvPr id="18" name="Picture SoftUni Logo" descr="SoftUni logo">
-              <a:extLst>
-                <a:ext uri="{FF2B5EF4-FFF2-40B4-BE49-F238E27FC236}">
-                  <a16:creationId xmlns:a16="http://schemas.microsoft.com/office/drawing/2014/main" id="{A0675455-B7FA-4569-A5FD-A3B0F20B2A26}"/>
-                </a:ext>
-              </a:extLst>
-            </p:cNvPr>
-            <p:cNvPicPr>
-              <a:picLocks noChangeAspect="1"/>
-            </p:cNvPicPr>
-            <p:nvPr/>
-          </p:nvPicPr>
-          <p:blipFill>
-            <a:blip r:embed="rId10" cstate="print">
-              <a:extLst>
-                <a:ext uri="{28A0092B-C50C-407E-A947-70E740481C1C}">
-                  <a14:useLocalDpi xmlns:a14="http://schemas.microsoft.com/office/drawing/2010/main" val="0"/>
-                </a:ext>
-              </a:extLst>
-            </a:blip>
-            <a:stretch>
-              <a:fillRect/>
-            </a:stretch>
-          </p:blipFill>
-          <p:spPr>
-            <a:xfrm>
-              <a:off x="6896770" y="1702473"/>
-              <a:ext cx="1198901" cy="1198901"/>
-            </a:xfrm>
-            <a:prstGeom prst="rect">
-              <a:avLst/>
-            </a:prstGeom>
-          </p:spPr>
-        </p:pic>
-      </p:grpSp>
-      <p:sp>
-        <p:nvSpPr>
-          <p:cNvPr id="19" name="Slide Title">
-            <a:extLst>
-              <a:ext uri="{FF2B5EF4-FFF2-40B4-BE49-F238E27FC236}">
-                <a16:creationId xmlns:a16="http://schemas.microsoft.com/office/drawing/2014/main" id="{7CFDBB16-985C-4CC7-B6DB-B81B36037922}"/>
+                <a16:creationId xmlns:a16="http://schemas.microsoft.com/office/drawing/2014/main" id="{3107753B-8639-4399-B782-EE5377184D2E}"/>
               </a:ext>
             </a:extLst>
           </p:cNvPr>
@@ -5909,142 +5224,33 @@
             <a:spLocks noGrp="1"/>
           </p:cNvSpPr>
           <p:nvPr>
-            <p:ph type="title"/>
+            <p:ph type="title" hasCustomPrompt="1"/>
           </p:nvPr>
         </p:nvSpPr>
         <p:spPr>
           <a:xfrm>
-            <a:off x="809628" y="703244"/>
-            <a:ext cx="5916372" cy="1033303"/>
+            <a:off x="726988" y="1461842"/>
+            <a:ext cx="10731663" cy="3047158"/>
           </a:xfrm>
-          <a:prstGeom prst="rect">
-            <a:avLst/>
-          </a:prstGeom>
         </p:spPr>
         <p:txBody>
-          <a:bodyPr wrap="none" lIns="0" tIns="0" rIns="0" bIns="0" anchor="ctr" anchorCtr="0">
-            <a:noAutofit/>
-            <a:scene3d>
-              <a:camera prst="orthographicFront"/>
-              <a:lightRig rig="soft" dir="t">
-                <a:rot lat="0" lon="0" rev="10800000"/>
-              </a:lightRig>
-            </a:scene3d>
-            <a:sp3d>
-              <a:bevelT w="27940" h="12700"/>
-              <a:contourClr>
-                <a:srgbClr val="DDDDDD"/>
-              </a:contourClr>
-            </a:sp3d>
+          <a:bodyPr>
+            <a:normAutofit/>
           </a:bodyPr>
-          <a:lstStyle/>
-          <a:p>
-            <a:pPr marL="0" marR="0" lvl="0" indent="0" algn="l" defTabSz="913852" rtl="0" eaLnBrk="0" fontAlgn="auto" latinLnBrk="0" hangingPunct="0">
-              <a:lnSpc>
-                <a:spcPct val="100000"/>
-              </a:lnSpc>
-              <a:spcBef>
-                <a:spcPts val="0"/>
-              </a:spcBef>
-              <a:spcAft>
-                <a:spcPts val="0"/>
-              </a:spcAft>
-              <a:buClr>
-                <a:srgbClr val="67748E">
-                  <a:lumMod val="40000"/>
-                  <a:lumOff val="60000"/>
-                </a:srgbClr>
-              </a:buClr>
-              <a:buSzPct val="70000"/>
-              <a:buFont typeface="Wingdings 2" pitchFamily="18" charset="2"/>
-              <a:buNone/>
-              <a:tabLst/>
-              <a:defRPr/>
-            </a:pPr>
-            <a:r>
-              <a:rPr kumimoji="0" lang="en-US" sz="8797" b="1" i="0" u="none" strike="noStrike" kern="1200" cap="none" spc="0" normalizeH="0" baseline="0" noProof="0">
-                <a:ln>
-                  <a:noFill/>
-                </a:ln>
-                <a:solidFill>
-                  <a:srgbClr val="234465"/>
-                </a:solidFill>
-                <a:effectLst/>
-                <a:uLnTx/>
-                <a:uFillTx/>
-                <a:latin typeface="Calibri" panose="020F0502020204030204"/>
-                <a:ea typeface="+mn-ea"/>
-                <a:cs typeface="+mn-cs"/>
-              </a:rPr>
-              <a:t>Questions?</a:t>
-            </a:r>
-            <a:endParaRPr kumimoji="0" lang="en-US" sz="8797" b="1" i="0" u="none" strike="noStrike" kern="1200" cap="none" spc="150" normalizeH="0" baseline="0" noProof="0">
-              <a:ln w="11430"/>
-              <a:solidFill>
-                <a:srgbClr val="234465"/>
-              </a:solidFill>
-              <a:effectLst>
-                <a:outerShdw blurRad="25400" algn="tl" rotWithShape="0">
-                  <a:srgbClr val="000000">
-                    <a:alpha val="43000"/>
-                  </a:srgbClr>
-                </a:outerShdw>
-              </a:effectLst>
-              <a:uLnTx/>
-              <a:uFillTx/>
-              <a:latin typeface="Calibri" panose="020F0502020204030204"/>
-              <a:ea typeface="+mn-ea"/>
-              <a:cs typeface="+mn-cs"/>
-            </a:endParaRPr>
+          <a:lstStyle>
+            <a:lvl1pPr algn="ctr">
+              <a:defRPr sz="13800"/>
+            </a:lvl1pPr>
+          </a:lstStyle>
+          <a:p>
+            <a:r>
+              <a:rPr lang="bg-BG" dirty="0"/>
+              <a:t>Въпроси?</a:t>
+            </a:r>
+            <a:endParaRPr lang="en-US" dirty="0"/>
           </a:p>
         </p:txBody>
       </p:sp>
-      <p:pic>
-        <p:nvPicPr>
-          <p:cNvPr id="36" name="Logo Software University" descr="Software University logo">
-            <a:extLst>
-              <a:ext uri="{FF2B5EF4-FFF2-40B4-BE49-F238E27FC236}">
-                <a16:creationId xmlns:a16="http://schemas.microsoft.com/office/drawing/2014/main" id="{67FC4D2E-913D-432A-B658-F0D82839FA5E}"/>
-              </a:ext>
-            </a:extLst>
-          </p:cNvPr>
-          <p:cNvPicPr>
-            <a:picLocks noChangeAspect="1"/>
-          </p:cNvPicPr>
-          <p:nvPr userDrawn="1"/>
-        </p:nvPicPr>
-        <p:blipFill>
-          <a:blip r:embed="rId11">
-            <a:clrChange>
-              <a:clrFrom>
-                <a:srgbClr val="FFFFFF"/>
-              </a:clrFrom>
-              <a:clrTo>
-                <a:srgbClr val="FFFFFF">
-                  <a:alpha val="0"/>
-                </a:srgbClr>
-              </a:clrTo>
-            </a:clrChange>
-            <a:extLst>
-              <a:ext uri="{28A0092B-C50C-407E-A947-70E740481C1C}">
-                <a14:useLocalDpi xmlns:a14="http://schemas.microsoft.com/office/drawing/2010/main" val="0"/>
-              </a:ext>
-            </a:extLst>
-          </a:blip>
-          <a:stretch>
-            <a:fillRect/>
-          </a:stretch>
-        </p:blipFill>
-        <p:spPr>
-          <a:xfrm>
-            <a:off x="10008761" y="190267"/>
-            <a:ext cx="2013336" cy="690975"/>
-          </a:xfrm>
-          <a:prstGeom prst="rect">
-            <a:avLst/>
-          </a:prstGeom>
-        </p:spPr>
-      </p:pic>
     </p:spTree>
     <p:extLst>
       <p:ext uri="{BB962C8B-B14F-4D97-AF65-F5344CB8AC3E}">
@@ -6079,528 +5285,6 @@
       </p15:sldGuideLst>
     </p:ext>
   </p:extLst>
-</p:sldLayout>
-</file>
-
-<file path=ppt/slideLayouts/slideLayout13.xml><?xml version="1.0" encoding="utf-8"?>
-<p:sldLayout xmlns:a="http://schemas.openxmlformats.org/drawingml/2006/main" xmlns:r="http://schemas.openxmlformats.org/officeDocument/2006/relationships" xmlns:p="http://schemas.openxmlformats.org/presentationml/2006/main" preserve="1" userDrawn="1">
-  <p:cSld name="About Slide">
-    <p:spTree>
-      <p:nvGrpSpPr>
-        <p:cNvPr id="1" name=""/>
-        <p:cNvGrpSpPr/>
-        <p:nvPr/>
-      </p:nvGrpSpPr>
-      <p:grpSpPr>
-        <a:xfrm>
-          <a:off x="0" y="0"/>
-          <a:ext cx="0" cy="0"/>
-          <a:chOff x="0" y="0"/>
-          <a:chExt cx="0" cy="0"/>
-        </a:xfrm>
-      </p:grpSpPr>
-      <p:sp>
-        <p:nvSpPr>
-          <p:cNvPr id="13" name="Slide Number">
-            <a:extLst>
-              <a:ext uri="{FF2B5EF4-FFF2-40B4-BE49-F238E27FC236}">
-                <a16:creationId xmlns:a16="http://schemas.microsoft.com/office/drawing/2014/main" id="{5B8761D8-B42F-4A70-A0CE-682CEB2AE31B}"/>
-              </a:ext>
-            </a:extLst>
-          </p:cNvPr>
-          <p:cNvSpPr>
-            <a:spLocks noGrp="1"/>
-          </p:cNvSpPr>
-          <p:nvPr>
-            <p:ph type="sldNum" sz="quarter" idx="4"/>
-          </p:nvPr>
-        </p:nvSpPr>
-        <p:spPr>
-          <a:xfrm>
-            <a:off x="11753030" y="6507000"/>
-            <a:ext cx="367414" cy="297000"/>
-          </a:xfrm>
-          <a:prstGeom prst="rect">
-            <a:avLst/>
-          </a:prstGeom>
-        </p:spPr>
-        <p:txBody>
-          <a:bodyPr vert="horz" lIns="91440" tIns="45720" rIns="91440" bIns="45720" rtlCol="0" anchor="b"/>
-          <a:lstStyle>
-            <a:lvl1pPr algn="r">
-              <a:defRPr sz="1000"/>
-            </a:lvl1pPr>
-          </a:lstStyle>
-          <a:p>
-            <a:fld id="{2BF067CD-8E6B-4360-9AA8-C5DF2A48A6D1}" type="slidenum">
-              <a:rPr lang="en-US" noProof="0" smtClean="0"/>
-              <a:pPr/>
-              <a:t>‹#›</a:t>
-            </a:fld>
-            <a:endParaRPr lang="en-US" noProof="0"/>
-          </a:p>
-        </p:txBody>
-      </p:sp>
-      <p:pic>
-        <p:nvPicPr>
-          <p:cNvPr id="19" name="Picture Forum" descr="Forum icon">
-            <a:hlinkClick r:id="rId2" tooltip="Software University Discussion Forum"/>
-            <a:extLst>
-              <a:ext uri="{FF2B5EF4-FFF2-40B4-BE49-F238E27FC236}">
-                <a16:creationId xmlns:a16="http://schemas.microsoft.com/office/drawing/2014/main" id="{98C579AD-FAF5-4B28-9B52-5457F1E90061}"/>
-              </a:ext>
-            </a:extLst>
-          </p:cNvPr>
-          <p:cNvPicPr>
-            <a:picLocks noChangeAspect="1"/>
-          </p:cNvPicPr>
-          <p:nvPr userDrawn="1"/>
-        </p:nvPicPr>
-        <p:blipFill>
-          <a:blip r:embed="rId3" cstate="print">
-            <a:extLst>
-              <a:ext uri="{28A0092B-C50C-407E-A947-70E740481C1C}">
-                <a14:useLocalDpi xmlns:a14="http://schemas.microsoft.com/office/drawing/2010/main"/>
-              </a:ext>
-            </a:extLst>
-          </a:blip>
-          <a:stretch>
-            <a:fillRect/>
-          </a:stretch>
-        </p:blipFill>
-        <p:spPr>
-          <a:xfrm>
-            <a:off x="10524350" y="5249556"/>
-            <a:ext cx="970156" cy="965726"/>
-          </a:xfrm>
-          <a:prstGeom prst="rect">
-            <a:avLst/>
-          </a:prstGeom>
-        </p:spPr>
-      </p:pic>
-      <p:pic>
-        <p:nvPicPr>
-          <p:cNvPr id="17" name="Picture Logo FB" descr="Facebook logo">
-            <a:hlinkClick r:id="rId4" tooltip="Software University @ Facebook"/>
-            <a:extLst>
-              <a:ext uri="{FF2B5EF4-FFF2-40B4-BE49-F238E27FC236}">
-                <a16:creationId xmlns:a16="http://schemas.microsoft.com/office/drawing/2014/main" id="{6B2C510E-5EF2-49F6-B926-2BD74CD3C7F8}"/>
-              </a:ext>
-            </a:extLst>
-          </p:cNvPr>
-          <p:cNvPicPr>
-            <a:picLocks noChangeAspect="1" noChangeArrowheads="1"/>
-          </p:cNvPicPr>
-          <p:nvPr userDrawn="1"/>
-        </p:nvPicPr>
-        <p:blipFill rotWithShape="1">
-          <a:blip r:embed="rId5" cstate="print">
-            <a:extLst>
-              <a:ext uri="{28A0092B-C50C-407E-A947-70E740481C1C}">
-                <a14:useLocalDpi xmlns:a14="http://schemas.microsoft.com/office/drawing/2010/main"/>
-              </a:ext>
-            </a:extLst>
-          </a:blip>
-          <a:srcRect/>
-          <a:stretch/>
-        </p:blipFill>
-        <p:spPr bwMode="auto">
-          <a:xfrm>
-            <a:off x="10507451" y="3689937"/>
-            <a:ext cx="1003954" cy="1017562"/>
-          </a:xfrm>
-          <a:prstGeom prst="rect">
-            <a:avLst/>
-          </a:prstGeom>
-          <a:noFill/>
-          <a:extLst>
-            <a:ext uri="{909E8E84-426E-40DD-AFC4-6F175D3DCCD1}">
-              <a14:hiddenFill xmlns:a14="http://schemas.microsoft.com/office/drawing/2010/main">
-                <a:solidFill>
-                  <a:srgbClr val="FFFFFF"/>
-                </a:solidFill>
-              </a14:hiddenFill>
-            </a:ext>
-          </a:extLst>
-        </p:spPr>
-      </p:pic>
-      <p:pic>
-        <p:nvPicPr>
-          <p:cNvPr id="20" name="Picture Logo SoftUni Right" descr="Software University logo">
-            <a:hlinkClick r:id="rId6"/>
-            <a:extLst>
-              <a:ext uri="{FF2B5EF4-FFF2-40B4-BE49-F238E27FC236}">
-                <a16:creationId xmlns:a16="http://schemas.microsoft.com/office/drawing/2014/main" id="{F4604840-E810-44B7-9FF1-3B28CD68B758}"/>
-              </a:ext>
-            </a:extLst>
-          </p:cNvPr>
-          <p:cNvPicPr>
-            <a:picLocks noChangeAspect="1"/>
-          </p:cNvPicPr>
-          <p:nvPr userDrawn="1"/>
-        </p:nvPicPr>
-        <p:blipFill>
-          <a:blip r:embed="rId7">
-            <a:extLst>
-              <a:ext uri="{28A0092B-C50C-407E-A947-70E740481C1C}">
-                <a14:useLocalDpi xmlns:a14="http://schemas.microsoft.com/office/drawing/2010/main" val="0"/>
-              </a:ext>
-            </a:extLst>
-          </a:blip>
-          <a:stretch>
-            <a:fillRect/>
-          </a:stretch>
-        </p:blipFill>
-        <p:spPr>
-          <a:xfrm>
-            <a:off x="10413401" y="1674000"/>
-            <a:ext cx="1192055" cy="1473880"/>
-          </a:xfrm>
-          <a:prstGeom prst="rect">
-            <a:avLst/>
-          </a:prstGeom>
-        </p:spPr>
-      </p:pic>
-      <p:pic>
-        <p:nvPicPr>
-          <p:cNvPr id="16" name="Picture SoftUni Mascot" descr="SoftUni mascot">
-            <a:hlinkClick r:id="rId8"/>
-            <a:extLst>
-              <a:ext uri="{FF2B5EF4-FFF2-40B4-BE49-F238E27FC236}">
-                <a16:creationId xmlns:a16="http://schemas.microsoft.com/office/drawing/2014/main" id="{07C965FA-A87E-4824-AFA8-C67AF548A76A}"/>
-              </a:ext>
-            </a:extLst>
-          </p:cNvPr>
-          <p:cNvPicPr>
-            <a:picLocks noChangeAspect="1"/>
-          </p:cNvPicPr>
-          <p:nvPr/>
-        </p:nvPicPr>
-        <p:blipFill>
-          <a:blip r:embed="rId9">
-            <a:extLst>
-              <a:ext uri="{28A0092B-C50C-407E-A947-70E740481C1C}">
-                <a14:useLocalDpi xmlns:a14="http://schemas.microsoft.com/office/drawing/2010/main" val="0"/>
-              </a:ext>
-            </a:extLst>
-          </a:blip>
-          <a:srcRect/>
-          <a:stretch/>
-        </p:blipFill>
-        <p:spPr>
-          <a:xfrm>
-            <a:off x="7181957" y="2584289"/>
-            <a:ext cx="2732955" cy="3630993"/>
-          </a:xfrm>
-          <a:prstGeom prst="rect">
-            <a:avLst/>
-          </a:prstGeom>
-        </p:spPr>
-      </p:pic>
-      <p:sp>
-        <p:nvSpPr>
-          <p:cNvPr id="12" name="Slide Body Text">
-            <a:extLst>
-              <a:ext uri="{FF2B5EF4-FFF2-40B4-BE49-F238E27FC236}">
-                <a16:creationId xmlns:a16="http://schemas.microsoft.com/office/drawing/2014/main" id="{0C1F9416-8B6E-46DE-973C-777785E27A26}"/>
-              </a:ext>
-            </a:extLst>
-          </p:cNvPr>
-          <p:cNvSpPr>
-            <a:spLocks noGrp="1"/>
-          </p:cNvSpPr>
-          <p:nvPr>
-            <p:ph idx="4294967295" hasCustomPrompt="1"/>
-          </p:nvPr>
-        </p:nvSpPr>
-        <p:spPr>
-          <a:xfrm>
-            <a:off x="152410" y="1186307"/>
-            <a:ext cx="8688590" cy="5496127"/>
-          </a:xfrm>
-        </p:spPr>
-        <p:txBody>
-          <a:bodyPr wrap="square">
-            <a:noAutofit/>
-          </a:bodyPr>
-          <a:lstStyle>
-            <a:lvl1pPr latinLnBrk="0">
-              <a:buClr>
-                <a:schemeClr val="tx1"/>
-              </a:buClr>
-              <a:defRPr sz="2798"/>
-            </a:lvl1pPr>
-            <a:lvl2pPr marL="989981" marR="0" indent="-380762" algn="l" defTabSz="1218438" rtl="0" eaLnBrk="1" fontAlgn="auto" latinLnBrk="1" hangingPunct="1">
-              <a:lnSpc>
-                <a:spcPct val="100000"/>
-              </a:lnSpc>
-              <a:spcBef>
-                <a:spcPts val="600"/>
-              </a:spcBef>
-              <a:spcAft>
-                <a:spcPts val="600"/>
-              </a:spcAft>
-              <a:buClrTx/>
-              <a:buSzTx/>
-              <a:buFont typeface="Wingdings" panose="05000000000000000000" pitchFamily="2" charset="2"/>
-              <a:buChar char="§"/>
-              <a:tabLst>
-                <a:tab pos="282405" algn="l"/>
-              </a:tabLst>
-              <a:defRPr sz="2800"/>
-            </a:lvl2pPr>
-            <a:lvl3pPr>
-              <a:buClr>
-                <a:schemeClr val="tx1"/>
-              </a:buClr>
-              <a:defRPr/>
-            </a:lvl3pPr>
-          </a:lstStyle>
-          <a:p>
-            <a:r>
-              <a:rPr lang="en-US" sz="3000" noProof="0"/>
-              <a:t>Software University – High-Quality Education, Profession and Job for Software Developers</a:t>
-            </a:r>
-          </a:p>
-          <a:p>
-            <a:pPr lvl="1"/>
-            <a:r>
-              <a:rPr lang="en-US" noProof="1">
-                <a:hlinkClick r:id="rId8"/>
-              </a:rPr>
-              <a:t>softuni.bg</a:t>
-            </a:r>
-            <a:r>
-              <a:rPr lang="en-US" noProof="1"/>
-              <a:t> </a:t>
-            </a:r>
-          </a:p>
-          <a:p>
-            <a:r>
-              <a:rPr lang="en-US" sz="3000" noProof="0"/>
-              <a:t>Software University Foundation</a:t>
-            </a:r>
-          </a:p>
-          <a:p>
-            <a:pPr lvl="1"/>
-            <a:r>
-              <a:rPr lang="en-US" noProof="1">
-                <a:hlinkClick r:id="rId10"/>
-              </a:rPr>
-              <a:t>softuni.foundation</a:t>
-            </a:r>
-            <a:endParaRPr lang="en-US" noProof="1"/>
-          </a:p>
-          <a:p>
-            <a:r>
-              <a:rPr lang="en-US" sz="3000" noProof="0"/>
-              <a:t>Software University @ Facebook</a:t>
-            </a:r>
-          </a:p>
-          <a:p>
-            <a:pPr lvl="1"/>
-            <a:r>
-              <a:rPr lang="en-US" noProof="1">
-                <a:hlinkClick r:id="rId4"/>
-              </a:rPr>
-              <a:t>facebook.com/SoftwareUniversity</a:t>
-            </a:r>
-            <a:endParaRPr lang="en-US" noProof="1"/>
-          </a:p>
-          <a:p>
-            <a:r>
-              <a:rPr lang="en-US" sz="3000" noProof="0"/>
-              <a:t>Software University Forums</a:t>
-            </a:r>
-          </a:p>
-          <a:p>
-            <a:pPr lvl="1"/>
-            <a:r>
-              <a:rPr lang="en-US" noProof="1">
-                <a:hlinkClick r:id="rId2"/>
-              </a:rPr>
-              <a:t>forum.softuni.bg</a:t>
-            </a:r>
-            <a:endParaRPr lang="en-US" noProof="1"/>
-          </a:p>
-        </p:txBody>
-      </p:sp>
-      <p:sp>
-        <p:nvSpPr>
-          <p:cNvPr id="10" name="Rectangle Top">
-            <a:extLst>
-              <a:ext uri="{FF2B5EF4-FFF2-40B4-BE49-F238E27FC236}">
-                <a16:creationId xmlns:a16="http://schemas.microsoft.com/office/drawing/2014/main" id="{86646B95-5E3B-4DE8-9118-031C2C296D8C}"/>
-              </a:ext>
-            </a:extLst>
-          </p:cNvPr>
-          <p:cNvSpPr/>
-          <p:nvPr userDrawn="1"/>
-        </p:nvSpPr>
-        <p:spPr>
-          <a:xfrm>
-            <a:off x="0" y="0"/>
-            <a:ext cx="12195176" cy="1095376"/>
-          </a:xfrm>
-          <a:prstGeom prst="rect">
-            <a:avLst/>
-          </a:prstGeom>
-          <a:solidFill>
-            <a:schemeClr val="tx2"/>
-          </a:solidFill>
-          <a:ln>
-            <a:noFill/>
-          </a:ln>
-        </p:spPr>
-        <p:style>
-          <a:lnRef idx="2">
-            <a:schemeClr val="accent1">
-              <a:shade val="50000"/>
-            </a:schemeClr>
-          </a:lnRef>
-          <a:fillRef idx="1">
-            <a:schemeClr val="accent1"/>
-          </a:fillRef>
-          <a:effectRef idx="0">
-            <a:schemeClr val="accent1"/>
-          </a:effectRef>
-          <a:fontRef idx="minor">
-            <a:schemeClr val="lt1"/>
-          </a:fontRef>
-        </p:style>
-        <p:txBody>
-          <a:bodyPr rtlCol="0" anchor="ctr"/>
-          <a:lstStyle/>
-          <a:p>
-            <a:pPr marL="0" marR="0" lvl="0" indent="0" algn="ctr" defTabSz="913852" rtl="0" eaLnBrk="1" fontAlgn="auto" latinLnBrk="0" hangingPunct="1">
-              <a:lnSpc>
-                <a:spcPct val="100000"/>
-              </a:lnSpc>
-              <a:spcBef>
-                <a:spcPts val="0"/>
-              </a:spcBef>
-              <a:spcAft>
-                <a:spcPts val="0"/>
-              </a:spcAft>
-              <a:buClrTx/>
-              <a:buSzTx/>
-              <a:buFontTx/>
-              <a:buNone/>
-              <a:tabLst/>
-              <a:defRPr/>
-            </a:pPr>
-            <a:endParaRPr kumimoji="0" lang="en-US" altLang="ko-KR" sz="2398" b="0" i="0" u="none" strike="noStrike" kern="1200" cap="none" spc="0" normalizeH="0" baseline="0" noProof="0">
-              <a:ln>
-                <a:noFill/>
-              </a:ln>
-              <a:solidFill>
-                <a:srgbClr val="F7C86D"/>
-              </a:solidFill>
-              <a:effectLst/>
-              <a:uLnTx/>
-              <a:uFillTx/>
-              <a:latin typeface="Calibri" panose="020F0502020204030204"/>
-              <a:ea typeface="맑은 고딕" panose="020B0503020000020004" pitchFamily="34" charset="-127"/>
-              <a:cs typeface="+mn-cs"/>
-            </a:endParaRPr>
-          </a:p>
-        </p:txBody>
-      </p:sp>
-      <p:pic>
-        <p:nvPicPr>
-          <p:cNvPr id="11" name="Logo Software University" descr="Software University logo">
-            <a:extLst>
-              <a:ext uri="{FF2B5EF4-FFF2-40B4-BE49-F238E27FC236}">
-                <a16:creationId xmlns:a16="http://schemas.microsoft.com/office/drawing/2014/main" id="{58AB1944-B146-4E89-B2D9-426EB610F319}"/>
-              </a:ext>
-            </a:extLst>
-          </p:cNvPr>
-          <p:cNvPicPr>
-            <a:picLocks noChangeAspect="1"/>
-          </p:cNvPicPr>
-          <p:nvPr userDrawn="1"/>
-        </p:nvPicPr>
-        <p:blipFill>
-          <a:blip r:embed="rId11">
-            <a:extLst>
-              <a:ext uri="{28A0092B-C50C-407E-A947-70E740481C1C}">
-                <a14:useLocalDpi xmlns:a14="http://schemas.microsoft.com/office/drawing/2010/main" val="0"/>
-              </a:ext>
-            </a:extLst>
-          </a:blip>
-          <a:stretch>
-            <a:fillRect/>
-          </a:stretch>
-        </p:blipFill>
-        <p:spPr>
-          <a:xfrm>
-            <a:off x="10067957" y="253936"/>
-            <a:ext cx="1915704" cy="559235"/>
-          </a:xfrm>
-          <a:prstGeom prst="rect">
-            <a:avLst/>
-          </a:prstGeom>
-        </p:spPr>
-      </p:pic>
-      <p:sp>
-        <p:nvSpPr>
-          <p:cNvPr id="18" name="Slide Title">
-            <a:extLst>
-              <a:ext uri="{FF2B5EF4-FFF2-40B4-BE49-F238E27FC236}">
-                <a16:creationId xmlns:a16="http://schemas.microsoft.com/office/drawing/2014/main" id="{AE87ED9C-76E1-4D85-9B06-3AF44AABB668}"/>
-              </a:ext>
-            </a:extLst>
-          </p:cNvPr>
-          <p:cNvSpPr>
-            <a:spLocks noGrp="1"/>
-          </p:cNvSpPr>
-          <p:nvPr>
-            <p:ph type="title" hasCustomPrompt="1"/>
-          </p:nvPr>
-        </p:nvSpPr>
-        <p:spPr>
-          <a:xfrm>
-            <a:off x="172286" y="108873"/>
-            <a:ext cx="9742626" cy="882654"/>
-          </a:xfrm>
-        </p:spPr>
-        <p:txBody>
-          <a:bodyPr/>
-          <a:lstStyle>
-            <a:lvl1pPr latinLnBrk="0">
-              <a:defRPr>
-                <a:solidFill>
-                  <a:schemeClr val="bg2"/>
-                </a:solidFill>
-              </a:defRPr>
-            </a:lvl1pPr>
-          </a:lstStyle>
-          <a:p>
-            <a:r>
-              <a:rPr lang="en-US" noProof="0"/>
-              <a:t>Trainings @ Software University (SoftUni)</a:t>
-            </a:r>
-          </a:p>
-        </p:txBody>
-      </p:sp>
-    </p:spTree>
-    <p:extLst>
-      <p:ext uri="{BB962C8B-B14F-4D97-AF65-F5344CB8AC3E}">
-        <p14:creationId xmlns:p14="http://schemas.microsoft.com/office/powerpoint/2010/main" val="2196466322"/>
-      </p:ext>
-    </p:extLst>
-  </p:cSld>
-  <p:clrMapOvr>
-    <a:masterClrMapping/>
-  </p:clrMapOvr>
-  <mc:AlternateContent xmlns:mc="http://schemas.openxmlformats.org/markup-compatibility/2006" xmlns:p14="http://schemas.microsoft.com/office/powerpoint/2010/main">
-    <mc:Choice Requires="p14">
-      <p:transition spd="slow" p14:dur="2000" advClick="0" advTm="5000"/>
-    </mc:Choice>
-    <mc:Fallback xmlns="">
-      <p:transition spd="slow" advClick="0" advTm="5000"/>
-    </mc:Fallback>
-  </mc:AlternateContent>
 </p:sldLayout>
 </file>
 
@@ -6736,7 +5420,7 @@
           <a:p>
             <a:pPr lvl="0"/>
             <a:r>
-              <a:rPr lang="en-US" noProof="0"/>
+              <a:rPr lang="en-US" noProof="0" dirty="0"/>
               <a:t>Click to Edit Section Subtitle</a:t>
             </a:r>
           </a:p>
@@ -6780,10 +5464,10 @@
           <a:p>
             <a:pPr lvl="0"/>
             <a:r>
-              <a:rPr lang="en-US" noProof="0"/>
+              <a:rPr lang="en-US" noProof="0" dirty="0"/>
               <a:t>Click to Edit Section Title</a:t>
             </a:r>
-            <a:endParaRPr lang="en-US" altLang="ko-KR" noProof="0"/>
+            <a:endParaRPr lang="en-US" altLang="ko-KR" noProof="0" dirty="0"/>
           </a:p>
         </p:txBody>
       </p:sp>
@@ -6863,7 +5547,7 @@
               <a:pPr/>
               <a:t>‹#›</a:t>
             </a:fld>
-            <a:endParaRPr lang="en-US" noProof="0"/>
+            <a:endParaRPr lang="en-US" noProof="0" dirty="0"/>
           </a:p>
         </p:txBody>
       </p:sp>
@@ -6911,35 +5595,35 @@
           <a:p>
             <a:pPr lvl="0"/>
             <a:r>
-              <a:rPr lang="en-US" noProof="0"/>
+              <a:rPr lang="en-US" noProof="0" dirty="0"/>
               <a:t>Edit Master text styles</a:t>
             </a:r>
           </a:p>
           <a:p>
             <a:pPr lvl="1"/>
             <a:r>
-              <a:rPr lang="en-US" noProof="0"/>
+              <a:rPr lang="en-US" noProof="0" dirty="0"/>
               <a:t>Second level</a:t>
             </a:r>
           </a:p>
           <a:p>
             <a:pPr lvl="2"/>
             <a:r>
-              <a:rPr lang="en-US" noProof="0"/>
+              <a:rPr lang="en-US" noProof="0" dirty="0"/>
               <a:t>Third level</a:t>
             </a:r>
           </a:p>
           <a:p>
             <a:pPr lvl="3"/>
             <a:r>
-              <a:rPr lang="en-US" noProof="0"/>
+              <a:rPr lang="en-US" noProof="0" dirty="0"/>
               <a:t>Fourth level</a:t>
             </a:r>
           </a:p>
           <a:p>
             <a:pPr lvl="4"/>
             <a:r>
-              <a:rPr lang="en-US" noProof="0"/>
+              <a:rPr lang="en-US" noProof="0" dirty="0"/>
               <a:t>Fifth level</a:t>
             </a:r>
           </a:p>
@@ -7026,42 +5710,6 @@
           </a:p>
         </p:txBody>
       </p:sp>
-      <p:pic>
-        <p:nvPicPr>
-          <p:cNvPr id="12" name="Logo Software University" descr="Software University logo">
-            <a:extLst>
-              <a:ext uri="{FF2B5EF4-FFF2-40B4-BE49-F238E27FC236}">
-                <a16:creationId xmlns:a16="http://schemas.microsoft.com/office/drawing/2014/main" id="{B1D3B425-B9BF-43ED-9DEC-C05002FBA22F}"/>
-              </a:ext>
-            </a:extLst>
-          </p:cNvPr>
-          <p:cNvPicPr>
-            <a:picLocks noChangeAspect="1"/>
-          </p:cNvPicPr>
-          <p:nvPr userDrawn="1"/>
-        </p:nvPicPr>
-        <p:blipFill>
-          <a:blip r:embed="rId2">
-            <a:extLst>
-              <a:ext uri="{28A0092B-C50C-407E-A947-70E740481C1C}">
-                <a14:useLocalDpi xmlns:a14="http://schemas.microsoft.com/office/drawing/2010/main" val="0"/>
-              </a:ext>
-            </a:extLst>
-          </a:blip>
-          <a:stretch>
-            <a:fillRect/>
-          </a:stretch>
-        </p:blipFill>
-        <p:spPr>
-          <a:xfrm>
-            <a:off x="10067957" y="253936"/>
-            <a:ext cx="1915704" cy="559235"/>
-          </a:xfrm>
-          <a:prstGeom prst="rect">
-            <a:avLst/>
-          </a:prstGeom>
-        </p:spPr>
-      </p:pic>
       <p:sp>
         <p:nvSpPr>
           <p:cNvPr id="6" name="Slide Title">
@@ -7081,7 +5729,7 @@
         <p:spPr>
           <a:xfrm>
             <a:off x="190406" y="100750"/>
-            <a:ext cx="9715594" cy="882654"/>
+            <a:ext cx="10270594" cy="882654"/>
           </a:xfrm>
         </p:spPr>
         <p:txBody>
@@ -7097,12 +5745,48 @@
           </a:lstStyle>
           <a:p>
             <a:r>
-              <a:rPr lang="en-US" noProof="0"/>
+              <a:rPr lang="en-US" noProof="0" dirty="0"/>
               <a:t>Slide Title</a:t>
             </a:r>
           </a:p>
         </p:txBody>
       </p:sp>
+      <p:pic>
+        <p:nvPicPr>
+          <p:cNvPr id="4" name="Picture 3">
+            <a:extLst>
+              <a:ext uri="{FF2B5EF4-FFF2-40B4-BE49-F238E27FC236}">
+                <a16:creationId xmlns:a16="http://schemas.microsoft.com/office/drawing/2014/main" id="{4B9A1D0F-F579-6A3C-C698-4E2E7F1AB265}"/>
+              </a:ext>
+            </a:extLst>
+          </p:cNvPr>
+          <p:cNvPicPr>
+            <a:picLocks noChangeAspect="1"/>
+          </p:cNvPicPr>
+          <p:nvPr userDrawn="1"/>
+        </p:nvPicPr>
+        <p:blipFill>
+          <a:blip r:embed="rId2" cstate="print">
+            <a:extLst>
+              <a:ext uri="{28A0092B-C50C-407E-A947-70E740481C1C}">
+                <a14:useLocalDpi xmlns:a14="http://schemas.microsoft.com/office/drawing/2010/main" val="0"/>
+              </a:ext>
+            </a:extLst>
+          </a:blip>
+          <a:stretch>
+            <a:fillRect/>
+          </a:stretch>
+        </p:blipFill>
+        <p:spPr>
+          <a:xfrm>
+            <a:off x="10553573" y="368999"/>
+            <a:ext cx="1443361" cy="360001"/>
+          </a:xfrm>
+          <a:prstGeom prst="rect">
+            <a:avLst/>
+          </a:prstGeom>
+        </p:spPr>
+      </p:pic>
     </p:spTree>
     <p:extLst>
       <p:ext uri="{BB962C8B-B14F-4D97-AF65-F5344CB8AC3E}">
@@ -7125,371 +5809,6 @@
 </file>
 
 <file path=ppt/slideLayouts/slideLayout4.xml><?xml version="1.0" encoding="utf-8"?>
-<p:sldLayout xmlns:a="http://schemas.openxmlformats.org/drawingml/2006/main" xmlns:r="http://schemas.openxmlformats.org/officeDocument/2006/relationships" xmlns:p="http://schemas.openxmlformats.org/presentationml/2006/main" preserve="1" userDrawn="1">
-  <p:cSld name="Table of Contents">
-    <p:spTree>
-      <p:nvGrpSpPr>
-        <p:cNvPr id="1" name=""/>
-        <p:cNvGrpSpPr/>
-        <p:nvPr/>
-      </p:nvGrpSpPr>
-      <p:grpSpPr>
-        <a:xfrm>
-          <a:off x="0" y="0"/>
-          <a:ext cx="0" cy="0"/>
-          <a:chOff x="0" y="0"/>
-          <a:chExt cx="0" cy="0"/>
-        </a:xfrm>
-      </p:grpSpPr>
-      <p:sp>
-        <p:nvSpPr>
-          <p:cNvPr id="10" name="Slide Number">
-            <a:extLst>
-              <a:ext uri="{FF2B5EF4-FFF2-40B4-BE49-F238E27FC236}">
-                <a16:creationId xmlns:a16="http://schemas.microsoft.com/office/drawing/2014/main" id="{39DDE17E-5472-41F3-AF5F-54DFF10DC63C}"/>
-              </a:ext>
-            </a:extLst>
-          </p:cNvPr>
-          <p:cNvSpPr>
-            <a:spLocks noGrp="1"/>
-          </p:cNvSpPr>
-          <p:nvPr>
-            <p:ph type="sldNum" sz="quarter" idx="4"/>
-          </p:nvPr>
-        </p:nvSpPr>
-        <p:spPr>
-          <a:xfrm>
-            <a:off x="11753030" y="6507000"/>
-            <a:ext cx="367414" cy="297000"/>
-          </a:xfrm>
-          <a:prstGeom prst="rect">
-            <a:avLst/>
-          </a:prstGeom>
-        </p:spPr>
-        <p:txBody>
-          <a:bodyPr vert="horz" lIns="91440" tIns="45720" rIns="91440" bIns="45720" rtlCol="0" anchor="b"/>
-          <a:lstStyle>
-            <a:lvl1pPr algn="r">
-              <a:defRPr sz="1000"/>
-            </a:lvl1pPr>
-          </a:lstStyle>
-          <a:p>
-            <a:fld id="{2BF067CD-8E6B-4360-9AA8-C5DF2A48A6D1}" type="slidenum">
-              <a:rPr lang="en-US" noProof="0" smtClean="0"/>
-              <a:pPr/>
-              <a:t>‹#›</a:t>
-            </a:fld>
-            <a:endParaRPr lang="en-US" noProof="0"/>
-          </a:p>
-        </p:txBody>
-      </p:sp>
-      <p:pic>
-        <p:nvPicPr>
-          <p:cNvPr id="9" name="Picture SoftUni Mascot" descr="SoftUni mascot with laptop">
-            <a:extLst>
-              <a:ext uri="{FF2B5EF4-FFF2-40B4-BE49-F238E27FC236}">
-                <a16:creationId xmlns:a16="http://schemas.microsoft.com/office/drawing/2014/main" id="{DC4365F6-D2C1-47B4-8477-38FD2C7711AA}"/>
-              </a:ext>
-            </a:extLst>
-          </p:cNvPr>
-          <p:cNvPicPr>
-            <a:picLocks noChangeAspect="1"/>
-          </p:cNvPicPr>
-          <p:nvPr/>
-        </p:nvPicPr>
-        <p:blipFill>
-          <a:blip r:embed="rId2" cstate="print">
-            <a:extLst>
-              <a:ext uri="{28A0092B-C50C-407E-A947-70E740481C1C}">
-                <a14:useLocalDpi xmlns:a14="http://schemas.microsoft.com/office/drawing/2010/main" val="0"/>
-              </a:ext>
-            </a:extLst>
-          </a:blip>
-          <a:stretch>
-            <a:fillRect/>
-          </a:stretch>
-        </p:blipFill>
-        <p:spPr>
-          <a:xfrm flipH="1">
-            <a:off x="9516000" y="3408496"/>
-            <a:ext cx="2251057" cy="3044431"/>
-          </a:xfrm>
-          <a:prstGeom prst="rect">
-            <a:avLst/>
-          </a:prstGeom>
-        </p:spPr>
-      </p:pic>
-      <p:sp>
-        <p:nvSpPr>
-          <p:cNvPr id="23" name="Slide Body Text">
-            <a:extLst>
-              <a:ext uri="{FF2B5EF4-FFF2-40B4-BE49-F238E27FC236}">
-                <a16:creationId xmlns:a16="http://schemas.microsoft.com/office/drawing/2014/main" id="{889D93F4-ABFA-46BF-8E5D-FE6562ACB20F}"/>
-              </a:ext>
-            </a:extLst>
-          </p:cNvPr>
-          <p:cNvSpPr>
-            <a:spLocks noGrp="1"/>
-          </p:cNvSpPr>
-          <p:nvPr>
-            <p:ph type="body" sz="quarter" idx="13" hasCustomPrompt="1"/>
-          </p:nvPr>
-        </p:nvSpPr>
-        <p:spPr>
-          <a:xfrm>
-            <a:off x="196766" y="1371604"/>
-            <a:ext cx="9049234" cy="5207396"/>
-          </a:xfrm>
-        </p:spPr>
-        <p:txBody>
-          <a:bodyPr>
-            <a:normAutofit/>
-          </a:bodyPr>
-          <a:lstStyle>
-            <a:lvl1pPr marL="514042" indent="-514042" latinLnBrk="0">
-              <a:buFont typeface="+mj-lt"/>
-              <a:buAutoNum type="arabicPeriod"/>
-              <a:defRPr sz="3600">
-                <a:solidFill>
-                  <a:schemeClr val="tx1"/>
-                </a:solidFill>
-              </a:defRPr>
-            </a:lvl1pPr>
-            <a:lvl2pPr>
-              <a:defRPr sz="3400"/>
-            </a:lvl2pPr>
-          </a:lstStyle>
-          <a:p>
-            <a:pPr lvl="0"/>
-            <a:r>
-              <a:rPr lang="en-US" noProof="0"/>
-              <a:t>…</a:t>
-            </a:r>
-          </a:p>
-          <a:p>
-            <a:pPr lvl="1"/>
-            <a:r>
-              <a:rPr lang="en-US" noProof="0"/>
-              <a:t>…</a:t>
-            </a:r>
-          </a:p>
-          <a:p>
-            <a:pPr lvl="1"/>
-            <a:r>
-              <a:rPr lang="en-US" noProof="0"/>
-              <a:t>…</a:t>
-            </a:r>
-          </a:p>
-          <a:p>
-            <a:pPr lvl="0"/>
-            <a:r>
-              <a:rPr lang="en-US" noProof="0"/>
-              <a:t>…</a:t>
-            </a:r>
-          </a:p>
-          <a:p>
-            <a:pPr lvl="1"/>
-            <a:r>
-              <a:rPr lang="en-US" noProof="0"/>
-              <a:t>…</a:t>
-            </a:r>
-          </a:p>
-          <a:p>
-            <a:pPr lvl="1"/>
-            <a:r>
-              <a:rPr lang="en-US" noProof="0"/>
-              <a:t>…</a:t>
-            </a:r>
-          </a:p>
-          <a:p>
-            <a:pPr lvl="0"/>
-            <a:r>
-              <a:rPr lang="en-US" noProof="0"/>
-              <a:t>…</a:t>
-            </a:r>
-          </a:p>
-        </p:txBody>
-      </p:sp>
-      <p:sp>
-        <p:nvSpPr>
-          <p:cNvPr id="8" name="Rectangle Top">
-            <a:extLst>
-              <a:ext uri="{FF2B5EF4-FFF2-40B4-BE49-F238E27FC236}">
-                <a16:creationId xmlns:a16="http://schemas.microsoft.com/office/drawing/2014/main" id="{930E0800-9260-4369-8330-8264DD33C5CE}"/>
-              </a:ext>
-            </a:extLst>
-          </p:cNvPr>
-          <p:cNvSpPr/>
-          <p:nvPr userDrawn="1"/>
-        </p:nvSpPr>
-        <p:spPr>
-          <a:xfrm>
-            <a:off x="0" y="0"/>
-            <a:ext cx="12196800" cy="1095376"/>
-          </a:xfrm>
-          <a:prstGeom prst="rect">
-            <a:avLst/>
-          </a:prstGeom>
-          <a:solidFill>
-            <a:schemeClr val="tx2"/>
-          </a:solidFill>
-          <a:ln>
-            <a:noFill/>
-          </a:ln>
-        </p:spPr>
-        <p:style>
-          <a:lnRef idx="2">
-            <a:schemeClr val="accent1">
-              <a:shade val="50000"/>
-            </a:schemeClr>
-          </a:lnRef>
-          <a:fillRef idx="1">
-            <a:schemeClr val="accent1"/>
-          </a:fillRef>
-          <a:effectRef idx="0">
-            <a:schemeClr val="accent1"/>
-          </a:effectRef>
-          <a:fontRef idx="minor">
-            <a:schemeClr val="lt1"/>
-          </a:fontRef>
-        </p:style>
-        <p:txBody>
-          <a:bodyPr rtlCol="0" anchor="ctr"/>
-          <a:lstStyle/>
-          <a:p>
-            <a:pPr marL="0" marR="0" lvl="0" indent="0" algn="ctr" defTabSz="913852" rtl="0" eaLnBrk="1" fontAlgn="auto" latinLnBrk="0" hangingPunct="1">
-              <a:lnSpc>
-                <a:spcPct val="100000"/>
-              </a:lnSpc>
-              <a:spcBef>
-                <a:spcPts val="0"/>
-              </a:spcBef>
-              <a:spcAft>
-                <a:spcPts val="0"/>
-              </a:spcAft>
-              <a:buClrTx/>
-              <a:buSzTx/>
-              <a:buFontTx/>
-              <a:buNone/>
-              <a:tabLst/>
-              <a:defRPr/>
-            </a:pPr>
-            <a:endParaRPr kumimoji="0" lang="en-US" altLang="ko-KR" sz="2398" b="0" i="0" u="none" strike="noStrike" kern="1200" cap="none" spc="0" normalizeH="0" baseline="0" noProof="0">
-              <a:ln>
-                <a:noFill/>
-              </a:ln>
-              <a:solidFill>
-                <a:srgbClr val="F7C86D"/>
-              </a:solidFill>
-              <a:effectLst/>
-              <a:uLnTx/>
-              <a:uFillTx/>
-              <a:latin typeface="Calibri" panose="020F0502020204030204"/>
-              <a:ea typeface="맑은 고딕" panose="020B0503020000020004" pitchFamily="34" charset="-127"/>
-              <a:cs typeface="+mn-cs"/>
-            </a:endParaRPr>
-          </a:p>
-        </p:txBody>
-      </p:sp>
-      <p:pic>
-        <p:nvPicPr>
-          <p:cNvPr id="11" name="Logo Software University" descr="Software University logo">
-            <a:extLst>
-              <a:ext uri="{FF2B5EF4-FFF2-40B4-BE49-F238E27FC236}">
-                <a16:creationId xmlns:a16="http://schemas.microsoft.com/office/drawing/2014/main" id="{14F779A7-4A91-448B-BEFA-956C70A1C22F}"/>
-              </a:ext>
-            </a:extLst>
-          </p:cNvPr>
-          <p:cNvPicPr>
-            <a:picLocks noChangeAspect="1"/>
-          </p:cNvPicPr>
-          <p:nvPr userDrawn="1"/>
-        </p:nvPicPr>
-        <p:blipFill>
-          <a:blip r:embed="rId3">
-            <a:extLst>
-              <a:ext uri="{28A0092B-C50C-407E-A947-70E740481C1C}">
-                <a14:useLocalDpi xmlns:a14="http://schemas.microsoft.com/office/drawing/2010/main" val="0"/>
-              </a:ext>
-            </a:extLst>
-          </a:blip>
-          <a:stretch>
-            <a:fillRect/>
-          </a:stretch>
-        </p:blipFill>
-        <p:spPr>
-          <a:xfrm>
-            <a:off x="10067957" y="253936"/>
-            <a:ext cx="1915704" cy="559235"/>
-          </a:xfrm>
-          <a:prstGeom prst="rect">
-            <a:avLst/>
-          </a:prstGeom>
-        </p:spPr>
-      </p:pic>
-      <p:sp>
-        <p:nvSpPr>
-          <p:cNvPr id="13" name="Slide Title">
-            <a:extLst>
-              <a:ext uri="{FF2B5EF4-FFF2-40B4-BE49-F238E27FC236}">
-                <a16:creationId xmlns:a16="http://schemas.microsoft.com/office/drawing/2014/main" id="{357D7BE1-6358-42CC-94F3-7BCDD91DCB6D}"/>
-              </a:ext>
-            </a:extLst>
-          </p:cNvPr>
-          <p:cNvSpPr>
-            <a:spLocks noGrp="1"/>
-          </p:cNvSpPr>
-          <p:nvPr>
-            <p:ph type="title" hasCustomPrompt="1"/>
-          </p:nvPr>
-        </p:nvSpPr>
-        <p:spPr>
-          <a:xfrm>
-            <a:off x="190406" y="100750"/>
-            <a:ext cx="9715594" cy="882654"/>
-          </a:xfrm>
-        </p:spPr>
-        <p:txBody>
-          <a:bodyPr/>
-          <a:lstStyle>
-            <a:lvl1pPr latinLnBrk="0">
-              <a:defRPr>
-                <a:solidFill>
-                  <a:schemeClr val="bg2"/>
-                </a:solidFill>
-              </a:defRPr>
-            </a:lvl1pPr>
-          </a:lstStyle>
-          <a:p>
-            <a:r>
-              <a:rPr lang="en-US" noProof="0"/>
-              <a:t>Table of Contents</a:t>
-            </a:r>
-          </a:p>
-        </p:txBody>
-      </p:sp>
-    </p:spTree>
-    <p:extLst>
-      <p:ext uri="{BB962C8B-B14F-4D97-AF65-F5344CB8AC3E}">
-        <p14:creationId xmlns:p14="http://schemas.microsoft.com/office/powerpoint/2010/main" val="1028724482"/>
-      </p:ext>
-    </p:extLst>
-  </p:cSld>
-  <p:clrMapOvr>
-    <a:masterClrMapping/>
-  </p:clrMapOvr>
-  <mc:AlternateContent xmlns:mc="http://schemas.openxmlformats.org/markup-compatibility/2006" xmlns:p14="http://schemas.microsoft.com/office/powerpoint/2010/main">
-    <mc:Choice Requires="p14">
-      <p:transition spd="slow" p14:dur="2000" advClick="0" advTm="5000"/>
-    </mc:Choice>
-    <mc:Fallback xmlns="">
-      <p:transition spd="slow" advClick="0" advTm="5000"/>
-    </mc:Fallback>
-  </mc:AlternateContent>
-</p:sldLayout>
-</file>
-
-<file path=ppt/slideLayouts/slideLayout5.xml><?xml version="1.0" encoding="utf-8"?>
 <p:sldLayout xmlns:a="http://schemas.openxmlformats.org/drawingml/2006/main" xmlns:r="http://schemas.openxmlformats.org/officeDocument/2006/relationships" xmlns:p="http://schemas.openxmlformats.org/presentationml/2006/main" preserve="1" userDrawn="1">
   <p:cSld name="Important Concept">
     <p:spTree>
@@ -7544,7 +5863,7 @@
               <a:pPr/>
               <a:t>‹#›</a:t>
             </a:fld>
-            <a:endParaRPr lang="en-US" noProof="0"/>
+            <a:endParaRPr lang="en-US" noProof="0" dirty="0"/>
           </a:p>
         </p:txBody>
       </p:sp>
@@ -7606,7 +5925,7 @@
               <a:tabLst/>
               <a:defRPr/>
             </a:pPr>
-            <a:endParaRPr kumimoji="0" lang="en-US" altLang="ko-KR" sz="2398" b="0" i="0" u="none" strike="noStrike" kern="1200" cap="none" spc="0" normalizeH="0" baseline="0" noProof="0">
+            <a:endParaRPr kumimoji="0" lang="en-US" altLang="ko-KR" sz="2398" b="0" i="0" u="none" strike="noStrike" kern="1200" cap="none" spc="0" normalizeH="0" baseline="0" noProof="0" dirty="0">
               <a:ln>
                 <a:noFill/>
               </a:ln>
@@ -7726,86 +6045,40 @@
           <a:p>
             <a:pPr lvl="0"/>
             <a:r>
-              <a:rPr lang="en-US" noProof="0"/>
+              <a:rPr lang="en-US" noProof="0" dirty="0"/>
               <a:t>Edit Master text styles</a:t>
             </a:r>
           </a:p>
           <a:p>
             <a:pPr lvl="1"/>
             <a:r>
-              <a:rPr lang="en-US" noProof="0"/>
+              <a:rPr lang="en-US" noProof="0" dirty="0"/>
               <a:t>Second level</a:t>
             </a:r>
           </a:p>
           <a:p>
             <a:pPr lvl="2"/>
             <a:r>
-              <a:rPr lang="en-US" noProof="0"/>
+              <a:rPr lang="en-US" noProof="0" dirty="0"/>
               <a:t>Third level</a:t>
             </a:r>
           </a:p>
           <a:p>
             <a:pPr lvl="3"/>
             <a:r>
-              <a:rPr lang="en-US" noProof="0"/>
+              <a:rPr lang="en-US" noProof="0" dirty="0"/>
               <a:t>Fourth level</a:t>
             </a:r>
           </a:p>
           <a:p>
             <a:pPr lvl="4"/>
             <a:r>
-              <a:rPr lang="en-US" noProof="0"/>
+              <a:rPr lang="en-US" noProof="0" dirty="0"/>
               <a:t>Fifth level</a:t>
             </a:r>
           </a:p>
         </p:txBody>
       </p:sp>
-      <p:pic>
-        <p:nvPicPr>
-          <p:cNvPr id="3" name="Logo Software University" descr="Software University logo">
-            <a:extLst>
-              <a:ext uri="{FF2B5EF4-FFF2-40B4-BE49-F238E27FC236}">
-                <a16:creationId xmlns:a16="http://schemas.microsoft.com/office/drawing/2014/main" id="{5573C101-930B-47AC-967A-A64513DFFDEE}"/>
-              </a:ext>
-            </a:extLst>
-          </p:cNvPr>
-          <p:cNvPicPr>
-            <a:picLocks noChangeAspect="1"/>
-          </p:cNvPicPr>
-          <p:nvPr userDrawn="1"/>
-        </p:nvPicPr>
-        <p:blipFill>
-          <a:blip r:embed="rId3">
-            <a:clrChange>
-              <a:clrFrom>
-                <a:srgbClr val="FFFFFF"/>
-              </a:clrFrom>
-              <a:clrTo>
-                <a:srgbClr val="FFFFFF">
-                  <a:alpha val="0"/>
-                </a:srgbClr>
-              </a:clrTo>
-            </a:clrChange>
-            <a:extLst>
-              <a:ext uri="{28A0092B-C50C-407E-A947-70E740481C1C}">
-                <a14:useLocalDpi xmlns:a14="http://schemas.microsoft.com/office/drawing/2010/main" val="0"/>
-              </a:ext>
-            </a:extLst>
-          </a:blip>
-          <a:stretch>
-            <a:fillRect/>
-          </a:stretch>
-        </p:blipFill>
-        <p:spPr>
-          <a:xfrm>
-            <a:off x="10008761" y="190267"/>
-            <a:ext cx="2013336" cy="690975"/>
-          </a:xfrm>
-          <a:prstGeom prst="rect">
-            <a:avLst/>
-          </a:prstGeom>
-        </p:spPr>
-      </p:pic>
       <p:sp>
         <p:nvSpPr>
           <p:cNvPr id="8" name="Slide Title">
@@ -7824,8 +6097,8 @@
         </p:nvSpPr>
         <p:spPr>
           <a:xfrm>
-            <a:off x="1296957" y="100750"/>
-            <a:ext cx="8625520" cy="882654"/>
+            <a:off x="1296956" y="100750"/>
+            <a:ext cx="9164044" cy="882654"/>
           </a:xfrm>
         </p:spPr>
         <p:txBody>
@@ -7837,12 +6110,48 @@
           </a:lstStyle>
           <a:p>
             <a:r>
-              <a:rPr lang="en-US" noProof="0"/>
+              <a:rPr lang="en-US" noProof="0" dirty="0"/>
               <a:t>Slide Title</a:t>
             </a:r>
           </a:p>
         </p:txBody>
       </p:sp>
+      <p:pic>
+        <p:nvPicPr>
+          <p:cNvPr id="2" name="Picture 1">
+            <a:extLst>
+              <a:ext uri="{FF2B5EF4-FFF2-40B4-BE49-F238E27FC236}">
+                <a16:creationId xmlns:a16="http://schemas.microsoft.com/office/drawing/2014/main" id="{78CA5371-2597-CF8F-1859-226395807433}"/>
+              </a:ext>
+            </a:extLst>
+          </p:cNvPr>
+          <p:cNvPicPr>
+            <a:picLocks noChangeAspect="1"/>
+          </p:cNvPicPr>
+          <p:nvPr userDrawn="1"/>
+        </p:nvPicPr>
+        <p:blipFill>
+          <a:blip r:embed="rId3" cstate="print">
+            <a:extLst>
+              <a:ext uri="{28A0092B-C50C-407E-A947-70E740481C1C}">
+                <a14:useLocalDpi xmlns:a14="http://schemas.microsoft.com/office/drawing/2010/main" val="0"/>
+              </a:ext>
+            </a:extLst>
+          </a:blip>
+          <a:stretch>
+            <a:fillRect/>
+          </a:stretch>
+        </p:blipFill>
+        <p:spPr>
+          <a:xfrm>
+            <a:off x="10551877" y="362077"/>
+            <a:ext cx="1443357" cy="360000"/>
+          </a:xfrm>
+          <a:prstGeom prst="rect">
+            <a:avLst/>
+          </a:prstGeom>
+        </p:spPr>
+      </p:pic>
     </p:spTree>
     <p:extLst>
       <p:ext uri="{BB962C8B-B14F-4D97-AF65-F5344CB8AC3E}">
@@ -7864,7 +6173,7 @@
 </p:sldLayout>
 </file>
 
-<file path=ppt/slideLayouts/slideLayout6.xml><?xml version="1.0" encoding="utf-8"?>
+<file path=ppt/slideLayouts/slideLayout5.xml><?xml version="1.0" encoding="utf-8"?>
 <p:sldLayout xmlns:a="http://schemas.openxmlformats.org/drawingml/2006/main" xmlns:r="http://schemas.openxmlformats.org/officeDocument/2006/relationships" xmlns:p="http://schemas.openxmlformats.org/presentationml/2006/main" preserve="1">
   <p:cSld name="Important Example">
     <p:spTree>
@@ -7919,7 +6228,7 @@
               <a:pPr/>
               <a:t>‹#›</a:t>
             </a:fld>
-            <a:endParaRPr lang="en-US" noProof="0"/>
+            <a:endParaRPr lang="en-US" noProof="0" dirty="0"/>
           </a:p>
         </p:txBody>
       </p:sp>
@@ -7987,7 +6296,7 @@
               <a:tabLst/>
               <a:defRPr/>
             </a:pPr>
-            <a:endParaRPr kumimoji="0" lang="en-US" altLang="ko-KR" sz="2398" b="0" i="0" u="none" strike="noStrike" kern="1200" cap="none" spc="0" normalizeH="0" baseline="0" noProof="0">
+            <a:endParaRPr kumimoji="0" lang="en-US" altLang="ko-KR" sz="2398" b="0" i="0" u="none" strike="noStrike" kern="1200" cap="none" spc="0" normalizeH="0" baseline="0" noProof="0" dirty="0">
               <a:ln>
                 <a:noFill/>
               </a:ln>
@@ -8107,86 +6416,40 @@
           <a:p>
             <a:pPr lvl="0"/>
             <a:r>
-              <a:rPr lang="en-US" noProof="0"/>
+              <a:rPr lang="en-US" noProof="0" dirty="0"/>
               <a:t>Edit Master text styles</a:t>
             </a:r>
           </a:p>
           <a:p>
             <a:pPr lvl="1"/>
             <a:r>
-              <a:rPr lang="en-US" noProof="0"/>
+              <a:rPr lang="en-US" noProof="0" dirty="0"/>
               <a:t>Second level</a:t>
             </a:r>
           </a:p>
           <a:p>
             <a:pPr lvl="2"/>
             <a:r>
-              <a:rPr lang="en-US" noProof="0"/>
+              <a:rPr lang="en-US" noProof="0" dirty="0"/>
               <a:t>Third level</a:t>
             </a:r>
           </a:p>
           <a:p>
             <a:pPr lvl="3"/>
             <a:r>
-              <a:rPr lang="en-US" noProof="0"/>
+              <a:rPr lang="en-US" noProof="0" dirty="0"/>
               <a:t>Fourth level</a:t>
             </a:r>
           </a:p>
           <a:p>
             <a:pPr lvl="4"/>
             <a:r>
-              <a:rPr lang="en-US" noProof="0"/>
+              <a:rPr lang="en-US" noProof="0" dirty="0"/>
               <a:t>Fifth level</a:t>
             </a:r>
           </a:p>
         </p:txBody>
       </p:sp>
-      <p:pic>
-        <p:nvPicPr>
-          <p:cNvPr id="16" name="Logo Software University" descr="Software University logo">
-            <a:extLst>
-              <a:ext uri="{FF2B5EF4-FFF2-40B4-BE49-F238E27FC236}">
-                <a16:creationId xmlns:a16="http://schemas.microsoft.com/office/drawing/2014/main" id="{EFEBB553-EACE-4B4F-8B4F-7629FDD910A4}"/>
-              </a:ext>
-            </a:extLst>
-          </p:cNvPr>
-          <p:cNvPicPr>
-            <a:picLocks noChangeAspect="1"/>
-          </p:cNvPicPr>
-          <p:nvPr userDrawn="1"/>
-        </p:nvPicPr>
-        <p:blipFill>
-          <a:blip r:embed="rId3">
-            <a:clrChange>
-              <a:clrFrom>
-                <a:srgbClr val="FFFFFF"/>
-              </a:clrFrom>
-              <a:clrTo>
-                <a:srgbClr val="FFFFFF">
-                  <a:alpha val="0"/>
-                </a:srgbClr>
-              </a:clrTo>
-            </a:clrChange>
-            <a:extLst>
-              <a:ext uri="{28A0092B-C50C-407E-A947-70E740481C1C}">
-                <a14:useLocalDpi xmlns:a14="http://schemas.microsoft.com/office/drawing/2010/main" val="0"/>
-              </a:ext>
-            </a:extLst>
-          </a:blip>
-          <a:stretch>
-            <a:fillRect/>
-          </a:stretch>
-        </p:blipFill>
-        <p:spPr>
-          <a:xfrm>
-            <a:off x="10008761" y="190267"/>
-            <a:ext cx="2013336" cy="690975"/>
-          </a:xfrm>
-          <a:prstGeom prst="rect">
-            <a:avLst/>
-          </a:prstGeom>
-        </p:spPr>
-      </p:pic>
       <p:sp>
         <p:nvSpPr>
           <p:cNvPr id="13" name="Slide Title">
@@ -8205,8 +6468,8 @@
         </p:nvSpPr>
         <p:spPr>
           <a:xfrm>
-            <a:off x="1296957" y="100750"/>
-            <a:ext cx="8625520" cy="882654"/>
+            <a:off x="1296956" y="100750"/>
+            <a:ext cx="9164044" cy="882654"/>
           </a:xfrm>
         </p:spPr>
         <p:txBody>
@@ -8218,12 +6481,48 @@
           </a:lstStyle>
           <a:p>
             <a:r>
-              <a:rPr lang="en-US" noProof="0"/>
+              <a:rPr lang="en-US" noProof="0" dirty="0"/>
               <a:t>Slide Title</a:t>
             </a:r>
           </a:p>
         </p:txBody>
       </p:sp>
+      <p:pic>
+        <p:nvPicPr>
+          <p:cNvPr id="2" name="Picture 1">
+            <a:extLst>
+              <a:ext uri="{FF2B5EF4-FFF2-40B4-BE49-F238E27FC236}">
+                <a16:creationId xmlns:a16="http://schemas.microsoft.com/office/drawing/2014/main" id="{A37AF1B9-D67A-246A-86B6-E28F19C52390}"/>
+              </a:ext>
+            </a:extLst>
+          </p:cNvPr>
+          <p:cNvPicPr>
+            <a:picLocks noChangeAspect="1"/>
+          </p:cNvPicPr>
+          <p:nvPr userDrawn="1"/>
+        </p:nvPicPr>
+        <p:blipFill>
+          <a:blip r:embed="rId3" cstate="print">
+            <a:extLst>
+              <a:ext uri="{28A0092B-C50C-407E-A947-70E740481C1C}">
+                <a14:useLocalDpi xmlns:a14="http://schemas.microsoft.com/office/drawing/2010/main" val="0"/>
+              </a:ext>
+            </a:extLst>
+          </a:blip>
+          <a:stretch>
+            <a:fillRect/>
+          </a:stretch>
+        </p:blipFill>
+        <p:spPr>
+          <a:xfrm>
+            <a:off x="10551877" y="362077"/>
+            <a:ext cx="1443357" cy="360000"/>
+          </a:xfrm>
+          <a:prstGeom prst="rect">
+            <a:avLst/>
+          </a:prstGeom>
+        </p:spPr>
+      </p:pic>
     </p:spTree>
     <p:extLst>
       <p:ext uri="{BB962C8B-B14F-4D97-AF65-F5344CB8AC3E}">
@@ -8245,7 +6544,7 @@
 </p:sldLayout>
 </file>
 
-<file path=ppt/slideLayouts/slideLayout7.xml><?xml version="1.0" encoding="utf-8"?>
+<file path=ppt/slideLayouts/slideLayout6.xml><?xml version="1.0" encoding="utf-8"?>
 <p:sldLayout xmlns:a="http://schemas.openxmlformats.org/drawingml/2006/main" xmlns:r="http://schemas.openxmlformats.org/officeDocument/2006/relationships" xmlns:p="http://schemas.openxmlformats.org/presentationml/2006/main" preserve="1" userDrawn="1">
   <p:cSld name="Blank Slide">
     <p:spTree>
@@ -8300,7 +6599,7 @@
               <a:pPr/>
               <a:t>‹#›</a:t>
             </a:fld>
-            <a:endParaRPr lang="en-US" noProof="0"/>
+            <a:endParaRPr lang="en-US" noProof="0" dirty="0"/>
           </a:p>
         </p:txBody>
       </p:sp>
@@ -8368,7 +6667,7 @@
               <a:tabLst/>
               <a:defRPr/>
             </a:pPr>
-            <a:endParaRPr kumimoji="0" lang="en-US" altLang="ko-KR" sz="2398" b="0" i="0" u="none" strike="noStrike" kern="1200" cap="none" spc="0" normalizeH="0" baseline="0" noProof="0">
+            <a:endParaRPr kumimoji="0" lang="en-US" altLang="ko-KR" sz="2398" b="0" i="0" u="none" strike="noStrike" kern="1200" cap="none" spc="0" normalizeH="0" baseline="0" noProof="0" dirty="0">
               <a:ln>
                 <a:noFill/>
               </a:ln>
@@ -8488,35 +6787,35 @@
           <a:p>
             <a:pPr lvl="0"/>
             <a:r>
-              <a:rPr lang="en-US" noProof="0"/>
+              <a:rPr lang="en-US" noProof="0" dirty="0"/>
               <a:t>Edit Master text styles</a:t>
             </a:r>
           </a:p>
           <a:p>
             <a:pPr lvl="1"/>
             <a:r>
-              <a:rPr lang="en-US" noProof="0"/>
+              <a:rPr lang="en-US" noProof="0" dirty="0"/>
               <a:t>Second level</a:t>
             </a:r>
           </a:p>
           <a:p>
             <a:pPr lvl="2"/>
             <a:r>
-              <a:rPr lang="en-US" noProof="0"/>
+              <a:rPr lang="en-US" noProof="0" dirty="0"/>
               <a:t>Third level</a:t>
             </a:r>
           </a:p>
           <a:p>
             <a:pPr lvl="3"/>
             <a:r>
-              <a:rPr lang="en-US" noProof="0"/>
+              <a:rPr lang="en-US" noProof="0" dirty="0"/>
               <a:t>Fourth level</a:t>
             </a:r>
           </a:p>
           <a:p>
             <a:pPr lvl="4"/>
             <a:r>
-              <a:rPr lang="en-US" noProof="0"/>
+              <a:rPr lang="en-US" noProof="0" dirty="0"/>
               <a:t>Fifth level</a:t>
             </a:r>
           </a:p>
@@ -8540,8 +6839,8 @@
         </p:nvSpPr>
         <p:spPr>
           <a:xfrm>
-            <a:off x="585176" y="100750"/>
-            <a:ext cx="11410061" cy="882654"/>
+            <a:off x="585177" y="100750"/>
+            <a:ext cx="9875824" cy="882654"/>
           </a:xfrm>
         </p:spPr>
         <p:txBody>
@@ -8553,12 +6852,48 @@
           </a:lstStyle>
           <a:p>
             <a:r>
-              <a:rPr lang="en-US" noProof="0"/>
+              <a:rPr lang="en-US" noProof="0" dirty="0"/>
               <a:t>Slide Title</a:t>
             </a:r>
           </a:p>
         </p:txBody>
       </p:sp>
+      <p:pic>
+        <p:nvPicPr>
+          <p:cNvPr id="2" name="Picture 1">
+            <a:extLst>
+              <a:ext uri="{FF2B5EF4-FFF2-40B4-BE49-F238E27FC236}">
+                <a16:creationId xmlns:a16="http://schemas.microsoft.com/office/drawing/2014/main" id="{9C2C375B-43BF-D1DD-F160-1500A111885C}"/>
+              </a:ext>
+            </a:extLst>
+          </p:cNvPr>
+          <p:cNvPicPr>
+            <a:picLocks noChangeAspect="1"/>
+          </p:cNvPicPr>
+          <p:nvPr userDrawn="1"/>
+        </p:nvPicPr>
+        <p:blipFill>
+          <a:blip r:embed="rId3" cstate="print">
+            <a:extLst>
+              <a:ext uri="{28A0092B-C50C-407E-A947-70E740481C1C}">
+                <a14:useLocalDpi xmlns:a14="http://schemas.microsoft.com/office/drawing/2010/main" val="0"/>
+              </a:ext>
+            </a:extLst>
+          </a:blip>
+          <a:stretch>
+            <a:fillRect/>
+          </a:stretch>
+        </p:blipFill>
+        <p:spPr>
+          <a:xfrm>
+            <a:off x="10551877" y="362077"/>
+            <a:ext cx="1443357" cy="360000"/>
+          </a:xfrm>
+          <a:prstGeom prst="rect">
+            <a:avLst/>
+          </a:prstGeom>
+        </p:spPr>
+      </p:pic>
     </p:spTree>
     <p:extLst>
       <p:ext uri="{BB962C8B-B14F-4D97-AF65-F5344CB8AC3E}">
@@ -8580,7 +6915,7 @@
 </p:sldLayout>
 </file>
 
-<file path=ppt/slideLayouts/slideLayout8.xml><?xml version="1.0" encoding="utf-8"?>
+<file path=ppt/slideLayouts/slideLayout7.xml><?xml version="1.0" encoding="utf-8"?>
 <p:sldLayout xmlns:a="http://schemas.openxmlformats.org/drawingml/2006/main" xmlns:r="http://schemas.openxmlformats.org/officeDocument/2006/relationships" xmlns:p="http://schemas.openxmlformats.org/presentationml/2006/main" preserve="1" userDrawn="1">
   <p:cSld name="Source Code Example">
     <p:spTree>
@@ -8653,7 +6988,7 @@
         </p:nvSpPr>
         <p:spPr>
           <a:xfrm>
-            <a:off x="0" y="0"/>
+            <a:off x="0" y="1311"/>
             <a:ext cx="12196800" cy="1095376"/>
           </a:xfrm>
           <a:prstGeom prst="rect">
@@ -8703,7 +7038,7 @@
               <a:tabLst/>
               <a:defRPr/>
             </a:pPr>
-            <a:endParaRPr kumimoji="0" lang="en-US" altLang="ko-KR" sz="2398" b="0" i="0" u="none" strike="noStrike" kern="1200" cap="none" spc="0" normalizeH="0" baseline="0" noProof="0">
+            <a:endParaRPr kumimoji="0" lang="en-US" altLang="ko-KR" sz="2398" b="0" i="0" u="none" strike="noStrike" kern="1200" cap="none" spc="0" normalizeH="0" baseline="0" noProof="0" dirty="0">
               <a:ln>
                 <a:noFill/>
               </a:ln>
@@ -8720,48 +7055,12 @@
           </a:p>
         </p:txBody>
       </p:sp>
-      <p:pic>
-        <p:nvPicPr>
-          <p:cNvPr id="10" name="Logo Software University" descr="Software University logo">
+      <p:sp>
+        <p:nvSpPr>
+          <p:cNvPr id="12" name="Slide Body Text">
             <a:extLst>
               <a:ext uri="{FF2B5EF4-FFF2-40B4-BE49-F238E27FC236}">
-                <a16:creationId xmlns:a16="http://schemas.microsoft.com/office/drawing/2014/main" id="{8C01D7AF-7CBD-46E1-99F3-8EB60E838D91}"/>
-              </a:ext>
-            </a:extLst>
-          </p:cNvPr>
-          <p:cNvPicPr>
-            <a:picLocks noChangeAspect="1"/>
-          </p:cNvPicPr>
-          <p:nvPr userDrawn="1"/>
-        </p:nvPicPr>
-        <p:blipFill>
-          <a:blip r:embed="rId2">
-            <a:extLst>
-              <a:ext uri="{28A0092B-C50C-407E-A947-70E740481C1C}">
-                <a14:useLocalDpi xmlns:a14="http://schemas.microsoft.com/office/drawing/2010/main" val="0"/>
-              </a:ext>
-            </a:extLst>
-          </a:blip>
-          <a:stretch>
-            <a:fillRect/>
-          </a:stretch>
-        </p:blipFill>
-        <p:spPr>
-          <a:xfrm>
-            <a:off x="10067957" y="253936"/>
-            <a:ext cx="1915704" cy="559235"/>
-          </a:xfrm>
-          <a:prstGeom prst="rect">
-            <a:avLst/>
-          </a:prstGeom>
-        </p:spPr>
-      </p:pic>
-      <p:sp>
-        <p:nvSpPr>
-          <p:cNvPr id="17" name="Slide Body Text">
-            <a:extLst>
-              <a:ext uri="{FF2B5EF4-FFF2-40B4-BE49-F238E27FC236}">
-                <a16:creationId xmlns:a16="http://schemas.microsoft.com/office/drawing/2014/main" id="{1E60575F-8475-4C78-97A7-27D7891D2770}"/>
+                <a16:creationId xmlns:a16="http://schemas.microsoft.com/office/drawing/2014/main" id="{B608ED73-CE88-49E4-8BFC-DBD6E9AE6B10}"/>
               </a:ext>
             </a:extLst>
           </p:cNvPr>
@@ -8769,38 +7068,58 @@
             <a:spLocks noGrp="1"/>
           </p:cNvSpPr>
           <p:nvPr>
-            <p:ph type="body" sz="quarter" idx="12" hasCustomPrompt="1"/>
+            <p:ph type="body" sz="quarter" idx="10" hasCustomPrompt="1"/>
           </p:nvPr>
         </p:nvSpPr>
         <p:spPr>
           <a:xfrm>
-            <a:off x="190402" y="1196125"/>
-            <a:ext cx="11818096" cy="5528766"/>
+            <a:off x="190406" y="1206668"/>
+            <a:ext cx="11804831" cy="5550582"/>
           </a:xfrm>
         </p:spPr>
         <p:txBody>
           <a:bodyPr/>
           <a:lstStyle>
             <a:lvl1pPr latinLnBrk="0">
-              <a:defRPr/>
+              <a:defRPr>
+                <a:solidFill>
+                  <a:schemeClr val="tx1"/>
+                </a:solidFill>
+              </a:defRPr>
             </a:lvl1pPr>
             <a:lvl2pPr latinLnBrk="0">
-              <a:defRPr/>
+              <a:defRPr>
+                <a:solidFill>
+                  <a:schemeClr val="tx1"/>
+                </a:solidFill>
+              </a:defRPr>
             </a:lvl2pPr>
             <a:lvl3pPr latinLnBrk="0">
-              <a:defRPr/>
+              <a:defRPr>
+                <a:solidFill>
+                  <a:schemeClr val="tx1"/>
+                </a:solidFill>
+              </a:defRPr>
             </a:lvl3pPr>
             <a:lvl4pPr latinLnBrk="0">
-              <a:defRPr/>
+              <a:defRPr>
+                <a:solidFill>
+                  <a:schemeClr val="tx1"/>
+                </a:solidFill>
+              </a:defRPr>
             </a:lvl4pPr>
             <a:lvl5pPr latinLnBrk="0">
-              <a:defRPr/>
+              <a:defRPr>
+                <a:solidFill>
+                  <a:schemeClr val="tx1"/>
+                </a:solidFill>
+              </a:defRPr>
             </a:lvl5pPr>
           </a:lstStyle>
           <a:p>
             <a:pPr lvl="0"/>
             <a:r>
-              <a:rPr lang="en-US" noProof="0"/>
+              <a:rPr lang="en-US" noProof="0" dirty="0"/>
               <a:t>This is a code example</a:t>
             </a:r>
           </a:p>
@@ -8808,10 +7127,10 @@
       </p:sp>
       <p:sp>
         <p:nvSpPr>
-          <p:cNvPr id="15" name="Code Box">
+          <p:cNvPr id="4" name="Code Box">
             <a:extLst>
               <a:ext uri="{FF2B5EF4-FFF2-40B4-BE49-F238E27FC236}">
-                <a16:creationId xmlns:a16="http://schemas.microsoft.com/office/drawing/2014/main" id="{29C63EC2-5578-406B-8C2A-23FDE6C14C82}"/>
+                <a16:creationId xmlns:a16="http://schemas.microsoft.com/office/drawing/2014/main" id="{F4E021E9-D6DB-4272-8C9F-CEF4940FDC10}"/>
               </a:ext>
             </a:extLst>
           </p:cNvPr>
@@ -8825,7 +7144,7 @@
         <p:spPr>
           <a:xfrm>
             <a:off x="674683" y="2034000"/>
-            <a:ext cx="10836275" cy="2318684"/>
+            <a:ext cx="10836275" cy="2237893"/>
           </a:xfrm>
           <a:solidFill>
             <a:schemeClr val="accent6">
@@ -8847,15 +7166,6 @@
           </a:bodyPr>
           <a:lstStyle>
             <a:lvl1pPr>
-              <a:lnSpc>
-                <a:spcPct val="110000"/>
-              </a:lnSpc>
-              <a:spcBef>
-                <a:spcPts val="0"/>
-              </a:spcBef>
-              <a:spcAft>
-                <a:spcPts val="0"/>
-              </a:spcAft>
               <a:buNone/>
               <a:defRPr lang="en-US" sz="2800" b="1" smtClean="0">
                 <a:latin typeface="Consolas" pitchFamily="49" charset="0"/>
@@ -8950,8 +7260,8 @@
         </p:nvSpPr>
         <p:spPr>
           <a:xfrm>
-            <a:off x="190406" y="100750"/>
-            <a:ext cx="9715594" cy="882654"/>
+            <a:off x="190405" y="100750"/>
+            <a:ext cx="10239658" cy="882654"/>
           </a:xfrm>
         </p:spPr>
         <p:txBody>
@@ -8967,12 +7277,48 @@
           </a:lstStyle>
           <a:p>
             <a:r>
-              <a:rPr lang="en-US" noProof="0"/>
+              <a:rPr lang="en-US" noProof="0" dirty="0"/>
               <a:t>Slide Title</a:t>
             </a:r>
           </a:p>
         </p:txBody>
       </p:sp>
+      <p:pic>
+        <p:nvPicPr>
+          <p:cNvPr id="3" name="Picture 2">
+            <a:extLst>
+              <a:ext uri="{FF2B5EF4-FFF2-40B4-BE49-F238E27FC236}">
+                <a16:creationId xmlns:a16="http://schemas.microsoft.com/office/drawing/2014/main" id="{4B69A4E8-9221-8F79-65B4-BF9AA7F87DD7}"/>
+              </a:ext>
+            </a:extLst>
+          </p:cNvPr>
+          <p:cNvPicPr>
+            <a:picLocks noChangeAspect="1"/>
+          </p:cNvPicPr>
+          <p:nvPr userDrawn="1"/>
+        </p:nvPicPr>
+        <p:blipFill>
+          <a:blip r:embed="rId2" cstate="print">
+            <a:extLst>
+              <a:ext uri="{28A0092B-C50C-407E-A947-70E740481C1C}">
+                <a14:useLocalDpi xmlns:a14="http://schemas.microsoft.com/office/drawing/2010/main" val="0"/>
+              </a:ext>
+            </a:extLst>
+          </a:blip>
+          <a:stretch>
+            <a:fillRect/>
+          </a:stretch>
+        </p:blipFill>
+        <p:spPr>
+          <a:xfrm>
+            <a:off x="10553573" y="368999"/>
+            <a:ext cx="1443361" cy="360001"/>
+          </a:xfrm>
+          <a:prstGeom prst="rect">
+            <a:avLst/>
+          </a:prstGeom>
+        </p:spPr>
+      </p:pic>
     </p:spTree>
     <p:extLst>
       <p:ext uri="{BB962C8B-B14F-4D97-AF65-F5344CB8AC3E}">
@@ -8994,7 +7340,7 @@
 </p:sldLayout>
 </file>
 
-<file path=ppt/slideLayouts/slideLayout9.xml><?xml version="1.0" encoding="utf-8"?>
+<file path=ppt/slideLayouts/slideLayout8.xml><?xml version="1.0" encoding="utf-8"?>
 <p:sldLayout xmlns:a="http://schemas.openxmlformats.org/drawingml/2006/main" xmlns:r="http://schemas.openxmlformats.org/officeDocument/2006/relationships" xmlns:p="http://schemas.openxmlformats.org/presentationml/2006/main" preserve="1">
   <p:cSld name="Demo Slide">
     <p:spTree>
@@ -9126,7 +7472,7 @@
           <a:p>
             <a:pPr lvl="0"/>
             <a:r>
-              <a:rPr lang="en-US" noProof="0"/>
+              <a:rPr lang="en-US" noProof="0" dirty="0"/>
               <a:t>Click to Edit Section Subtitle</a:t>
             </a:r>
           </a:p>
@@ -9170,10 +7516,10 @@
           <a:p>
             <a:pPr lvl="0"/>
             <a:r>
-              <a:rPr lang="en-US" noProof="0"/>
+              <a:rPr lang="en-US" noProof="0" dirty="0"/>
               <a:t>Click to Edit Section Title</a:t>
             </a:r>
-            <a:endParaRPr lang="en-US" altLang="ko-KR" noProof="0"/>
+            <a:endParaRPr lang="en-US" altLang="ko-KR" noProof="0" dirty="0"/>
           </a:p>
         </p:txBody>
       </p:sp>
@@ -9181,6 +7527,335 @@
     <p:extLst>
       <p:ext uri="{BB962C8B-B14F-4D97-AF65-F5344CB8AC3E}">
         <p14:creationId xmlns:p14="http://schemas.microsoft.com/office/powerpoint/2010/main" val="2423919747"/>
+      </p:ext>
+    </p:extLst>
+  </p:cSld>
+  <p:clrMapOvr>
+    <a:masterClrMapping/>
+  </p:clrMapOvr>
+  <mc:AlternateContent xmlns:mc="http://schemas.openxmlformats.org/markup-compatibility/2006" xmlns:p14="http://schemas.microsoft.com/office/powerpoint/2010/main">
+    <mc:Choice Requires="p14">
+      <p:transition spd="slow" p14:dur="2000" advClick="0" advTm="5000"/>
+    </mc:Choice>
+    <mc:Fallback xmlns="">
+      <p:transition spd="slow" advClick="0" advTm="5000"/>
+    </mc:Fallback>
+  </mc:AlternateContent>
+</p:sldLayout>
+</file>
+
+<file path=ppt/slideLayouts/slideLayout9.xml><?xml version="1.0" encoding="utf-8"?>
+<p:sldLayout xmlns:a="http://schemas.openxmlformats.org/drawingml/2006/main" xmlns:r="http://schemas.openxmlformats.org/officeDocument/2006/relationships" xmlns:p="http://schemas.openxmlformats.org/presentationml/2006/main" preserve="1" userDrawn="1">
+  <p:cSld name="Table of Contents">
+    <p:spTree>
+      <p:nvGrpSpPr>
+        <p:cNvPr id="1" name=""/>
+        <p:cNvGrpSpPr/>
+        <p:nvPr/>
+      </p:nvGrpSpPr>
+      <p:grpSpPr>
+        <a:xfrm>
+          <a:off x="0" y="0"/>
+          <a:ext cx="0" cy="0"/>
+          <a:chOff x="0" y="0"/>
+          <a:chExt cx="0" cy="0"/>
+        </a:xfrm>
+      </p:grpSpPr>
+      <p:sp>
+        <p:nvSpPr>
+          <p:cNvPr id="10" name="Slide Number">
+            <a:extLst>
+              <a:ext uri="{FF2B5EF4-FFF2-40B4-BE49-F238E27FC236}">
+                <a16:creationId xmlns:a16="http://schemas.microsoft.com/office/drawing/2014/main" id="{39DDE17E-5472-41F3-AF5F-54DFF10DC63C}"/>
+              </a:ext>
+            </a:extLst>
+          </p:cNvPr>
+          <p:cNvSpPr>
+            <a:spLocks noGrp="1"/>
+          </p:cNvSpPr>
+          <p:nvPr>
+            <p:ph type="sldNum" sz="quarter" idx="4"/>
+          </p:nvPr>
+        </p:nvSpPr>
+        <p:spPr>
+          <a:xfrm>
+            <a:off x="11753030" y="6507000"/>
+            <a:ext cx="367414" cy="297000"/>
+          </a:xfrm>
+          <a:prstGeom prst="rect">
+            <a:avLst/>
+          </a:prstGeom>
+        </p:spPr>
+        <p:txBody>
+          <a:bodyPr vert="horz" lIns="91440" tIns="45720" rIns="91440" bIns="45720" rtlCol="0" anchor="b"/>
+          <a:lstStyle>
+            <a:lvl1pPr algn="r">
+              <a:defRPr sz="1000"/>
+            </a:lvl1pPr>
+          </a:lstStyle>
+          <a:p>
+            <a:fld id="{2BF067CD-8E6B-4360-9AA8-C5DF2A48A6D1}" type="slidenum">
+              <a:rPr lang="en-US" noProof="0" smtClean="0"/>
+              <a:pPr/>
+              <a:t>‹#›</a:t>
+            </a:fld>
+            <a:endParaRPr lang="en-US" noProof="0"/>
+          </a:p>
+        </p:txBody>
+      </p:sp>
+      <p:sp>
+        <p:nvSpPr>
+          <p:cNvPr id="23" name="Slide Body Text">
+            <a:extLst>
+              <a:ext uri="{FF2B5EF4-FFF2-40B4-BE49-F238E27FC236}">
+                <a16:creationId xmlns:a16="http://schemas.microsoft.com/office/drawing/2014/main" id="{889D93F4-ABFA-46BF-8E5D-FE6562ACB20F}"/>
+              </a:ext>
+            </a:extLst>
+          </p:cNvPr>
+          <p:cNvSpPr>
+            <a:spLocks noGrp="1"/>
+          </p:cNvSpPr>
+          <p:nvPr>
+            <p:ph type="body" sz="quarter" idx="13" hasCustomPrompt="1"/>
+          </p:nvPr>
+        </p:nvSpPr>
+        <p:spPr>
+          <a:xfrm>
+            <a:off x="196766" y="1371604"/>
+            <a:ext cx="11781606" cy="5207396"/>
+          </a:xfrm>
+        </p:spPr>
+        <p:txBody>
+          <a:bodyPr>
+            <a:normAutofit/>
+          </a:bodyPr>
+          <a:lstStyle>
+            <a:lvl1pPr marL="514042" indent="-514042" latinLnBrk="0">
+              <a:buFont typeface="+mj-lt"/>
+              <a:buAutoNum type="arabicPeriod"/>
+              <a:defRPr sz="3600">
+                <a:solidFill>
+                  <a:schemeClr val="tx1"/>
+                </a:solidFill>
+              </a:defRPr>
+            </a:lvl1pPr>
+            <a:lvl2pPr>
+              <a:defRPr sz="3400"/>
+            </a:lvl2pPr>
+          </a:lstStyle>
+          <a:p>
+            <a:pPr lvl="0"/>
+            <a:r>
+              <a:rPr lang="en-US" noProof="0" dirty="0"/>
+              <a:t>…</a:t>
+            </a:r>
+          </a:p>
+          <a:p>
+            <a:pPr lvl="1"/>
+            <a:r>
+              <a:rPr lang="en-US" noProof="0" dirty="0"/>
+              <a:t>…</a:t>
+            </a:r>
+          </a:p>
+          <a:p>
+            <a:pPr lvl="1"/>
+            <a:r>
+              <a:rPr lang="en-US" noProof="0" dirty="0"/>
+              <a:t>…</a:t>
+            </a:r>
+          </a:p>
+          <a:p>
+            <a:pPr lvl="0"/>
+            <a:r>
+              <a:rPr lang="en-US" noProof="0" dirty="0"/>
+              <a:t>…</a:t>
+            </a:r>
+          </a:p>
+          <a:p>
+            <a:pPr lvl="1"/>
+            <a:r>
+              <a:rPr lang="en-US" noProof="0" dirty="0"/>
+              <a:t>…</a:t>
+            </a:r>
+          </a:p>
+          <a:p>
+            <a:pPr lvl="1"/>
+            <a:r>
+              <a:rPr lang="en-US" noProof="0" dirty="0"/>
+              <a:t>…</a:t>
+            </a:r>
+          </a:p>
+          <a:p>
+            <a:pPr lvl="0"/>
+            <a:r>
+              <a:rPr lang="en-US" noProof="0" dirty="0"/>
+              <a:t>…</a:t>
+            </a:r>
+          </a:p>
+        </p:txBody>
+      </p:sp>
+      <p:sp>
+        <p:nvSpPr>
+          <p:cNvPr id="8" name="Rectangle Top">
+            <a:extLst>
+              <a:ext uri="{FF2B5EF4-FFF2-40B4-BE49-F238E27FC236}">
+                <a16:creationId xmlns:a16="http://schemas.microsoft.com/office/drawing/2014/main" id="{930E0800-9260-4369-8330-8264DD33C5CE}"/>
+              </a:ext>
+            </a:extLst>
+          </p:cNvPr>
+          <p:cNvSpPr/>
+          <p:nvPr userDrawn="1"/>
+        </p:nvSpPr>
+        <p:spPr>
+          <a:xfrm>
+            <a:off x="0" y="0"/>
+            <a:ext cx="12196800" cy="1095376"/>
+          </a:xfrm>
+          <a:prstGeom prst="rect">
+            <a:avLst/>
+          </a:prstGeom>
+          <a:solidFill>
+            <a:schemeClr val="tx2"/>
+          </a:solidFill>
+          <a:ln>
+            <a:noFill/>
+          </a:ln>
+        </p:spPr>
+        <p:style>
+          <a:lnRef idx="2">
+            <a:schemeClr val="accent1">
+              <a:shade val="50000"/>
+            </a:schemeClr>
+          </a:lnRef>
+          <a:fillRef idx="1">
+            <a:schemeClr val="accent1"/>
+          </a:fillRef>
+          <a:effectRef idx="0">
+            <a:schemeClr val="accent1"/>
+          </a:effectRef>
+          <a:fontRef idx="minor">
+            <a:schemeClr val="lt1"/>
+          </a:fontRef>
+        </p:style>
+        <p:txBody>
+          <a:bodyPr rtlCol="0" anchor="ctr"/>
+          <a:lstStyle/>
+          <a:p>
+            <a:pPr marL="0" marR="0" lvl="0" indent="0" algn="ctr" defTabSz="913852" rtl="0" eaLnBrk="1" fontAlgn="auto" latinLnBrk="0" hangingPunct="1">
+              <a:lnSpc>
+                <a:spcPct val="100000"/>
+              </a:lnSpc>
+              <a:spcBef>
+                <a:spcPts val="0"/>
+              </a:spcBef>
+              <a:spcAft>
+                <a:spcPts val="0"/>
+              </a:spcAft>
+              <a:buClrTx/>
+              <a:buSzTx/>
+              <a:buFontTx/>
+              <a:buNone/>
+              <a:tabLst/>
+              <a:defRPr/>
+            </a:pPr>
+            <a:endParaRPr kumimoji="0" lang="en-US" altLang="ko-KR" sz="2398" b="0" i="0" u="none" strike="noStrike" kern="1200" cap="none" spc="0" normalizeH="0" baseline="0" noProof="0">
+              <a:ln>
+                <a:noFill/>
+              </a:ln>
+              <a:solidFill>
+                <a:srgbClr val="F7C86D"/>
+              </a:solidFill>
+              <a:effectLst/>
+              <a:uLnTx/>
+              <a:uFillTx/>
+              <a:latin typeface="Calibri" panose="020F0502020204030204"/>
+              <a:ea typeface="맑은 고딕" panose="020B0503020000020004" pitchFamily="34" charset="-127"/>
+              <a:cs typeface="+mn-cs"/>
+            </a:endParaRPr>
+          </a:p>
+        </p:txBody>
+      </p:sp>
+      <p:sp>
+        <p:nvSpPr>
+          <p:cNvPr id="13" name="Slide Title">
+            <a:extLst>
+              <a:ext uri="{FF2B5EF4-FFF2-40B4-BE49-F238E27FC236}">
+                <a16:creationId xmlns:a16="http://schemas.microsoft.com/office/drawing/2014/main" id="{357D7BE1-6358-42CC-94F3-7BCDD91DCB6D}"/>
+              </a:ext>
+            </a:extLst>
+          </p:cNvPr>
+          <p:cNvSpPr>
+            <a:spLocks noGrp="1"/>
+          </p:cNvSpPr>
+          <p:nvPr>
+            <p:ph type="title" hasCustomPrompt="1"/>
+          </p:nvPr>
+        </p:nvSpPr>
+        <p:spPr>
+          <a:xfrm>
+            <a:off x="190406" y="100750"/>
+            <a:ext cx="10270594" cy="882654"/>
+          </a:xfrm>
+        </p:spPr>
+        <p:txBody>
+          <a:bodyPr/>
+          <a:lstStyle>
+            <a:lvl1pPr latinLnBrk="0">
+              <a:defRPr>
+                <a:solidFill>
+                  <a:schemeClr val="bg2"/>
+                </a:solidFill>
+              </a:defRPr>
+            </a:lvl1pPr>
+          </a:lstStyle>
+          <a:p>
+            <a:r>
+              <a:rPr lang="en-US" noProof="0" dirty="0"/>
+              <a:t>Table of Contents</a:t>
+            </a:r>
+          </a:p>
+        </p:txBody>
+      </p:sp>
+      <p:pic>
+        <p:nvPicPr>
+          <p:cNvPr id="3" name="Picture 2">
+            <a:extLst>
+              <a:ext uri="{FF2B5EF4-FFF2-40B4-BE49-F238E27FC236}">
+                <a16:creationId xmlns:a16="http://schemas.microsoft.com/office/drawing/2014/main" id="{4FD808AB-EC49-1578-0005-D58D2A365AA1}"/>
+              </a:ext>
+            </a:extLst>
+          </p:cNvPr>
+          <p:cNvPicPr>
+            <a:picLocks noChangeAspect="1"/>
+          </p:cNvPicPr>
+          <p:nvPr userDrawn="1"/>
+        </p:nvPicPr>
+        <p:blipFill>
+          <a:blip r:embed="rId2" cstate="print">
+            <a:extLst>
+              <a:ext uri="{28A0092B-C50C-407E-A947-70E740481C1C}">
+                <a14:useLocalDpi xmlns:a14="http://schemas.microsoft.com/office/drawing/2010/main" val="0"/>
+              </a:ext>
+            </a:extLst>
+          </a:blip>
+          <a:stretch>
+            <a:fillRect/>
+          </a:stretch>
+        </p:blipFill>
+        <p:spPr>
+          <a:xfrm>
+            <a:off x="10553573" y="368999"/>
+            <a:ext cx="1443361" cy="360001"/>
+          </a:xfrm>
+          <a:prstGeom prst="rect">
+            <a:avLst/>
+          </a:prstGeom>
+        </p:spPr>
+      </p:pic>
+    </p:spTree>
+    <p:extLst>
+      <p:ext uri="{BB962C8B-B14F-4D97-AF65-F5344CB8AC3E}">
+        <p14:creationId xmlns:p14="http://schemas.microsoft.com/office/powerpoint/2010/main" val="1028724482"/>
       </p:ext>
     </p:extLst>
   </p:cSld>
@@ -9223,35 +7898,6 @@
           <a:chExt cx="0" cy="0"/>
         </a:xfrm>
       </p:grpSpPr>
-      <p:pic>
-        <p:nvPicPr>
-          <p:cNvPr id="4" name="Picture Background" descr="SoftUni Background">
-            <a:extLst>
-              <a:ext uri="{FF2B5EF4-FFF2-40B4-BE49-F238E27FC236}">
-                <a16:creationId xmlns:a16="http://schemas.microsoft.com/office/drawing/2014/main" id="{5BE90A63-DDD9-4B3B-A234-DF69B9BC812F}"/>
-              </a:ext>
-            </a:extLst>
-          </p:cNvPr>
-          <p:cNvPicPr>
-            <a:picLocks noChangeAspect="1"/>
-          </p:cNvPicPr>
-          <p:nvPr userDrawn="1"/>
-        </p:nvPicPr>
-        <p:blipFill rotWithShape="1">
-          <a:blip r:embed="rId15"/>
-          <a:srcRect b="1672"/>
-          <a:stretch/>
-        </p:blipFill>
-        <p:spPr>
-          <a:xfrm>
-            <a:off x="0" y="1"/>
-            <a:ext cx="12192000" cy="6857999"/>
-          </a:xfrm>
-          <a:prstGeom prst="rect">
-            <a:avLst/>
-          </a:prstGeom>
-        </p:spPr>
-      </p:pic>
       <p:sp>
         <p:nvSpPr>
           <p:cNvPr id="11" name="Slide Body Text">
@@ -9285,38 +7931,38 @@
           <a:p>
             <a:pPr lvl="0"/>
             <a:r>
-              <a:rPr lang="en-US"/>
+              <a:rPr lang="en-US" dirty="0"/>
               <a:t>First Level</a:t>
             </a:r>
           </a:p>
           <a:p>
             <a:pPr lvl="1"/>
             <a:r>
-              <a:rPr lang="en-US"/>
+              <a:rPr lang="en-US" dirty="0"/>
               <a:t>Second Level</a:t>
             </a:r>
           </a:p>
           <a:p>
             <a:pPr lvl="2"/>
             <a:r>
-              <a:rPr lang="en-US"/>
+              <a:rPr lang="en-US" dirty="0"/>
               <a:t>Third Level</a:t>
             </a:r>
           </a:p>
           <a:p>
             <a:pPr lvl="3"/>
             <a:r>
-              <a:rPr lang="en-US"/>
+              <a:rPr lang="en-US" dirty="0"/>
               <a:t>Fourth Level</a:t>
             </a:r>
           </a:p>
           <a:p>
             <a:pPr lvl="4"/>
             <a:r>
-              <a:rPr lang="en-US"/>
+              <a:rPr lang="en-US" dirty="0"/>
               <a:t>Fifth Level</a:t>
             </a:r>
-            <a:endParaRPr/>
+            <a:endParaRPr dirty="0"/>
           </a:p>
         </p:txBody>
       </p:sp>
@@ -9352,10 +7998,10 @@
           <a:lstStyle/>
           <a:p>
             <a:r>
-              <a:rPr lang="en-US"/>
+              <a:rPr lang="en-US" dirty="0"/>
               <a:t>Click to Edit Master Title Style</a:t>
             </a:r>
-            <a:endParaRPr/>
+            <a:endParaRPr dirty="0"/>
           </a:p>
         </p:txBody>
       </p:sp>
@@ -9368,19 +8014,18 @@
   </p:cSld>
   <p:clrMap bg1="lt1" tx1="dk1" bg2="lt2" tx2="dk2" accent1="accent1" accent2="accent2" accent3="accent3" accent4="accent4" accent5="accent5" accent6="accent6" hlink="hlink" folHlink="folHlink"/>
   <p:sldLayoutIdLst>
-    <p:sldLayoutId id="2147483676" r:id="rId1"/>
+    <p:sldLayoutId id="2147483691" r:id="rId1"/>
     <p:sldLayoutId id="2147483689" r:id="rId2"/>
     <p:sldLayoutId id="2147483681" r:id="rId3"/>
-    <p:sldLayoutId id="2147483677" r:id="rId4"/>
-    <p:sldLayoutId id="2147483679" r:id="rId5"/>
-    <p:sldLayoutId id="2147483680" r:id="rId6"/>
-    <p:sldLayoutId id="2147483688" r:id="rId7"/>
-    <p:sldLayoutId id="2147483684" r:id="rId8"/>
-    <p:sldLayoutId id="2147483690" r:id="rId9"/>
+    <p:sldLayoutId id="2147483679" r:id="rId4"/>
+    <p:sldLayoutId id="2147483680" r:id="rId5"/>
+    <p:sldLayoutId id="2147483688" r:id="rId6"/>
+    <p:sldLayoutId id="2147483684" r:id="rId7"/>
+    <p:sldLayoutId id="2147483690" r:id="rId8"/>
+    <p:sldLayoutId id="2147483677" r:id="rId9"/>
     <p:sldLayoutId id="2147483683" r:id="rId10"/>
     <p:sldLayoutId id="2147483685" r:id="rId11"/>
     <p:sldLayoutId id="2147483686" r:id="rId12"/>
-    <p:sldLayoutId id="2147483687" r:id="rId13"/>
   </p:sldLayoutIdLst>
   <mc:AlternateContent xmlns:mc="http://schemas.openxmlformats.org/markup-compatibility/2006" xmlns:p14="http://schemas.microsoft.com/office/powerpoint/2010/main">
     <mc:Choice Requires="p14">
@@ -9709,125 +8354,6 @@
       </p:grpSpPr>
       <p:sp>
         <p:nvSpPr>
-          <p:cNvPr id="8" name="Text Placeholder 7"/>
-          <p:cNvSpPr>
-            <a:spLocks noGrp="1"/>
-          </p:cNvSpPr>
-          <p:nvPr>
-            <p:ph type="body" sz="quarter" idx="18"/>
-          </p:nvPr>
-        </p:nvSpPr>
-        <p:spPr/>
-        <p:txBody>
-          <a:bodyPr/>
-          <a:lstStyle/>
-          <a:p>
-            <a:r>
-              <a:rPr lang="en-US" dirty="0">
-                <a:hlinkClick r:id="rId3"/>
-              </a:rPr>
-              <a:t>https://about.softuni.bg/</a:t>
-            </a:r>
-            <a:endParaRPr lang="en-US" dirty="0"/>
-          </a:p>
-        </p:txBody>
-      </p:sp>
-      <p:sp>
-        <p:nvSpPr>
-          <p:cNvPr id="7" name="Text Placeholder 6"/>
-          <p:cNvSpPr>
-            <a:spLocks noGrp="1"/>
-          </p:cNvSpPr>
-          <p:nvPr>
-            <p:ph type="body" sz="quarter" idx="17"/>
-          </p:nvPr>
-        </p:nvSpPr>
-        <p:spPr/>
-        <p:txBody>
-          <a:bodyPr/>
-          <a:lstStyle/>
-          <a:p>
-            <a:r>
-              <a:rPr lang="en-US" sz="2000" dirty="0"/>
-              <a:t>Софтуерен университет</a:t>
-            </a:r>
-            <a:endParaRPr lang="en-US" sz="2000" b="0" dirty="0">
-              <a:ea typeface="+mn-lt"/>
-              <a:cs typeface="+mn-lt"/>
-            </a:endParaRPr>
-          </a:p>
-        </p:txBody>
-      </p:sp>
-      <p:sp>
-        <p:nvSpPr>
-          <p:cNvPr id="31" name="Subtitle 5"/>
-          <p:cNvSpPr>
-            <a:spLocks noGrp="1"/>
-          </p:cNvSpPr>
-          <p:nvPr>
-            <p:ph type="subTitle" idx="1"/>
-          </p:nvPr>
-        </p:nvSpPr>
-        <p:spPr>
-          <a:xfrm>
-            <a:off x="554182" y="1079854"/>
-            <a:ext cx="11083636" cy="1315728"/>
-          </a:xfrm>
-        </p:spPr>
-        <p:txBody>
-          <a:bodyPr>
-            <a:normAutofit/>
-          </a:bodyPr>
-          <a:lstStyle/>
-          <a:p>
-            <a:r>
-              <a:rPr lang="en-US" sz="3550" dirty="0">
-                <a:ea typeface="+mn-lt"/>
-                <a:cs typeface="+mn-lt"/>
-              </a:rPr>
-              <a:t>Анализиране на сложност на алгоритъм</a:t>
-            </a:r>
-            <a:r>
-              <a:rPr lang="en-US" sz="3550" dirty="0"/>
-              <a:t>. Aсимптотичнa нотация</a:t>
-            </a:r>
-            <a:endParaRPr lang="bg-BG" dirty="0"/>
-          </a:p>
-        </p:txBody>
-      </p:sp>
-      <p:sp>
-        <p:nvSpPr>
-          <p:cNvPr id="30" name="Title 4"/>
-          <p:cNvSpPr>
-            <a:spLocks noGrp="1"/>
-          </p:cNvSpPr>
-          <p:nvPr>
-            <p:ph type="title"/>
-          </p:nvPr>
-        </p:nvSpPr>
-        <p:spPr>
-          <a:xfrm>
-            <a:off x="554182" y="265747"/>
-            <a:ext cx="11083636" cy="882654"/>
-          </a:xfrm>
-        </p:spPr>
-        <p:txBody>
-          <a:bodyPr>
-            <a:normAutofit/>
-          </a:bodyPr>
-          <a:lstStyle/>
-          <a:p>
-            <a:r>
-              <a:rPr lang="en-US" sz="4750" dirty="0">
-                <a:cs typeface="Calibri"/>
-              </a:rPr>
-              <a:t>Алгоритми и сложност</a:t>
-            </a:r>
-          </a:p>
-        </p:txBody>
-      </p:sp>
-      <p:sp>
-        <p:nvSpPr>
           <p:cNvPr id="20" name="Text Placeholder 11">
             <a:extLst>
               <a:ext uri="{FF2B5EF4-FFF2-40B4-BE49-F238E27FC236}">
@@ -9839,13 +8365,13 @@
             <a:spLocks noGrp="1"/>
           </p:cNvSpPr>
           <p:nvPr>
-            <p:ph type="body" sz="quarter" idx="20"/>
+            <p:ph type="body" sz="quarter" idx="22"/>
           </p:nvPr>
         </p:nvSpPr>
         <p:spPr>
           <a:xfrm>
-            <a:off x="554524" y="5149726"/>
-            <a:ext cx="3359929" cy="832591"/>
+            <a:off x="6390122" y="6023618"/>
+            <a:ext cx="5248260" cy="341313"/>
           </a:xfrm>
         </p:spPr>
         <p:txBody>
@@ -9853,13 +8379,9 @@
           <a:lstStyle/>
           <a:p>
             <a:r>
-              <a:rPr lang="en-US" sz="2400" dirty="0"/>
-              <a:t>Преподавателски екип</a:t>
-            </a:r>
-            <a:endParaRPr lang="en-US" sz="2400" b="0" dirty="0">
-              <a:ea typeface="+mn-lt"/>
-              <a:cs typeface="+mn-lt"/>
-            </a:endParaRPr>
+              <a:rPr lang="bg-BG" sz="2400" dirty="0"/>
+              <a:t>Софтуерни и хардуерни науки</a:t>
+            </a:r>
           </a:p>
         </p:txBody>
       </p:sp>
@@ -9876,27 +8398,184 @@
             <a:spLocks noGrp="1"/>
           </p:cNvSpPr>
           <p:nvPr>
-            <p:ph type="body" sz="quarter" idx="19"/>
+            <p:ph type="body" sz="quarter" idx="21"/>
           </p:nvPr>
         </p:nvSpPr>
         <p:spPr>
           <a:xfrm>
-            <a:off x="554525" y="4825337"/>
-            <a:ext cx="2979920" cy="506540"/>
+            <a:off x="6390122" y="5544000"/>
+            <a:ext cx="5248260" cy="374236"/>
+          </a:xfrm>
+        </p:spPr>
+        <p:txBody>
+          <a:bodyPr>
+            <a:normAutofit fontScale="77500" lnSpcReduction="20000"/>
+          </a:bodyPr>
+          <a:lstStyle/>
+          <a:p>
+            <a:r>
+              <a:rPr lang="bg-BG" sz="2800" dirty="0">
+                <a:solidFill>
+                  <a:srgbClr val="234465"/>
+                </a:solidFill>
+              </a:rPr>
+              <a:t>Курс "</a:t>
+            </a:r>
+            <a:r>
+              <a:rPr lang="ru-RU" sz="2800" dirty="0">
+                <a:solidFill>
+                  <a:srgbClr val="234465"/>
+                </a:solidFill>
+              </a:rPr>
+              <a:t>Структури от данни и алгоритми</a:t>
+            </a:r>
+            <a:r>
+              <a:rPr lang="bg-BG" sz="2800" dirty="0">
+                <a:solidFill>
+                  <a:srgbClr val="234465"/>
+                </a:solidFill>
+              </a:rPr>
+              <a:t>"</a:t>
+            </a:r>
+          </a:p>
+        </p:txBody>
+      </p:sp>
+      <p:sp>
+        <p:nvSpPr>
+          <p:cNvPr id="8" name="Text Placeholder 7"/>
+          <p:cNvSpPr>
+            <a:spLocks noGrp="1"/>
+          </p:cNvSpPr>
+          <p:nvPr>
+            <p:ph type="body" sz="quarter" idx="18"/>
+          </p:nvPr>
+        </p:nvSpPr>
+        <p:spPr>
+          <a:xfrm>
+            <a:off x="523990" y="6023618"/>
+            <a:ext cx="4751953" cy="341556"/>
           </a:xfrm>
         </p:spPr>
         <p:txBody>
           <a:bodyPr/>
           <a:lstStyle/>
           <a:p>
-            <a:r>
-              <a:rPr lang="en-US" sz="2800" dirty="0">
+            <a:pPr marL="0" indent="0" algn="l" rtl="0" eaLnBrk="1" fontAlgn="base" latinLnBrk="0" hangingPunct="1">
+              <a:lnSpc>
+                <a:spcPct val="105000"/>
+              </a:lnSpc>
+              <a:spcBef>
+                <a:spcPts val="0"/>
+              </a:spcBef>
+              <a:spcAft>
+                <a:spcPts val="0"/>
+              </a:spcAft>
+            </a:pPr>
+            <a:r>
+              <a:rPr lang="en-US" sz="1800" b="0" kern="1200">
+                <a:solidFill>
+                  <a:srgbClr val="1A334C"/>
+                </a:solidFill>
+                <a:effectLst/>
+                <a:latin typeface="Calibri" panose="020F0502020204030204" pitchFamily="34" charset="0"/>
+                <a:ea typeface="+mn-ea"/>
+                <a:cs typeface="+mn-cs"/>
+                <a:hlinkClick r:id="rId3"/>
+              </a:rPr>
+              <a:t>https://github.com/BG-IT-Edu</a:t>
+            </a:r>
+            <a:endParaRPr lang="bg-BG" sz="1800" dirty="0">
+              <a:effectLst/>
+            </a:endParaRPr>
+          </a:p>
+        </p:txBody>
+      </p:sp>
+      <p:sp>
+        <p:nvSpPr>
+          <p:cNvPr id="7" name="Text Placeholder 6"/>
+          <p:cNvSpPr>
+            <a:spLocks noGrp="1"/>
+          </p:cNvSpPr>
+          <p:nvPr>
+            <p:ph type="body" sz="quarter" idx="17"/>
+          </p:nvPr>
+        </p:nvSpPr>
+        <p:spPr>
+          <a:xfrm>
+            <a:off x="534045" y="5438618"/>
+            <a:ext cx="4751954" cy="585000"/>
+          </a:xfrm>
+        </p:spPr>
+        <p:txBody>
+          <a:bodyPr/>
+          <a:lstStyle/>
+          <a:p>
+            <a:r>
+              <a:rPr lang="bg-BG" sz="2000" dirty="0">
+                <a:solidFill>
+                  <a:srgbClr val="234465"/>
+                </a:solidFill>
+              </a:rPr>
+              <a:t>Проект "Отворено учебно съдържание по програмиране и ИТ", СофтУни Фондация</a:t>
+            </a:r>
+          </a:p>
+        </p:txBody>
+      </p:sp>
+      <p:sp>
+        <p:nvSpPr>
+          <p:cNvPr id="31" name="Subtitle 5"/>
+          <p:cNvSpPr>
+            <a:spLocks noGrp="1"/>
+          </p:cNvSpPr>
+          <p:nvPr>
+            <p:ph type="subTitle" idx="1"/>
+          </p:nvPr>
+        </p:nvSpPr>
+        <p:spPr/>
+        <p:txBody>
+          <a:bodyPr>
+            <a:normAutofit/>
+          </a:bodyPr>
+          <a:lstStyle/>
+          <a:p>
+            <a:r>
+              <a:rPr lang="en-US" sz="3550" dirty="0">
                 <a:ea typeface="+mn-lt"/>
                 <a:cs typeface="+mn-lt"/>
               </a:rPr>
-              <a:t>СофтУни</a:t>
-            </a:r>
-            <a:endParaRPr lang="en-US" dirty="0"/>
+              <a:t>Анализиране на сложност на алгоритъм</a:t>
+            </a:r>
+            <a:r>
+              <a:rPr lang="en-US" sz="3550" dirty="0"/>
+              <a:t>. Aсимптотичнa нотация</a:t>
+            </a:r>
+            <a:endParaRPr lang="bg-BG" dirty="0"/>
+          </a:p>
+        </p:txBody>
+      </p:sp>
+      <p:sp>
+        <p:nvSpPr>
+          <p:cNvPr id="30" name="Title 4"/>
+          <p:cNvSpPr>
+            <a:spLocks noGrp="1"/>
+          </p:cNvSpPr>
+          <p:nvPr>
+            <p:ph type="title"/>
+          </p:nvPr>
+        </p:nvSpPr>
+        <p:spPr/>
+        <p:txBody>
+          <a:bodyPr>
+            <a:normAutofit/>
+          </a:bodyPr>
+          <a:lstStyle/>
+          <a:p>
+            <a:r>
+              <a:rPr lang="en-US" sz="4750" dirty="0">
+                <a:cs typeface="Calibri"/>
+              </a:rPr>
+              <a:t>Алгоритми и сложност</a:t>
+            </a:r>
           </a:p>
         </p:txBody>
       </p:sp>
@@ -9929,8 +8608,8 @@
         </p:blipFill>
         <p:spPr bwMode="auto">
           <a:xfrm>
-            <a:off x="3972864" y="2317020"/>
-            <a:ext cx="4246272" cy="2911268"/>
+            <a:off x="7626308" y="2685614"/>
+            <a:ext cx="3840963" cy="2633386"/>
           </a:xfrm>
           <a:prstGeom prst="rect">
             <a:avLst/>
@@ -9957,7 +8636,7 @@
     </p:spTree>
     <p:extLst>
       <p:ext uri="{BB962C8B-B14F-4D97-AF65-F5344CB8AC3E}">
-        <p14:creationId xmlns:p14="http://schemas.microsoft.com/office/powerpoint/2010/main" val="2609636583"/>
+        <p14:creationId xmlns:p14="http://schemas.microsoft.com/office/powerpoint/2010/main" val="3409175756"/>
       </p:ext>
     </p:extLst>
   </p:cSld>
@@ -10396,10 +9075,10 @@
       </p:pic>
       <p:sp>
         <p:nvSpPr>
-          <p:cNvPr id="9" name="Slide Number">
+          <p:cNvPr id="2" name="Slide Number">
             <a:extLst>
               <a:ext uri="{FF2B5EF4-FFF2-40B4-BE49-F238E27FC236}">
-                <a16:creationId xmlns:a16="http://schemas.microsoft.com/office/drawing/2014/main" id="{E409CC18-4DFE-4E06-ADB3-C0EC6C476D77}"/>
+                <a16:creationId xmlns:a16="http://schemas.microsoft.com/office/drawing/2014/main" id="{BA7F0EB7-B32C-2047-A75F-50D7752D20FA}"/>
               </a:ext>
             </a:extLst>
           </p:cNvPr>
@@ -10432,14 +9111,14 @@
               <a:pPr/>
               <a:t>10</a:t>
             </a:fld>
-            <a:endParaRPr lang="en-US" noProof="0"/>
+            <a:endParaRPr lang="en-US" noProof="0" dirty="0"/>
           </a:p>
         </p:txBody>
       </p:sp>
     </p:spTree>
     <p:extLst>
       <p:ext uri="{BB962C8B-B14F-4D97-AF65-F5344CB8AC3E}">
-        <p14:creationId xmlns:p14="http://schemas.microsoft.com/office/powerpoint/2010/main" val="2927260225"/>
+        <p14:creationId xmlns:p14="http://schemas.microsoft.com/office/powerpoint/2010/main" val="321497022"/>
       </p:ext>
     </p:extLst>
   </p:cSld>
@@ -10603,15 +9282,33 @@
                                   </p:childTnLst>
                                 </p:cTn>
                               </p:par>
+                            </p:childTnLst>
+                          </p:cTn>
+                        </p:par>
+                      </p:childTnLst>
+                    </p:cTn>
+                  </p:par>
+                  <p:par>
+                    <p:cTn id="15" fill="hold">
+                      <p:stCondLst>
+                        <p:cond delay="indefinite"/>
+                      </p:stCondLst>
+                      <p:childTnLst>
+                        <p:par>
+                          <p:cTn id="16" fill="hold">
+                            <p:stCondLst>
+                              <p:cond delay="0"/>
+                            </p:stCondLst>
+                            <p:childTnLst>
                               <p:par>
-                                <p:cTn id="15" presetID="1" presetClass="entr" presetSubtype="0" fill="hold" nodeType="withEffect">
+                                <p:cTn id="17" presetID="1" presetClass="entr" presetSubtype="0" fill="hold" nodeType="clickEffect">
                                   <p:stCondLst>
                                     <p:cond delay="0"/>
                                   </p:stCondLst>
                                   <p:childTnLst>
                                     <p:set>
                                       <p:cBhvr>
-                                        <p:cTn id="16" dur="1" fill="hold">
+                                        <p:cTn id="18" dur="1" fill="hold">
                                           <p:stCondLst>
                                             <p:cond delay="0"/>
                                           </p:stCondLst>
@@ -10641,26 +9338,26 @@
                     </p:cTn>
                   </p:par>
                   <p:par>
-                    <p:cTn id="17" fill="hold">
+                    <p:cTn id="19" fill="hold">
                       <p:stCondLst>
                         <p:cond delay="indefinite"/>
                       </p:stCondLst>
                       <p:childTnLst>
                         <p:par>
-                          <p:cTn id="18" fill="hold">
+                          <p:cTn id="20" fill="hold">
                             <p:stCondLst>
                               <p:cond delay="0"/>
                             </p:stCondLst>
                             <p:childTnLst>
                               <p:par>
-                                <p:cTn id="19" presetID="1" presetClass="entr" presetSubtype="0" fill="hold" nodeType="clickEffect">
+                                <p:cTn id="21" presetID="1" presetClass="entr" presetSubtype="0" fill="hold" nodeType="clickEffect">
                                   <p:stCondLst>
                                     <p:cond delay="0"/>
                                   </p:stCondLst>
                                   <p:childTnLst>
                                     <p:set>
                                       <p:cBhvr>
-                                        <p:cTn id="20" dur="1" fill="hold">
+                                        <p:cTn id="22" dur="1" fill="hold">
                                           <p:stCondLst>
                                             <p:cond delay="0"/>
                                           </p:stCondLst>
@@ -10690,26 +9387,26 @@
                     </p:cTn>
                   </p:par>
                   <p:par>
-                    <p:cTn id="21" fill="hold">
+                    <p:cTn id="23" fill="hold">
                       <p:stCondLst>
                         <p:cond delay="indefinite"/>
                       </p:stCondLst>
                       <p:childTnLst>
                         <p:par>
-                          <p:cTn id="22" fill="hold">
+                          <p:cTn id="24" fill="hold">
                             <p:stCondLst>
                               <p:cond delay="0"/>
                             </p:stCondLst>
                             <p:childTnLst>
                               <p:par>
-                                <p:cTn id="23" presetID="1" presetClass="entr" presetSubtype="0" fill="hold" nodeType="clickEffect">
+                                <p:cTn id="25" presetID="1" presetClass="entr" presetSubtype="0" fill="hold" nodeType="clickEffect">
                                   <p:stCondLst>
                                     <p:cond delay="0"/>
                                   </p:stCondLst>
                                   <p:childTnLst>
                                     <p:set>
                                       <p:cBhvr>
-                                        <p:cTn id="24" dur="1" fill="hold">
+                                        <p:cTn id="26" dur="1" fill="hold">
                                           <p:stCondLst>
                                             <p:cond delay="0"/>
                                           </p:stCondLst>
@@ -11066,10 +9763,10 @@
       </p:sp>
       <p:sp>
         <p:nvSpPr>
-          <p:cNvPr id="5" name="Slide Number">
+          <p:cNvPr id="2" name="Slide Number">
             <a:extLst>
               <a:ext uri="{FF2B5EF4-FFF2-40B4-BE49-F238E27FC236}">
-                <a16:creationId xmlns:a16="http://schemas.microsoft.com/office/drawing/2014/main" id="{FEB18B5F-3A14-4ECE-A3B2-79B1519FDFDC}"/>
+                <a16:creationId xmlns:a16="http://schemas.microsoft.com/office/drawing/2014/main" id="{69CCE3CE-E9FA-F253-04B3-44A3178510A1}"/>
               </a:ext>
             </a:extLst>
           </p:cNvPr>
@@ -11102,14 +9799,14 @@
               <a:pPr/>
               <a:t>11</a:t>
             </a:fld>
-            <a:endParaRPr lang="en-US" noProof="0"/>
+            <a:endParaRPr lang="en-US" noProof="0" dirty="0"/>
           </a:p>
         </p:txBody>
       </p:sp>
     </p:spTree>
     <p:extLst>
       <p:ext uri="{BB962C8B-B14F-4D97-AF65-F5344CB8AC3E}">
-        <p14:creationId xmlns:p14="http://schemas.microsoft.com/office/powerpoint/2010/main" val="3991583053"/>
+        <p14:creationId xmlns:p14="http://schemas.microsoft.com/office/powerpoint/2010/main" val="683664587"/>
       </p:ext>
     </p:extLst>
   </p:cSld>
@@ -11224,15 +9921,33 @@
                                   </p:childTnLst>
                                 </p:cTn>
                               </p:par>
+                            </p:childTnLst>
+                          </p:cTn>
+                        </p:par>
+                      </p:childTnLst>
+                    </p:cTn>
+                  </p:par>
+                  <p:par>
+                    <p:cTn id="11" fill="hold">
+                      <p:stCondLst>
+                        <p:cond delay="indefinite"/>
+                      </p:stCondLst>
+                      <p:childTnLst>
+                        <p:par>
+                          <p:cTn id="12" fill="hold">
+                            <p:stCondLst>
+                              <p:cond delay="0"/>
+                            </p:stCondLst>
+                            <p:childTnLst>
                               <p:par>
-                                <p:cTn id="11" presetID="1" presetClass="entr" presetSubtype="0" fill="hold" grpId="0" nodeType="withEffect">
+                                <p:cTn id="13" presetID="1" presetClass="entr" presetSubtype="0" fill="hold" grpId="0" nodeType="clickEffect">
                                   <p:stCondLst>
                                     <p:cond delay="0"/>
                                   </p:stCondLst>
                                   <p:childTnLst>
                                     <p:set>
                                       <p:cBhvr>
-                                        <p:cTn id="12" dur="1" fill="hold">
+                                        <p:cTn id="14" dur="1" fill="hold">
                                           <p:stCondLst>
                                             <p:cond delay="0"/>
                                           </p:stCondLst>
@@ -11262,26 +9977,26 @@
                     </p:cTn>
                   </p:par>
                   <p:par>
-                    <p:cTn id="13" fill="hold">
+                    <p:cTn id="15" fill="hold">
                       <p:stCondLst>
                         <p:cond delay="indefinite"/>
                       </p:stCondLst>
                       <p:childTnLst>
                         <p:par>
-                          <p:cTn id="14" fill="hold">
+                          <p:cTn id="16" fill="hold">
                             <p:stCondLst>
                               <p:cond delay="0"/>
                             </p:stCondLst>
                             <p:childTnLst>
                               <p:par>
-                                <p:cTn id="15" presetID="1" presetClass="entr" presetSubtype="0" fill="hold" grpId="0" nodeType="clickEffect">
+                                <p:cTn id="17" presetID="1" presetClass="entr" presetSubtype="0" fill="hold" grpId="0" nodeType="clickEffect">
                                   <p:stCondLst>
                                     <p:cond delay="0"/>
                                   </p:stCondLst>
                                   <p:childTnLst>
                                     <p:set>
                                       <p:cBhvr>
-                                        <p:cTn id="16" dur="1" fill="hold">
+                                        <p:cTn id="18" dur="1" fill="hold">
                                           <p:stCondLst>
                                             <p:cond delay="0"/>
                                           </p:stCondLst>
@@ -11311,26 +10026,26 @@
                     </p:cTn>
                   </p:par>
                   <p:par>
-                    <p:cTn id="17" fill="hold">
+                    <p:cTn id="19" fill="hold">
                       <p:stCondLst>
                         <p:cond delay="indefinite"/>
                       </p:stCondLst>
                       <p:childTnLst>
                         <p:par>
-                          <p:cTn id="18" fill="hold">
+                          <p:cTn id="20" fill="hold">
                             <p:stCondLst>
                               <p:cond delay="0"/>
                             </p:stCondLst>
                             <p:childTnLst>
                               <p:par>
-                                <p:cTn id="19" presetID="1" presetClass="entr" presetSubtype="0" fill="hold" grpId="0" nodeType="clickEffect">
+                                <p:cTn id="21" presetID="1" presetClass="entr" presetSubtype="0" fill="hold" grpId="0" nodeType="clickEffect">
                                   <p:stCondLst>
                                     <p:cond delay="0"/>
                                   </p:stCondLst>
                                   <p:childTnLst>
                                     <p:set>
                                       <p:cBhvr>
-                                        <p:cTn id="20" dur="1" fill="hold">
+                                        <p:cTn id="22" dur="1" fill="hold">
                                           <p:stCondLst>
                                             <p:cond delay="0"/>
                                           </p:stCondLst>
@@ -11360,26 +10075,26 @@
                     </p:cTn>
                   </p:par>
                   <p:par>
-                    <p:cTn id="21" fill="hold">
+                    <p:cTn id="23" fill="hold">
                       <p:stCondLst>
                         <p:cond delay="indefinite"/>
                       </p:stCondLst>
                       <p:childTnLst>
                         <p:par>
-                          <p:cTn id="22" fill="hold">
+                          <p:cTn id="24" fill="hold">
                             <p:stCondLst>
                               <p:cond delay="0"/>
                             </p:stCondLst>
                             <p:childTnLst>
                               <p:par>
-                                <p:cTn id="23" presetID="1" presetClass="entr" presetSubtype="0" fill="hold" grpId="0" nodeType="clickEffect">
+                                <p:cTn id="25" presetID="1" presetClass="entr" presetSubtype="0" fill="hold" grpId="0" nodeType="clickEffect">
                                   <p:stCondLst>
                                     <p:cond delay="0"/>
                                   </p:stCondLst>
                                   <p:childTnLst>
                                     <p:set>
                                       <p:cBhvr>
-                                        <p:cTn id="24" dur="1" fill="hold">
+                                        <p:cTn id="26" dur="1" fill="hold">
                                           <p:stCondLst>
                                             <p:cond delay="0"/>
                                           </p:stCondLst>
@@ -13503,10 +12218,10 @@
       </p:pic>
       <p:sp>
         <p:nvSpPr>
-          <p:cNvPr id="11" name="Slide Number">
+          <p:cNvPr id="2" name="Slide Number">
             <a:extLst>
               <a:ext uri="{FF2B5EF4-FFF2-40B4-BE49-F238E27FC236}">
-                <a16:creationId xmlns:a16="http://schemas.microsoft.com/office/drawing/2014/main" id="{B034140D-4C02-4C6C-BC25-64F68D00ADC7}"/>
+                <a16:creationId xmlns:a16="http://schemas.microsoft.com/office/drawing/2014/main" id="{8CB26D5A-B705-8554-070E-B5D079EA0AF7}"/>
               </a:ext>
             </a:extLst>
           </p:cNvPr>
@@ -13539,14 +12254,14 @@
               <a:pPr/>
               <a:t>12</a:t>
             </a:fld>
-            <a:endParaRPr lang="en-US" noProof="0"/>
+            <a:endParaRPr lang="en-US" noProof="0" dirty="0"/>
           </a:p>
         </p:txBody>
       </p:sp>
     </p:spTree>
     <p:extLst>
       <p:ext uri="{BB962C8B-B14F-4D97-AF65-F5344CB8AC3E}">
-        <p14:creationId xmlns:p14="http://schemas.microsoft.com/office/powerpoint/2010/main" val="1251705464"/>
+        <p14:creationId xmlns:p14="http://schemas.microsoft.com/office/powerpoint/2010/main" val="335955468"/>
       </p:ext>
     </p:extLst>
   </p:cSld>
@@ -13612,15 +12327,33 @@
                                   </p:childTnLst>
                                 </p:cTn>
                               </p:par>
+                            </p:childTnLst>
+                          </p:cTn>
+                        </p:par>
+                      </p:childTnLst>
+                    </p:cTn>
+                  </p:par>
+                  <p:par>
+                    <p:cTn id="7" fill="hold">
+                      <p:stCondLst>
+                        <p:cond delay="indefinite"/>
+                      </p:stCondLst>
+                      <p:childTnLst>
+                        <p:par>
+                          <p:cTn id="8" fill="hold">
+                            <p:stCondLst>
+                              <p:cond delay="0"/>
+                            </p:stCondLst>
+                            <p:childTnLst>
                               <p:par>
-                                <p:cTn id="7" presetID="1" presetClass="entr" presetSubtype="0" fill="hold" nodeType="withEffect">
+                                <p:cTn id="9" presetID="1" presetClass="entr" presetSubtype="0" fill="hold" nodeType="clickEffect">
                                   <p:stCondLst>
                                     <p:cond delay="0"/>
                                   </p:stCondLst>
                                   <p:childTnLst>
                                     <p:set>
                                       <p:cBhvr>
-                                        <p:cTn id="8" dur="1" fill="hold">
+                                        <p:cTn id="10" dur="1" fill="hold">
                                           <p:stCondLst>
                                             <p:cond delay="0"/>
                                           </p:stCondLst>
@@ -13650,50 +12383,19 @@
                     </p:cTn>
                   </p:par>
                   <p:par>
-                    <p:cTn id="9" fill="hold">
+                    <p:cTn id="11" fill="hold">
                       <p:stCondLst>
                         <p:cond delay="indefinite"/>
                       </p:stCondLst>
                       <p:childTnLst>
                         <p:par>
-                          <p:cTn id="10" fill="hold">
+                          <p:cTn id="12" fill="hold">
                             <p:stCondLst>
                               <p:cond delay="0"/>
                             </p:stCondLst>
                             <p:childTnLst>
                               <p:par>
-                                <p:cTn id="11" presetID="1" presetClass="entr" presetSubtype="0" fill="hold" nodeType="clickEffect">
-                                  <p:stCondLst>
-                                    <p:cond delay="0"/>
-                                  </p:stCondLst>
-                                  <p:childTnLst>
-                                    <p:set>
-                                      <p:cBhvr>
-                                        <p:cTn id="12" dur="1" fill="hold">
-                                          <p:stCondLst>
-                                            <p:cond delay="0"/>
-                                          </p:stCondLst>
-                                        </p:cTn>
-                                        <p:tgtEl>
-                                          <p:spTgt spid="473091">
-                                            <p:txEl>
-                                              <p:pRg st="5" end="5"/>
-                                            </p:txEl>
-                                          </p:spTgt>
-                                        </p:tgtEl>
-                                        <p:attrNameLst>
-                                          <p:attrName>style.visibility</p:attrName>
-                                        </p:attrNameLst>
-                                      </p:cBhvr>
-                                      <p:to>
-                                        <p:strVal val="visible"/>
-                                      </p:to>
-                                    </p:set>
-                                  </p:childTnLst>
-                                </p:cTn>
-                              </p:par>
-                              <p:par>
-                                <p:cTn id="13" presetID="1" presetClass="entr" presetSubtype="0" fill="hold" nodeType="withEffect">
+                                <p:cTn id="13" presetID="1" presetClass="entr" presetSubtype="0" fill="hold" nodeType="clickEffect">
                                   <p:stCondLst>
                                     <p:cond delay="0"/>
                                   </p:stCondLst>
@@ -13708,7 +12410,7 @@
                                         <p:tgtEl>
                                           <p:spTgt spid="473091">
                                             <p:txEl>
-                                              <p:pRg st="6" end="6"/>
+                                              <p:pRg st="5" end="5"/>
                                             </p:txEl>
                                           </p:spTgt>
                                         </p:tgtEl>
@@ -13750,6 +12452,55 @@
                                     <p:set>
                                       <p:cBhvr>
                                         <p:cTn id="18" dur="1" fill="hold">
+                                          <p:stCondLst>
+                                            <p:cond delay="0"/>
+                                          </p:stCondLst>
+                                        </p:cTn>
+                                        <p:tgtEl>
+                                          <p:spTgt spid="473091">
+                                            <p:txEl>
+                                              <p:pRg st="6" end="6"/>
+                                            </p:txEl>
+                                          </p:spTgt>
+                                        </p:tgtEl>
+                                        <p:attrNameLst>
+                                          <p:attrName>style.visibility</p:attrName>
+                                        </p:attrNameLst>
+                                      </p:cBhvr>
+                                      <p:to>
+                                        <p:strVal val="visible"/>
+                                      </p:to>
+                                    </p:set>
+                                  </p:childTnLst>
+                                </p:cTn>
+                              </p:par>
+                            </p:childTnLst>
+                          </p:cTn>
+                        </p:par>
+                      </p:childTnLst>
+                    </p:cTn>
+                  </p:par>
+                  <p:par>
+                    <p:cTn id="19" fill="hold">
+                      <p:stCondLst>
+                        <p:cond delay="indefinite"/>
+                      </p:stCondLst>
+                      <p:childTnLst>
+                        <p:par>
+                          <p:cTn id="20" fill="hold">
+                            <p:stCondLst>
+                              <p:cond delay="0"/>
+                            </p:stCondLst>
+                            <p:childTnLst>
+                              <p:par>
+                                <p:cTn id="21" presetID="1" presetClass="entr" presetSubtype="0" fill="hold" nodeType="clickEffect">
+                                  <p:stCondLst>
+                                    <p:cond delay="0"/>
+                                  </p:stCondLst>
+                                  <p:childTnLst>
+                                    <p:set>
+                                      <p:cBhvr>
+                                        <p:cTn id="22" dur="1" fill="hold">
                                           <p:stCondLst>
                                             <p:cond delay="0"/>
                                           </p:stCondLst>
@@ -14186,10 +12937,10 @@
       </p:sp>
       <p:sp>
         <p:nvSpPr>
-          <p:cNvPr id="5" name="Slide Number">
+          <p:cNvPr id="4" name="Slide Number">
             <a:extLst>
               <a:ext uri="{FF2B5EF4-FFF2-40B4-BE49-F238E27FC236}">
-                <a16:creationId xmlns:a16="http://schemas.microsoft.com/office/drawing/2014/main" id="{9506CAAB-6BFD-4E6A-9927-DAF1279068DE}"/>
+                <a16:creationId xmlns:a16="http://schemas.microsoft.com/office/drawing/2014/main" id="{28CE4501-0C8E-3AE4-C692-B7C141D180CA}"/>
               </a:ext>
             </a:extLst>
           </p:cNvPr>
@@ -14222,14 +12973,14 @@
               <a:pPr/>
               <a:t>13</a:t>
             </a:fld>
-            <a:endParaRPr lang="en-US" noProof="0"/>
+            <a:endParaRPr lang="en-US" noProof="0" dirty="0"/>
           </a:p>
         </p:txBody>
       </p:sp>
     </p:spTree>
     <p:extLst>
       <p:ext uri="{BB962C8B-B14F-4D97-AF65-F5344CB8AC3E}">
-        <p14:creationId xmlns:p14="http://schemas.microsoft.com/office/powerpoint/2010/main" val="3457545592"/>
+        <p14:creationId xmlns:p14="http://schemas.microsoft.com/office/powerpoint/2010/main" val="1380018944"/>
       </p:ext>
     </p:extLst>
   </p:cSld>
@@ -14295,39 +13046,26 @@
                                   </p:childTnLst>
                                 </p:cTn>
                               </p:par>
+                            </p:childTnLst>
+                          </p:cTn>
+                        </p:par>
+                      </p:childTnLst>
+                    </p:cTn>
+                  </p:par>
+                  <p:par>
+                    <p:cTn id="7" fill="hold">
+                      <p:stCondLst>
+                        <p:cond delay="indefinite"/>
+                      </p:stCondLst>
+                      <p:childTnLst>
+                        <p:par>
+                          <p:cTn id="8" fill="hold">
+                            <p:stCondLst>
+                              <p:cond delay="0"/>
+                            </p:stCondLst>
+                            <p:childTnLst>
                               <p:par>
-                                <p:cTn id="7" presetID="1" presetClass="entr" presetSubtype="0" fill="hold" grpId="0" nodeType="withEffect">
-                                  <p:stCondLst>
-                                    <p:cond delay="0"/>
-                                  </p:stCondLst>
-                                  <p:childTnLst>
-                                    <p:set>
-                                      <p:cBhvr>
-                                        <p:cTn id="8" dur="1" fill="hold">
-                                          <p:stCondLst>
-                                            <p:cond delay="0"/>
-                                          </p:stCondLst>
-                                        </p:cTn>
-                                        <p:tgtEl>
-                                          <p:spTgt spid="3">
-                                            <p:txEl>
-                                              <p:pRg st="3" end="3"/>
-                                            </p:txEl>
-                                          </p:spTgt>
-                                        </p:tgtEl>
-                                        <p:attrNameLst>
-                                          <p:attrName>style.visibility</p:attrName>
-                                        </p:attrNameLst>
-                                      </p:cBhvr>
-                                      <p:to>
-                                        <p:strVal val="visible"/>
-                                      </p:to>
-                                    </p:set>
-                                  </p:childTnLst>
-                                </p:cTn>
-                              </p:par>
-                              <p:par>
-                                <p:cTn id="9" presetID="1" presetClass="entr" presetSubtype="0" fill="hold" grpId="0" nodeType="withEffect">
+                                <p:cTn id="9" presetID="1" presetClass="entr" presetSubtype="0" fill="hold" grpId="0" nodeType="clickEffect">
                                   <p:stCondLst>
                                     <p:cond delay="0"/>
                                   </p:stCondLst>
@@ -14342,7 +13080,7 @@
                                         <p:tgtEl>
                                           <p:spTgt spid="3">
                                             <p:txEl>
-                                              <p:pRg st="4" end="4"/>
+                                              <p:pRg st="3" end="3"/>
                                             </p:txEl>
                                           </p:spTgt>
                                         </p:tgtEl>
@@ -14391,6 +13129,55 @@
                                         <p:tgtEl>
                                           <p:spTgt spid="3">
                                             <p:txEl>
+                                              <p:pRg st="4" end="4"/>
+                                            </p:txEl>
+                                          </p:spTgt>
+                                        </p:tgtEl>
+                                        <p:attrNameLst>
+                                          <p:attrName>style.visibility</p:attrName>
+                                        </p:attrNameLst>
+                                      </p:cBhvr>
+                                      <p:to>
+                                        <p:strVal val="visible"/>
+                                      </p:to>
+                                    </p:set>
+                                  </p:childTnLst>
+                                </p:cTn>
+                              </p:par>
+                            </p:childTnLst>
+                          </p:cTn>
+                        </p:par>
+                      </p:childTnLst>
+                    </p:cTn>
+                  </p:par>
+                  <p:par>
+                    <p:cTn id="15" fill="hold">
+                      <p:stCondLst>
+                        <p:cond delay="indefinite"/>
+                      </p:stCondLst>
+                      <p:childTnLst>
+                        <p:par>
+                          <p:cTn id="16" fill="hold">
+                            <p:stCondLst>
+                              <p:cond delay="0"/>
+                            </p:stCondLst>
+                            <p:childTnLst>
+                              <p:par>
+                                <p:cTn id="17" presetID="1" presetClass="entr" presetSubtype="0" fill="hold" grpId="0" nodeType="clickEffect">
+                                  <p:stCondLst>
+                                    <p:cond delay="0"/>
+                                  </p:stCondLst>
+                                  <p:childTnLst>
+                                    <p:set>
+                                      <p:cBhvr>
+                                        <p:cTn id="18" dur="1" fill="hold">
+                                          <p:stCondLst>
+                                            <p:cond delay="0"/>
+                                          </p:stCondLst>
+                                        </p:cTn>
+                                        <p:tgtEl>
+                                          <p:spTgt spid="3">
+                                            <p:txEl>
                                               <p:pRg st="5" end="5"/>
                                             </p:txEl>
                                           </p:spTgt>
@@ -14406,15 +13193,33 @@
                                   </p:childTnLst>
                                 </p:cTn>
                               </p:par>
+                            </p:childTnLst>
+                          </p:cTn>
+                        </p:par>
+                      </p:childTnLst>
+                    </p:cTn>
+                  </p:par>
+                  <p:par>
+                    <p:cTn id="19" fill="hold">
+                      <p:stCondLst>
+                        <p:cond delay="indefinite"/>
+                      </p:stCondLst>
+                      <p:childTnLst>
+                        <p:par>
+                          <p:cTn id="20" fill="hold">
+                            <p:stCondLst>
+                              <p:cond delay="0"/>
+                            </p:stCondLst>
+                            <p:childTnLst>
                               <p:par>
-                                <p:cTn id="15" presetID="1" presetClass="entr" presetSubtype="0" fill="hold" grpId="0" nodeType="withEffect">
+                                <p:cTn id="21" presetID="1" presetClass="entr" presetSubtype="0" fill="hold" grpId="0" nodeType="clickEffect">
                                   <p:stCondLst>
                                     <p:cond delay="0"/>
                                   </p:stCondLst>
                                   <p:childTnLst>
                                     <p:set>
                                       <p:cBhvr>
-                                        <p:cTn id="16" dur="1" fill="hold">
+                                        <p:cTn id="22" dur="1" fill="hold">
                                           <p:stCondLst>
                                             <p:cond delay="0"/>
                                           </p:stCondLst>
@@ -15639,10 +14444,10 @@
       </p:sp>
       <p:sp>
         <p:nvSpPr>
-          <p:cNvPr id="6" name="Slide Number">
+          <p:cNvPr id="2" name="Slide Number">
             <a:extLst>
               <a:ext uri="{FF2B5EF4-FFF2-40B4-BE49-F238E27FC236}">
-                <a16:creationId xmlns:a16="http://schemas.microsoft.com/office/drawing/2014/main" id="{5FB74D47-A15B-4045-B631-21B9D513394A}"/>
+                <a16:creationId xmlns:a16="http://schemas.microsoft.com/office/drawing/2014/main" id="{DD04B6D0-404D-93CB-9AF2-B73DA1CD8A8B}"/>
               </a:ext>
             </a:extLst>
           </p:cNvPr>
@@ -15675,14 +14480,14 @@
               <a:pPr/>
               <a:t>14</a:t>
             </a:fld>
-            <a:endParaRPr lang="en-US" noProof="0"/>
+            <a:endParaRPr lang="en-US" noProof="0" dirty="0"/>
           </a:p>
         </p:txBody>
       </p:sp>
     </p:spTree>
     <p:extLst>
       <p:ext uri="{BB962C8B-B14F-4D97-AF65-F5344CB8AC3E}">
-        <p14:creationId xmlns:p14="http://schemas.microsoft.com/office/powerpoint/2010/main" val="120895484"/>
+        <p14:creationId xmlns:p14="http://schemas.microsoft.com/office/powerpoint/2010/main" val="1953298347"/>
       </p:ext>
     </p:extLst>
   </p:cSld>
@@ -15748,15 +14553,33 @@
                                   </p:childTnLst>
                                 </p:cTn>
                               </p:par>
+                            </p:childTnLst>
+                          </p:cTn>
+                        </p:par>
+                      </p:childTnLst>
+                    </p:cTn>
+                  </p:par>
+                  <p:par>
+                    <p:cTn id="7" fill="hold">
+                      <p:stCondLst>
+                        <p:cond delay="indefinite"/>
+                      </p:stCondLst>
+                      <p:childTnLst>
+                        <p:par>
+                          <p:cTn id="8" fill="hold">
+                            <p:stCondLst>
+                              <p:cond delay="0"/>
+                            </p:stCondLst>
+                            <p:childTnLst>
                               <p:par>
-                                <p:cTn id="7" presetID="1" presetClass="entr" presetSubtype="0" fill="hold" grpId="0" nodeType="withEffect">
+                                <p:cTn id="9" presetID="1" presetClass="entr" presetSubtype="0" fill="hold" grpId="0" nodeType="clickEffect">
                                   <p:stCondLst>
                                     <p:cond delay="0"/>
                                   </p:stCondLst>
                                   <p:childTnLst>
                                     <p:set>
                                       <p:cBhvr>
-                                        <p:cTn id="8" dur="1" fill="hold">
+                                        <p:cTn id="10" dur="1" fill="hold">
                                           <p:stCondLst>
                                             <p:cond delay="0"/>
                                           </p:stCondLst>
@@ -15782,50 +14605,19 @@
                     </p:cTn>
                   </p:par>
                   <p:par>
-                    <p:cTn id="9" fill="hold">
+                    <p:cTn id="11" fill="hold">
                       <p:stCondLst>
                         <p:cond delay="indefinite"/>
                       </p:stCondLst>
                       <p:childTnLst>
                         <p:par>
-                          <p:cTn id="10" fill="hold">
+                          <p:cTn id="12" fill="hold">
                             <p:stCondLst>
                               <p:cond delay="0"/>
                             </p:stCondLst>
                             <p:childTnLst>
                               <p:par>
-                                <p:cTn id="11" presetID="1" presetClass="entr" presetSubtype="0" fill="hold" nodeType="clickEffect">
-                                  <p:stCondLst>
-                                    <p:cond delay="0"/>
-                                  </p:stCondLst>
-                                  <p:childTnLst>
-                                    <p:set>
-                                      <p:cBhvr>
-                                        <p:cTn id="12" dur="1" fill="hold">
-                                          <p:stCondLst>
-                                            <p:cond delay="0"/>
-                                          </p:stCondLst>
-                                        </p:cTn>
-                                        <p:tgtEl>
-                                          <p:spTgt spid="475139">
-                                            <p:txEl>
-                                              <p:pRg st="4" end="4"/>
-                                            </p:txEl>
-                                          </p:spTgt>
-                                        </p:tgtEl>
-                                        <p:attrNameLst>
-                                          <p:attrName>style.visibility</p:attrName>
-                                        </p:attrNameLst>
-                                      </p:cBhvr>
-                                      <p:to>
-                                        <p:strVal val="visible"/>
-                                      </p:to>
-                                    </p:set>
-                                  </p:childTnLst>
-                                </p:cTn>
-                              </p:par>
-                              <p:par>
-                                <p:cTn id="13" presetID="1" presetClass="entr" presetSubtype="0" fill="hold" nodeType="withEffect">
+                                <p:cTn id="13" presetID="1" presetClass="entr" presetSubtype="0" fill="hold" nodeType="clickEffect">
                                   <p:stCondLst>
                                     <p:cond delay="0"/>
                                   </p:stCondLst>
@@ -15840,7 +14632,7 @@
                                         <p:tgtEl>
                                           <p:spTgt spid="475139">
                                             <p:txEl>
-                                              <p:pRg st="5" end="5"/>
+                                              <p:pRg st="4" end="4"/>
                                             </p:txEl>
                                           </p:spTgt>
                                         </p:tgtEl>
@@ -15882,6 +14674,55 @@
                                     <p:set>
                                       <p:cBhvr>
                                         <p:cTn id="18" dur="1" fill="hold">
+                                          <p:stCondLst>
+                                            <p:cond delay="0"/>
+                                          </p:stCondLst>
+                                        </p:cTn>
+                                        <p:tgtEl>
+                                          <p:spTgt spid="475139">
+                                            <p:txEl>
+                                              <p:pRg st="5" end="5"/>
+                                            </p:txEl>
+                                          </p:spTgt>
+                                        </p:tgtEl>
+                                        <p:attrNameLst>
+                                          <p:attrName>style.visibility</p:attrName>
+                                        </p:attrNameLst>
+                                      </p:cBhvr>
+                                      <p:to>
+                                        <p:strVal val="visible"/>
+                                      </p:to>
+                                    </p:set>
+                                  </p:childTnLst>
+                                </p:cTn>
+                              </p:par>
+                            </p:childTnLst>
+                          </p:cTn>
+                        </p:par>
+                      </p:childTnLst>
+                    </p:cTn>
+                  </p:par>
+                  <p:par>
+                    <p:cTn id="19" fill="hold">
+                      <p:stCondLst>
+                        <p:cond delay="indefinite"/>
+                      </p:stCondLst>
+                      <p:childTnLst>
+                        <p:par>
+                          <p:cTn id="20" fill="hold">
+                            <p:stCondLst>
+                              <p:cond delay="0"/>
+                            </p:stCondLst>
+                            <p:childTnLst>
+                              <p:par>
+                                <p:cTn id="21" presetID="1" presetClass="entr" presetSubtype="0" fill="hold" nodeType="clickEffect">
+                                  <p:stCondLst>
+                                    <p:cond delay="0"/>
+                                  </p:stCondLst>
+                                  <p:childTnLst>
+                                    <p:set>
+                                      <p:cBhvr>
+                                        <p:cTn id="22" dur="1" fill="hold">
                                           <p:stCondLst>
                                             <p:cond delay="0"/>
                                           </p:stCondLst>
@@ -23292,10 +22133,10 @@
       </p:sp>
       <p:sp>
         <p:nvSpPr>
-          <p:cNvPr id="47" name="Slide Number">
+          <p:cNvPr id="2" name="Slide Number">
             <a:extLst>
               <a:ext uri="{FF2B5EF4-FFF2-40B4-BE49-F238E27FC236}">
-                <a16:creationId xmlns:a16="http://schemas.microsoft.com/office/drawing/2014/main" id="{99F8757F-4463-4A13-ABFD-C77E2A31E24E}"/>
+                <a16:creationId xmlns:a16="http://schemas.microsoft.com/office/drawing/2014/main" id="{82D34091-7E32-17E8-9F1D-E6B1FDB1F57A}"/>
               </a:ext>
             </a:extLst>
           </p:cNvPr>
@@ -23328,14 +22169,14 @@
               <a:pPr/>
               <a:t>15</a:t>
             </a:fld>
-            <a:endParaRPr lang="en-US" noProof="0"/>
+            <a:endParaRPr lang="en-US" noProof="0" dirty="0"/>
           </a:p>
         </p:txBody>
       </p:sp>
     </p:spTree>
     <p:extLst>
       <p:ext uri="{BB962C8B-B14F-4D97-AF65-F5344CB8AC3E}">
-        <p14:creationId xmlns:p14="http://schemas.microsoft.com/office/powerpoint/2010/main" val="3030929065"/>
+        <p14:creationId xmlns:p14="http://schemas.microsoft.com/office/powerpoint/2010/main" val="148828546"/>
       </p:ext>
     </p:extLst>
   </p:cSld>
@@ -23401,15 +22242,33 @@
                                   </p:childTnLst>
                                 </p:cTn>
                               </p:par>
+                            </p:childTnLst>
+                          </p:cTn>
+                        </p:par>
+                      </p:childTnLst>
+                    </p:cTn>
+                  </p:par>
+                  <p:par>
+                    <p:cTn id="7" fill="hold">
+                      <p:stCondLst>
+                        <p:cond delay="indefinite"/>
+                      </p:stCondLst>
+                      <p:childTnLst>
+                        <p:par>
+                          <p:cTn id="8" fill="hold">
+                            <p:stCondLst>
+                              <p:cond delay="0"/>
+                            </p:stCondLst>
+                            <p:childTnLst>
                               <p:par>
-                                <p:cTn id="7" presetID="1" presetClass="entr" presetSubtype="0" fill="hold" nodeType="withEffect">
+                                <p:cTn id="9" presetID="1" presetClass="entr" presetSubtype="0" fill="hold" nodeType="clickEffect">
                                   <p:stCondLst>
                                     <p:cond delay="0"/>
                                   </p:stCondLst>
                                   <p:childTnLst>
                                     <p:set>
                                       <p:cBhvr>
-                                        <p:cTn id="8" dur="1" fill="hold">
+                                        <p:cTn id="10" dur="1" fill="hold">
                                           <p:stCondLst>
                                             <p:cond delay="0"/>
                                           </p:stCondLst>
@@ -23433,14 +22292,14 @@
                                 </p:cTn>
                               </p:par>
                               <p:par>
-                                <p:cTn id="9" presetID="1" presetClass="entr" presetSubtype="0" fill="hold" grpId="0" nodeType="withEffect">
+                                <p:cTn id="11" presetID="1" presetClass="entr" presetSubtype="0" fill="hold" grpId="0" nodeType="withEffect">
                                   <p:stCondLst>
                                     <p:cond delay="0"/>
                                   </p:stCondLst>
                                   <p:childTnLst>
                                     <p:set>
                                       <p:cBhvr>
-                                        <p:cTn id="10" dur="1" fill="hold">
+                                        <p:cTn id="12" dur="1" fill="hold">
                                           <p:stCondLst>
                                             <p:cond delay="0"/>
                                           </p:stCondLst>
@@ -23466,26 +22325,26 @@
                     </p:cTn>
                   </p:par>
                   <p:par>
-                    <p:cTn id="11" fill="hold">
+                    <p:cTn id="13" fill="hold">
                       <p:stCondLst>
                         <p:cond delay="indefinite"/>
                       </p:stCondLst>
                       <p:childTnLst>
                         <p:par>
-                          <p:cTn id="12" fill="hold">
+                          <p:cTn id="14" fill="hold">
                             <p:stCondLst>
                               <p:cond delay="0"/>
                             </p:stCondLst>
                             <p:childTnLst>
                               <p:par>
-                                <p:cTn id="13" presetID="1" presetClass="entr" presetSubtype="0" fill="hold" nodeType="clickEffect">
+                                <p:cTn id="15" presetID="1" presetClass="entr" presetSubtype="0" fill="hold" nodeType="clickEffect">
                                   <p:stCondLst>
                                     <p:cond delay="0"/>
                                   </p:stCondLst>
                                   <p:childTnLst>
                                     <p:set>
                                       <p:cBhvr>
-                                        <p:cTn id="14" dur="1" fill="hold">
+                                        <p:cTn id="16" dur="1" fill="hold">
                                           <p:stCondLst>
                                             <p:cond delay="0"/>
                                           </p:stCondLst>
@@ -23508,15 +22367,33 @@
                                   </p:childTnLst>
                                 </p:cTn>
                               </p:par>
+                            </p:childTnLst>
+                          </p:cTn>
+                        </p:par>
+                      </p:childTnLst>
+                    </p:cTn>
+                  </p:par>
+                  <p:par>
+                    <p:cTn id="17" fill="hold">
+                      <p:stCondLst>
+                        <p:cond delay="indefinite"/>
+                      </p:stCondLst>
+                      <p:childTnLst>
+                        <p:par>
+                          <p:cTn id="18" fill="hold">
+                            <p:stCondLst>
+                              <p:cond delay="0"/>
+                            </p:stCondLst>
+                            <p:childTnLst>
                               <p:par>
-                                <p:cTn id="15" presetID="1" presetClass="entr" presetSubtype="0" fill="hold" nodeType="withEffect">
+                                <p:cTn id="19" presetID="1" presetClass="entr" presetSubtype="0" fill="hold" nodeType="clickEffect">
                                   <p:stCondLst>
                                     <p:cond delay="0"/>
                                   </p:stCondLst>
                                   <p:childTnLst>
                                     <p:set>
                                       <p:cBhvr>
-                                        <p:cTn id="16" dur="1" fill="hold">
+                                        <p:cTn id="20" dur="1" fill="hold">
                                           <p:stCondLst>
                                             <p:cond delay="0"/>
                                           </p:stCondLst>
@@ -23540,14 +22417,14 @@
                                 </p:cTn>
                               </p:par>
                               <p:par>
-                                <p:cTn id="17" presetID="1" presetClass="entr" presetSubtype="0" fill="hold" grpId="0" nodeType="withEffect">
+                                <p:cTn id="21" presetID="1" presetClass="entr" presetSubtype="0" fill="hold" grpId="0" nodeType="withEffect">
                                   <p:stCondLst>
                                     <p:cond delay="0"/>
                                   </p:stCondLst>
                                   <p:childTnLst>
                                     <p:set>
                                       <p:cBhvr>
-                                        <p:cTn id="18" dur="1" fill="hold">
+                                        <p:cTn id="22" dur="1" fill="hold">
                                           <p:stCondLst>
                                             <p:cond delay="0"/>
                                           </p:stCondLst>
@@ -24035,10 +22912,10 @@
       </p:sp>
       <p:sp>
         <p:nvSpPr>
-          <p:cNvPr id="10" name="Slide Number">
+          <p:cNvPr id="2" name="Slide Number">
             <a:extLst>
               <a:ext uri="{FF2B5EF4-FFF2-40B4-BE49-F238E27FC236}">
-                <a16:creationId xmlns:a16="http://schemas.microsoft.com/office/drawing/2014/main" id="{AD5731EC-9025-488F-8B36-F54D615765A4}"/>
+                <a16:creationId xmlns:a16="http://schemas.microsoft.com/office/drawing/2014/main" id="{FCE9C6AD-BDEA-9AE7-70E5-2F77F86232BF}"/>
               </a:ext>
             </a:extLst>
           </p:cNvPr>
@@ -24071,14 +22948,14 @@
               <a:pPr/>
               <a:t>16</a:t>
             </a:fld>
-            <a:endParaRPr lang="en-US" noProof="0"/>
+            <a:endParaRPr lang="en-US" noProof="0" dirty="0"/>
           </a:p>
         </p:txBody>
       </p:sp>
     </p:spTree>
     <p:extLst>
       <p:ext uri="{BB962C8B-B14F-4D97-AF65-F5344CB8AC3E}">
-        <p14:creationId xmlns:p14="http://schemas.microsoft.com/office/powerpoint/2010/main" val="2287823387"/>
+        <p14:creationId xmlns:p14="http://schemas.microsoft.com/office/powerpoint/2010/main" val="3744760109"/>
       </p:ext>
     </p:extLst>
   </p:cSld>
@@ -24241,48 +23118,6 @@
           </a:p>
         </p:txBody>
       </p:sp>
-      <p:sp>
-        <p:nvSpPr>
-          <p:cNvPr id="6" name="Slide Number">
-            <a:extLst>
-              <a:ext uri="{FF2B5EF4-FFF2-40B4-BE49-F238E27FC236}">
-                <a16:creationId xmlns:a16="http://schemas.microsoft.com/office/drawing/2014/main" id="{17F9C92E-6F78-4B81-B3C0-E97A81920DAE}"/>
-              </a:ext>
-            </a:extLst>
-          </p:cNvPr>
-          <p:cNvSpPr>
-            <a:spLocks noGrp="1"/>
-          </p:cNvSpPr>
-          <p:nvPr>
-            <p:ph type="sldNum" sz="quarter" idx="5"/>
-          </p:nvPr>
-        </p:nvSpPr>
-        <p:spPr>
-          <a:xfrm>
-            <a:off x="11753030" y="6507000"/>
-            <a:ext cx="367414" cy="297000"/>
-          </a:xfrm>
-          <a:prstGeom prst="rect">
-            <a:avLst/>
-          </a:prstGeom>
-        </p:spPr>
-        <p:txBody>
-          <a:bodyPr vert="horz" lIns="91440" tIns="45720" rIns="91440" bIns="45720" rtlCol="0" anchor="b"/>
-          <a:lstStyle>
-            <a:lvl1pPr algn="r">
-              <a:defRPr sz="1000"/>
-            </a:lvl1pPr>
-          </a:lstStyle>
-          <a:p>
-            <a:fld id="{2BF067CD-8E6B-4360-9AA8-C5DF2A48A6D1}" type="slidenum">
-              <a:rPr lang="en-US" noProof="0" smtClean="0"/>
-              <a:pPr/>
-              <a:t>17</a:t>
-            </a:fld>
-            <a:endParaRPr lang="en-US" noProof="0"/>
-          </a:p>
-        </p:txBody>
-      </p:sp>
       <p:pic>
         <p:nvPicPr>
           <p:cNvPr id="2" name="Picture 2" descr="Big-O Notation | Algorithms | DroidTechKnow">
@@ -24337,10 +23172,52 @@
           </a:extLst>
         </p:spPr>
       </p:pic>
+      <p:sp>
+        <p:nvSpPr>
+          <p:cNvPr id="3" name="Slide Number">
+            <a:extLst>
+              <a:ext uri="{FF2B5EF4-FFF2-40B4-BE49-F238E27FC236}">
+                <a16:creationId xmlns:a16="http://schemas.microsoft.com/office/drawing/2014/main" id="{6F11388F-7FB0-E641-50F7-3DBEC46151C5}"/>
+              </a:ext>
+            </a:extLst>
+          </p:cNvPr>
+          <p:cNvSpPr>
+            <a:spLocks noGrp="1"/>
+          </p:cNvSpPr>
+          <p:nvPr>
+            <p:ph type="sldNum" sz="quarter" idx="5"/>
+          </p:nvPr>
+        </p:nvSpPr>
+        <p:spPr>
+          <a:xfrm>
+            <a:off x="11753030" y="6507000"/>
+            <a:ext cx="367414" cy="297000"/>
+          </a:xfrm>
+          <a:prstGeom prst="rect">
+            <a:avLst/>
+          </a:prstGeom>
+        </p:spPr>
+        <p:txBody>
+          <a:bodyPr vert="horz" lIns="91440" tIns="45720" rIns="91440" bIns="45720" rtlCol="0" anchor="b"/>
+          <a:lstStyle>
+            <a:lvl1pPr algn="r">
+              <a:defRPr sz="1000"/>
+            </a:lvl1pPr>
+          </a:lstStyle>
+          <a:p>
+            <a:fld id="{2BF067CD-8E6B-4360-9AA8-C5DF2A48A6D1}" type="slidenum">
+              <a:rPr lang="en-US" noProof="0" smtClean="0"/>
+              <a:pPr/>
+              <a:t>17</a:t>
+            </a:fld>
+            <a:endParaRPr lang="en-US" noProof="0" dirty="0"/>
+          </a:p>
+        </p:txBody>
+      </p:sp>
     </p:spTree>
     <p:extLst>
       <p:ext uri="{BB962C8B-B14F-4D97-AF65-F5344CB8AC3E}">
-        <p14:creationId xmlns:p14="http://schemas.microsoft.com/office/powerpoint/2010/main" val="2548295609"/>
+        <p14:creationId xmlns:p14="http://schemas.microsoft.com/office/powerpoint/2010/main" val="3101696867"/>
       </p:ext>
     </p:extLst>
   </p:cSld>
@@ -25849,10 +24726,10 @@
       </p:graphicFrame>
       <p:sp>
         <p:nvSpPr>
-          <p:cNvPr id="6" name="Slide Number">
+          <p:cNvPr id="3" name="Slide Number">
             <a:extLst>
               <a:ext uri="{FF2B5EF4-FFF2-40B4-BE49-F238E27FC236}">
-                <a16:creationId xmlns:a16="http://schemas.microsoft.com/office/drawing/2014/main" id="{9653FC61-6B38-4341-838F-BF19E0AC8781}"/>
+                <a16:creationId xmlns:a16="http://schemas.microsoft.com/office/drawing/2014/main" id="{47E24101-3264-BD57-E490-83BB1599F2F5}"/>
               </a:ext>
             </a:extLst>
           </p:cNvPr>
@@ -25885,14 +24762,14 @@
               <a:pPr/>
               <a:t>18</a:t>
             </a:fld>
-            <a:endParaRPr lang="en-US" noProof="0"/>
+            <a:endParaRPr lang="en-US" noProof="0" dirty="0"/>
           </a:p>
         </p:txBody>
       </p:sp>
     </p:spTree>
     <p:extLst>
       <p:ext uri="{BB962C8B-B14F-4D97-AF65-F5344CB8AC3E}">
-        <p14:creationId xmlns:p14="http://schemas.microsoft.com/office/powerpoint/2010/main" val="3578903545"/>
+        <p14:creationId xmlns:p14="http://schemas.microsoft.com/office/powerpoint/2010/main" val="19367181"/>
       </p:ext>
     </p:extLst>
   </p:cSld>
@@ -27598,10 +26475,10 @@
       </p:graphicFrame>
       <p:sp>
         <p:nvSpPr>
-          <p:cNvPr id="6" name="Slide Number">
+          <p:cNvPr id="3" name="Slide Number">
             <a:extLst>
               <a:ext uri="{FF2B5EF4-FFF2-40B4-BE49-F238E27FC236}">
-                <a16:creationId xmlns:a16="http://schemas.microsoft.com/office/drawing/2014/main" id="{049E8104-CD20-42FE-B3CA-43DFC526BD74}"/>
+                <a16:creationId xmlns:a16="http://schemas.microsoft.com/office/drawing/2014/main" id="{F15410C6-9367-B61C-61BC-5F3910562259}"/>
               </a:ext>
             </a:extLst>
           </p:cNvPr>
@@ -27634,14 +26511,14 @@
               <a:pPr/>
               <a:t>19</a:t>
             </a:fld>
-            <a:endParaRPr lang="en-US" noProof="0"/>
+            <a:endParaRPr lang="en-US" noProof="0" dirty="0"/>
           </a:p>
         </p:txBody>
       </p:sp>
     </p:spTree>
     <p:extLst>
       <p:ext uri="{BB962C8B-B14F-4D97-AF65-F5344CB8AC3E}">
-        <p14:creationId xmlns:p14="http://schemas.microsoft.com/office/powerpoint/2010/main" val="2329899704"/>
+        <p14:creationId xmlns:p14="http://schemas.microsoft.com/office/powerpoint/2010/main" val="2167131842"/>
       </p:ext>
     </p:extLst>
   </p:cSld>
@@ -27869,10 +26746,10 @@
       </p:sp>
       <p:sp>
         <p:nvSpPr>
-          <p:cNvPr id="5" name="Slide Number">
+          <p:cNvPr id="2" name="Slide Number">
             <a:extLst>
               <a:ext uri="{FF2B5EF4-FFF2-40B4-BE49-F238E27FC236}">
-                <a16:creationId xmlns:a16="http://schemas.microsoft.com/office/drawing/2014/main" id="{E16F1662-C8EA-4C6B-AD2B-731C9C9A137C}"/>
+                <a16:creationId xmlns:a16="http://schemas.microsoft.com/office/drawing/2014/main" id="{0D3E85E6-7DAB-F5F3-26AE-BB3B8B0CA63C}"/>
               </a:ext>
             </a:extLst>
           </p:cNvPr>
@@ -27993,14 +26870,14 @@
               <a:pPr/>
               <a:t>2</a:t>
             </a:fld>
-            <a:endParaRPr lang="en-US"/>
+            <a:endParaRPr lang="en-US" dirty="0"/>
           </a:p>
         </p:txBody>
       </p:sp>
     </p:spTree>
     <p:extLst>
       <p:ext uri="{BB962C8B-B14F-4D97-AF65-F5344CB8AC3E}">
-        <p14:creationId xmlns:p14="http://schemas.microsoft.com/office/powerpoint/2010/main" val="3039876610"/>
+        <p14:creationId xmlns:p14="http://schemas.microsoft.com/office/powerpoint/2010/main" val="1844265218"/>
       </p:ext>
     </p:extLst>
   </p:cSld>
@@ -28118,15 +26995,33 @@
                                   </p:childTnLst>
                                 </p:cTn>
                               </p:par>
+                            </p:childTnLst>
+                          </p:cTn>
+                        </p:par>
+                      </p:childTnLst>
+                    </p:cTn>
+                  </p:par>
+                  <p:par>
+                    <p:cTn id="11" fill="hold">
+                      <p:stCondLst>
+                        <p:cond delay="indefinite"/>
+                      </p:stCondLst>
+                      <p:childTnLst>
+                        <p:par>
+                          <p:cTn id="12" fill="hold">
+                            <p:stCondLst>
+                              <p:cond delay="0"/>
+                            </p:stCondLst>
+                            <p:childTnLst>
                               <p:par>
-                                <p:cTn id="11" presetID="1" presetClass="entr" presetSubtype="0" fill="hold" grpId="0" nodeType="withEffect">
+                                <p:cTn id="13" presetID="1" presetClass="entr" presetSubtype="0" fill="hold" grpId="0" nodeType="clickEffect">
                                   <p:stCondLst>
                                     <p:cond delay="0"/>
                                   </p:stCondLst>
                                   <p:childTnLst>
                                     <p:set>
                                       <p:cBhvr>
-                                        <p:cTn id="12" dur="1" fill="hold">
+                                        <p:cTn id="14" dur="1" fill="hold">
                                           <p:stCondLst>
                                             <p:cond delay="0"/>
                                           </p:stCondLst>
@@ -28156,26 +27051,26 @@
                     </p:cTn>
                   </p:par>
                   <p:par>
-                    <p:cTn id="13" fill="hold">
+                    <p:cTn id="15" fill="hold">
                       <p:stCondLst>
                         <p:cond delay="indefinite"/>
                       </p:stCondLst>
                       <p:childTnLst>
                         <p:par>
-                          <p:cTn id="14" fill="hold">
+                          <p:cTn id="16" fill="hold">
                             <p:stCondLst>
                               <p:cond delay="0"/>
                             </p:stCondLst>
                             <p:childTnLst>
                               <p:par>
-                                <p:cTn id="15" presetID="1" presetClass="entr" presetSubtype="0" fill="hold" grpId="0" nodeType="clickEffect">
+                                <p:cTn id="17" presetID="1" presetClass="entr" presetSubtype="0" fill="hold" grpId="0" nodeType="clickEffect">
                                   <p:stCondLst>
                                     <p:cond delay="0"/>
                                   </p:stCondLst>
                                   <p:childTnLst>
                                     <p:set>
                                       <p:cBhvr>
-                                        <p:cTn id="16" dur="1" fill="hold">
+                                        <p:cTn id="18" dur="1" fill="hold">
                                           <p:stCondLst>
                                             <p:cond delay="0"/>
                                           </p:stCondLst>
@@ -28205,26 +27100,26 @@
                     </p:cTn>
                   </p:par>
                   <p:par>
-                    <p:cTn id="17" fill="hold">
+                    <p:cTn id="19" fill="hold">
                       <p:stCondLst>
                         <p:cond delay="indefinite"/>
                       </p:stCondLst>
                       <p:childTnLst>
                         <p:par>
-                          <p:cTn id="18" fill="hold">
+                          <p:cTn id="20" fill="hold">
                             <p:stCondLst>
                               <p:cond delay="0"/>
                             </p:stCondLst>
                             <p:childTnLst>
                               <p:par>
-                                <p:cTn id="19" presetID="1" presetClass="entr" presetSubtype="0" fill="hold" grpId="0" nodeType="clickEffect">
+                                <p:cTn id="21" presetID="1" presetClass="entr" presetSubtype="0" fill="hold" grpId="0" nodeType="clickEffect">
                                   <p:stCondLst>
                                     <p:cond delay="0"/>
                                   </p:stCondLst>
                                   <p:childTnLst>
                                     <p:set>
                                       <p:cBhvr>
-                                        <p:cTn id="20" dur="1" fill="hold">
+                                        <p:cTn id="22" dur="1" fill="hold">
                                           <p:stCondLst>
                                             <p:cond delay="0"/>
                                           </p:stCondLst>
@@ -28254,26 +27149,26 @@
                     </p:cTn>
                   </p:par>
                   <p:par>
-                    <p:cTn id="21" fill="hold">
+                    <p:cTn id="23" fill="hold">
                       <p:stCondLst>
                         <p:cond delay="indefinite"/>
                       </p:stCondLst>
                       <p:childTnLst>
                         <p:par>
-                          <p:cTn id="22" fill="hold">
+                          <p:cTn id="24" fill="hold">
                             <p:stCondLst>
                               <p:cond delay="0"/>
                             </p:stCondLst>
                             <p:childTnLst>
                               <p:par>
-                                <p:cTn id="23" presetID="1" presetClass="entr" presetSubtype="0" fill="hold" grpId="0" nodeType="clickEffect">
+                                <p:cTn id="25" presetID="1" presetClass="entr" presetSubtype="0" fill="hold" grpId="0" nodeType="clickEffect">
                                   <p:stCondLst>
                                     <p:cond delay="0"/>
                                   </p:stCondLst>
                                   <p:childTnLst>
                                     <p:set>
                                       <p:cBhvr>
-                                        <p:cTn id="24" dur="1" fill="hold">
+                                        <p:cTn id="26" dur="1" fill="hold">
                                           <p:stCondLst>
                                             <p:cond delay="0"/>
                                           </p:stCondLst>
@@ -28405,10 +27300,10 @@
       </p:pic>
       <p:sp>
         <p:nvSpPr>
-          <p:cNvPr id="7" name="Slide Number">
+          <p:cNvPr id="2" name="Slide Number">
             <a:extLst>
               <a:ext uri="{FF2B5EF4-FFF2-40B4-BE49-F238E27FC236}">
-                <a16:creationId xmlns:a16="http://schemas.microsoft.com/office/drawing/2014/main" id="{71D80AEA-3F93-43EB-B094-878E961B1CB5}"/>
+                <a16:creationId xmlns:a16="http://schemas.microsoft.com/office/drawing/2014/main" id="{400A8FDB-04F0-B27A-2777-931D2C1A022E}"/>
               </a:ext>
             </a:extLst>
           </p:cNvPr>
@@ -28441,14 +27336,14 @@
               <a:pPr/>
               <a:t>20</a:t>
             </a:fld>
-            <a:endParaRPr lang="en-US" noProof="0"/>
+            <a:endParaRPr lang="en-US" noProof="0" dirty="0"/>
           </a:p>
         </p:txBody>
       </p:sp>
     </p:spTree>
     <p:extLst>
       <p:ext uri="{BB962C8B-B14F-4D97-AF65-F5344CB8AC3E}">
-        <p14:creationId xmlns:p14="http://schemas.microsoft.com/office/powerpoint/2010/main" val="299497264"/>
+        <p14:creationId xmlns:p14="http://schemas.microsoft.com/office/powerpoint/2010/main" val="1805863270"/>
       </p:ext>
     </p:extLst>
   </p:cSld>
@@ -34979,10 +33874,10 @@
       </p:graphicFrame>
       <p:sp>
         <p:nvSpPr>
-          <p:cNvPr id="6" name="Slide Number">
+          <p:cNvPr id="3" name="Slide Number">
             <a:extLst>
               <a:ext uri="{FF2B5EF4-FFF2-40B4-BE49-F238E27FC236}">
-                <a16:creationId xmlns:a16="http://schemas.microsoft.com/office/drawing/2014/main" id="{6CBE70E3-FA4E-45FD-8EAA-7923315BEA83}"/>
+                <a16:creationId xmlns:a16="http://schemas.microsoft.com/office/drawing/2014/main" id="{E83A34CD-8E4F-22C7-58B6-2D682CF88CA7}"/>
               </a:ext>
             </a:extLst>
           </p:cNvPr>
@@ -35015,14 +33910,14 @@
               <a:pPr/>
               <a:t>21</a:t>
             </a:fld>
-            <a:endParaRPr lang="en-US" noProof="0"/>
+            <a:endParaRPr lang="en-US" noProof="0" dirty="0"/>
           </a:p>
         </p:txBody>
       </p:sp>
     </p:spTree>
     <p:extLst>
       <p:ext uri="{BB962C8B-B14F-4D97-AF65-F5344CB8AC3E}">
-        <p14:creationId xmlns:p14="http://schemas.microsoft.com/office/powerpoint/2010/main" val="1149094514"/>
+        <p14:creationId xmlns:p14="http://schemas.microsoft.com/office/powerpoint/2010/main" val="3626329517"/>
       </p:ext>
     </p:extLst>
   </p:cSld>
@@ -35348,73 +34243,6 @@
           </a:p>
         </p:txBody>
       </p:sp>
-      <p:sp>
-        <p:nvSpPr>
-          <p:cNvPr id="4" name="Subtitle 3">
-            <a:extLst>
-              <a:ext uri="{FF2B5EF4-FFF2-40B4-BE49-F238E27FC236}">
-                <a16:creationId xmlns:a16="http://schemas.microsoft.com/office/drawing/2014/main" id="{C19F598D-965E-D57A-9323-A6397D77418A}"/>
-              </a:ext>
-            </a:extLst>
-          </p:cNvPr>
-          <p:cNvSpPr>
-            <a:spLocks noGrp="1"/>
-          </p:cNvSpPr>
-          <p:nvPr>
-            <p:ph type="subTitle" sz="quarter" idx="11"/>
-          </p:nvPr>
-        </p:nvSpPr>
-        <p:spPr>
-          <a:xfrm>
-            <a:off x="615109" y="5682736"/>
-            <a:ext cx="10961783" cy="768084"/>
-          </a:xfrm>
-        </p:spPr>
-        <p:txBody>
-          <a:bodyPr/>
-          <a:lstStyle/>
-          <a:p>
-            <a:r>
-              <a:rPr lang="bg-BG" dirty="0"/>
-              <a:t>Примери</a:t>
-            </a:r>
-          </a:p>
-        </p:txBody>
-      </p:sp>
-      <p:sp>
-        <p:nvSpPr>
-          <p:cNvPr id="15" name="Заглавие 14">
-            <a:extLst>
-              <a:ext uri="{FF2B5EF4-FFF2-40B4-BE49-F238E27FC236}">
-                <a16:creationId xmlns:a16="http://schemas.microsoft.com/office/drawing/2014/main" id="{BA147575-C6C6-4E10-BBCF-4B8585549562}"/>
-              </a:ext>
-            </a:extLst>
-          </p:cNvPr>
-          <p:cNvSpPr>
-            <a:spLocks noGrp="1"/>
-          </p:cNvSpPr>
-          <p:nvPr>
-            <p:ph type="title" sz="quarter" idx="10"/>
-          </p:nvPr>
-        </p:nvSpPr>
-        <p:spPr>
-          <a:xfrm>
-            <a:off x="408448" y="4894157"/>
-            <a:ext cx="11375104" cy="768350"/>
-          </a:xfrm>
-        </p:spPr>
-        <p:txBody>
-          <a:bodyPr/>
-          <a:lstStyle/>
-          <a:p>
-            <a:r>
-              <a:rPr lang="bg-BG" sz="5400" dirty="0"/>
-              <a:t>Анализ на сложността на алгоритми</a:t>
-            </a:r>
-            <a:endParaRPr lang="en-US" dirty="0"/>
-          </a:p>
-        </p:txBody>
-      </p:sp>
       <p:pic>
         <p:nvPicPr>
           <p:cNvPr id="3" name="Picture 2">
@@ -35445,10 +34273,67 @@
           </a:prstGeom>
         </p:spPr>
       </p:pic>
+      <p:sp>
+        <p:nvSpPr>
+          <p:cNvPr id="5" name="Подзаглавие 4">
+            <a:extLst>
+              <a:ext uri="{FF2B5EF4-FFF2-40B4-BE49-F238E27FC236}">
+                <a16:creationId xmlns:a16="http://schemas.microsoft.com/office/drawing/2014/main" id="{E33DFE73-4191-05B0-0674-1960592A19A3}"/>
+              </a:ext>
+            </a:extLst>
+          </p:cNvPr>
+          <p:cNvSpPr>
+            <a:spLocks noGrp="1"/>
+          </p:cNvSpPr>
+          <p:nvPr>
+            <p:ph type="subTitle" sz="quarter" idx="11"/>
+          </p:nvPr>
+        </p:nvSpPr>
+        <p:spPr/>
+        <p:txBody>
+          <a:bodyPr/>
+          <a:lstStyle/>
+          <a:p>
+            <a:r>
+              <a:rPr lang="ru-RU"/>
+              <a:t>Анализ на сложността на алгоритми</a:t>
+            </a:r>
+            <a:endParaRPr lang="bg-BG"/>
+          </a:p>
+        </p:txBody>
+      </p:sp>
+      <p:sp>
+        <p:nvSpPr>
+          <p:cNvPr id="13" name="Заглавие 12">
+            <a:extLst>
+              <a:ext uri="{FF2B5EF4-FFF2-40B4-BE49-F238E27FC236}">
+                <a16:creationId xmlns:a16="http://schemas.microsoft.com/office/drawing/2014/main" id="{B8AD946E-DBBF-D441-C481-827F8B6A053F}"/>
+              </a:ext>
+            </a:extLst>
+          </p:cNvPr>
+          <p:cNvSpPr>
+            <a:spLocks noGrp="1"/>
+          </p:cNvSpPr>
+          <p:nvPr>
+            <p:ph type="title" sz="quarter" idx="10"/>
+          </p:nvPr>
+        </p:nvSpPr>
+        <p:spPr/>
+        <p:txBody>
+          <a:bodyPr/>
+          <a:lstStyle/>
+          <a:p>
+            <a:r>
+              <a:rPr lang="bg-BG"/>
+              <a:t>Примери</a:t>
+            </a:r>
+          </a:p>
+        </p:txBody>
+      </p:sp>
     </p:spTree>
     <p:extLst>
       <p:ext uri="{BB962C8B-B14F-4D97-AF65-F5344CB8AC3E}">
-        <p14:creationId xmlns:p14="http://schemas.microsoft.com/office/powerpoint/2010/main" val="3489003017"/>
+        <p14:creationId xmlns:p14="http://schemas.microsoft.com/office/powerpoint/2010/main" val="2025339627"/>
       </p:ext>
     </p:extLst>
   </p:cSld>
@@ -35903,10 +34788,10 @@
       </p:sp>
       <p:sp>
         <p:nvSpPr>
-          <p:cNvPr id="6" name="Slide Number">
+          <p:cNvPr id="2" name="Slide Number">
             <a:extLst>
               <a:ext uri="{FF2B5EF4-FFF2-40B4-BE49-F238E27FC236}">
-                <a16:creationId xmlns:a16="http://schemas.microsoft.com/office/drawing/2014/main" id="{E8CC3457-1FCC-4478-8EE3-486A458B19CC}"/>
+                <a16:creationId xmlns:a16="http://schemas.microsoft.com/office/drawing/2014/main" id="{3044B814-08EF-A9BA-C75B-2FF14A945679}"/>
               </a:ext>
             </a:extLst>
           </p:cNvPr>
@@ -35939,14 +34824,14 @@
               <a:pPr/>
               <a:t>23</a:t>
             </a:fld>
-            <a:endParaRPr lang="en-US" noProof="0"/>
+            <a:endParaRPr lang="en-US" noProof="0" dirty="0"/>
           </a:p>
         </p:txBody>
       </p:sp>
     </p:spTree>
     <p:extLst>
       <p:ext uri="{BB962C8B-B14F-4D97-AF65-F5344CB8AC3E}">
-        <p14:creationId xmlns:p14="http://schemas.microsoft.com/office/powerpoint/2010/main" val="2643031763"/>
+        <p14:creationId xmlns:p14="http://schemas.microsoft.com/office/powerpoint/2010/main" val="1183489777"/>
       </p:ext>
     </p:extLst>
   </p:cSld>
@@ -36614,10 +35499,10 @@
       </p:sp>
       <p:sp>
         <p:nvSpPr>
-          <p:cNvPr id="6" name="Slide Number">
+          <p:cNvPr id="2" name="Slide Number">
             <a:extLst>
               <a:ext uri="{FF2B5EF4-FFF2-40B4-BE49-F238E27FC236}">
-                <a16:creationId xmlns:a16="http://schemas.microsoft.com/office/drawing/2014/main" id="{EA1DE03E-9DBB-4D07-9D95-2E64562C8207}"/>
+                <a16:creationId xmlns:a16="http://schemas.microsoft.com/office/drawing/2014/main" id="{677E5BED-E8A0-111E-3337-67E6EB518A4E}"/>
               </a:ext>
             </a:extLst>
           </p:cNvPr>
@@ -36650,14 +35535,14 @@
               <a:pPr/>
               <a:t>24</a:t>
             </a:fld>
-            <a:endParaRPr lang="en-US" noProof="0"/>
+            <a:endParaRPr lang="en-US" noProof="0" dirty="0"/>
           </a:p>
         </p:txBody>
       </p:sp>
     </p:spTree>
     <p:extLst>
       <p:ext uri="{BB962C8B-B14F-4D97-AF65-F5344CB8AC3E}">
-        <p14:creationId xmlns:p14="http://schemas.microsoft.com/office/powerpoint/2010/main" val="3293333216"/>
+        <p14:creationId xmlns:p14="http://schemas.microsoft.com/office/powerpoint/2010/main" val="2076908208"/>
       </p:ext>
     </p:extLst>
   </p:cSld>
@@ -37232,10 +36117,10 @@
       </p:sp>
       <p:sp>
         <p:nvSpPr>
-          <p:cNvPr id="6" name="Slide Number">
+          <p:cNvPr id="2" name="Slide Number">
             <a:extLst>
               <a:ext uri="{FF2B5EF4-FFF2-40B4-BE49-F238E27FC236}">
-                <a16:creationId xmlns:a16="http://schemas.microsoft.com/office/drawing/2014/main" id="{EEE1112B-99FC-40EB-BF86-0D354272C330}"/>
+                <a16:creationId xmlns:a16="http://schemas.microsoft.com/office/drawing/2014/main" id="{82E4CC69-C057-F330-637C-A43F8315BA42}"/>
               </a:ext>
             </a:extLst>
           </p:cNvPr>
@@ -37268,14 +36153,14 @@
               <a:pPr/>
               <a:t>25</a:t>
             </a:fld>
-            <a:endParaRPr lang="en-US" noProof="0"/>
+            <a:endParaRPr lang="en-US" noProof="0" dirty="0"/>
           </a:p>
         </p:txBody>
       </p:sp>
     </p:spTree>
     <p:extLst>
       <p:ext uri="{BB962C8B-B14F-4D97-AF65-F5344CB8AC3E}">
-        <p14:creationId xmlns:p14="http://schemas.microsoft.com/office/powerpoint/2010/main" val="927490147"/>
+        <p14:creationId xmlns:p14="http://schemas.microsoft.com/office/powerpoint/2010/main" val="1531094705"/>
       </p:ext>
     </p:extLst>
   </p:cSld>
@@ -37850,10 +36735,10 @@
       </p:sp>
       <p:sp>
         <p:nvSpPr>
-          <p:cNvPr id="6" name="Slide Number">
+          <p:cNvPr id="2" name="Slide Number">
             <a:extLst>
               <a:ext uri="{FF2B5EF4-FFF2-40B4-BE49-F238E27FC236}">
-                <a16:creationId xmlns:a16="http://schemas.microsoft.com/office/drawing/2014/main" id="{3E462C95-D2E2-4120-97BB-2ACA904F9980}"/>
+                <a16:creationId xmlns:a16="http://schemas.microsoft.com/office/drawing/2014/main" id="{A2AAA7A9-FF1F-28BC-4878-5F67714D691C}"/>
               </a:ext>
             </a:extLst>
           </p:cNvPr>
@@ -37886,14 +36771,14 @@
               <a:pPr/>
               <a:t>26</a:t>
             </a:fld>
-            <a:endParaRPr lang="en-US" noProof="0"/>
+            <a:endParaRPr lang="en-US" noProof="0" dirty="0"/>
           </a:p>
         </p:txBody>
       </p:sp>
     </p:spTree>
     <p:extLst>
       <p:ext uri="{BB962C8B-B14F-4D97-AF65-F5344CB8AC3E}">
-        <p14:creationId xmlns:p14="http://schemas.microsoft.com/office/powerpoint/2010/main" val="1324063660"/>
+        <p14:creationId xmlns:p14="http://schemas.microsoft.com/office/powerpoint/2010/main" val="3890008471"/>
       </p:ext>
     </p:extLst>
   </p:cSld>
@@ -39096,10 +37981,10 @@
       </p:sp>
       <p:sp>
         <p:nvSpPr>
-          <p:cNvPr id="13" name="Slide Number">
+          <p:cNvPr id="2" name="Slide Number">
             <a:extLst>
               <a:ext uri="{FF2B5EF4-FFF2-40B4-BE49-F238E27FC236}">
-                <a16:creationId xmlns:a16="http://schemas.microsoft.com/office/drawing/2014/main" id="{3BB0EFF1-7144-4621-9E8D-0E555BB235E5}"/>
+                <a16:creationId xmlns:a16="http://schemas.microsoft.com/office/drawing/2014/main" id="{DAD5FFB3-48A1-377C-5253-E35E59EEA217}"/>
               </a:ext>
             </a:extLst>
           </p:cNvPr>
@@ -39132,14 +38017,14 @@
               <a:pPr/>
               <a:t>27</a:t>
             </a:fld>
-            <a:endParaRPr lang="en-US" noProof="0"/>
+            <a:endParaRPr lang="en-US" noProof="0" dirty="0"/>
           </a:p>
         </p:txBody>
       </p:sp>
     </p:spTree>
     <p:extLst>
       <p:ext uri="{BB962C8B-B14F-4D97-AF65-F5344CB8AC3E}">
-        <p14:creationId xmlns:p14="http://schemas.microsoft.com/office/powerpoint/2010/main" val="100472635"/>
+        <p14:creationId xmlns:p14="http://schemas.microsoft.com/office/powerpoint/2010/main" val="262732340"/>
       </p:ext>
     </p:extLst>
   </p:cSld>
@@ -39205,15 +38090,33 @@
                                   </p:childTnLst>
                                 </p:cTn>
                               </p:par>
+                            </p:childTnLst>
+                          </p:cTn>
+                        </p:par>
+                      </p:childTnLst>
+                    </p:cTn>
+                  </p:par>
+                  <p:par>
+                    <p:cTn id="7" fill="hold">
+                      <p:stCondLst>
+                        <p:cond delay="indefinite"/>
+                      </p:stCondLst>
+                      <p:childTnLst>
+                        <p:par>
+                          <p:cTn id="8" fill="hold">
+                            <p:stCondLst>
+                              <p:cond delay="0"/>
+                            </p:stCondLst>
+                            <p:childTnLst>
                               <p:par>
-                                <p:cTn id="7" presetID="1" presetClass="entr" presetSubtype="0" fill="hold" nodeType="withEffect">
+                                <p:cTn id="9" presetID="1" presetClass="entr" presetSubtype="0" fill="hold" nodeType="clickEffect">
                                   <p:stCondLst>
                                     <p:cond delay="0"/>
                                   </p:stCondLst>
                                   <p:childTnLst>
                                     <p:set>
                                       <p:cBhvr>
-                                        <p:cTn id="8" dur="1" fill="hold">
+                                        <p:cTn id="10" dur="1" fill="hold">
                                           <p:stCondLst>
                                             <p:cond delay="0"/>
                                           </p:stCondLst>
@@ -39243,26 +38146,26 @@
                     </p:cTn>
                   </p:par>
                   <p:par>
-                    <p:cTn id="9" fill="hold">
+                    <p:cTn id="11" fill="hold">
                       <p:stCondLst>
                         <p:cond delay="indefinite"/>
                       </p:stCondLst>
                       <p:childTnLst>
                         <p:par>
-                          <p:cTn id="10" fill="hold">
+                          <p:cTn id="12" fill="hold">
                             <p:stCondLst>
                               <p:cond delay="0"/>
                             </p:stCondLst>
                             <p:childTnLst>
                               <p:par>
-                                <p:cTn id="11" presetID="1" presetClass="entr" presetSubtype="0" fill="hold" nodeType="clickEffect">
+                                <p:cTn id="13" presetID="1" presetClass="entr" presetSubtype="0" fill="hold" nodeType="clickEffect">
                                   <p:stCondLst>
                                     <p:cond delay="0"/>
                                   </p:stCondLst>
                                   <p:childTnLst>
                                     <p:set>
                                       <p:cBhvr>
-                                        <p:cTn id="12" dur="1" fill="hold">
+                                        <p:cTn id="14" dur="1" fill="hold">
                                           <p:stCondLst>
                                             <p:cond delay="0"/>
                                           </p:stCondLst>
@@ -39355,21 +38258,140 @@
           <a:lstStyle/>
           <a:p>
             <a:r>
-              <a:rPr lang="en-US" sz="8800">
+              <a:rPr lang="bg-BG" dirty="0"/>
+              <a:t>Въпроси</a:t>
+            </a:r>
+            <a:r>
+              <a:rPr lang="en-US" dirty="0"/>
+              <a:t>?</a:t>
+            </a:r>
+          </a:p>
+        </p:txBody>
+      </p:sp>
+      <p:sp>
+        <p:nvSpPr>
+          <p:cNvPr id="2" name="Rectangle Bottom Copyright">
+            <a:extLst>
+              <a:ext uri="{FF2B5EF4-FFF2-40B4-BE49-F238E27FC236}">
+                <a16:creationId xmlns:a16="http://schemas.microsoft.com/office/drawing/2014/main" id="{664812A4-2991-44D1-BFE9-32E55AADF8A5}"/>
+              </a:ext>
+            </a:extLst>
+          </p:cNvPr>
+          <p:cNvSpPr/>
+          <p:nvPr/>
+        </p:nvSpPr>
+        <p:spPr>
+          <a:xfrm>
+            <a:off x="111000" y="6454758"/>
+            <a:ext cx="11970000" cy="304242"/>
+          </a:xfrm>
+          <a:prstGeom prst="rect">
+            <a:avLst/>
+          </a:prstGeom>
+        </p:spPr>
+        <p:txBody>
+          <a:bodyPr wrap="square">
+            <a:noAutofit/>
+          </a:bodyPr>
+          <a:lstStyle/>
+          <a:p>
+            <a:pPr algn="ctr">
+              <a:lnSpc>
+                <a:spcPct val="100000"/>
+              </a:lnSpc>
+              <a:spcBef>
+                <a:spcPts val="0"/>
+              </a:spcBef>
+              <a:spcAft>
+                <a:spcPts val="0"/>
+              </a:spcAft>
+            </a:pPr>
+            <a:r>
+              <a:rPr lang="bg-BG" sz="1600" dirty="0">
                 <a:solidFill>
-                  <a:srgbClr val="234465"/>
+                  <a:schemeClr val="bg2"/>
                 </a:solidFill>
+                <a:effectLst/>
+                <a:latin typeface="Calibri" panose="020F0502020204030204" pitchFamily="34" charset="0"/>
+                <a:ea typeface="Calibri" panose="020F0502020204030204" pitchFamily="34" charset="0"/>
+                <a:cs typeface="Arial" panose="020B0604020202020204" pitchFamily="34" charset="0"/>
               </a:rPr>
-              <a:t>Въпроси?</a:t>
-            </a:r>
-            <a:endParaRPr lang="en-US" sz="8800"/>
+              <a:t>Проект "</a:t>
+            </a:r>
+            <a:r>
+              <a:rPr lang="bg-BG" sz="1600" dirty="0">
+                <a:solidFill>
+                  <a:schemeClr val="bg1">
+                    <a:lumMod val="20000"/>
+                    <a:lumOff val="80000"/>
+                  </a:schemeClr>
+                </a:solidFill>
+                <a:effectLst/>
+                <a:latin typeface="Calibri" panose="020F0502020204030204" pitchFamily="34" charset="0"/>
+                <a:ea typeface="Calibri" panose="020F0502020204030204" pitchFamily="34" charset="0"/>
+                <a:cs typeface="Arial" panose="020B0604020202020204" pitchFamily="34" charset="0"/>
+                <a:hlinkClick r:id="rId3">
+                  <a:extLst>
+                    <a:ext uri="{A12FA001-AC4F-418D-AE19-62706E023703}">
+                      <ahyp:hlinkClr xmlns:ahyp="http://schemas.microsoft.com/office/drawing/2018/hyperlinkcolor" val="tx"/>
+                    </a:ext>
+                  </a:extLst>
+                </a:hlinkClick>
+              </a:rPr>
+              <a:t>Отворено учебно съдържание по програмиране и ИТ</a:t>
+            </a:r>
+            <a:r>
+              <a:rPr lang="bg-BG" sz="1600" dirty="0">
+                <a:solidFill>
+                  <a:schemeClr val="bg2"/>
+                </a:solidFill>
+                <a:effectLst/>
+                <a:latin typeface="Calibri" panose="020F0502020204030204" pitchFamily="34" charset="0"/>
+                <a:ea typeface="Calibri" panose="020F0502020204030204" pitchFamily="34" charset="0"/>
+                <a:cs typeface="Arial" panose="020B0604020202020204" pitchFamily="34" charset="0"/>
+              </a:rPr>
+              <a:t>", СофтУни Фондация (лиценз </a:t>
+            </a:r>
+            <a:r>
+              <a:rPr lang="en-US" sz="1600" dirty="0">
+                <a:solidFill>
+                  <a:schemeClr val="bg2"/>
+                </a:solidFill>
+                <a:effectLst/>
+                <a:latin typeface="Calibri" panose="020F0502020204030204" pitchFamily="34" charset="0"/>
+                <a:ea typeface="Calibri" panose="020F0502020204030204" pitchFamily="34" charset="0"/>
+                <a:cs typeface="Arial" panose="020B0604020202020204" pitchFamily="34" charset="0"/>
+              </a:rPr>
+              <a:t>CC-BY-NC-SA</a:t>
+            </a:r>
+            <a:r>
+              <a:rPr lang="bg-BG" sz="1600" dirty="0">
+                <a:solidFill>
+                  <a:schemeClr val="bg2"/>
+                </a:solidFill>
+                <a:effectLst/>
+                <a:latin typeface="Calibri" panose="020F0502020204030204" pitchFamily="34" charset="0"/>
+                <a:ea typeface="Calibri" panose="020F0502020204030204" pitchFamily="34" charset="0"/>
+                <a:cs typeface="Arial" panose="020B0604020202020204" pitchFamily="34" charset="0"/>
+              </a:rPr>
+              <a:t>)</a:t>
+            </a:r>
+            <a:endParaRPr lang="bg-BG" sz="2400" dirty="0">
+              <a:solidFill>
+                <a:schemeClr val="bg2"/>
+              </a:solidFill>
+              <a:effectLst/>
+              <a:latin typeface="Calibri" panose="020F0502020204030204" pitchFamily="34" charset="0"/>
+              <a:ea typeface="Calibri" panose="020F0502020204030204" pitchFamily="34" charset="0"/>
+              <a:cs typeface="Arial" panose="020B0604020202020204" pitchFamily="34" charset="0"/>
+            </a:endParaRPr>
           </a:p>
         </p:txBody>
       </p:sp>
     </p:spTree>
     <p:extLst>
       <p:ext uri="{BB962C8B-B14F-4D97-AF65-F5344CB8AC3E}">
-        <p14:creationId xmlns:p14="http://schemas.microsoft.com/office/powerpoint/2010/main" val="729203706"/>
+        <p14:creationId xmlns:p14="http://schemas.microsoft.com/office/powerpoint/2010/main" val="2677086678"/>
       </p:ext>
     </p:extLst>
   </p:cSld>
@@ -39423,11 +38445,13 @@
         <p:spPr>
           <a:xfrm>
             <a:off x="190402" y="1269001"/>
-            <a:ext cx="11818096" cy="5455890"/>
+            <a:ext cx="9865598" cy="2474999"/>
           </a:xfrm>
         </p:spPr>
         <p:txBody>
-          <a:bodyPr/>
+          <a:bodyPr>
+            <a:normAutofit/>
+          </a:bodyPr>
           <a:lstStyle/>
           <a:p>
             <a:pPr>
@@ -39436,113 +38460,42 @@
               </a:lnSpc>
             </a:pPr>
             <a:r>
-              <a:rPr lang="bg-BG"/>
+              <a:rPr lang="bg-BG" sz="3200" dirty="0"/>
               <a:t>Този курс</a:t>
             </a:r>
             <a:r>
-              <a:rPr lang="en-US"/>
+              <a:rPr lang="en-US" sz="3200" dirty="0"/>
               <a:t> (</a:t>
             </a:r>
             <a:r>
-              <a:rPr lang="bg-BG"/>
+              <a:rPr lang="bg-BG" sz="3200" dirty="0"/>
               <a:t>презентации, примери, демонстрационен код, упражнения, домашни, видео и други активи</a:t>
             </a:r>
             <a:r>
-              <a:rPr lang="en-US"/>
+              <a:rPr lang="en-US" sz="3200" dirty="0"/>
               <a:t>) </a:t>
             </a:r>
             <a:r>
-              <a:rPr lang="bg-BG"/>
+              <a:rPr lang="bg-BG" sz="3200" dirty="0"/>
               <a:t>представлява</a:t>
             </a:r>
             <a:r>
-              <a:rPr lang="en-US"/>
+              <a:rPr lang="en-US" sz="3200" dirty="0"/>
               <a:t> </a:t>
             </a:r>
             <a:r>
-              <a:rPr lang="bg-BG" b="1"/>
-              <a:t>защитено авторско съдържание</a:t>
-            </a:r>
-            <a:endParaRPr lang="en-US"/>
-          </a:p>
-          <a:p>
-            <a:pPr>
-              <a:lnSpc>
-                <a:spcPct val="120000"/>
-              </a:lnSpc>
-            </a:pPr>
-            <a:r>
-              <a:rPr lang="bg-BG"/>
-              <a:t>Нерегламентирано копиране</a:t>
-            </a:r>
-            <a:r>
-              <a:rPr lang="en-US"/>
-              <a:t>,</a:t>
-            </a:r>
-            <a:r>
-              <a:rPr lang="bg-BG"/>
-              <a:t> разпространение или използване е незаконно</a:t>
-            </a:r>
-          </a:p>
-          <a:p>
-            <a:pPr>
-              <a:lnSpc>
-                <a:spcPct val="120000"/>
-              </a:lnSpc>
-            </a:pPr>
-            <a:r>
-              <a:rPr lang="en-US"/>
-              <a:t>© </a:t>
-            </a:r>
-            <a:r>
-              <a:rPr lang="bg-BG"/>
-              <a:t>СофтУни</a:t>
-            </a:r>
-            <a:r>
-              <a:rPr lang="en-US"/>
-              <a:t> – </a:t>
-            </a:r>
-            <a:r>
-              <a:rPr lang="en-US">
-                <a:hlinkClick r:id="rId3"/>
-              </a:rPr>
-              <a:t>https://softuni.org</a:t>
-            </a:r>
-            <a:endParaRPr lang="en-US"/>
-          </a:p>
-          <a:p>
-            <a:pPr>
-              <a:lnSpc>
-                <a:spcPct val="120000"/>
-              </a:lnSpc>
-            </a:pPr>
-            <a:r>
-              <a:rPr lang="en-US"/>
-              <a:t>© </a:t>
-            </a:r>
-            <a:r>
-              <a:rPr lang="bg-BG"/>
-              <a:t>Софтуерен университет</a:t>
-            </a:r>
-            <a:r>
-              <a:rPr lang="en-US"/>
-              <a:t> – </a:t>
-            </a:r>
-            <a:r>
-              <a:rPr lang="en-US">
-                <a:hlinkClick r:id="rId4"/>
-              </a:rPr>
-              <a:t>https://softuni.bg</a:t>
-            </a:r>
-            <a:endParaRPr lang="bg-BG"/>
-          </a:p>
-          <a:p>
-            <a:pPr>
-              <a:lnSpc>
-                <a:spcPct val="120000"/>
-              </a:lnSpc>
-            </a:pPr>
-            <a:endParaRPr lang="bg-BG"/>
+              <a:rPr lang="bg-BG" sz="3200" b="1" dirty="0"/>
+              <a:t>свободно учебно съдържание </a:t>
+            </a:r>
+            <a:r>
+              <a:rPr lang="bg-BG" sz="3200" dirty="0"/>
+              <a:t>и се разпространява под свободен лиценз </a:t>
+            </a:r>
+            <a:r>
+              <a:rPr lang="en-US" sz="3200" b="1" dirty="0"/>
+              <a:t>CC-BY-NC-SA</a:t>
+            </a:r>
+            <a:endParaRPr lang="bg-BG" sz="3200" dirty="0"/>
           </a:p>
         </p:txBody>
       </p:sp>
@@ -39561,7 +38514,7 @@
           <p:nvPr/>
         </p:nvPicPr>
         <p:blipFill>
-          <a:blip r:embed="rId5">
+          <a:blip r:embed="rId3">
             <a:clrChange>
               <a:clrFrom>
                 <a:srgbClr val="FFFFFF"/>
@@ -39579,8 +38532,8 @@
         </p:blipFill>
         <p:spPr>
           <a:xfrm>
-            <a:off x="9745023" y="4445455"/>
-            <a:ext cx="1930977" cy="2043545"/>
+            <a:off x="10226175" y="1440120"/>
+            <a:ext cx="1198986" cy="1268880"/>
           </a:xfrm>
           <a:prstGeom prst="rect">
             <a:avLst/>
@@ -39609,7 +38562,7 @@
           <a:lstStyle/>
           <a:p>
             <a:r>
-              <a:rPr lang="bg-BG"/>
+              <a:rPr lang="bg-BG" dirty="0"/>
               <a:t>Лиценз</a:t>
             </a:r>
           </a:p>
@@ -39617,10 +38570,171 @@
       </p:sp>
       <p:sp>
         <p:nvSpPr>
-          <p:cNvPr id="7" name="Slide Number">
+          <p:cNvPr id="11" name="TextBox 10">
             <a:extLst>
               <a:ext uri="{FF2B5EF4-FFF2-40B4-BE49-F238E27FC236}">
-                <a16:creationId xmlns:a16="http://schemas.microsoft.com/office/drawing/2014/main" id="{986F1241-4467-4A33-8F42-658BD1961EF6}"/>
+                <a16:creationId xmlns:a16="http://schemas.microsoft.com/office/drawing/2014/main" id="{0C18DF19-B750-4C88-975B-661A6BF61F5E}"/>
+              </a:ext>
+            </a:extLst>
+          </p:cNvPr>
+          <p:cNvSpPr txBox="1"/>
+          <p:nvPr/>
+        </p:nvSpPr>
+        <p:spPr>
+          <a:xfrm>
+            <a:off x="190401" y="3927519"/>
+            <a:ext cx="11710599" cy="1979644"/>
+          </a:xfrm>
+          <a:prstGeom prst="rect">
+            <a:avLst/>
+          </a:prstGeom>
+          <a:noFill/>
+          <a:ln w="12700">
+            <a:noFill/>
+          </a:ln>
+        </p:spPr>
+        <p:txBody>
+          <a:bodyPr wrap="square">
+            <a:spAutoFit/>
+          </a:bodyPr>
+          <a:lstStyle/>
+          <a:p>
+            <a:pPr marL="360363" indent="-360363" defTabSz="1218438">
+              <a:lnSpc>
+                <a:spcPct val="120000"/>
+              </a:lnSpc>
+              <a:spcBef>
+                <a:spcPts val="600"/>
+              </a:spcBef>
+              <a:spcAft>
+                <a:spcPts val="600"/>
+              </a:spcAft>
+              <a:buFont typeface="Wingdings" panose="05000000000000000000" pitchFamily="2" charset="2"/>
+              <a:buChar char="§"/>
+              <a:defRPr/>
+            </a:pPr>
+            <a:r>
+              <a:rPr lang="bg-BG" sz="3200" dirty="0"/>
+              <a:t>Проект "</a:t>
+            </a:r>
+            <a:r>
+              <a:rPr lang="bg-BG" sz="3200" b="1" dirty="0"/>
+              <a:t>Отворено учебно съдържание по програмиране и ИТ</a:t>
+            </a:r>
+            <a:r>
+              <a:rPr lang="bg-BG" sz="3200" dirty="0"/>
+              <a:t>" към Фондация "Софтуерен университет"</a:t>
+            </a:r>
+            <a:r>
+              <a:rPr lang="en-US" sz="3200" dirty="0"/>
+              <a:t>:</a:t>
+            </a:r>
+            <a:endParaRPr lang="bg-BG" sz="3200" dirty="0"/>
+          </a:p>
+          <a:p>
+            <a:pPr marL="817563" lvl="1" indent="-360363" defTabSz="1218438">
+              <a:lnSpc>
+                <a:spcPct val="120000"/>
+              </a:lnSpc>
+              <a:spcBef>
+                <a:spcPts val="600"/>
+              </a:spcBef>
+              <a:spcAft>
+                <a:spcPts val="600"/>
+              </a:spcAft>
+              <a:buFont typeface="Wingdings" panose="05000000000000000000" pitchFamily="2" charset="2"/>
+              <a:buChar char="§"/>
+              <a:defRPr/>
+            </a:pPr>
+            <a:r>
+              <a:rPr kumimoji="0" lang="en-US" sz="3200" b="0" i="0" u="none" strike="noStrike" kern="1200" cap="none" spc="0" normalizeH="0" baseline="0" noProof="0" dirty="0">
+                <a:ln>
+                  <a:noFill/>
+                </a:ln>
+                <a:solidFill>
+                  <a:srgbClr val="234465"/>
+                </a:solidFill>
+                <a:effectLst/>
+                <a:uLnTx/>
+                <a:uFillTx/>
+                <a:latin typeface="Calibri"/>
+                <a:ea typeface="+mn-ea"/>
+                <a:cs typeface="+mn-cs"/>
+                <a:hlinkClick r:id="rId4"/>
+              </a:rPr>
+              <a:t>https://github.com/BG-IT-Edu</a:t>
+            </a:r>
+            <a:endParaRPr kumimoji="0" lang="bg-BG" sz="3200" b="0" i="0" u="none" strike="noStrike" kern="1200" cap="none" spc="0" normalizeH="0" baseline="0" noProof="0" dirty="0">
+              <a:ln>
+                <a:noFill/>
+              </a:ln>
+              <a:solidFill>
+                <a:srgbClr val="234465"/>
+              </a:solidFill>
+              <a:effectLst/>
+              <a:uLnTx/>
+              <a:uFillTx/>
+              <a:latin typeface="Calibri"/>
+              <a:ea typeface="+mn-ea"/>
+              <a:cs typeface="+mn-cs"/>
+            </a:endParaRPr>
+          </a:p>
+        </p:txBody>
+      </p:sp>
+      <p:pic>
+        <p:nvPicPr>
+          <p:cNvPr id="7" name="Picture 6" title="CC-BY-NC-SA License">
+            <a:hlinkClick r:id="rId5" tooltip="This work is licensed under the &quot;Creative Commons Attribution-NonCommercial-ShareAlike 4.0 International&quot; license"/>
+            <a:extLst>
+              <a:ext uri="{FF2B5EF4-FFF2-40B4-BE49-F238E27FC236}">
+                <a16:creationId xmlns:a16="http://schemas.microsoft.com/office/drawing/2014/main" id="{F6C77C47-F7D8-A176-5C69-7FDE5C7E8003}"/>
+              </a:ext>
+            </a:extLst>
+          </p:cNvPr>
+          <p:cNvPicPr>
+            <a:picLocks noChangeAspect="1" noChangeArrowheads="1"/>
+          </p:cNvPicPr>
+          <p:nvPr/>
+        </p:nvPicPr>
+        <p:blipFill>
+          <a:blip r:embed="rId6">
+            <a:extLst>
+              <a:ext uri="{28A0092B-C50C-407E-A947-70E740481C1C}">
+                <a14:useLocalDpi xmlns:a14="http://schemas.microsoft.com/office/drawing/2010/main"/>
+              </a:ext>
+            </a:extLst>
+          </a:blip>
+          <a:srcRect/>
+          <a:stretch>
+            <a:fillRect/>
+          </a:stretch>
+        </p:blipFill>
+        <p:spPr bwMode="auto">
+          <a:xfrm>
+            <a:off x="9831000" y="2908593"/>
+            <a:ext cx="1989336" cy="696022"/>
+          </a:xfrm>
+          <a:prstGeom prst="roundRect">
+            <a:avLst>
+              <a:gd name="adj" fmla="val 3940"/>
+            </a:avLst>
+          </a:prstGeom>
+          <a:solidFill>
+            <a:srgbClr val="231F20">
+              <a:alpha val="50000"/>
+            </a:srgbClr>
+          </a:solidFill>
+          <a:ln>
+            <a:noFill/>
+          </a:ln>
+        </p:spPr>
+      </p:pic>
+      <p:sp>
+        <p:nvSpPr>
+          <p:cNvPr id="4" name="Slide Number">
+            <a:extLst>
+              <a:ext uri="{FF2B5EF4-FFF2-40B4-BE49-F238E27FC236}">
+                <a16:creationId xmlns:a16="http://schemas.microsoft.com/office/drawing/2014/main" id="{9BF6B1F2-919C-BC9D-6151-CD999C378822}"/>
               </a:ext>
             </a:extLst>
           </p:cNvPr>
@@ -39653,14 +38767,14 @@
               <a:pPr/>
               <a:t>29</a:t>
             </a:fld>
-            <a:endParaRPr lang="en-US" noProof="0"/>
+            <a:endParaRPr lang="en-US" noProof="0" dirty="0"/>
           </a:p>
         </p:txBody>
       </p:sp>
     </p:spTree>
     <p:extLst>
       <p:ext uri="{BB962C8B-B14F-4D97-AF65-F5344CB8AC3E}">
-        <p14:creationId xmlns:p14="http://schemas.microsoft.com/office/powerpoint/2010/main" val="3476842721"/>
+        <p14:creationId xmlns:p14="http://schemas.microsoft.com/office/powerpoint/2010/main" val="1156596285"/>
       </p:ext>
     </p:extLst>
   </p:cSld>
@@ -39775,10 +38889,10 @@
       </p:sp>
       <p:sp>
         <p:nvSpPr>
-          <p:cNvPr id="5" name="Subtitle 4">
+          <p:cNvPr id="4" name="Подзаглавие 3">
             <a:extLst>
               <a:ext uri="{FF2B5EF4-FFF2-40B4-BE49-F238E27FC236}">
-                <a16:creationId xmlns:a16="http://schemas.microsoft.com/office/drawing/2014/main" id="{9D24DDC3-A5E0-CC91-1869-2FCDBF3DA734}"/>
+                <a16:creationId xmlns:a16="http://schemas.microsoft.com/office/drawing/2014/main" id="{13E3352A-920F-5B62-048D-5DF3E656652D}"/>
               </a:ext>
             </a:extLst>
           </p:cNvPr>
@@ -39803,10 +38917,10 @@
       </p:sp>
       <p:sp>
         <p:nvSpPr>
-          <p:cNvPr id="7" name="Заглавие 6">
+          <p:cNvPr id="8" name="Заглавие 7">
             <a:extLst>
               <a:ext uri="{FF2B5EF4-FFF2-40B4-BE49-F238E27FC236}">
-                <a16:creationId xmlns:a16="http://schemas.microsoft.com/office/drawing/2014/main" id="{72533ADB-ECFC-427C-AC49-627198B27D76}"/>
+                <a16:creationId xmlns:a16="http://schemas.microsoft.com/office/drawing/2014/main" id="{09E14836-E925-F9AB-FA41-C352C5D08A2C}"/>
               </a:ext>
             </a:extLst>
           </p:cNvPr>
@@ -39817,12 +38931,7 @@
             <p:ph type="title" sz="quarter" idx="10"/>
           </p:nvPr>
         </p:nvSpPr>
-        <p:spPr>
-          <a:xfrm>
-            <a:off x="615109" y="4704825"/>
-            <a:ext cx="10961783" cy="768084"/>
-          </a:xfrm>
-        </p:spPr>
+        <p:spPr/>
         <p:txBody>
           <a:bodyPr/>
           <a:lstStyle/>
@@ -39837,7 +38946,7 @@
     </p:spTree>
     <p:extLst>
       <p:ext uri="{BB962C8B-B14F-4D97-AF65-F5344CB8AC3E}">
-        <p14:creationId xmlns:p14="http://schemas.microsoft.com/office/powerpoint/2010/main" val="3907814377"/>
+        <p14:creationId xmlns:p14="http://schemas.microsoft.com/office/powerpoint/2010/main" val="653458034"/>
       </p:ext>
     </p:extLst>
   </p:cSld>
@@ -40020,10 +39129,113 @@
       </p:sp>
       <p:sp>
         <p:nvSpPr>
-          <p:cNvPr id="6" name="Slide Number">
+          <p:cNvPr id="5" name="TextBox 4">
             <a:extLst>
               <a:ext uri="{FF2B5EF4-FFF2-40B4-BE49-F238E27FC236}">
-                <a16:creationId xmlns:a16="http://schemas.microsoft.com/office/drawing/2014/main" id="{AB2BE287-0A00-49AD-A4D2-4F9CEE2F4552}"/>
+                <a16:creationId xmlns:a16="http://schemas.microsoft.com/office/drawing/2014/main" id="{97449B77-AA02-9D9E-5C1A-628EE5B1737C}"/>
+              </a:ext>
+            </a:extLst>
+          </p:cNvPr>
+          <p:cNvSpPr txBox="1"/>
+          <p:nvPr/>
+        </p:nvSpPr>
+        <p:spPr>
+          <a:xfrm>
+            <a:off x="525009" y="3474000"/>
+            <a:ext cx="11166439" cy="2757266"/>
+          </a:xfrm>
+          <a:prstGeom prst="rect">
+            <a:avLst/>
+          </a:prstGeom>
+          <a:solidFill>
+            <a:schemeClr val="accent6">
+              <a:lumMod val="75000"/>
+              <a:alpha val="15000"/>
+            </a:schemeClr>
+          </a:solidFill>
+          <a:ln w="12700">
+            <a:solidFill>
+              <a:schemeClr val="tx1">
+                <a:lumMod val="75000"/>
+              </a:schemeClr>
+            </a:solidFill>
+          </a:ln>
+        </p:spPr>
+        <p:txBody>
+          <a:bodyPr vert="horz" wrap="square" lIns="144000" tIns="108000" rIns="144000" bIns="108000" rtlCol="0">
+            <a:spAutoFit/>
+          </a:bodyPr>
+          <a:lstStyle/>
+          <a:p>
+            <a:pPr eaLnBrk="0" hangingPunct="0">
+              <a:buClr>
+                <a:schemeClr val="accent5">
+                  <a:lumMod val="40000"/>
+                  <a:lumOff val="60000"/>
+                </a:schemeClr>
+              </a:buClr>
+              <a:buSzPct val="70000"/>
+            </a:pPr>
+            <a:r>
+              <a:rPr lang="en-US" sz="3200" b="1" dirty="0"/>
+              <a:t>“</a:t>
+            </a:r>
+            <a:r>
+              <a:rPr lang="bg-BG" sz="3200" b="1" i="1" dirty="0"/>
+              <a:t>В математиката и компютърните науки </a:t>
+            </a:r>
+            <a:r>
+              <a:rPr lang="bg-BG" sz="3200" b="1" i="1" dirty="0">
+                <a:solidFill>
+                  <a:schemeClr val="bg1"/>
+                </a:solidFill>
+              </a:rPr>
+              <a:t>алгоритъм</a:t>
+            </a:r>
+            <a:r>
+              <a:rPr lang="bg-BG" sz="3200" b="1" i="1" dirty="0"/>
+              <a:t> е постъпкова процедура за изчисления. Алгоритъмът е ефективен метод, изразен като краен списък от добре дефинирани инструкции за изчисление на функция</a:t>
+            </a:r>
+            <a:r>
+              <a:rPr lang="bg-BG" sz="3200" b="1" dirty="0"/>
+              <a:t>.</a:t>
+            </a:r>
+            <a:r>
+              <a:rPr lang="en-US" sz="3200" b="1" dirty="0"/>
+              <a:t> ”</a:t>
+            </a:r>
+          </a:p>
+          <a:p>
+            <a:pPr algn="r" eaLnBrk="0" hangingPunct="0">
+              <a:spcBef>
+                <a:spcPts val="600"/>
+              </a:spcBef>
+              <a:buClr>
+                <a:schemeClr val="accent5">
+                  <a:lumMod val="40000"/>
+                  <a:lumOff val="60000"/>
+                </a:schemeClr>
+              </a:buClr>
+              <a:buSzPct val="70000"/>
+            </a:pPr>
+            <a:r>
+              <a:rPr lang="en-US" sz="3200" b="1" i="1" dirty="0"/>
+              <a:t>-- </a:t>
+            </a:r>
+            <a:r>
+              <a:rPr lang="bg-BG" sz="3200" b="1" i="1" dirty="0"/>
+              <a:t>Уикипедия</a:t>
+            </a:r>
+            <a:endParaRPr lang="en-US" sz="3200" b="1" i="1" dirty="0"/>
+          </a:p>
+        </p:txBody>
+      </p:sp>
+      <p:sp>
+        <p:nvSpPr>
+          <p:cNvPr id="4" name="Slide Number">
+            <a:extLst>
+              <a:ext uri="{FF2B5EF4-FFF2-40B4-BE49-F238E27FC236}">
+                <a16:creationId xmlns:a16="http://schemas.microsoft.com/office/drawing/2014/main" id="{3DC64852-0B7E-493A-4F20-CFCDEB26F53F}"/>
               </a:ext>
             </a:extLst>
           </p:cNvPr>
@@ -40056,117 +39268,14 @@
               <a:pPr/>
               <a:t>4</a:t>
             </a:fld>
-            <a:endParaRPr lang="en-US" noProof="0"/>
-          </a:p>
-        </p:txBody>
-      </p:sp>
-      <p:sp>
-        <p:nvSpPr>
-          <p:cNvPr id="5" name="TextBox 4">
-            <a:extLst>
-              <a:ext uri="{FF2B5EF4-FFF2-40B4-BE49-F238E27FC236}">
-                <a16:creationId xmlns:a16="http://schemas.microsoft.com/office/drawing/2014/main" id="{97449B77-AA02-9D9E-5C1A-628EE5B1737C}"/>
-              </a:ext>
-            </a:extLst>
-          </p:cNvPr>
-          <p:cNvSpPr txBox="1"/>
-          <p:nvPr/>
-        </p:nvSpPr>
-        <p:spPr>
-          <a:xfrm>
-            <a:off x="512780" y="3187369"/>
-            <a:ext cx="11166439" cy="3449763"/>
-          </a:xfrm>
-          <a:prstGeom prst="rect">
-            <a:avLst/>
-          </a:prstGeom>
-          <a:solidFill>
-            <a:schemeClr val="accent6">
-              <a:lumMod val="75000"/>
-              <a:alpha val="15000"/>
-            </a:schemeClr>
-          </a:solidFill>
-          <a:ln w="12700">
-            <a:solidFill>
-              <a:schemeClr val="tx1">
-                <a:lumMod val="75000"/>
-              </a:schemeClr>
-            </a:solidFill>
-          </a:ln>
-        </p:spPr>
-        <p:txBody>
-          <a:bodyPr vert="horz" wrap="square" lIns="144000" tIns="108000" rIns="144000" bIns="108000" rtlCol="0">
-            <a:spAutoFit/>
-          </a:bodyPr>
-          <a:lstStyle/>
-          <a:p>
-            <a:pPr eaLnBrk="0" hangingPunct="0">
-              <a:buClr>
-                <a:schemeClr val="accent5">
-                  <a:lumMod val="40000"/>
-                  <a:lumOff val="60000"/>
-                </a:schemeClr>
-              </a:buClr>
-              <a:buSzPct val="70000"/>
-            </a:pPr>
-            <a:r>
-              <a:rPr lang="en-US" sz="3500" b="1" dirty="0"/>
-              <a:t>“</a:t>
-            </a:r>
-            <a:r>
-              <a:rPr lang="bg-BG" sz="3500" b="1" i="1" dirty="0"/>
-              <a:t>В математиката и компютърните науки </a:t>
-            </a:r>
-            <a:r>
-              <a:rPr lang="bg-BG" sz="3500" b="1" i="1" dirty="0">
-                <a:solidFill>
-                  <a:schemeClr val="bg1"/>
-                </a:solidFill>
-              </a:rPr>
-              <a:t>алгоритъм</a:t>
-            </a:r>
-            <a:r>
-              <a:rPr lang="bg-BG" sz="3500" b="1" i="1" dirty="0"/>
-              <a:t> е постъпкова процедура за изчисления. Алгоритъмът е ефективен метод, изразен като краен списък от добре дефинирани инструкции за изчисление на функция</a:t>
-            </a:r>
-            <a:r>
-              <a:rPr lang="bg-BG" sz="3500" b="1" dirty="0"/>
-              <a:t>.</a:t>
-            </a:r>
-            <a:r>
-              <a:rPr lang="en-US" sz="3500" b="1" dirty="0"/>
-              <a:t> ”</a:t>
-            </a:r>
-          </a:p>
-          <a:p>
-            <a:pPr algn="r" eaLnBrk="0" hangingPunct="0">
-              <a:spcBef>
-                <a:spcPts val="600"/>
-              </a:spcBef>
-              <a:buClr>
-                <a:schemeClr val="accent5">
-                  <a:lumMod val="40000"/>
-                  <a:lumOff val="60000"/>
-                </a:schemeClr>
-              </a:buClr>
-              <a:buSzPct val="70000"/>
-            </a:pPr>
-            <a:r>
-              <a:rPr lang="en-US" sz="3000" b="1" i="1" dirty="0"/>
-              <a:t>-- </a:t>
-            </a:r>
-            <a:r>
-              <a:rPr lang="bg-BG" sz="3000" b="1" i="1" dirty="0"/>
-              <a:t>Уикипедия</a:t>
-            </a:r>
-            <a:endParaRPr lang="en-US" sz="3000" b="1" i="1" dirty="0"/>
+            <a:endParaRPr lang="en-US" noProof="0" dirty="0"/>
           </a:p>
         </p:txBody>
       </p:sp>
     </p:spTree>
     <p:extLst>
       <p:ext uri="{BB962C8B-B14F-4D97-AF65-F5344CB8AC3E}">
-        <p14:creationId xmlns:p14="http://schemas.microsoft.com/office/powerpoint/2010/main" val="1105725107"/>
+        <p14:creationId xmlns:p14="http://schemas.microsoft.com/office/powerpoint/2010/main" val="3539552740"/>
       </p:ext>
     </p:extLst>
   </p:cSld>
@@ -40487,10 +39596,10 @@
       </p:sp>
       <p:sp>
         <p:nvSpPr>
-          <p:cNvPr id="5" name="Slide Number">
+          <p:cNvPr id="4" name="Slide Number">
             <a:extLst>
               <a:ext uri="{FF2B5EF4-FFF2-40B4-BE49-F238E27FC236}">
-                <a16:creationId xmlns:a16="http://schemas.microsoft.com/office/drawing/2014/main" id="{95719B8F-AC90-45FE-9B98-1E4F2F448BF9}"/>
+                <a16:creationId xmlns:a16="http://schemas.microsoft.com/office/drawing/2014/main" id="{396FCAB2-A2B4-E3B1-EF1D-1E6198BB15AA}"/>
               </a:ext>
             </a:extLst>
           </p:cNvPr>
@@ -40523,14 +39632,14 @@
               <a:pPr/>
               <a:t>5</a:t>
             </a:fld>
-            <a:endParaRPr lang="en-US" noProof="0"/>
+            <a:endParaRPr lang="en-US" noProof="0" dirty="0"/>
           </a:p>
         </p:txBody>
       </p:sp>
     </p:spTree>
     <p:extLst>
       <p:ext uri="{BB962C8B-B14F-4D97-AF65-F5344CB8AC3E}">
-        <p14:creationId xmlns:p14="http://schemas.microsoft.com/office/powerpoint/2010/main" val="3978949203"/>
+        <p14:creationId xmlns:p14="http://schemas.microsoft.com/office/powerpoint/2010/main" val="1151131581"/>
       </p:ext>
     </p:extLst>
   </p:cSld>
@@ -40596,15 +39705,33 @@
                                   </p:childTnLst>
                                 </p:cTn>
                               </p:par>
+                            </p:childTnLst>
+                          </p:cTn>
+                        </p:par>
+                      </p:childTnLst>
+                    </p:cTn>
+                  </p:par>
+                  <p:par>
+                    <p:cTn id="7" fill="hold">
+                      <p:stCondLst>
+                        <p:cond delay="indefinite"/>
+                      </p:stCondLst>
+                      <p:childTnLst>
+                        <p:par>
+                          <p:cTn id="8" fill="hold">
+                            <p:stCondLst>
+                              <p:cond delay="0"/>
+                            </p:stCondLst>
+                            <p:childTnLst>
                               <p:par>
-                                <p:cTn id="7" presetID="1" presetClass="entr" presetSubtype="0" fill="hold" nodeType="withEffect">
+                                <p:cTn id="9" presetID="1" presetClass="entr" presetSubtype="0" fill="hold" nodeType="clickEffect">
                                   <p:stCondLst>
                                     <p:cond delay="0"/>
                                   </p:stCondLst>
                                   <p:childTnLst>
                                     <p:set>
                                       <p:cBhvr>
-                                        <p:cTn id="8" dur="1" fill="hold">
+                                        <p:cTn id="10" dur="1" fill="hold">
                                           <p:stCondLst>
                                             <p:cond delay="0"/>
                                           </p:stCondLst>
@@ -41600,10 +40727,10 @@
       </p:sp>
       <p:sp>
         <p:nvSpPr>
-          <p:cNvPr id="11" name="Slide Number">
+          <p:cNvPr id="4" name="Slide Number">
             <a:extLst>
               <a:ext uri="{FF2B5EF4-FFF2-40B4-BE49-F238E27FC236}">
-                <a16:creationId xmlns:a16="http://schemas.microsoft.com/office/drawing/2014/main" id="{A8286B66-E754-4AAA-AE7C-61DE471363D3}"/>
+                <a16:creationId xmlns:a16="http://schemas.microsoft.com/office/drawing/2014/main" id="{7686933D-26C4-4EEE-1929-11321CDEBBC8}"/>
               </a:ext>
             </a:extLst>
           </p:cNvPr>
@@ -41636,14 +40763,14 @@
               <a:pPr/>
               <a:t>6</a:t>
             </a:fld>
-            <a:endParaRPr lang="en-US" noProof="0"/>
+            <a:endParaRPr lang="en-US" noProof="0" dirty="0"/>
           </a:p>
         </p:txBody>
       </p:sp>
     </p:spTree>
     <p:extLst>
       <p:ext uri="{BB962C8B-B14F-4D97-AF65-F5344CB8AC3E}">
-        <p14:creationId xmlns:p14="http://schemas.microsoft.com/office/powerpoint/2010/main" val="4244814935"/>
+        <p14:creationId xmlns:p14="http://schemas.microsoft.com/office/powerpoint/2010/main" val="3402854822"/>
       </p:ext>
     </p:extLst>
   </p:cSld>
@@ -42228,10 +41355,10 @@
       </p:grpSp>
       <p:sp>
         <p:nvSpPr>
-          <p:cNvPr id="8" name="Slide Number">
+          <p:cNvPr id="4" name="Slide Number">
             <a:extLst>
               <a:ext uri="{FF2B5EF4-FFF2-40B4-BE49-F238E27FC236}">
-                <a16:creationId xmlns:a16="http://schemas.microsoft.com/office/drawing/2014/main" id="{D3412CC1-4BB5-41A3-9A91-72058022AA48}"/>
+                <a16:creationId xmlns:a16="http://schemas.microsoft.com/office/drawing/2014/main" id="{79A80582-6ABA-3F30-EB71-C3830EC9A24D}"/>
               </a:ext>
             </a:extLst>
           </p:cNvPr>
@@ -42264,14 +41391,14 @@
               <a:pPr/>
               <a:t>7</a:t>
             </a:fld>
-            <a:endParaRPr lang="en-US" noProof="0"/>
+            <a:endParaRPr lang="en-US" noProof="0" dirty="0"/>
           </a:p>
         </p:txBody>
       </p:sp>
     </p:spTree>
     <p:extLst>
       <p:ext uri="{BB962C8B-B14F-4D97-AF65-F5344CB8AC3E}">
-        <p14:creationId xmlns:p14="http://schemas.microsoft.com/office/powerpoint/2010/main" val="896093974"/>
+        <p14:creationId xmlns:p14="http://schemas.microsoft.com/office/powerpoint/2010/main" val="1519004696"/>
       </p:ext>
     </p:extLst>
   </p:cSld>
@@ -42337,15 +41464,33 @@
                                   </p:childTnLst>
                                 </p:cTn>
                               </p:par>
+                            </p:childTnLst>
+                          </p:cTn>
+                        </p:par>
+                      </p:childTnLst>
+                    </p:cTn>
+                  </p:par>
+                  <p:par>
+                    <p:cTn id="7" fill="hold">
+                      <p:stCondLst>
+                        <p:cond delay="indefinite"/>
+                      </p:stCondLst>
+                      <p:childTnLst>
+                        <p:par>
+                          <p:cTn id="8" fill="hold">
+                            <p:stCondLst>
+                              <p:cond delay="0"/>
+                            </p:stCondLst>
+                            <p:childTnLst>
                               <p:par>
-                                <p:cTn id="7" presetID="1" presetClass="entr" presetSubtype="0" fill="hold" nodeType="withEffect">
+                                <p:cTn id="9" presetID="1" presetClass="entr" presetSubtype="0" fill="hold" nodeType="clickEffect">
                                   <p:stCondLst>
                                     <p:cond delay="0"/>
                                   </p:stCondLst>
                                   <p:childTnLst>
                                     <p:set>
                                       <p:cBhvr>
-                                        <p:cTn id="8" dur="1" fill="hold">
+                                        <p:cTn id="10" dur="1" fill="hold">
                                           <p:stCondLst>
                                             <p:cond delay="0"/>
                                           </p:stCondLst>
@@ -42375,26 +41520,26 @@
                     </p:cTn>
                   </p:par>
                   <p:par>
-                    <p:cTn id="9" fill="hold">
+                    <p:cTn id="11" fill="hold">
                       <p:stCondLst>
                         <p:cond delay="indefinite"/>
                       </p:stCondLst>
                       <p:childTnLst>
                         <p:par>
-                          <p:cTn id="10" fill="hold">
+                          <p:cTn id="12" fill="hold">
                             <p:stCondLst>
                               <p:cond delay="0"/>
                             </p:stCondLst>
                             <p:childTnLst>
                               <p:par>
-                                <p:cTn id="11" presetID="1" presetClass="entr" presetSubtype="0" fill="hold" nodeType="clickEffect">
+                                <p:cTn id="13" presetID="1" presetClass="entr" presetSubtype="0" fill="hold" nodeType="clickEffect">
                                   <p:stCondLst>
                                     <p:cond delay="0"/>
                                   </p:stCondLst>
                                   <p:childTnLst>
                                     <p:set>
                                       <p:cBhvr>
-                                        <p:cTn id="12" dur="1" fill="hold">
+                                        <p:cTn id="14" dur="1" fill="hold">
                                           <p:stCondLst>
                                             <p:cond delay="0"/>
                                           </p:stCondLst>
@@ -42424,26 +41569,26 @@
                     </p:cTn>
                   </p:par>
                   <p:par>
-                    <p:cTn id="13" fill="hold">
+                    <p:cTn id="15" fill="hold">
                       <p:stCondLst>
                         <p:cond delay="indefinite"/>
                       </p:stCondLst>
                       <p:childTnLst>
                         <p:par>
-                          <p:cTn id="14" fill="hold">
+                          <p:cTn id="16" fill="hold">
                             <p:stCondLst>
                               <p:cond delay="0"/>
                             </p:stCondLst>
                             <p:childTnLst>
                               <p:par>
-                                <p:cTn id="15" presetID="1" presetClass="entr" presetSubtype="0" fill="hold" nodeType="clickEffect">
+                                <p:cTn id="17" presetID="1" presetClass="entr" presetSubtype="0" fill="hold" nodeType="clickEffect">
                                   <p:stCondLst>
                                     <p:cond delay="0"/>
                                   </p:stCondLst>
                                   <p:childTnLst>
                                     <p:set>
                                       <p:cBhvr>
-                                        <p:cTn id="16" dur="1" fill="hold">
+                                        <p:cTn id="18" dur="1" fill="hold">
                                           <p:stCondLst>
                                             <p:cond delay="0"/>
                                           </p:stCondLst>
@@ -42466,15 +41611,33 @@
                                   </p:childTnLst>
                                 </p:cTn>
                               </p:par>
+                            </p:childTnLst>
+                          </p:cTn>
+                        </p:par>
+                      </p:childTnLst>
+                    </p:cTn>
+                  </p:par>
+                  <p:par>
+                    <p:cTn id="19" fill="hold">
+                      <p:stCondLst>
+                        <p:cond delay="indefinite"/>
+                      </p:stCondLst>
+                      <p:childTnLst>
+                        <p:par>
+                          <p:cTn id="20" fill="hold">
+                            <p:stCondLst>
+                              <p:cond delay="0"/>
+                            </p:stCondLst>
+                            <p:childTnLst>
                               <p:par>
-                                <p:cTn id="17" presetID="1" presetClass="entr" presetSubtype="0" fill="hold" nodeType="withEffect">
+                                <p:cTn id="21" presetID="1" presetClass="entr" presetSubtype="0" fill="hold" nodeType="clickEffect">
                                   <p:stCondLst>
                                     <p:cond delay="0"/>
                                   </p:stCondLst>
                                   <p:childTnLst>
                                     <p:set>
                                       <p:cBhvr>
-                                        <p:cTn id="18" dur="1" fill="hold">
+                                        <p:cTn id="22" dur="1" fill="hold">
                                           <p:stCondLst>
                                             <p:cond delay="0"/>
                                           </p:stCondLst>
@@ -42497,15 +41660,33 @@
                                   </p:childTnLst>
                                 </p:cTn>
                               </p:par>
+                            </p:childTnLst>
+                          </p:cTn>
+                        </p:par>
+                      </p:childTnLst>
+                    </p:cTn>
+                  </p:par>
+                  <p:par>
+                    <p:cTn id="23" fill="hold">
+                      <p:stCondLst>
+                        <p:cond delay="indefinite"/>
+                      </p:stCondLst>
+                      <p:childTnLst>
+                        <p:par>
+                          <p:cTn id="24" fill="hold">
+                            <p:stCondLst>
+                              <p:cond delay="0"/>
+                            </p:stCondLst>
+                            <p:childTnLst>
                               <p:par>
-                                <p:cTn id="19" presetID="1" presetClass="entr" presetSubtype="0" fill="hold" nodeType="withEffect">
+                                <p:cTn id="25" presetID="1" presetClass="entr" presetSubtype="0" fill="hold" nodeType="clickEffect">
                                   <p:stCondLst>
                                     <p:cond delay="0"/>
                                   </p:stCondLst>
                                   <p:childTnLst>
                                     <p:set>
                                       <p:cBhvr>
-                                        <p:cTn id="20" dur="1" fill="hold">
+                                        <p:cTn id="26" dur="1" fill="hold">
                                           <p:stCondLst>
                                             <p:cond delay="0"/>
                                           </p:stCondLst>
@@ -42535,26 +41716,26 @@
                     </p:cTn>
                   </p:par>
                   <p:par>
-                    <p:cTn id="21" fill="hold">
+                    <p:cTn id="27" fill="hold">
                       <p:stCondLst>
                         <p:cond delay="indefinite"/>
                       </p:stCondLst>
                       <p:childTnLst>
                         <p:par>
-                          <p:cTn id="22" fill="hold">
+                          <p:cTn id="28" fill="hold">
                             <p:stCondLst>
                               <p:cond delay="0"/>
                             </p:stCondLst>
                             <p:childTnLst>
                               <p:par>
-                                <p:cTn id="23" presetID="1" presetClass="entr" presetSubtype="0" fill="hold" nodeType="clickEffect">
+                                <p:cTn id="29" presetID="1" presetClass="entr" presetSubtype="0" fill="hold" nodeType="clickEffect">
                                   <p:stCondLst>
                                     <p:cond delay="0"/>
                                   </p:stCondLst>
                                   <p:childTnLst>
                                     <p:set>
                                       <p:cBhvr>
-                                        <p:cTn id="24" dur="1" fill="hold">
+                                        <p:cTn id="30" dur="1" fill="hold">
                                           <p:stCondLst>
                                             <p:cond delay="0"/>
                                           </p:stCondLst>
@@ -42577,15 +41758,33 @@
                                   </p:childTnLst>
                                 </p:cTn>
                               </p:par>
+                            </p:childTnLst>
+                          </p:cTn>
+                        </p:par>
+                      </p:childTnLst>
+                    </p:cTn>
+                  </p:par>
+                  <p:par>
+                    <p:cTn id="31" fill="hold">
+                      <p:stCondLst>
+                        <p:cond delay="indefinite"/>
+                      </p:stCondLst>
+                      <p:childTnLst>
+                        <p:par>
+                          <p:cTn id="32" fill="hold">
+                            <p:stCondLst>
+                              <p:cond delay="0"/>
+                            </p:stCondLst>
+                            <p:childTnLst>
                               <p:par>
-                                <p:cTn id="25" presetID="1" presetClass="entr" presetSubtype="0" fill="hold" nodeType="withEffect">
+                                <p:cTn id="33" presetID="1" presetClass="entr" presetSubtype="0" fill="hold" nodeType="clickEffect">
                                   <p:stCondLst>
                                     <p:cond delay="0"/>
                                   </p:stCondLst>
                                   <p:childTnLst>
                                     <p:set>
                                       <p:cBhvr>
-                                        <p:cTn id="26" dur="1" fill="hold">
+                                        <p:cTn id="34" dur="1" fill="hold">
                                           <p:stCondLst>
                                             <p:cond delay="0"/>
                                           </p:stCondLst>
@@ -42656,72 +41855,6 @@
           <a:chExt cx="0" cy="0"/>
         </a:xfrm>
       </p:grpSpPr>
-      <p:sp>
-        <p:nvSpPr>
-          <p:cNvPr id="2" name="Подзаглавие 1">
-            <a:extLst>
-              <a:ext uri="{FF2B5EF4-FFF2-40B4-BE49-F238E27FC236}">
-                <a16:creationId xmlns:a16="http://schemas.microsoft.com/office/drawing/2014/main" id="{7169FD79-96EF-2288-86F0-F48A42579DBB}"/>
-              </a:ext>
-            </a:extLst>
-          </p:cNvPr>
-          <p:cNvSpPr>
-            <a:spLocks noGrp="1"/>
-          </p:cNvSpPr>
-          <p:nvPr>
-            <p:ph type="subTitle" sz="quarter" idx="11"/>
-          </p:nvPr>
-        </p:nvSpPr>
-        <p:spPr/>
-        <p:txBody>
-          <a:bodyPr/>
-          <a:lstStyle/>
-          <a:p>
-            <a:r>
-              <a:rPr lang="bg-BG" sz="3950" dirty="0">
-                <a:cs typeface="Calibri"/>
-              </a:rPr>
-              <a:t>Алгоритмична и времева сложност</a:t>
-            </a:r>
-            <a:endParaRPr lang="bg-BG" sz="3950" dirty="0">
-              <a:ea typeface="+mn-lt"/>
-              <a:cs typeface="+mn-lt"/>
-            </a:endParaRPr>
-          </a:p>
-        </p:txBody>
-      </p:sp>
-      <p:sp>
-        <p:nvSpPr>
-          <p:cNvPr id="3" name="Заглавие 2">
-            <a:extLst>
-              <a:ext uri="{FF2B5EF4-FFF2-40B4-BE49-F238E27FC236}">
-                <a16:creationId xmlns:a16="http://schemas.microsoft.com/office/drawing/2014/main" id="{38CA08A9-3844-BEC8-C64C-9DC37E2F2712}"/>
-              </a:ext>
-            </a:extLst>
-          </p:cNvPr>
-          <p:cNvSpPr>
-            <a:spLocks noGrp="1"/>
-          </p:cNvSpPr>
-          <p:nvPr>
-            <p:ph type="title" sz="quarter" idx="10"/>
-          </p:nvPr>
-        </p:nvSpPr>
-        <p:spPr/>
-        <p:txBody>
-          <a:bodyPr/>
-          <a:lstStyle/>
-          <a:p>
-            <a:pPr marL="434032" indent="-375920"/>
-            <a:r>
-              <a:rPr lang="bg-BG" sz="5400" dirty="0"/>
-              <a:t>Сложност на алгоритми</a:t>
-            </a:r>
-            <a:endParaRPr lang="bg-BG" sz="5400" dirty="0">
-              <a:cs typeface="Calibri"/>
-            </a:endParaRPr>
-          </a:p>
-        </p:txBody>
-      </p:sp>
       <p:pic>
         <p:nvPicPr>
           <p:cNvPr id="6" name="Picture 2" descr="http://www.caddtutorialsonline.com/images/16-Abstract-world-with-rising-sun.jpg">
@@ -42772,10 +41905,66 @@
           </a:effectLst>
         </p:spPr>
       </p:pic>
+      <p:sp>
+        <p:nvSpPr>
+          <p:cNvPr id="5" name="Подзаглавие 4">
+            <a:extLst>
+              <a:ext uri="{FF2B5EF4-FFF2-40B4-BE49-F238E27FC236}">
+                <a16:creationId xmlns:a16="http://schemas.microsoft.com/office/drawing/2014/main" id="{DA8A40CB-3BF5-1258-941E-E1767C64A2F5}"/>
+              </a:ext>
+            </a:extLst>
+          </p:cNvPr>
+          <p:cNvSpPr>
+            <a:spLocks noGrp="1"/>
+          </p:cNvSpPr>
+          <p:nvPr>
+            <p:ph type="subTitle" sz="quarter" idx="11"/>
+          </p:nvPr>
+        </p:nvSpPr>
+        <p:spPr/>
+        <p:txBody>
+          <a:bodyPr/>
+          <a:lstStyle/>
+          <a:p>
+            <a:r>
+              <a:rPr lang="bg-BG"/>
+              <a:t>Сложност на алгоритми</a:t>
+            </a:r>
+          </a:p>
+        </p:txBody>
+      </p:sp>
+      <p:sp>
+        <p:nvSpPr>
+          <p:cNvPr id="8" name="Заглавие 7">
+            <a:extLst>
+              <a:ext uri="{FF2B5EF4-FFF2-40B4-BE49-F238E27FC236}">
+                <a16:creationId xmlns:a16="http://schemas.microsoft.com/office/drawing/2014/main" id="{37CE411B-516F-56F8-CEF4-2A29F46B4754}"/>
+              </a:ext>
+            </a:extLst>
+          </p:cNvPr>
+          <p:cNvSpPr>
+            <a:spLocks noGrp="1"/>
+          </p:cNvSpPr>
+          <p:nvPr>
+            <p:ph type="title" sz="quarter" idx="10"/>
+          </p:nvPr>
+        </p:nvSpPr>
+        <p:spPr/>
+        <p:txBody>
+          <a:bodyPr/>
+          <a:lstStyle/>
+          <a:p>
+            <a:r>
+              <a:rPr lang="bg-BG"/>
+              <a:t>Алгоритмична и времева сложност</a:t>
+            </a:r>
+          </a:p>
+        </p:txBody>
+      </p:sp>
     </p:spTree>
     <p:extLst>
       <p:ext uri="{BB962C8B-B14F-4D97-AF65-F5344CB8AC3E}">
-        <p14:creationId xmlns:p14="http://schemas.microsoft.com/office/powerpoint/2010/main" val="721546634"/>
+        <p14:creationId xmlns:p14="http://schemas.microsoft.com/office/powerpoint/2010/main" val="539690235"/>
       </p:ext>
     </p:extLst>
   </p:cSld>
@@ -43255,10 +42444,10 @@
       </p:pic>
       <p:sp>
         <p:nvSpPr>
-          <p:cNvPr id="8" name="Slide Number">
+          <p:cNvPr id="2" name="Slide Number">
             <a:extLst>
               <a:ext uri="{FF2B5EF4-FFF2-40B4-BE49-F238E27FC236}">
-                <a16:creationId xmlns:a16="http://schemas.microsoft.com/office/drawing/2014/main" id="{50B64DF6-BE2F-4561-9FCD-342950591549}"/>
+                <a16:creationId xmlns:a16="http://schemas.microsoft.com/office/drawing/2014/main" id="{094E0F50-F540-2E9D-0C74-8791D3EBC704}"/>
               </a:ext>
             </a:extLst>
           </p:cNvPr>
@@ -43291,14 +42480,14 @@
               <a:pPr/>
               <a:t>9</a:t>
             </a:fld>
-            <a:endParaRPr lang="en-US" noProof="0"/>
+            <a:endParaRPr lang="en-US" noProof="0" dirty="0"/>
           </a:p>
         </p:txBody>
       </p:sp>
     </p:spTree>
     <p:extLst>
       <p:ext uri="{BB962C8B-B14F-4D97-AF65-F5344CB8AC3E}">
-        <p14:creationId xmlns:p14="http://schemas.microsoft.com/office/powerpoint/2010/main" val="2566004831"/>
+        <p14:creationId xmlns:p14="http://schemas.microsoft.com/office/powerpoint/2010/main" val="2850139180"/>
       </p:ext>
     </p:extLst>
   </p:cSld>
@@ -43462,15 +42651,33 @@
                                   </p:childTnLst>
                                 </p:cTn>
                               </p:par>
+                            </p:childTnLst>
+                          </p:cTn>
+                        </p:par>
+                      </p:childTnLst>
+                    </p:cTn>
+                  </p:par>
+                  <p:par>
+                    <p:cTn id="15" fill="hold">
+                      <p:stCondLst>
+                        <p:cond delay="indefinite"/>
+                      </p:stCondLst>
+                      <p:childTnLst>
+                        <p:par>
+                          <p:cTn id="16" fill="hold">
+                            <p:stCondLst>
+                              <p:cond delay="0"/>
+                            </p:stCondLst>
+                            <p:childTnLst>
                               <p:par>
-                                <p:cTn id="15" presetID="1" presetClass="entr" presetSubtype="0" fill="hold" nodeType="withEffect">
+                                <p:cTn id="17" presetID="1" presetClass="entr" presetSubtype="0" fill="hold" nodeType="clickEffect">
                                   <p:stCondLst>
                                     <p:cond delay="0"/>
                                   </p:stCondLst>
                                   <p:childTnLst>
                                     <p:set>
                                       <p:cBhvr>
-                                        <p:cTn id="16" dur="1" fill="hold">
+                                        <p:cTn id="18" dur="1" fill="hold">
                                           <p:stCondLst>
                                             <p:cond delay="0"/>
                                           </p:stCondLst>
@@ -43527,12 +42734,12 @@
 <file path=ppt/theme/theme1.xml><?xml version="1.0" encoding="utf-8"?>
 <a:theme xmlns:a="http://schemas.openxmlformats.org/drawingml/2006/main" name="SoftUni">
   <a:themeElements>
-    <a:clrScheme name="Custom 28">
+    <a:clrScheme name="Custom 2">
       <a:dk1>
         <a:srgbClr val="234465"/>
       </a:dk1>
       <a:lt1>
-        <a:srgbClr val="FFA000"/>
+        <a:srgbClr val="BF7800"/>
       </a:lt1>
       <a:dk2>
         <a:srgbClr val="234465"/>
@@ -43541,7 +42748,7 @@
         <a:srgbClr val="FFFFFF"/>
       </a:lt2>
       <a:accent1>
-        <a:srgbClr val="F29600"/>
+        <a:srgbClr val="FFA000"/>
       </a:accent1>
       <a:accent2>
         <a:srgbClr val="00B050"/>
@@ -43559,10 +42766,10 @@
         <a:srgbClr val="F4F5F7"/>
       </a:accent6>
       <a:hlink>
-        <a:srgbClr val="F2AC44"/>
+        <a:srgbClr val="BF7800"/>
       </a:hlink>
       <a:folHlink>
-        <a:srgbClr val="F6C781"/>
+        <a:srgbClr val="EF9511"/>
       </a:folHlink>
     </a:clrScheme>
     <a:fontScheme name="SoftUni">

--- a/Courses/Software-Sciences/Module-2-DS-and-Algo/11-Algorithms-Intro-and-Complexity/11-Algorithms-Intro-and-Complexity.pptx
+++ b/Courses/Software-Sciences/Module-2-DS-and-Algo/11-Algorithms-Intro-and-Complexity/11-Algorithms-Intro-and-Complexity.pptx
@@ -307,7 +307,7 @@
           <a:p>
             <a:fld id="{4E087215-0C8F-4762-A664-737A353EC9A4}" type="datetimeFigureOut">
               <a:rPr lang="bg-BG" smtClean="0"/>
-              <a:t>17.9.2023 г.</a:t>
+              <a:t>10.4.2024 г.</a:t>
             </a:fld>
             <a:endParaRPr lang="bg-BG"/>
           </a:p>
@@ -503,7 +503,7 @@
           <a:p>
             <a:fld id="{72D84649-876A-46C9-8472-14CB09C070D8}" type="datetimeFigureOut">
               <a:rPr lang="en-US" smtClean="0"/>
-              <a:t>9/17/2023</a:t>
+              <a:t>4/10/2024</a:t>
             </a:fld>
             <a:endParaRPr lang="en-US"/>
           </a:p>
@@ -9034,7 +9034,7 @@
           <a:noFill/>
           <a:extLst>
             <a:ext uri="{909E8E84-426E-40dd-AFC4-6F175D3DCCD1}">
-              <a14:hiddenFill xmlns="" xmlns:a14="http://schemas.microsoft.com/office/drawing/2010/main">
+              <a14:hiddenFill xmlns:a14="http://schemas.microsoft.com/office/drawing/2010/main" xmlns="">
                 <a:solidFill>
                   <a:srgbClr val="FFFFFF"/>
                 </a:solidFill>
@@ -12207,7 +12207,7 @@
           <a:noFill/>
           <a:extLst>
             <a:ext uri="{909E8E84-426E-40dd-AFC4-6F175D3DCCD1}">
-              <a14:hiddenFill xmlns="" xmlns:a14="http://schemas.microsoft.com/office/drawing/2010/main">
+              <a14:hiddenFill xmlns:a14="http://schemas.microsoft.com/office/drawing/2010/main" xmlns="">
                 <a:solidFill>
                   <a:srgbClr val="FFFFFF"/>
                 </a:solidFill>
@@ -14914,7 +14914,7 @@
                 <a:ea typeface="+mn-lt"/>
                 <a:cs typeface="+mn-lt"/>
               </a:rPr>
-              <a:t>експоненциално</a:t>
+              <a:t>квадратно</a:t>
             </a:r>
             <a:r>
               <a:rPr lang="bg-BG" sz="3350" dirty="0">
@@ -41302,7 +41302,7 @@
             </a:effectLst>
             <a:extLst>
               <a:ext uri="{909E8E84-426E-40dd-AFC4-6F175D3DCCD1}">
-                <a14:hiddenFill xmlns="" xmlns:a14="http://schemas.microsoft.com/office/drawing/2010/main">
+                <a14:hiddenFill xmlns:a14="http://schemas.microsoft.com/office/drawing/2010/main" xmlns="">
                   <a:solidFill>
                     <a:srgbClr val="FFFFFF"/>
                   </a:solidFill>
@@ -41343,7 +41343,7 @@
             <a:noFill/>
             <a:extLst>
               <a:ext uri="{909E8E84-426E-40dd-AFC4-6F175D3DCCD1}">
-                <a14:hiddenFill xmlns="" xmlns:a14="http://schemas.microsoft.com/office/drawing/2010/main">
+                <a14:hiddenFill xmlns:a14="http://schemas.microsoft.com/office/drawing/2010/main" xmlns="">
                   <a:solidFill>
                     <a:srgbClr val="FFFFFF"/>
                   </a:solidFill>
@@ -42351,7 +42351,7 @@
           <a:noFill/>
           <a:extLst>
             <a:ext uri="{909E8E84-426E-40dd-AFC4-6F175D3DCCD1}">
-              <a14:hiddenFill xmlns="" xmlns:a14="http://schemas.microsoft.com/office/drawing/2010/main">
+              <a14:hiddenFill xmlns:a14="http://schemas.microsoft.com/office/drawing/2010/main" xmlns="">
                 <a:solidFill>
                   <a:srgbClr val="FFFFFF"/>
                 </a:solidFill>
@@ -42399,7 +42399,7 @@
           <a:noFill/>
           <a:extLst>
             <a:ext uri="{909E8E84-426E-40dd-AFC4-6F175D3DCCD1}">
-              <a14:hiddenFill xmlns="" xmlns:a14="http://schemas.microsoft.com/office/drawing/2010/main">
+              <a14:hiddenFill xmlns:a14="http://schemas.microsoft.com/office/drawing/2010/main" xmlns="">
                 <a:solidFill>
                   <a:srgbClr val="FFFFFF"/>
                 </a:solidFill>

--- a/Courses/Software-Sciences/Module-2-DS-and-Algo/11-Algorithms-Intro-and-Complexity/11-Algorithms-Intro-and-Complexity.pptx
+++ b/Courses/Software-Sciences/Module-2-DS-and-Algo/11-Algorithms-Intro-and-Complexity/11-Algorithms-Intro-and-Complexity.pptx
@@ -307,7 +307,7 @@
           <a:p>
             <a:fld id="{4E087215-0C8F-4762-A664-737A353EC9A4}" type="datetimeFigureOut">
               <a:rPr lang="bg-BG" smtClean="0"/>
-              <a:t>10.4.2024 г.</a:t>
+              <a:t>5.07.24 г.</a:t>
             </a:fld>
             <a:endParaRPr lang="bg-BG"/>
           </a:p>
@@ -503,7 +503,7 @@
           <a:p>
             <a:fld id="{72D84649-876A-46C9-8472-14CB09C070D8}" type="datetimeFigureOut">
               <a:rPr lang="en-US" smtClean="0"/>
-              <a:t>4/10/2024</a:t>
+              <a:t>7/5/24</a:t>
             </a:fld>
             <a:endParaRPr lang="en-US"/>
           </a:p>
@@ -9034,7 +9034,7 @@
           <a:noFill/>
           <a:extLst>
             <a:ext uri="{909E8E84-426E-40dd-AFC4-6F175D3DCCD1}">
-              <a14:hiddenFill xmlns:a14="http://schemas.microsoft.com/office/drawing/2010/main" xmlns="">
+              <a14:hiddenFill xmlns="" xmlns:a14="http://schemas.microsoft.com/office/drawing/2010/main">
                 <a:solidFill>
                   <a:srgbClr val="FFFFFF"/>
                 </a:solidFill>
@@ -12207,7 +12207,7 @@
           <a:noFill/>
           <a:extLst>
             <a:ext uri="{909E8E84-426E-40dd-AFC4-6F175D3DCCD1}">
-              <a14:hiddenFill xmlns:a14="http://schemas.microsoft.com/office/drawing/2010/main" xmlns="">
+              <a14:hiddenFill xmlns="" xmlns:a14="http://schemas.microsoft.com/office/drawing/2010/main">
                 <a:solidFill>
                   <a:srgbClr val="FFFFFF"/>
                 </a:solidFill>
@@ -41147,12 +41147,21 @@
               <a:rPr lang="bg-BG" sz="3150" dirty="0"/>
               <a:t>DFS</a:t>
             </a:r>
+            <a:r>
+              <a:rPr lang="en-US" sz="3150" dirty="0"/>
+              <a:t> (Depth First Search)</a:t>
+            </a:r>
+            <a:endParaRPr lang="bg-BG" sz="3150" dirty="0"/>
           </a:p>
           <a:p>
             <a:pPr lvl="1" indent="-360045"/>
             <a:r>
               <a:rPr lang="bg-BG" sz="3150" dirty="0"/>
               <a:t>BFS</a:t>
+            </a:r>
+            <a:r>
+              <a:rPr lang="en-US" sz="3150" dirty="0"/>
+              <a:t> (Breadth First Search)</a:t>
             </a:r>
             <a:endParaRPr lang="bg-BG" sz="3150" dirty="0">
               <a:cs typeface="Calibri"/>
@@ -41302,7 +41311,7 @@
             </a:effectLst>
             <a:extLst>
               <a:ext uri="{909E8E84-426E-40dd-AFC4-6F175D3DCCD1}">
-                <a14:hiddenFill xmlns:a14="http://schemas.microsoft.com/office/drawing/2010/main" xmlns="">
+                <a14:hiddenFill xmlns="" xmlns:a14="http://schemas.microsoft.com/office/drawing/2010/main">
                   <a:solidFill>
                     <a:srgbClr val="FFFFFF"/>
                   </a:solidFill>
@@ -41343,7 +41352,7 @@
             <a:noFill/>
             <a:extLst>
               <a:ext uri="{909E8E84-426E-40dd-AFC4-6F175D3DCCD1}">
-                <a14:hiddenFill xmlns:a14="http://schemas.microsoft.com/office/drawing/2010/main" xmlns="">
+                <a14:hiddenFill xmlns="" xmlns:a14="http://schemas.microsoft.com/office/drawing/2010/main">
                   <a:solidFill>
                     <a:srgbClr val="FFFFFF"/>
                   </a:solidFill>
@@ -42351,7 +42360,7 @@
           <a:noFill/>
           <a:extLst>
             <a:ext uri="{909E8E84-426E-40dd-AFC4-6F175D3DCCD1}">
-              <a14:hiddenFill xmlns:a14="http://schemas.microsoft.com/office/drawing/2010/main" xmlns="">
+              <a14:hiddenFill xmlns="" xmlns:a14="http://schemas.microsoft.com/office/drawing/2010/main">
                 <a:solidFill>
                   <a:srgbClr val="FFFFFF"/>
                 </a:solidFill>
@@ -42399,7 +42408,7 @@
           <a:noFill/>
           <a:extLst>
             <a:ext uri="{909E8E84-426E-40dd-AFC4-6F175D3DCCD1}">
-              <a14:hiddenFill xmlns:a14="http://schemas.microsoft.com/office/drawing/2010/main" xmlns="">
+              <a14:hiddenFill xmlns="" xmlns:a14="http://schemas.microsoft.com/office/drawing/2010/main">
                 <a:solidFill>
                   <a:srgbClr val="FFFFFF"/>
                 </a:solidFill>

--- a/Courses/Software-Sciences/Module-2-DS-and-Algo/11-Algorithms-Intro-and-Complexity/11-Algorithms-Intro-and-Complexity.pptx
+++ b/Courses/Software-Sciences/Module-2-DS-and-Algo/11-Algorithms-Intro-and-Complexity/11-Algorithms-Intro-and-Complexity.pptx
@@ -307,7 +307,7 @@
           <a:p>
             <a:fld id="{4E087215-0C8F-4762-A664-737A353EC9A4}" type="datetimeFigureOut">
               <a:rPr lang="bg-BG" smtClean="0"/>
-              <a:t>5.07.24 г.</a:t>
+              <a:t>8.07.24 г.</a:t>
             </a:fld>
             <a:endParaRPr lang="bg-BG"/>
           </a:p>
@@ -503,7 +503,7 @@
           <a:p>
             <a:fld id="{72D84649-876A-46C9-8472-14CB09C070D8}" type="datetimeFigureOut">
               <a:rPr lang="en-US" smtClean="0"/>
-              <a:t>7/5/24</a:t>
+              <a:t>7/8/24</a:t>
             </a:fld>
             <a:endParaRPr lang="en-US"/>
           </a:p>
@@ -9034,7 +9034,7 @@
           <a:noFill/>
           <a:extLst>
             <a:ext uri="{909E8E84-426E-40dd-AFC4-6F175D3DCCD1}">
-              <a14:hiddenFill xmlns="" xmlns:a14="http://schemas.microsoft.com/office/drawing/2010/main">
+              <a14:hiddenFill xmlns:a14="http://schemas.microsoft.com/office/drawing/2010/main" xmlns="">
                 <a:solidFill>
                   <a:srgbClr val="FFFFFF"/>
                 </a:solidFill>
@@ -9640,7 +9640,7 @@
             </a:r>
             <a:r>
               <a:rPr lang="bg-BG" sz="3150" dirty="0"/>
-              <a:t> на времето на работа от всеки случаи</a:t>
+              <a:t> на времето на работа от всеки случай</a:t>
             </a:r>
             <a:endParaRPr lang="bg-BG" sz="3150" dirty="0">
               <a:cs typeface="Calibri"/>
@@ -12207,7 +12207,7 @@
           <a:noFill/>
           <a:extLst>
             <a:ext uri="{909E8E84-426E-40dd-AFC4-6F175D3DCCD1}">
-              <a14:hiddenFill xmlns="" xmlns:a14="http://schemas.microsoft.com/office/drawing/2010/main">
+              <a14:hiddenFill xmlns:a14="http://schemas.microsoft.com/office/drawing/2010/main" xmlns="">
                 <a:solidFill>
                   <a:srgbClr val="FFFFFF"/>
                 </a:solidFill>
@@ -12312,7 +12312,7 @@
                                         <p:tgtEl>
                                           <p:spTgt spid="473091">
                                             <p:txEl>
-                                              <p:pRg st="3" end="3"/>
+                                              <p:pRg st="1" end="1"/>
                                             </p:txEl>
                                           </p:spTgt>
                                         </p:tgtEl>
@@ -12361,7 +12361,7 @@
                                         <p:tgtEl>
                                           <p:spTgt spid="473091">
                                             <p:txEl>
-                                              <p:pRg st="4" end="4"/>
+                                              <p:pRg st="2" end="2"/>
                                             </p:txEl>
                                           </p:spTgt>
                                         </p:tgtEl>
@@ -12410,7 +12410,7 @@
                                         <p:tgtEl>
                                           <p:spTgt spid="473091">
                                             <p:txEl>
-                                              <p:pRg st="5" end="5"/>
+                                              <p:pRg st="3" end="3"/>
                                             </p:txEl>
                                           </p:spTgt>
                                         </p:tgtEl>
@@ -12459,7 +12459,7 @@
                                         <p:tgtEl>
                                           <p:spTgt spid="473091">
                                             <p:txEl>
-                                              <p:pRg st="6" end="6"/>
+                                              <p:pRg st="4" end="4"/>
                                             </p:txEl>
                                           </p:spTgt>
                                         </p:tgtEl>
@@ -12501,6 +12501,104 @@
                                     <p:set>
                                       <p:cBhvr>
                                         <p:cTn id="22" dur="1" fill="hold">
+                                          <p:stCondLst>
+                                            <p:cond delay="0"/>
+                                          </p:stCondLst>
+                                        </p:cTn>
+                                        <p:tgtEl>
+                                          <p:spTgt spid="473091">
+                                            <p:txEl>
+                                              <p:pRg st="5" end="5"/>
+                                            </p:txEl>
+                                          </p:spTgt>
+                                        </p:tgtEl>
+                                        <p:attrNameLst>
+                                          <p:attrName>style.visibility</p:attrName>
+                                        </p:attrNameLst>
+                                      </p:cBhvr>
+                                      <p:to>
+                                        <p:strVal val="visible"/>
+                                      </p:to>
+                                    </p:set>
+                                  </p:childTnLst>
+                                </p:cTn>
+                              </p:par>
+                            </p:childTnLst>
+                          </p:cTn>
+                        </p:par>
+                      </p:childTnLst>
+                    </p:cTn>
+                  </p:par>
+                  <p:par>
+                    <p:cTn id="23" fill="hold">
+                      <p:stCondLst>
+                        <p:cond delay="indefinite"/>
+                      </p:stCondLst>
+                      <p:childTnLst>
+                        <p:par>
+                          <p:cTn id="24" fill="hold">
+                            <p:stCondLst>
+                              <p:cond delay="0"/>
+                            </p:stCondLst>
+                            <p:childTnLst>
+                              <p:par>
+                                <p:cTn id="25" presetID="1" presetClass="entr" presetSubtype="0" fill="hold" nodeType="clickEffect">
+                                  <p:stCondLst>
+                                    <p:cond delay="0"/>
+                                  </p:stCondLst>
+                                  <p:childTnLst>
+                                    <p:set>
+                                      <p:cBhvr>
+                                        <p:cTn id="26" dur="1" fill="hold">
+                                          <p:stCondLst>
+                                            <p:cond delay="0"/>
+                                          </p:stCondLst>
+                                        </p:cTn>
+                                        <p:tgtEl>
+                                          <p:spTgt spid="473091">
+                                            <p:txEl>
+                                              <p:pRg st="6" end="6"/>
+                                            </p:txEl>
+                                          </p:spTgt>
+                                        </p:tgtEl>
+                                        <p:attrNameLst>
+                                          <p:attrName>style.visibility</p:attrName>
+                                        </p:attrNameLst>
+                                      </p:cBhvr>
+                                      <p:to>
+                                        <p:strVal val="visible"/>
+                                      </p:to>
+                                    </p:set>
+                                  </p:childTnLst>
+                                </p:cTn>
+                              </p:par>
+                            </p:childTnLst>
+                          </p:cTn>
+                        </p:par>
+                      </p:childTnLst>
+                    </p:cTn>
+                  </p:par>
+                  <p:par>
+                    <p:cTn id="27" fill="hold">
+                      <p:stCondLst>
+                        <p:cond delay="indefinite"/>
+                      </p:stCondLst>
+                      <p:childTnLst>
+                        <p:par>
+                          <p:cTn id="28" fill="hold">
+                            <p:stCondLst>
+                              <p:cond delay="0"/>
+                            </p:stCondLst>
+                            <p:childTnLst>
+                              <p:par>
+                                <p:cTn id="29" presetID="1" presetClass="entr" presetSubtype="0" fill="hold" nodeType="clickEffect">
+                                  <p:stCondLst>
+                                    <p:cond delay="0"/>
+                                  </p:stCondLst>
+                                  <p:childTnLst>
+                                    <p:set>
+                                      <p:cBhvr>
+                                        <p:cTn id="30" dur="1" fill="hold">
                                           <p:stCondLst>
                                             <p:cond delay="0"/>
                                           </p:stCondLst>
@@ -13016,7 +13114,7 @@
                             </p:stCondLst>
                             <p:childTnLst>
                               <p:par>
-                                <p:cTn id="5" presetID="1" presetClass="entr" presetSubtype="0" fill="hold" grpId="0" nodeType="clickEffect">
+                                <p:cTn id="5" presetID="1" presetClass="entr" presetSubtype="0" fill="hold" nodeType="clickEffect">
                                   <p:stCondLst>
                                     <p:cond delay="0"/>
                                   </p:stCondLst>
@@ -13031,7 +13129,7 @@
                                         <p:tgtEl>
                                           <p:spTgt spid="3">
                                             <p:txEl>
-                                              <p:pRg st="2" end="2"/>
+                                              <p:pRg st="1" end="1"/>
                                             </p:txEl>
                                           </p:spTgt>
                                         </p:tgtEl>
@@ -13080,7 +13178,7 @@
                                         <p:tgtEl>
                                           <p:spTgt spid="3">
                                             <p:txEl>
-                                              <p:pRg st="3" end="3"/>
+                                              <p:pRg st="2" end="2"/>
                                             </p:txEl>
                                           </p:spTgt>
                                         </p:tgtEl>
@@ -13129,7 +13227,7 @@
                                         <p:tgtEl>
                                           <p:spTgt spid="3">
                                             <p:txEl>
-                                              <p:pRg st="4" end="4"/>
+                                              <p:pRg st="3" end="3"/>
                                             </p:txEl>
                                           </p:spTgt>
                                         </p:tgtEl>
@@ -13178,7 +13276,7 @@
                                         <p:tgtEl>
                                           <p:spTgt spid="3">
                                             <p:txEl>
-                                              <p:pRg st="5" end="5"/>
+                                              <p:pRg st="4" end="4"/>
                                             </p:txEl>
                                           </p:spTgt>
                                         </p:tgtEl>
@@ -13220,6 +13318,55 @@
                                     <p:set>
                                       <p:cBhvr>
                                         <p:cTn id="22" dur="1" fill="hold">
+                                          <p:stCondLst>
+                                            <p:cond delay="0"/>
+                                          </p:stCondLst>
+                                        </p:cTn>
+                                        <p:tgtEl>
+                                          <p:spTgt spid="3">
+                                            <p:txEl>
+                                              <p:pRg st="5" end="5"/>
+                                            </p:txEl>
+                                          </p:spTgt>
+                                        </p:tgtEl>
+                                        <p:attrNameLst>
+                                          <p:attrName>style.visibility</p:attrName>
+                                        </p:attrNameLst>
+                                      </p:cBhvr>
+                                      <p:to>
+                                        <p:strVal val="visible"/>
+                                      </p:to>
+                                    </p:set>
+                                  </p:childTnLst>
+                                </p:cTn>
+                              </p:par>
+                            </p:childTnLst>
+                          </p:cTn>
+                        </p:par>
+                      </p:childTnLst>
+                    </p:cTn>
+                  </p:par>
+                  <p:par>
+                    <p:cTn id="23" fill="hold">
+                      <p:stCondLst>
+                        <p:cond delay="indefinite"/>
+                      </p:stCondLst>
+                      <p:childTnLst>
+                        <p:par>
+                          <p:cTn id="24" fill="hold">
+                            <p:stCondLst>
+                              <p:cond delay="0"/>
+                            </p:stCondLst>
+                            <p:childTnLst>
+                              <p:par>
+                                <p:cTn id="25" presetID="1" presetClass="entr" presetSubtype="0" fill="hold" grpId="0" nodeType="clickEffect">
+                                  <p:stCondLst>
+                                    <p:cond delay="0"/>
+                                  </p:stCondLst>
+                                  <p:childTnLst>
+                                    <p:set>
+                                      <p:cBhvr>
+                                        <p:cTn id="26" dur="1" fill="hold">
                                           <p:stCondLst>
                                             <p:cond delay="0"/>
                                           </p:stCondLst>
@@ -13321,7 +13468,7 @@
               <a:rPr lang="bg-BG" altLang="ko-KR" sz="3400" dirty="0">
                 <a:ea typeface="굴림"/>
               </a:rPr>
-              <a:t>горна граница - </a:t>
+              <a:t>горна граница – голяма </a:t>
             </a:r>
             <a:r>
               <a:rPr lang="bg-BG" altLang="ko-KR" sz="3400" dirty="0">
@@ -13346,409 +13493,177 @@
               <a:t>(</a:t>
             </a:r>
             <a:r>
+              <a:rPr lang="en-US" altLang="ko-KR" sz="3400" b="1" dirty="0">
+                <a:solidFill>
+                  <a:schemeClr val="bg1"/>
+                </a:solidFill>
+                <a:ea typeface="굴림"/>
+              </a:rPr>
+              <a:t>big </a:t>
+            </a:r>
+            <a:r>
               <a:rPr lang="bg-BG" altLang="ko-KR" sz="3400" b="1" dirty="0">
                 <a:solidFill>
                   <a:schemeClr val="bg1"/>
                 </a:solidFill>
                 <a:ea typeface="굴림"/>
               </a:rPr>
-              <a:t>Голяма O нотация</a:t>
-            </a:r>
-            <a:r>
-              <a:rPr lang="bg-BG" altLang="ko-KR" sz="3400" dirty="0">
-                <a:ea typeface="굴림"/>
-              </a:rPr>
-              <a:t>)</a:t>
-            </a:r>
-            <a:endParaRPr lang="bg-BG" altLang="ko-KR" sz="3400" dirty="0">
-              <a:ea typeface="굴림"/>
-              <a:cs typeface="Calibri"/>
-            </a:endParaRPr>
-          </a:p>
-          <a:p>
-            <a:pPr marL="360045" indent="-360045"/>
-            <a:r>
-              <a:rPr lang="bg-BG" altLang="ko-KR" sz="3400" dirty="0">
-                <a:ea typeface="굴림"/>
-              </a:rPr>
-              <a:t>За дадена функция</a:t>
-            </a:r>
-            <a:r>
-              <a:rPr lang="bg-BG" altLang="ko-KR" sz="3400" dirty="0">
-                <a:solidFill>
-                  <a:srgbClr val="234465"/>
-                </a:solidFill>
-                <a:latin typeface="Calibri"/>
-                <a:ea typeface="굴림"/>
-                <a:cs typeface="Calibri"/>
-              </a:rPr>
-              <a:t> </a:t>
-            </a:r>
-            <a:r>
-              <a:rPr lang="bg-BG" altLang="ko-KR" sz="3400" b="1" dirty="0">
-                <a:solidFill>
-                  <a:schemeClr val="bg1"/>
-                </a:solidFill>
-                <a:latin typeface="Consolas"/>
-                <a:ea typeface="굴림"/>
-                <a:cs typeface="Consolas" pitchFamily="49" charset="0"/>
-              </a:rPr>
-              <a:t>g(n)</a:t>
-            </a:r>
-            <a:r>
-              <a:rPr lang="bg-BG" altLang="ko-KR" sz="3400" dirty="0">
-                <a:ea typeface="굴림"/>
-              </a:rPr>
-              <a:t>, ние означаваме </a:t>
-            </a:r>
-            <a:r>
-              <a:rPr lang="bg-BG" altLang="ko-KR" sz="3400" b="1" dirty="0">
-                <a:solidFill>
-                  <a:schemeClr val="bg1"/>
-                </a:solidFill>
-                <a:latin typeface="Consolas"/>
-                <a:ea typeface="굴림"/>
-                <a:cs typeface="Consolas" pitchFamily="49" charset="0"/>
-              </a:rPr>
-              <a:t>O(g(n))</a:t>
-            </a:r>
-            <a:r>
-              <a:rPr lang="bg-BG" altLang="ko-KR" sz="3400" dirty="0">
+              <a:t>O </a:t>
+            </a:r>
+            <a:r>
+              <a:rPr lang="en-US" altLang="ko-KR" sz="3400" b="1" dirty="0">
                 <a:solidFill>
                   <a:schemeClr val="bg1"/>
                 </a:solidFill>
                 <a:ea typeface="굴림"/>
               </a:rPr>
-              <a:t> </a:t>
+              <a:t>notation</a:t>
             </a:r>
             <a:r>
               <a:rPr lang="bg-BG" altLang="ko-KR" sz="3400" dirty="0">
                 <a:ea typeface="굴림"/>
               </a:rPr>
-              <a:t>набор от функции, които са </a:t>
-            </a:r>
+              <a:t>)</a:t>
+            </a:r>
+            <a:endParaRPr lang="bg-BG" altLang="ko-KR" sz="3400" dirty="0">
+              <a:ea typeface="굴림"/>
+              <a:cs typeface="Calibri"/>
+            </a:endParaRPr>
+          </a:p>
+          <a:p>
+            <a:pPr marL="360045" indent="-360045"/>
             <a:r>
               <a:rPr lang="bg-BG" altLang="ko-KR" sz="3400" dirty="0">
-                <a:solidFill>
-                  <a:srgbClr val="234465"/>
-                </a:solidFill>
-                <a:latin typeface="Calibri"/>
                 <a:ea typeface="굴림"/>
                 <a:cs typeface="Calibri"/>
               </a:rPr>
-              <a:t>различни от </a:t>
+              <a:t>Показва как се променя </a:t>
             </a:r>
             <a:r>
               <a:rPr lang="bg-BG" altLang="ko-KR" sz="3400" b="1" dirty="0">
                 <a:solidFill>
                   <a:schemeClr val="bg1"/>
                 </a:solidFill>
-                <a:latin typeface="Consolas"/>
                 <a:ea typeface="굴림"/>
-                <a:cs typeface="Consolas" pitchFamily="49" charset="0"/>
+                <a:cs typeface="Calibri"/>
               </a:rPr>
-              <a:t>g(n)</a:t>
-            </a:r>
+              <a:t>броят на операциите </a:t>
+            </a:r>
+            <a:r>
+              <a:rPr lang="bg-BG" altLang="ko-KR" sz="3400" dirty="0">
+                <a:ea typeface="굴림"/>
+                <a:cs typeface="Calibri"/>
+              </a:rPr>
+              <a:t>на алгоритъма, когато </a:t>
+            </a:r>
+            <a:r>
+              <a:rPr lang="bg-BG" altLang="ko-KR" sz="3400" b="1" dirty="0">
+                <a:ea typeface="굴림"/>
+                <a:cs typeface="Calibri"/>
+              </a:rPr>
+              <a:t>броят</a:t>
+            </a:r>
+            <a:r>
+              <a:rPr lang="bg-BG" altLang="ko-KR" sz="3400" dirty="0">
+                <a:ea typeface="굴림"/>
+                <a:cs typeface="Calibri"/>
+              </a:rPr>
+              <a:t> на </a:t>
+            </a:r>
+            <a:r>
+              <a:rPr lang="bg-BG" altLang="ko-KR" sz="3400" b="1" dirty="0">
+                <a:ea typeface="굴림"/>
+                <a:cs typeface="Calibri"/>
+              </a:rPr>
+              <a:t>входните елементи </a:t>
+            </a:r>
+            <a:r>
+              <a:rPr lang="en-US" altLang="ko-KR" sz="3400" dirty="0">
+                <a:ea typeface="굴림"/>
+                <a:cs typeface="Calibri"/>
+              </a:rPr>
+              <a:t>n </a:t>
+            </a:r>
+            <a:r>
+              <a:rPr lang="bg-BG" altLang="ko-KR" sz="3400" b="1" dirty="0">
+                <a:solidFill>
+                  <a:schemeClr val="bg1"/>
+                </a:solidFill>
+                <a:ea typeface="굴림"/>
+                <a:cs typeface="Calibri"/>
+              </a:rPr>
+              <a:t>нараства</a:t>
+            </a:r>
+            <a:endParaRPr lang="bg-BG" altLang="ko-KR" sz="3200" b="1" dirty="0">
+              <a:solidFill>
+                <a:schemeClr val="bg1"/>
+              </a:solidFill>
+              <a:ea typeface="굴림" pitchFamily="50" charset="-127"/>
+              <a:cs typeface="Calibri"/>
+            </a:endParaRPr>
+          </a:p>
+          <a:p>
+            <a:pPr marL="360045" indent="-360045"/>
             <a:r>
               <a:rPr lang="bg-BG" altLang="ko-KR" sz="3400" dirty="0">
                 <a:ea typeface="굴림"/>
               </a:rPr>
-              <a:t> с константа</a:t>
-            </a:r>
-            <a:endParaRPr lang="bg-BG" altLang="ko-KR" sz="3400" dirty="0">
-              <a:ea typeface="굴림"/>
-              <a:cs typeface="Calibri"/>
-            </a:endParaRPr>
-          </a:p>
-          <a:p>
-            <a:pPr marL="360045" indent="-360045"/>
-            <a:endParaRPr lang="bg-BG" altLang="ko-KR" sz="3200" dirty="0">
-              <a:ea typeface="굴림" pitchFamily="50" charset="-127"/>
-              <a:cs typeface="Calibri"/>
-            </a:endParaRPr>
-          </a:p>
-          <a:p>
-            <a:pPr marL="360045" indent="-360045"/>
-            <a:endParaRPr lang="bg-BG" altLang="ko-KR" sz="3200" dirty="0">
-              <a:ea typeface="굴림" pitchFamily="50" charset="-127"/>
-              <a:cs typeface="Calibri"/>
-            </a:endParaRPr>
-          </a:p>
-          <a:p>
-            <a:pPr marL="360045" indent="-360045"/>
+              <a:t>Интересуваме се от </a:t>
+            </a:r>
+            <a:r>
+              <a:rPr lang="bg-BG" altLang="ko-KR" sz="3400" b="1" dirty="0">
+                <a:solidFill>
+                  <a:schemeClr val="bg1"/>
+                </a:solidFill>
+                <a:ea typeface="굴림"/>
+              </a:rPr>
+              <a:t>големи стойности на </a:t>
+            </a:r>
+            <a:r>
+              <a:rPr lang="en-US" altLang="ko-KR" sz="3400" b="1" dirty="0">
+                <a:solidFill>
+                  <a:schemeClr val="bg1"/>
+                </a:solidFill>
+                <a:ea typeface="굴림"/>
+              </a:rPr>
+              <a:t>n</a:t>
+            </a:r>
+            <a:r>
+              <a:rPr lang="en-US" altLang="ko-KR" sz="3400" dirty="0">
+                <a:ea typeface="굴림"/>
+              </a:rPr>
+              <a:t>, </a:t>
+            </a:r>
             <a:r>
               <a:rPr lang="bg-BG" altLang="ko-KR" sz="3400" dirty="0">
                 <a:ea typeface="굴림"/>
               </a:rPr>
-              <a:t>Примери:</a:t>
-            </a:r>
-            <a:endParaRPr lang="bg-BG" altLang="ko-KR" sz="3400" dirty="0">
-              <a:ea typeface="굴림"/>
-              <a:cs typeface="Calibri"/>
-            </a:endParaRPr>
-          </a:p>
-          <a:p>
-            <a:pPr lvl="1" indent="-360045"/>
-            <a:r>
-              <a:rPr lang="bg-BG" altLang="ko-KR" sz="3200" b="1" dirty="0">
-                <a:latin typeface="Consolas"/>
-                <a:ea typeface="굴림"/>
-                <a:cs typeface="Consolas" pitchFamily="49" charset="0"/>
-              </a:rPr>
-              <a:t>3</a:t>
-            </a:r>
-            <a:r>
-              <a:rPr lang="bg-BG" altLang="ko-KR" sz="3200" b="1" dirty="0">
-                <a:ea typeface="굴림"/>
-                <a:cs typeface="Consolas" pitchFamily="49" charset="0"/>
-              </a:rPr>
-              <a:t> </a:t>
-            </a:r>
-            <a:r>
-              <a:rPr lang="bg-BG" altLang="ko-KR" sz="3200" b="1" dirty="0">
-                <a:latin typeface="Consolas"/>
-                <a:ea typeface="굴림"/>
-                <a:cs typeface="Consolas" pitchFamily="49" charset="0"/>
-              </a:rPr>
-              <a:t>*</a:t>
-            </a:r>
-            <a:r>
-              <a:rPr lang="bg-BG" altLang="ko-KR" sz="3200" b="1" dirty="0">
-                <a:ea typeface="굴림"/>
-                <a:cs typeface="Consolas" pitchFamily="49" charset="0"/>
-              </a:rPr>
-              <a:t> </a:t>
-            </a:r>
-            <a:r>
-              <a:rPr lang="bg-BG" altLang="ko-KR" sz="3200" b="1" dirty="0">
-                <a:latin typeface="Consolas"/>
-                <a:ea typeface="굴림"/>
-                <a:cs typeface="Consolas" pitchFamily="49" charset="0"/>
-              </a:rPr>
-              <a:t>n</a:t>
-            </a:r>
-            <a:r>
-              <a:rPr lang="bg-BG" altLang="ko-KR" sz="3200" b="1" baseline="30000" dirty="0">
-                <a:latin typeface="Consolas"/>
-                <a:ea typeface="굴림"/>
-                <a:cs typeface="Consolas" pitchFamily="49" charset="0"/>
-              </a:rPr>
-              <a:t>2</a:t>
-            </a:r>
-            <a:r>
-              <a:rPr lang="bg-BG" altLang="ko-KR" sz="3200" b="1" dirty="0">
-                <a:ea typeface="굴림"/>
-                <a:cs typeface="Consolas" pitchFamily="49" charset="0"/>
-              </a:rPr>
-              <a:t> </a:t>
-            </a:r>
-            <a:r>
-              <a:rPr lang="bg-BG" altLang="ko-KR" sz="3200" b="1" dirty="0">
-                <a:latin typeface="Consolas"/>
-                <a:ea typeface="굴림"/>
-                <a:cs typeface="Consolas" pitchFamily="49" charset="0"/>
-              </a:rPr>
-              <a:t>+</a:t>
-            </a:r>
-            <a:r>
-              <a:rPr lang="bg-BG" altLang="ko-KR" sz="3200" b="1" dirty="0">
-                <a:ea typeface="굴림"/>
-                <a:cs typeface="Consolas" pitchFamily="49" charset="0"/>
-              </a:rPr>
-              <a:t> </a:t>
-            </a:r>
-            <a:r>
-              <a:rPr lang="bg-BG" altLang="ko-KR" sz="3200" b="1" dirty="0">
-                <a:latin typeface="Consolas"/>
-                <a:ea typeface="굴림"/>
-                <a:cs typeface="Consolas" pitchFamily="49" charset="0"/>
-              </a:rPr>
-              <a:t>n/2</a:t>
-            </a:r>
-            <a:r>
-              <a:rPr lang="bg-BG" altLang="ko-KR" sz="3200" b="1" dirty="0">
-                <a:ea typeface="굴림"/>
-                <a:cs typeface="Consolas" pitchFamily="49" charset="0"/>
-              </a:rPr>
-              <a:t> </a:t>
-            </a:r>
-            <a:r>
-              <a:rPr lang="bg-BG" altLang="ko-KR" sz="3200" b="1" dirty="0">
-                <a:latin typeface="Consolas"/>
-                <a:ea typeface="굴림"/>
-                <a:cs typeface="Consolas" pitchFamily="49" charset="0"/>
-              </a:rPr>
-              <a:t>+</a:t>
-            </a:r>
-            <a:r>
-              <a:rPr lang="bg-BG" altLang="ko-KR" sz="3200" b="1" dirty="0">
-                <a:ea typeface="굴림"/>
-                <a:cs typeface="Consolas" pitchFamily="49" charset="0"/>
-              </a:rPr>
-              <a:t> </a:t>
-            </a:r>
-            <a:r>
-              <a:rPr lang="bg-BG" altLang="ko-KR" sz="3200" b="1" dirty="0">
-                <a:latin typeface="Consolas"/>
-                <a:ea typeface="굴림"/>
-                <a:cs typeface="Consolas" pitchFamily="49" charset="0"/>
-              </a:rPr>
-              <a:t>12 </a:t>
-            </a:r>
-            <a:r>
-              <a:rPr lang="bg-BG" sz="3200" b="1" dirty="0">
-                <a:latin typeface="Consolas"/>
-                <a:cs typeface="Consolas" pitchFamily="49" charset="0"/>
-              </a:rPr>
-              <a:t>∈ </a:t>
-            </a:r>
-            <a:r>
-              <a:rPr lang="bg-BG" altLang="ko-KR" sz="3200" b="1" dirty="0">
-                <a:latin typeface="Consolas"/>
-                <a:ea typeface="굴림"/>
-                <a:cs typeface="Consolas" pitchFamily="49" charset="0"/>
-              </a:rPr>
-              <a:t>O(n</a:t>
-            </a:r>
-            <a:r>
-              <a:rPr lang="bg-BG" altLang="ko-KR" sz="3200" b="1" baseline="30000" dirty="0">
-                <a:latin typeface="Consolas"/>
-                <a:ea typeface="굴림"/>
-                <a:cs typeface="Consolas" pitchFamily="49" charset="0"/>
-              </a:rPr>
-              <a:t>2</a:t>
-            </a:r>
-            <a:r>
-              <a:rPr lang="bg-BG" altLang="ko-KR" sz="3200" b="1" dirty="0">
-                <a:latin typeface="Consolas"/>
-                <a:ea typeface="굴림"/>
-                <a:cs typeface="Consolas" pitchFamily="49" charset="0"/>
-              </a:rPr>
-              <a:t>)</a:t>
-            </a:r>
-          </a:p>
-          <a:p>
-            <a:pPr lvl="1" indent="-360045"/>
-            <a:r>
-              <a:rPr lang="bg-BG" altLang="ko-KR" sz="3200" b="1" dirty="0">
-                <a:latin typeface="Consolas"/>
-                <a:ea typeface="굴림"/>
-                <a:cs typeface="Consolas" pitchFamily="49" charset="0"/>
-              </a:rPr>
-              <a:t>4*n*log</a:t>
-            </a:r>
-            <a:r>
-              <a:rPr lang="bg-BG" altLang="ko-KR" sz="3200" b="1" baseline="-25000" dirty="0">
-                <a:latin typeface="Consolas"/>
-                <a:ea typeface="굴림"/>
-                <a:cs typeface="Consolas" pitchFamily="49" charset="0"/>
-              </a:rPr>
-              <a:t>2</a:t>
-            </a:r>
-            <a:r>
-              <a:rPr lang="bg-BG" altLang="ko-KR" sz="3200" b="1" dirty="0">
-                <a:latin typeface="Consolas"/>
-                <a:ea typeface="굴림"/>
-                <a:cs typeface="Consolas" pitchFamily="49" charset="0"/>
-              </a:rPr>
-              <a:t>(3*n+1)</a:t>
-            </a:r>
-            <a:r>
-              <a:rPr lang="bg-BG" altLang="ko-KR" sz="3200" b="1" dirty="0">
-                <a:ea typeface="굴림"/>
-                <a:cs typeface="Consolas" pitchFamily="49" charset="0"/>
-              </a:rPr>
-              <a:t> </a:t>
-            </a:r>
-            <a:r>
-              <a:rPr lang="bg-BG" altLang="ko-KR" sz="3200" b="1" dirty="0">
-                <a:latin typeface="Consolas"/>
-                <a:ea typeface="굴림"/>
-                <a:cs typeface="Consolas" pitchFamily="49" charset="0"/>
-              </a:rPr>
-              <a:t>+</a:t>
-            </a:r>
-            <a:r>
-              <a:rPr lang="bg-BG" altLang="ko-KR" sz="3200" b="1" dirty="0">
-                <a:ea typeface="굴림"/>
-                <a:cs typeface="Consolas" pitchFamily="49" charset="0"/>
-              </a:rPr>
-              <a:t> </a:t>
-            </a:r>
-            <a:r>
-              <a:rPr lang="bg-BG" altLang="ko-KR" sz="3200" b="1" dirty="0">
-                <a:latin typeface="Consolas"/>
-                <a:ea typeface="굴림"/>
-                <a:cs typeface="Consolas" pitchFamily="49" charset="0"/>
-              </a:rPr>
-              <a:t>2*n-1 </a:t>
-            </a:r>
-            <a:r>
-              <a:rPr lang="bg-BG" sz="3200" b="1" dirty="0">
-                <a:latin typeface="Consolas"/>
-                <a:cs typeface="Consolas" pitchFamily="49" charset="0"/>
-              </a:rPr>
-              <a:t>∈ </a:t>
-            </a:r>
-            <a:r>
-              <a:rPr lang="bg-BG" altLang="ko-KR" sz="3200" b="1" dirty="0">
-                <a:latin typeface="Consolas"/>
-                <a:ea typeface="굴림"/>
-                <a:cs typeface="Consolas" pitchFamily="49" charset="0"/>
-              </a:rPr>
-              <a:t>O(n</a:t>
-            </a:r>
-            <a:r>
-              <a:rPr lang="bg-BG" altLang="ko-KR" sz="3200" b="1" dirty="0">
-                <a:ea typeface="굴림"/>
-                <a:cs typeface="Consolas" pitchFamily="49" charset="0"/>
-              </a:rPr>
-              <a:t> </a:t>
-            </a:r>
-            <a:r>
-              <a:rPr lang="bg-BG" altLang="ko-KR" sz="3200" b="1" dirty="0">
-                <a:latin typeface="Consolas"/>
-                <a:ea typeface="굴림"/>
-                <a:cs typeface="Consolas" pitchFamily="49" charset="0"/>
-              </a:rPr>
-              <a:t>*</a:t>
-            </a:r>
-            <a:r>
-              <a:rPr lang="bg-BG" altLang="ko-KR" sz="3200" b="1" dirty="0">
-                <a:ea typeface="굴림"/>
-                <a:cs typeface="Consolas" pitchFamily="49" charset="0"/>
-              </a:rPr>
-              <a:t> </a:t>
-            </a:r>
-            <a:r>
-              <a:rPr lang="bg-BG" altLang="ko-KR" sz="3200" b="1" dirty="0">
-                <a:latin typeface="Consolas"/>
-                <a:ea typeface="굴림"/>
-                <a:cs typeface="Consolas" pitchFamily="49" charset="0"/>
-              </a:rPr>
-              <a:t>log</a:t>
-            </a:r>
-            <a:r>
-              <a:rPr lang="bg-BG" altLang="ko-KR" sz="3200" b="1" dirty="0">
-                <a:ea typeface="굴림"/>
-                <a:cs typeface="Consolas" pitchFamily="49" charset="0"/>
-              </a:rPr>
-              <a:t> </a:t>
-            </a:r>
-            <a:r>
-              <a:rPr lang="bg-BG" altLang="ko-KR" sz="3200" b="1" dirty="0">
-                <a:latin typeface="Consolas"/>
-                <a:ea typeface="굴림"/>
-                <a:cs typeface="Consolas" pitchFamily="49" charset="0"/>
-              </a:rPr>
-              <a:t>n)</a:t>
-            </a:r>
-            <a:r>
-              <a:rPr lang="bg-BG" altLang="ko-KR" sz="3200" b="1" dirty="0">
+              <a:t>т.е. когато </a:t>
+            </a:r>
+            <a:r>
+              <a:rPr lang="en-US" altLang="ko-KR" sz="3400" dirty="0">
                 <a:ea typeface="굴림"/>
               </a:rPr>
-              <a:t> </a:t>
-            </a:r>
+              <a:t>n </a:t>
+            </a:r>
+            <a:r>
+              <a:rPr lang="bg-BG" altLang="ko-KR" sz="3400" dirty="0">
+                <a:ea typeface="굴림"/>
+              </a:rPr>
+              <a:t>отива към </a:t>
+            </a:r>
+            <a:r>
+              <a:rPr lang="bg-BG" altLang="ko-KR" sz="3400" b="1" dirty="0">
+                <a:solidFill>
+                  <a:schemeClr val="bg1"/>
+                </a:solidFill>
+                <a:ea typeface="굴림"/>
+              </a:rPr>
+              <a:t>безкрайност</a:t>
+            </a:r>
+          </a:p>
+          <a:p>
+            <a:pPr marL="360045" indent="-360045"/>
             <a:endParaRPr lang="bg-BG" sz="3200" b="1" dirty="0">
               <a:solidFill>
                 <a:schemeClr val="accent5">
@@ -13790,655 +13705,6 @@
               <a:ea typeface="굴림"/>
               <a:cs typeface="Calibri"/>
             </a:endParaRPr>
-          </a:p>
-        </p:txBody>
-      </p:sp>
-      <p:sp>
-        <p:nvSpPr>
-          <p:cNvPr id="5" name="Text Placeholder 6"/>
-          <p:cNvSpPr>
-            <a:spLocks noGrp="1"/>
-          </p:cNvSpPr>
-          <p:nvPr/>
-        </p:nvSpPr>
-        <p:spPr>
-          <a:xfrm>
-            <a:off x="684644" y="3149392"/>
-            <a:ext cx="9802779" cy="1081826"/>
-          </a:xfrm>
-          <a:prstGeom prst="rect">
-            <a:avLst/>
-          </a:prstGeom>
-          <a:solidFill>
-            <a:schemeClr val="accent5">
-              <a:lumMod val="40000"/>
-              <a:lumOff val="60000"/>
-              <a:alpha val="15000"/>
-            </a:schemeClr>
-          </a:solidFill>
-          <a:ln w="12700">
-            <a:solidFill>
-              <a:schemeClr val="accent5">
-                <a:lumMod val="60000"/>
-                <a:lumOff val="40000"/>
-              </a:schemeClr>
-            </a:solidFill>
-          </a:ln>
-        </p:spPr>
-        <p:txBody>
-          <a:bodyPr wrap="square" lIns="143963" tIns="71981" rIns="143963" bIns="71981" anchor="t">
-            <a:spAutoFit/>
-          </a:bodyPr>
-          <a:lstStyle>
-            <a:lvl1pPr marL="0" indent="0" algn="l" rtl="0" eaLnBrk="0" fontAlgn="base" hangingPunct="0">
-              <a:spcBef>
-                <a:spcPts val="0"/>
-              </a:spcBef>
-              <a:spcAft>
-                <a:spcPct val="0"/>
-              </a:spcAft>
-              <a:buClr>
-                <a:schemeClr val="accent5">
-                  <a:lumMod val="40000"/>
-                  <a:lumOff val="60000"/>
-                </a:schemeClr>
-              </a:buClr>
-              <a:buSzPct val="70000"/>
-              <a:buFont typeface="Wingdings 2" pitchFamily="18" charset="2"/>
-              <a:buNone/>
-              <a:defRPr lang="en-US" sz="1800" b="1" kern="1200" smtClean="0">
-                <a:solidFill>
-                  <a:srgbClr val="8CF4F2"/>
-                </a:solidFill>
-                <a:effectLst>
-                  <a:outerShdw blurRad="38100" dist="38100" dir="2700000" algn="tl">
-                    <a:srgbClr val="000000">
-                      <a:alpha val="43137"/>
-                    </a:srgbClr>
-                  </a:outerShdw>
-                </a:effectLst>
-                <a:latin typeface="Consolas" pitchFamily="49" charset="0"/>
-                <a:ea typeface="+mn-ea"/>
-                <a:cs typeface="Consolas" pitchFamily="49" charset="0"/>
-              </a:defRPr>
-            </a:lvl1pPr>
-            <a:lvl2pPr marL="630238" indent="-273050" algn="l" rtl="0" eaLnBrk="0" fontAlgn="base" hangingPunct="0">
-              <a:spcBef>
-                <a:spcPct val="20000"/>
-              </a:spcBef>
-              <a:spcAft>
-                <a:spcPct val="0"/>
-              </a:spcAft>
-              <a:buClr>
-                <a:schemeClr val="accent2">
-                  <a:lumMod val="60000"/>
-                  <a:lumOff val="40000"/>
-                </a:schemeClr>
-              </a:buClr>
-              <a:buFont typeface="Wingdings 2" pitchFamily="18" charset="2"/>
-              <a:buChar char=""/>
-              <a:defRPr sz="3000" b="1" kern="1200">
-                <a:solidFill>
-                  <a:schemeClr val="tx1">
-                    <a:lumMod val="20000"/>
-                    <a:lumOff val="80000"/>
-                  </a:schemeClr>
-                </a:solidFill>
-                <a:effectLst>
-                  <a:outerShdw blurRad="38100" dist="38100" dir="2700000" algn="tl">
-                    <a:srgbClr val="000000">
-                      <a:alpha val="43137"/>
-                    </a:srgbClr>
-                  </a:outerShdw>
-                </a:effectLst>
-                <a:latin typeface="+mn-lt"/>
-                <a:ea typeface="+mn-ea"/>
-                <a:cs typeface="+mn-cs"/>
-              </a:defRPr>
-            </a:lvl2pPr>
-            <a:lvl3pPr marL="922338" indent="-273050" algn="l" rtl="0" eaLnBrk="0" fontAlgn="base" hangingPunct="0">
-              <a:spcBef>
-                <a:spcPct val="20000"/>
-              </a:spcBef>
-              <a:spcAft>
-                <a:spcPct val="0"/>
-              </a:spcAft>
-              <a:buClr>
-                <a:schemeClr val="tx1">
-                  <a:lumMod val="50000"/>
-                </a:schemeClr>
-              </a:buClr>
-              <a:buFont typeface="Wingdings 2" pitchFamily="18" charset="2"/>
-              <a:buChar char=""/>
-              <a:defRPr sz="2800" b="1" kern="1200">
-                <a:solidFill>
-                  <a:schemeClr val="tx1">
-                    <a:lumMod val="20000"/>
-                    <a:lumOff val="80000"/>
-                  </a:schemeClr>
-                </a:solidFill>
-                <a:effectLst>
-                  <a:outerShdw blurRad="38100" dist="38100" dir="2700000" algn="tl">
-                    <a:srgbClr val="000000">
-                      <a:alpha val="43137"/>
-                    </a:srgbClr>
-                  </a:outerShdw>
-                </a:effectLst>
-                <a:latin typeface="+mn-lt"/>
-                <a:ea typeface="+mn-ea"/>
-                <a:cs typeface="+mn-cs"/>
-              </a:defRPr>
-            </a:lvl3pPr>
-            <a:lvl4pPr marL="1187450" indent="-228600" algn="l" rtl="0" eaLnBrk="0" fontAlgn="base" hangingPunct="0">
-              <a:spcBef>
-                <a:spcPct val="20000"/>
-              </a:spcBef>
-              <a:spcAft>
-                <a:spcPct val="0"/>
-              </a:spcAft>
-              <a:buClr>
-                <a:srgbClr val="F8BD52"/>
-              </a:buClr>
-              <a:buFont typeface="Wingdings 2" pitchFamily="18" charset="2"/>
-              <a:buChar char=""/>
-              <a:defRPr sz="2600" b="1" kern="1200">
-                <a:solidFill>
-                  <a:schemeClr val="tx1">
-                    <a:lumMod val="20000"/>
-                    <a:lumOff val="80000"/>
-                  </a:schemeClr>
-                </a:solidFill>
-                <a:effectLst>
-                  <a:outerShdw blurRad="38100" dist="38100" dir="2700000" algn="tl">
-                    <a:srgbClr val="000000">
-                      <a:alpha val="43137"/>
-                    </a:srgbClr>
-                  </a:outerShdw>
-                </a:effectLst>
-                <a:latin typeface="+mn-lt"/>
-                <a:ea typeface="+mn-ea"/>
-                <a:cs typeface="+mn-cs"/>
-              </a:defRPr>
-            </a:lvl4pPr>
-            <a:lvl5pPr marL="1425575" indent="-228600" algn="l" rtl="0" eaLnBrk="0" fontAlgn="base" hangingPunct="0">
-              <a:spcBef>
-                <a:spcPct val="20000"/>
-              </a:spcBef>
-              <a:spcAft>
-                <a:spcPct val="0"/>
-              </a:spcAft>
-              <a:buClr>
-                <a:srgbClr val="46A6BD"/>
-              </a:buClr>
-              <a:buFont typeface="Wingdings 2" pitchFamily="18" charset="2"/>
-              <a:buChar char=""/>
-              <a:defRPr sz="2400" b="1" kern="1200">
-                <a:solidFill>
-                  <a:schemeClr val="tx1">
-                    <a:lumMod val="20000"/>
-                    <a:lumOff val="80000"/>
-                  </a:schemeClr>
-                </a:solidFill>
-                <a:effectLst>
-                  <a:outerShdw blurRad="38100" dist="38100" dir="2700000" algn="tl">
-                    <a:srgbClr val="000000">
-                      <a:alpha val="43137"/>
-                    </a:srgbClr>
-                  </a:outerShdw>
-                </a:effectLst>
-                <a:latin typeface="+mn-lt"/>
-                <a:ea typeface="+mn-ea"/>
-                <a:cs typeface="+mn-cs"/>
-              </a:defRPr>
-            </a:lvl5pPr>
-            <a:lvl6pPr marL="1673352" indent="-228600" algn="l" rtl="0" eaLnBrk="1" latinLnBrk="0" hangingPunct="1">
-              <a:spcBef>
-                <a:spcPct val="20000"/>
-              </a:spcBef>
-              <a:buClr>
-                <a:schemeClr val="accent6"/>
-              </a:buClr>
-              <a:buFont typeface="Wingdings 2"/>
-              <a:buChar char=""/>
-              <a:defRPr sz="1800" kern="1200">
-                <a:solidFill>
-                  <a:schemeClr val="tx1"/>
-                </a:solidFill>
-                <a:latin typeface="+mn-lt"/>
-                <a:ea typeface="+mn-ea"/>
-                <a:cs typeface="+mn-cs"/>
-              </a:defRPr>
-            </a:lvl6pPr>
-            <a:lvl7pPr marL="1911096" indent="-228600" algn="l" rtl="0" eaLnBrk="1" latinLnBrk="0" hangingPunct="1">
-              <a:spcBef>
-                <a:spcPct val="20000"/>
-              </a:spcBef>
-              <a:buClr>
-                <a:schemeClr val="tx2"/>
-              </a:buClr>
-              <a:buFont typeface="Wingdings 2"/>
-              <a:buChar char=""/>
-              <a:defRPr sz="1600" kern="1200">
-                <a:solidFill>
-                  <a:schemeClr val="tx1"/>
-                </a:solidFill>
-                <a:latin typeface="+mn-lt"/>
-                <a:ea typeface="+mn-ea"/>
-                <a:cs typeface="+mn-cs"/>
-              </a:defRPr>
-            </a:lvl7pPr>
-            <a:lvl8pPr marL="2121408" indent="-182880" algn="l" rtl="0" eaLnBrk="1" latinLnBrk="0" hangingPunct="1">
-              <a:spcBef>
-                <a:spcPct val="20000"/>
-              </a:spcBef>
-              <a:buClr>
-                <a:schemeClr val="tx2"/>
-              </a:buClr>
-              <a:buFont typeface="Wingdings 2"/>
-              <a:buChar char=""/>
-              <a:defRPr sz="1400" kern="1200">
-                <a:solidFill>
-                  <a:schemeClr val="tx1"/>
-                </a:solidFill>
-                <a:latin typeface="+mn-lt"/>
-                <a:ea typeface="+mn-ea"/>
-                <a:cs typeface="+mn-cs"/>
-              </a:defRPr>
-            </a:lvl8pPr>
-            <a:lvl9pPr marL="2322576" indent="-182880" algn="l" rtl="0" eaLnBrk="1" latinLnBrk="0" hangingPunct="1">
-              <a:spcBef>
-                <a:spcPct val="20000"/>
-              </a:spcBef>
-              <a:buClr>
-                <a:schemeClr val="tx2"/>
-              </a:buClr>
-              <a:buFont typeface="Wingdings 2"/>
-              <a:buChar char=""/>
-              <a:defRPr sz="1400" kern="1200">
-                <a:solidFill>
-                  <a:schemeClr val="tx1"/>
-                </a:solidFill>
-                <a:latin typeface="+mn-lt"/>
-                <a:ea typeface="+mn-ea"/>
-                <a:cs typeface="+mn-cs"/>
-              </a:defRPr>
-            </a:lvl9pPr>
-          </a:lstStyle>
-          <a:p>
-            <a:pPr marL="0" lvl="1" indent="0">
-              <a:spcBef>
-                <a:spcPts val="0"/>
-              </a:spcBef>
-              <a:buClr>
-                <a:schemeClr val="accent5">
-                  <a:lumMod val="40000"/>
-                  <a:lumOff val="60000"/>
-                </a:schemeClr>
-              </a:buClr>
-              <a:buSzPct val="70000"/>
-              <a:buNone/>
-            </a:pPr>
-            <a:r>
-              <a:rPr lang="en-US" altLang="ko-KR" sz="2950" dirty="0">
-                <a:solidFill>
-                  <a:schemeClr val="bg1"/>
-                </a:solidFill>
-                <a:effectLst/>
-                <a:latin typeface="Consolas"/>
-                <a:ea typeface="굴림"/>
-                <a:cs typeface="Consolas" pitchFamily="49" charset="0"/>
-                <a:sym typeface="Symbol" pitchFamily="18" charset="2"/>
-              </a:rPr>
-              <a:t>O</a:t>
-            </a:r>
-            <a:r>
-              <a:rPr lang="en-US" altLang="ko-KR" sz="2950" dirty="0">
-                <a:solidFill>
-                  <a:schemeClr val="bg1"/>
-                </a:solidFill>
-                <a:effectLst/>
-                <a:latin typeface="Consolas"/>
-                <a:ea typeface="굴림"/>
-                <a:cs typeface="Consolas" pitchFamily="49" charset="0"/>
-              </a:rPr>
-              <a:t>(g(n))</a:t>
-            </a:r>
-            <a:r>
-              <a:rPr lang="en-US" altLang="ko-KR" sz="2950" dirty="0">
-                <a:effectLst/>
-                <a:ea typeface="굴림"/>
-              </a:rPr>
-              <a:t> </a:t>
-            </a:r>
-            <a:r>
-              <a:rPr lang="en-US" altLang="ko-KR" sz="2950" dirty="0">
-                <a:solidFill>
-                  <a:schemeClr val="tx1"/>
-                </a:solidFill>
-                <a:effectLst/>
-                <a:latin typeface="Consolas"/>
-                <a:ea typeface="굴림"/>
-                <a:cs typeface="Consolas" pitchFamily="49" charset="0"/>
-              </a:rPr>
-              <a:t>=</a:t>
-            </a:r>
-            <a:r>
-              <a:rPr lang="en-US" altLang="ko-KR" sz="2950" dirty="0">
-                <a:solidFill>
-                  <a:schemeClr val="tx1"/>
-                </a:solidFill>
-                <a:effectLst/>
-                <a:ea typeface="굴림"/>
-              </a:rPr>
-              <a:t> {</a:t>
-            </a:r>
-            <a:r>
-              <a:rPr lang="en-US" altLang="ko-KR" sz="2950" dirty="0">
-                <a:solidFill>
-                  <a:schemeClr val="bg1"/>
-                </a:solidFill>
-                <a:effectLst/>
-                <a:latin typeface="Consolas"/>
-                <a:ea typeface="굴림"/>
-                <a:cs typeface="Consolas" pitchFamily="49" charset="0"/>
-              </a:rPr>
-              <a:t>f(n)</a:t>
-            </a:r>
-            <a:r>
-              <a:rPr lang="en-US" altLang="ko-KR" sz="2950" dirty="0">
-                <a:solidFill>
-                  <a:schemeClr val="tx1"/>
-                </a:solidFill>
-                <a:effectLst/>
-                <a:ea typeface="굴림"/>
-              </a:rPr>
-              <a:t>:</a:t>
-            </a:r>
-            <a:r>
-              <a:rPr lang="en-US" altLang="ko-KR" sz="2950" dirty="0">
-                <a:effectLst/>
-                <a:ea typeface="굴림"/>
-              </a:rPr>
-              <a:t> </a:t>
-            </a:r>
-            <a:r>
-              <a:rPr lang="bg-BG" altLang="ko-KR" sz="2950" dirty="0">
-                <a:solidFill>
-                  <a:schemeClr val="tx1"/>
-                </a:solidFill>
-                <a:effectLst/>
-                <a:ea typeface="굴림"/>
-              </a:rPr>
-              <a:t>има положителна константа</a:t>
-            </a:r>
-            <a:r>
-              <a:rPr lang="bg-BG" altLang="ko-KR" sz="2950" dirty="0">
-                <a:solidFill>
-                  <a:schemeClr val="tx1"/>
-                </a:solidFill>
-                <a:effectLst/>
-                <a:latin typeface="Calibri"/>
-                <a:ea typeface="굴림"/>
-                <a:cs typeface="Calibri"/>
-              </a:rPr>
-              <a:t> </a:t>
-            </a:r>
-            <a:r>
-              <a:rPr lang="en-US" altLang="ko-KR" sz="2950" dirty="0">
-                <a:solidFill>
-                  <a:schemeClr val="bg1"/>
-                </a:solidFill>
-                <a:effectLst/>
-                <a:latin typeface="Consolas"/>
-                <a:ea typeface="굴림"/>
-                <a:cs typeface="Consolas" pitchFamily="49" charset="0"/>
-              </a:rPr>
-              <a:t>c</a:t>
-            </a:r>
-            <a:r>
-              <a:rPr lang="en-US" altLang="ko-KR" sz="2950" dirty="0">
-                <a:effectLst/>
-                <a:ea typeface="굴림"/>
-              </a:rPr>
-              <a:t> </a:t>
-            </a:r>
-            <a:r>
-              <a:rPr lang="en-US" altLang="ko-KR" sz="2950" dirty="0">
-                <a:solidFill>
-                  <a:schemeClr val="tx1"/>
-                </a:solidFill>
-                <a:effectLst/>
-                <a:ea typeface="굴림"/>
-              </a:rPr>
-              <a:t>и</a:t>
-            </a:r>
-            <a:r>
-              <a:rPr lang="en-US" altLang="ko-KR" sz="2950" dirty="0">
-                <a:solidFill>
-                  <a:srgbClr val="C7DAEC"/>
-                </a:solidFill>
-                <a:effectLst/>
-                <a:ea typeface="굴림"/>
-              </a:rPr>
-              <a:t> </a:t>
-            </a:r>
-            <a:r>
-              <a:rPr lang="en-US" altLang="ko-KR" sz="2950" dirty="0">
-                <a:solidFill>
-                  <a:schemeClr val="bg1"/>
-                </a:solidFill>
-                <a:effectLst/>
-                <a:latin typeface="Consolas"/>
-                <a:ea typeface="굴림"/>
-              </a:rPr>
-              <a:t>n</a:t>
-            </a:r>
-            <a:r>
-              <a:rPr lang="en-US" altLang="ko-KR" sz="2950" baseline="-25000" dirty="0">
-                <a:solidFill>
-                  <a:schemeClr val="bg1"/>
-                </a:solidFill>
-                <a:effectLst/>
-                <a:latin typeface="Consolas"/>
-                <a:ea typeface="굴림"/>
-              </a:rPr>
-              <a:t>0</a:t>
-            </a:r>
-            <a:r>
-              <a:rPr lang="en-US" altLang="ko-KR" sz="2950" dirty="0">
-                <a:solidFill>
-                  <a:schemeClr val="tx1"/>
-                </a:solidFill>
-                <a:effectLst/>
-                <a:ea typeface="굴림"/>
-              </a:rPr>
-              <a:t>, </a:t>
-            </a:r>
-            <a:br>
-              <a:rPr lang="en-US" altLang="ko-KR" sz="2950" dirty="0">
-                <a:solidFill>
-                  <a:schemeClr val="tx1"/>
-                </a:solidFill>
-                <a:effectLst/>
-                <a:ea typeface="굴림"/>
-              </a:rPr>
-            </a:br>
-            <a:r>
-              <a:rPr lang="bg-BG" altLang="ko-KR" sz="2950" dirty="0">
-                <a:solidFill>
-                  <a:schemeClr val="tx1"/>
-                </a:solidFill>
-                <a:effectLst/>
-                <a:ea typeface="굴림"/>
-              </a:rPr>
-              <a:t>така че</a:t>
-            </a:r>
-            <a:r>
-              <a:rPr lang="en-US" altLang="ko-KR" sz="2950" dirty="0">
-                <a:solidFill>
-                  <a:schemeClr val="tx1"/>
-                </a:solidFill>
-                <a:effectLst/>
-                <a:latin typeface="Calibri"/>
-                <a:ea typeface="굴림"/>
-                <a:cs typeface="Calibri"/>
-              </a:rPr>
-              <a:t> </a:t>
-            </a:r>
-            <a:r>
-              <a:rPr lang="en-US" altLang="ko-KR" sz="2950" dirty="0">
-                <a:solidFill>
-                  <a:schemeClr val="bg1"/>
-                </a:solidFill>
-                <a:effectLst/>
-                <a:latin typeface="Consolas"/>
-                <a:ea typeface="굴림"/>
-                <a:cs typeface="Consolas" pitchFamily="49" charset="0"/>
-              </a:rPr>
-              <a:t>f(n)</a:t>
-            </a:r>
-            <a:r>
-              <a:rPr lang="en-US" altLang="ko-KR" sz="2950" dirty="0">
-                <a:solidFill>
-                  <a:schemeClr val="bg1"/>
-                </a:solidFill>
-                <a:effectLst/>
-                <a:ea typeface="굴림"/>
-              </a:rPr>
-              <a:t> </a:t>
-            </a:r>
-            <a:r>
-              <a:rPr lang="en-US" altLang="ko-KR" sz="2950" dirty="0">
-                <a:solidFill>
-                  <a:schemeClr val="bg1"/>
-                </a:solidFill>
-                <a:effectLst/>
-                <a:latin typeface="Consolas"/>
-                <a:ea typeface="굴림"/>
-                <a:cs typeface="Consolas" pitchFamily="49" charset="0"/>
-              </a:rPr>
-              <a:t>&lt;=</a:t>
-            </a:r>
-            <a:r>
-              <a:rPr lang="en-US" altLang="ko-KR" sz="2950" dirty="0">
-                <a:solidFill>
-                  <a:schemeClr val="bg1"/>
-                </a:solidFill>
-                <a:effectLst/>
-                <a:ea typeface="굴림"/>
-              </a:rPr>
-              <a:t> </a:t>
-            </a:r>
-            <a:r>
-              <a:rPr lang="en-US" altLang="ko-KR" sz="2950" dirty="0">
-                <a:solidFill>
-                  <a:schemeClr val="bg1"/>
-                </a:solidFill>
-                <a:effectLst/>
-                <a:latin typeface="Consolas"/>
-                <a:ea typeface="굴림"/>
-                <a:cs typeface="Consolas" pitchFamily="49" charset="0"/>
-              </a:rPr>
-              <a:t>c*g(n)</a:t>
-            </a:r>
-            <a:r>
-              <a:rPr lang="en-US" altLang="ko-KR" sz="2950" dirty="0">
-                <a:solidFill>
-                  <a:schemeClr val="bg1"/>
-                </a:solidFill>
-                <a:effectLst/>
-                <a:ea typeface="굴림"/>
-              </a:rPr>
-              <a:t> </a:t>
-            </a:r>
-            <a:r>
-              <a:rPr lang="en-US" altLang="ko-KR" sz="2950" dirty="0">
-                <a:solidFill>
-                  <a:schemeClr val="tx1"/>
-                </a:solidFill>
-                <a:effectLst/>
-                <a:ea typeface="굴림"/>
-              </a:rPr>
-              <a:t>за всички </a:t>
-            </a:r>
-            <a:r>
-              <a:rPr lang="en-US" altLang="ko-KR" sz="2950" dirty="0">
-                <a:solidFill>
-                  <a:schemeClr val="bg1"/>
-                </a:solidFill>
-                <a:effectLst/>
-                <a:latin typeface="Consolas"/>
-                <a:ea typeface="굴림"/>
-                <a:cs typeface="Consolas" pitchFamily="49" charset="0"/>
-              </a:rPr>
-              <a:t>n</a:t>
-            </a:r>
-            <a:r>
-              <a:rPr lang="en-US" altLang="ko-KR" sz="2950" dirty="0">
-                <a:solidFill>
-                  <a:schemeClr val="bg1"/>
-                </a:solidFill>
-                <a:effectLst/>
-                <a:ea typeface="굴림"/>
-              </a:rPr>
-              <a:t> </a:t>
-            </a:r>
-            <a:r>
-              <a:rPr lang="en-US" altLang="ko-KR" sz="2950" dirty="0">
-                <a:solidFill>
-                  <a:schemeClr val="bg1"/>
-                </a:solidFill>
-                <a:effectLst/>
-                <a:latin typeface="Consolas"/>
-                <a:ea typeface="굴림"/>
-                <a:cs typeface="Consolas" pitchFamily="49" charset="0"/>
-              </a:rPr>
-              <a:t>&gt;=</a:t>
-            </a:r>
-            <a:r>
-              <a:rPr lang="en-US" altLang="ko-KR" sz="2950" dirty="0">
-                <a:solidFill>
-                  <a:schemeClr val="bg1"/>
-                </a:solidFill>
-                <a:effectLst/>
-                <a:ea typeface="굴림"/>
-              </a:rPr>
-              <a:t> </a:t>
-            </a:r>
-            <a:r>
-              <a:rPr lang="en-US" altLang="ko-KR" sz="2950" dirty="0">
-                <a:solidFill>
-                  <a:schemeClr val="bg1"/>
-                </a:solidFill>
-                <a:effectLst/>
-                <a:latin typeface="Consolas"/>
-                <a:ea typeface="굴림"/>
-                <a:cs typeface="Consolas" pitchFamily="49" charset="0"/>
-              </a:rPr>
-              <a:t>n</a:t>
-            </a:r>
-            <a:r>
-              <a:rPr lang="en-US" altLang="ko-KR" sz="2950" baseline="-25000" dirty="0">
-                <a:solidFill>
-                  <a:schemeClr val="bg1"/>
-                </a:solidFill>
-                <a:effectLst/>
-                <a:latin typeface="Consolas"/>
-                <a:ea typeface="굴림"/>
-                <a:cs typeface="Consolas" pitchFamily="49" charset="0"/>
-              </a:rPr>
-              <a:t>0</a:t>
-            </a:r>
-            <a:r>
-              <a:rPr lang="en-US" altLang="ko-KR" sz="2950" dirty="0">
-                <a:solidFill>
-                  <a:schemeClr val="tx1"/>
-                </a:solidFill>
-                <a:effectLst/>
-                <a:ea typeface="굴림"/>
-              </a:rPr>
-              <a:t>}</a:t>
-            </a:r>
           </a:p>
         </p:txBody>
       </p:sp>
@@ -14484,6 +13750,42 @@
           </a:p>
         </p:txBody>
       </p:sp>
+      <p:pic>
+        <p:nvPicPr>
+          <p:cNvPr id="4" name="Graphic 3" descr="Infinity with solid fill">
+            <a:extLst>
+              <a:ext uri="{FF2B5EF4-FFF2-40B4-BE49-F238E27FC236}">
+                <a16:creationId xmlns:a16="http://schemas.microsoft.com/office/drawing/2014/main" id="{05118888-5CF1-4ABD-D109-711623759C65}"/>
+              </a:ext>
+            </a:extLst>
+          </p:cNvPr>
+          <p:cNvPicPr>
+            <a:picLocks noChangeAspect="1"/>
+          </p:cNvPicPr>
+          <p:nvPr/>
+        </p:nvPicPr>
+        <p:blipFill>
+          <a:blip r:embed="rId3">
+            <a:extLst>
+              <a:ext uri="{96DAC541-7B7A-43D3-8B79-37D633B846F1}">
+                <asvg:svgBlip xmlns:asvg="http://schemas.microsoft.com/office/drawing/2016/SVG/main" r:embed="rId4"/>
+              </a:ext>
+            </a:extLst>
+          </a:blip>
+          <a:stretch>
+            <a:fillRect/>
+          </a:stretch>
+        </p:blipFill>
+        <p:spPr>
+          <a:xfrm>
+            <a:off x="7273414" y="4060775"/>
+            <a:ext cx="2876837" cy="2876837"/>
+          </a:xfrm>
+          <a:prstGeom prst="rect">
+            <a:avLst/>
+          </a:prstGeom>
+        </p:spPr>
+      </p:pic>
     </p:spTree>
     <p:extLst>
       <p:ext uri="{BB962C8B-B14F-4D97-AF65-F5344CB8AC3E}">
@@ -14572,7 +13874,7 @@
                             </p:stCondLst>
                             <p:childTnLst>
                               <p:par>
-                                <p:cTn id="9" presetID="1" presetClass="entr" presetSubtype="0" fill="hold" grpId="0" nodeType="clickEffect">
+                                <p:cTn id="9" presetID="1" presetClass="entr" presetSubtype="0" fill="hold" nodeType="clickEffect">
                                   <p:stCondLst>
                                     <p:cond delay="0"/>
                                   </p:stCondLst>
@@ -14585,152 +13887,9 @@
                                           </p:stCondLst>
                                         </p:cTn>
                                         <p:tgtEl>
-                                          <p:spTgt spid="5"/>
-                                        </p:tgtEl>
-                                        <p:attrNameLst>
-                                          <p:attrName>style.visibility</p:attrName>
-                                        </p:attrNameLst>
-                                      </p:cBhvr>
-                                      <p:to>
-                                        <p:strVal val="visible"/>
-                                      </p:to>
-                                    </p:set>
-                                  </p:childTnLst>
-                                </p:cTn>
-                              </p:par>
-                            </p:childTnLst>
-                          </p:cTn>
-                        </p:par>
-                      </p:childTnLst>
-                    </p:cTn>
-                  </p:par>
-                  <p:par>
-                    <p:cTn id="11" fill="hold">
-                      <p:stCondLst>
-                        <p:cond delay="indefinite"/>
-                      </p:stCondLst>
-                      <p:childTnLst>
-                        <p:par>
-                          <p:cTn id="12" fill="hold">
-                            <p:stCondLst>
-                              <p:cond delay="0"/>
-                            </p:stCondLst>
-                            <p:childTnLst>
-                              <p:par>
-                                <p:cTn id="13" presetID="1" presetClass="entr" presetSubtype="0" fill="hold" nodeType="clickEffect">
-                                  <p:stCondLst>
-                                    <p:cond delay="0"/>
-                                  </p:stCondLst>
-                                  <p:childTnLst>
-                                    <p:set>
-                                      <p:cBhvr>
-                                        <p:cTn id="14" dur="1" fill="hold">
-                                          <p:stCondLst>
-                                            <p:cond delay="0"/>
-                                          </p:stCondLst>
-                                        </p:cTn>
-                                        <p:tgtEl>
                                           <p:spTgt spid="475139">
                                             <p:txEl>
-                                              <p:pRg st="4" end="4"/>
-                                            </p:txEl>
-                                          </p:spTgt>
-                                        </p:tgtEl>
-                                        <p:attrNameLst>
-                                          <p:attrName>style.visibility</p:attrName>
-                                        </p:attrNameLst>
-                                      </p:cBhvr>
-                                      <p:to>
-                                        <p:strVal val="visible"/>
-                                      </p:to>
-                                    </p:set>
-                                  </p:childTnLst>
-                                </p:cTn>
-                              </p:par>
-                            </p:childTnLst>
-                          </p:cTn>
-                        </p:par>
-                      </p:childTnLst>
-                    </p:cTn>
-                  </p:par>
-                  <p:par>
-                    <p:cTn id="15" fill="hold">
-                      <p:stCondLst>
-                        <p:cond delay="indefinite"/>
-                      </p:stCondLst>
-                      <p:childTnLst>
-                        <p:par>
-                          <p:cTn id="16" fill="hold">
-                            <p:stCondLst>
-                              <p:cond delay="0"/>
-                            </p:stCondLst>
-                            <p:childTnLst>
-                              <p:par>
-                                <p:cTn id="17" presetID="1" presetClass="entr" presetSubtype="0" fill="hold" nodeType="clickEffect">
-                                  <p:stCondLst>
-                                    <p:cond delay="0"/>
-                                  </p:stCondLst>
-                                  <p:childTnLst>
-                                    <p:set>
-                                      <p:cBhvr>
-                                        <p:cTn id="18" dur="1" fill="hold">
-                                          <p:stCondLst>
-                                            <p:cond delay="0"/>
-                                          </p:stCondLst>
-                                        </p:cTn>
-                                        <p:tgtEl>
-                                          <p:spTgt spid="475139">
-                                            <p:txEl>
-                                              <p:pRg st="5" end="5"/>
-                                            </p:txEl>
-                                          </p:spTgt>
-                                        </p:tgtEl>
-                                        <p:attrNameLst>
-                                          <p:attrName>style.visibility</p:attrName>
-                                        </p:attrNameLst>
-                                      </p:cBhvr>
-                                      <p:to>
-                                        <p:strVal val="visible"/>
-                                      </p:to>
-                                    </p:set>
-                                  </p:childTnLst>
-                                </p:cTn>
-                              </p:par>
-                            </p:childTnLst>
-                          </p:cTn>
-                        </p:par>
-                      </p:childTnLst>
-                    </p:cTn>
-                  </p:par>
-                  <p:par>
-                    <p:cTn id="19" fill="hold">
-                      <p:stCondLst>
-                        <p:cond delay="indefinite"/>
-                      </p:stCondLst>
-                      <p:childTnLst>
-                        <p:par>
-                          <p:cTn id="20" fill="hold">
-                            <p:stCondLst>
-                              <p:cond delay="0"/>
-                            </p:stCondLst>
-                            <p:childTnLst>
-                              <p:par>
-                                <p:cTn id="21" presetID="1" presetClass="entr" presetSubtype="0" fill="hold" nodeType="clickEffect">
-                                  <p:stCondLst>
-                                    <p:cond delay="0"/>
-                                  </p:stCondLst>
-                                  <p:childTnLst>
-                                    <p:set>
-                                      <p:cBhvr>
-                                        <p:cTn id="22" dur="1" fill="hold">
-                                          <p:stCondLst>
-                                            <p:cond delay="0"/>
-                                          </p:stCondLst>
-                                        </p:cTn>
-                                        <p:tgtEl>
-                                          <p:spTgt spid="475139">
-                                            <p:txEl>
-                                              <p:pRg st="6" end="6"/>
+                                              <p:pRg st="2" end="2"/>
                                             </p:txEl>
                                           </p:spTgt>
                                         </p:tgtEl>
@@ -14772,9 +13931,6 @@
         </p:cTn>
       </p:par>
     </p:tnLst>
-    <p:bldLst>
-      <p:bldP spid="5" grpId="0" animBg="1"/>
-    </p:bldLst>
   </p:timing>
 </p:sld>
 </file>
@@ -23295,7 +22451,7 @@
             <p:ph idx="4294967295"/>
             <p:extLst>
               <p:ext uri="{D42A27DB-BD31-4B8C-83A1-F6EECF244321}">
-                <p14:modId xmlns:p14="http://schemas.microsoft.com/office/powerpoint/2010/main" val="359071192"/>
+                <p14:modId xmlns:p14="http://schemas.microsoft.com/office/powerpoint/2010/main" val="3186990385"/>
               </p:ext>
             </p:extLst>
           </p:nvPr>
@@ -24157,7 +23313,7 @@
                           <a:uFillTx/>
                           <a:latin typeface="Calibri"/>
                         </a:rPr>
-                        <a:t>я операции, </a:t>
+                        <a:t>ят операции е </a:t>
                       </a:r>
                       <a:r>
                         <a:rPr lang="bg-BG" sz="2300" b="1" i="0" u="none" strike="noStrike" kern="1200" cap="none" spc="0" normalizeH="0" baseline="0" noProof="0" dirty="0">
@@ -24169,7 +23325,7 @@
                           <a:uFillTx/>
                           <a:latin typeface="Calibri"/>
                         </a:rPr>
-                        <a:t>пропорционални на </a:t>
+                        <a:t>пропорционален на </a:t>
                       </a:r>
                       <a:r>
                         <a:rPr lang="bg-BG" sz="2300" b="1" i="0" u="none" strike="noStrike" kern="1200" cap="none" spc="0" normalizeH="0" baseline="0" noProof="0" dirty="0">
@@ -24283,7 +23439,7 @@
                           <a:uLnTx/>
                           <a:uFillTx/>
                         </a:rPr>
-                        <a:t> = 1 000 000 000 </a:t>
+                        <a:t> = 1 000 000 </a:t>
                       </a:r>
                       <a:r>
                         <a:rPr kumimoji="0" lang="bg-BG" sz="2300" b="1" u="none" strike="noStrike" kern="1200" cap="none" spc="0" normalizeH="0" baseline="0" noProof="0" dirty="0">
@@ -24298,7 +23454,37 @@
                           <a:uFillTx/>
                           <a:sym typeface="Wingdings" pitchFamily="2" charset="2"/>
                         </a:rPr>
-                        <a:t> 30 </a:t>
+                        <a:t> </a:t>
+                      </a:r>
+                      <a:r>
+                        <a:rPr kumimoji="0" lang="en-US" sz="2300" b="1" u="none" strike="noStrike" kern="1200" cap="none" spc="0" normalizeH="0" baseline="0" noProof="0" dirty="0">
+                          <a:ln>
+                            <a:noFill/>
+                          </a:ln>
+                          <a:solidFill>
+                            <a:schemeClr val="tx1"/>
+                          </a:solidFill>
+                          <a:effectLst/>
+                          <a:uLnTx/>
+                          <a:uFillTx/>
+                          <a:sym typeface="Wingdings" pitchFamily="2" charset="2"/>
+                        </a:rPr>
+                        <a:t>20</a:t>
+                      </a:r>
+                      <a:r>
+                        <a:rPr kumimoji="0" lang="bg-BG" sz="2300" b="1" u="none" strike="noStrike" kern="1200" cap="none" spc="0" normalizeH="0" baseline="0" noProof="0" dirty="0">
+                          <a:ln>
+                            <a:noFill/>
+                          </a:ln>
+                          <a:solidFill>
+                            <a:schemeClr val="tx1"/>
+                          </a:solidFill>
+                          <a:effectLst/>
+                          <a:uLnTx/>
+                          <a:uFillTx/>
+                          <a:sym typeface="Wingdings" pitchFamily="2" charset="2"/>
+                        </a:rPr>
+                        <a:t> </a:t>
                       </a:r>
                       <a:r>
                         <a:rPr lang="bg-BG" sz="2300" b="1" u="none" strike="noStrike" kern="1200" cap="none" spc="0" normalizeH="0" baseline="0" noProof="0" dirty="0">
@@ -24589,7 +23775,30 @@
                           <a:uFillTx/>
                           <a:latin typeface="Calibri"/>
                         </a:rPr>
-                        <a:t>Броят на операциите е пропорционален на размера на входните данни. </a:t>
+                        <a:t>Броят на операциите е пропорционален на </a:t>
+                      </a:r>
+                      <a:br>
+                        <a:rPr lang="bg-BG" sz="2300" b="1" i="0" u="none" strike="noStrike" kern="1200" cap="none" spc="0" normalizeH="0" baseline="0" noProof="0" dirty="0">
+                          <a:ln>
+                            <a:noFill/>
+                          </a:ln>
+                          <a:effectLst/>
+                          <a:uLnTx/>
+                          <a:uFillTx/>
+                          <a:latin typeface="Calibri"/>
+                        </a:rPr>
+                      </a:br>
+                      <a:r>
+                        <a:rPr lang="bg-BG" sz="2300" b="1" i="0" u="none" strike="noStrike" kern="1200" cap="none" spc="0" normalizeH="0" baseline="0" noProof="0" dirty="0">
+                          <a:ln>
+                            <a:noFill/>
+                          </a:ln>
+                          <a:effectLst/>
+                          <a:uLnTx/>
+                          <a:uFillTx/>
+                          <a:latin typeface="Calibri"/>
+                        </a:rPr>
+                        <a:t>размера на входните данни. </a:t>
                       </a:r>
                       <a:br>
                         <a:rPr lang="bg-BG" sz="2300" b="1" i="0" u="none" strike="noStrike" kern="1200" cap="none" spc="0" normalizeH="0" baseline="0" noProof="0" dirty="0">
@@ -24642,7 +23851,35 @@
                           <a:uLnTx/>
                           <a:uFillTx/>
                         </a:rPr>
-                        <a:t>n = 10 000 </a:t>
+                        <a:t>n = 1</a:t>
+                      </a:r>
+                      <a:r>
+                        <a:rPr kumimoji="0" lang="en-US" sz="2300" b="1" u="none" strike="noStrike" kern="1200" cap="none" spc="0" normalizeH="0" baseline="0" noProof="0" dirty="0">
+                          <a:ln>
+                            <a:noFill/>
+                          </a:ln>
+                          <a:solidFill>
+                            <a:schemeClr val="tx1"/>
+                          </a:solidFill>
+                          <a:effectLst/>
+                          <a:uLnTx/>
+                          <a:uFillTx/>
+                        </a:rPr>
+                        <a:t> 00</a:t>
+                      </a:r>
+                      <a:r>
+                        <a:rPr kumimoji="0" lang="bg-BG" sz="2300" b="1" u="none" strike="noStrike" kern="1200" cap="none" spc="0" normalizeH="0" baseline="0" noProof="0" dirty="0">
+                          <a:ln>
+                            <a:noFill/>
+                          </a:ln>
+                          <a:solidFill>
+                            <a:schemeClr val="tx1"/>
+                          </a:solidFill>
+                          <a:effectLst/>
+                          <a:uLnTx/>
+                          <a:uFillTx/>
+                        </a:rPr>
+                        <a:t>0 000 </a:t>
                       </a:r>
                       <a:r>
                         <a:rPr kumimoji="0" lang="bg-BG" sz="2300" b="1" u="none" strike="noStrike" kern="1200" cap="none" spc="0" normalizeH="0" baseline="0" noProof="0" dirty="0">
@@ -24657,7 +23894,37 @@
                           <a:uFillTx/>
                           <a:sym typeface="Wingdings" pitchFamily="2" charset="2"/>
                         </a:rPr>
-                        <a:t> 5 000 операции</a:t>
+                        <a:t> 1</a:t>
+                      </a:r>
+                      <a:r>
+                        <a:rPr kumimoji="0" lang="en-US" sz="2300" b="1" u="none" strike="noStrike" kern="1200" cap="none" spc="0" normalizeH="0" baseline="0" noProof="0" dirty="0">
+                          <a:ln>
+                            <a:noFill/>
+                          </a:ln>
+                          <a:solidFill>
+                            <a:schemeClr val="tx1"/>
+                          </a:solidFill>
+                          <a:effectLst/>
+                          <a:uLnTx/>
+                          <a:uFillTx/>
+                          <a:sym typeface="Wingdings" pitchFamily="2" charset="2"/>
+                        </a:rPr>
+                        <a:t> 00</a:t>
+                      </a:r>
+                      <a:r>
+                        <a:rPr kumimoji="0" lang="bg-BG" sz="2300" b="1" u="none" strike="noStrike" kern="1200" cap="none" spc="0" normalizeH="0" baseline="0" noProof="0" dirty="0">
+                          <a:ln>
+                            <a:noFill/>
+                          </a:ln>
+                          <a:solidFill>
+                            <a:schemeClr val="tx1"/>
+                          </a:solidFill>
+                          <a:effectLst/>
+                          <a:uLnTx/>
+                          <a:uFillTx/>
+                          <a:sym typeface="Wingdings" pitchFamily="2" charset="2"/>
+                        </a:rPr>
+                        <a:t>0 000 операции</a:t>
                       </a:r>
                       <a:endParaRPr kumimoji="0" lang="bg-BG" sz="2300" b="1" i="0" u="none" strike="noStrike" kern="1200" cap="none" spc="0" normalizeH="0" baseline="0" noProof="0" dirty="0">
                         <a:ln>
@@ -24845,7 +24112,7 @@
             <p:ph idx="4294967295"/>
             <p:extLst>
               <p:ext uri="{D42A27DB-BD31-4B8C-83A1-F6EECF244321}">
-                <p14:modId xmlns:p14="http://schemas.microsoft.com/office/powerpoint/2010/main" val="430418531"/>
+                <p14:modId xmlns:p14="http://schemas.microsoft.com/office/powerpoint/2010/main" val="2698118548"/>
               </p:ext>
             </p:extLst>
           </p:nvPr>
@@ -25345,7 +24612,7 @@
                         <a:buNone/>
                       </a:pPr>
                       <a:r>
-                        <a:rPr lang="bg-BG" sz="2300" b="1" u="none" strike="noStrike" kern="1200" cap="none" spc="0" normalizeH="0" baseline="0" noProof="0">
+                        <a:rPr lang="bg-BG" sz="2300" b="1" u="none" strike="noStrike" kern="1200" cap="none" spc="0" normalizeH="0" baseline="0" noProof="0" dirty="0">
                           <a:ln>
                             <a:noFill/>
                           </a:ln>
@@ -25356,7 +24623,35 @@
                           <a:uLnTx/>
                           <a:uFillTx/>
                         </a:rPr>
-                        <a:t>Броят на операциите е пропорционален на квадрата на размера на входните данни. </a:t>
+                        <a:t>Броят на операциите е пропорционален на </a:t>
+                      </a:r>
+                      <a:r>
+                        <a:rPr lang="bg-BG" sz="2300" b="1" u="none" strike="noStrike" kern="1200" cap="none" spc="0" normalizeH="0" baseline="0" noProof="0" dirty="0">
+                          <a:ln>
+                            <a:noFill/>
+                          </a:ln>
+                          <a:solidFill>
+                            <a:schemeClr val="bg1"/>
+                          </a:solidFill>
+                          <a:effectLst/>
+                          <a:uLnTx/>
+                          <a:uFillTx/>
+                        </a:rPr>
+                        <a:t>квадрата</a:t>
+                      </a:r>
+                      <a:r>
+                        <a:rPr lang="bg-BG" sz="2300" b="1" u="none" strike="noStrike" kern="1200" cap="none" spc="0" normalizeH="0" baseline="0" noProof="0" dirty="0">
+                          <a:ln>
+                            <a:noFill/>
+                          </a:ln>
+                          <a:solidFill>
+                            <a:schemeClr val="tx1"/>
+                          </a:solidFill>
+                          <a:effectLst/>
+                          <a:uLnTx/>
+                          <a:uFillTx/>
+                        </a:rPr>
+                        <a:t> на размера на входните данни. </a:t>
                       </a:r>
                       <a:br>
                         <a:rPr lang="bg-BG" sz="2300" b="1" u="none" strike="noStrike" kern="1200" cap="none" spc="0" normalizeH="0" baseline="0" noProof="0" dirty="0">
@@ -25383,24 +24678,10 @@
                           <a:uLnTx/>
                           <a:uFillTx/>
                         </a:rPr>
-                        <a:t>Пример</a:t>
+                        <a:t>Пример:</a:t>
                       </a:r>
                       <a:r>
-                        <a:rPr lang="bg-BG" sz="2300" b="1" u="none" strike="noStrike" kern="1200" cap="none" spc="0" normalizeH="0" baseline="0" noProof="0">
-                          <a:ln>
-                            <a:noFill/>
-                          </a:ln>
-                          <a:solidFill>
-                            <a:schemeClr val="tx1"/>
-                          </a:solidFill>
-                          <a:effectLst/>
-                          <a:uLnTx/>
-                          <a:uFillTx/>
-                        </a:rPr>
-                        <a:t>:</a:t>
-                      </a:r>
-                      <a:r>
-                        <a:rPr kumimoji="0" lang="bg-BG" sz="2300" b="1" u="none" strike="noStrike" kern="1200" cap="none" spc="0" normalizeH="0" baseline="0" noProof="0">
+                        <a:rPr kumimoji="0" lang="bg-BG" sz="2300" b="1" u="none" strike="noStrike" kern="1200" cap="none" spc="0" normalizeH="0" baseline="0" noProof="0" dirty="0">
                           <a:ln>
                             <a:noFill/>
                           </a:ln>
@@ -25414,7 +24695,7 @@
                         <a:t> </a:t>
                       </a:r>
                       <a:r>
-                        <a:rPr kumimoji="0" lang="bg-BG" sz="2300" b="1" u="none" strike="noStrike" kern="1200" cap="none" spc="0" normalizeH="0" baseline="0" noProof="0">
+                        <a:rPr kumimoji="0" lang="bg-BG" sz="2300" b="1" u="none" strike="noStrike" kern="1200" cap="none" spc="0" normalizeH="0" baseline="0" noProof="0" dirty="0">
                           <a:ln>
                             <a:noFill/>
                           </a:ln>
@@ -25428,7 +24709,7 @@
                         <a:t>n = 500 </a:t>
                       </a:r>
                       <a:r>
-                        <a:rPr kumimoji="0" lang="bg-BG" sz="2300" b="1" u="none" strike="noStrike" kern="1200" cap="none" spc="0" normalizeH="0" baseline="0" noProof="0">
+                        <a:rPr kumimoji="0" lang="bg-BG" sz="2300" b="1" u="none" strike="noStrike" kern="1200" cap="none" spc="0" normalizeH="0" baseline="0" noProof="0" dirty="0">
                           <a:ln>
                             <a:noFill/>
                           </a:ln>
@@ -25443,7 +24724,7 @@
                         <a:t> 250 000 </a:t>
                       </a:r>
                       <a:r>
-                        <a:rPr lang="bg-BG" sz="2300" b="1" u="none" strike="noStrike" kern="1200" cap="none" spc="0" normalizeH="0" baseline="0" noProof="0">
+                        <a:rPr lang="bg-BG" sz="2300" b="1" u="none" strike="noStrike" kern="1200" cap="none" spc="0" normalizeH="0" baseline="0" noProof="0" dirty="0">
                           <a:ln>
                             <a:noFill/>
                           </a:ln>
@@ -25748,7 +25029,7 @@
                         <a:buNone/>
                       </a:pPr>
                       <a:r>
-                        <a:rPr lang="bg-BG" sz="2300" b="1" i="0" u="none" strike="noStrike" kern="1200" cap="none" spc="0" normalizeH="0" baseline="0" noProof="0">
+                        <a:rPr lang="bg-BG" sz="2300" b="1" i="0" u="none" strike="noStrike" kern="1200" cap="none" spc="0" normalizeH="0" baseline="0" noProof="0" dirty="0">
                           <a:ln>
                             <a:noFill/>
                           </a:ln>
@@ -25760,36 +25041,7 @@
                           <a:uFillTx/>
                           <a:latin typeface="Calibri"/>
                         </a:rPr>
-                        <a:t>Броят на операциите е пропорционалн </a:t>
-                      </a:r>
-                      <a:br>
-                        <a:rPr lang="bg-BG" sz="2300" b="1" i="0" u="none" strike="noStrike" kern="1200" cap="none" spc="0" normalizeH="0" baseline="0" noProof="0">
-                          <a:ln>
-                            <a:noFill/>
-                          </a:ln>
-                          <a:solidFill>
-                            <a:schemeClr val="tx1"/>
-                          </a:solidFill>
-                          <a:effectLst/>
-                          <a:uLnTx/>
-                          <a:uFillTx/>
-                          <a:latin typeface="Calibri"/>
-                        </a:rPr>
-                      </a:br>
-                      <a:r>
-                        <a:rPr lang="bg-BG" sz="2300" b="1" i="0" u="none" strike="noStrike" kern="1200" cap="none" spc="0" normalizeH="0" baseline="0" noProof="0">
-                          <a:ln>
-                            <a:noFill/>
-                          </a:ln>
-                          <a:solidFill>
-                            <a:schemeClr val="tx1"/>
-                          </a:solidFill>
-                          <a:effectLst/>
-                          <a:uLnTx/>
-                          <a:uFillTx/>
-                          <a:latin typeface="Calibri"/>
-                        </a:rPr>
-                        <a:t>на куба на размера на входните данни.</a:t>
+                        <a:t>Броят на операциите е пропорционален </a:t>
                       </a:r>
                       <a:br>
                         <a:rPr lang="bg-BG" sz="2300" b="1" i="0" u="none" strike="noStrike" kern="1200" cap="none" spc="0" normalizeH="0" baseline="0" noProof="0" dirty="0">
@@ -25818,10 +25070,25 @@
                           <a:uFillTx/>
                           <a:latin typeface="Calibri"/>
                         </a:rPr>
-                        <a:t>Пример</a:t>
+                        <a:t>на </a:t>
                       </a:r>
                       <a:r>
-                        <a:rPr lang="bg-BG" sz="2300" b="1" i="0" u="none" strike="noStrike" kern="1200" cap="none" spc="0" normalizeH="0" baseline="0" noProof="0">
+                        <a:rPr lang="bg-BG" sz="2300" b="1" i="0" u="none" strike="noStrike" kern="1200" cap="none" spc="0" normalizeH="0" baseline="0" noProof="0" dirty="0">
+                          <a:ln>
+                            <a:noFill/>
+                          </a:ln>
+                          <a:solidFill>
+                            <a:schemeClr val="bg1"/>
+                          </a:solidFill>
+                          <a:effectLst/>
+                          <a:uLnTx/>
+                          <a:uFillTx/>
+                          <a:latin typeface="Calibri"/>
+                        </a:rPr>
+                        <a:t>куба</a:t>
+                      </a:r>
+                      <a:r>
+                        <a:rPr lang="bg-BG" sz="2300" b="1" i="0" u="none" strike="noStrike" kern="1200" cap="none" spc="0" normalizeH="0" baseline="0" noProof="0" dirty="0">
                           <a:ln>
                             <a:noFill/>
                           </a:ln>
@@ -25833,10 +25100,39 @@
                           <a:uFillTx/>
                           <a:latin typeface="Calibri"/>
                         </a:rPr>
-                        <a:t>:</a:t>
+                        <a:t> на размера на входните данни.</a:t>
+                      </a:r>
+                      <a:br>
+                        <a:rPr lang="bg-BG" sz="2300" b="1" i="0" u="none" strike="noStrike" kern="1200" cap="none" spc="0" normalizeH="0" baseline="0" noProof="0" dirty="0">
+                          <a:ln>
+                            <a:noFill/>
+                          </a:ln>
+                          <a:solidFill>
+                            <a:schemeClr val="tx1"/>
+                          </a:solidFill>
+                          <a:effectLst/>
+                          <a:uLnTx/>
+                          <a:uFillTx/>
+                          <a:latin typeface="Calibri"/>
+                        </a:rPr>
+                      </a:br>
+                      <a:r>
+                        <a:rPr lang="bg-BG" sz="2300" b="1" i="0" u="none" strike="noStrike" kern="1200" cap="none" spc="0" normalizeH="0" baseline="0" noProof="0" dirty="0">
+                          <a:ln>
+                            <a:noFill/>
+                          </a:ln>
+                          <a:solidFill>
+                            <a:schemeClr val="tx1"/>
+                          </a:solidFill>
+                          <a:effectLst/>
+                          <a:uLnTx/>
+                          <a:uFillTx/>
+                          <a:latin typeface="Calibri"/>
+                        </a:rPr>
+                        <a:t>Пример:</a:t>
                       </a:r>
                       <a:r>
-                        <a:rPr lang="bg-BG" sz="2300" b="1" i="0" u="none" strike="noStrike" kern="1200" cap="none" spc="0" normalizeH="0" baseline="0" noProof="0">
+                        <a:rPr lang="bg-BG" sz="2300" b="1" i="0" u="none" strike="noStrike" kern="1200" cap="none" spc="0" normalizeH="0" baseline="0" noProof="0" dirty="0">
                           <a:ln>
                             <a:noFill/>
                           </a:ln>
@@ -25853,7 +25149,7 @@
                         <a:t> </a:t>
                       </a:r>
                       <a:r>
-                        <a:rPr lang="bg-BG" sz="2300" b="1" u="none" strike="noStrike" kern="1200" cap="none" spc="0" normalizeH="0" baseline="0" noProof="0">
+                        <a:rPr lang="bg-BG" sz="2300" b="1" u="none" strike="noStrike" kern="1200" cap="none" spc="0" normalizeH="0" baseline="0" noProof="0" dirty="0">
                           <a:ln>
                             <a:noFill/>
                           </a:ln>
@@ -25867,7 +25163,7 @@
                         <a:t> </a:t>
                       </a:r>
                       <a:r>
-                        <a:rPr kumimoji="0" lang="bg-BG" sz="2300" b="1" u="none" strike="noStrike" kern="1200" cap="none" spc="0" normalizeH="0" baseline="0" noProof="0">
+                        <a:rPr kumimoji="0" lang="bg-BG" sz="2300" b="1" u="none" strike="noStrike" kern="1200" cap="none" spc="0" normalizeH="0" baseline="0" noProof="0" dirty="0">
                           <a:ln>
                             <a:noFill/>
                           </a:ln>
@@ -25881,7 +25177,7 @@
                         <a:t>n = 200 </a:t>
                       </a:r>
                       <a:r>
-                        <a:rPr kumimoji="0" lang="bg-BG" sz="2300" b="1" u="none" strike="noStrike" kern="1200" cap="none" spc="0" normalizeH="0" baseline="0" noProof="0">
+                        <a:rPr kumimoji="0" lang="bg-BG" sz="2300" b="1" u="none" strike="noStrike" kern="1200" cap="none" spc="0" normalizeH="0" baseline="0" noProof="0" dirty="0">
                           <a:ln>
                             <a:noFill/>
                           </a:ln>
@@ -25893,10 +25189,40 @@
                           <a:uFillTx/>
                           <a:sym typeface="Wingdings" pitchFamily="2" charset="2"/>
                         </a:rPr>
-                        <a:t> 8 000 000 </a:t>
+                        <a:t> </a:t>
                       </a:r>
                       <a:r>
-                        <a:rPr lang="bg-BG" sz="2300" b="1" i="0" u="none" strike="noStrike" kern="1200" cap="none" spc="0" normalizeH="0" baseline="0" noProof="0">
+                        <a:rPr kumimoji="0" lang="en-US" sz="2300" b="1" u="none" strike="noStrike" kern="1200" cap="none" spc="0" normalizeH="0" baseline="0" noProof="0" dirty="0">
+                          <a:ln>
+                            <a:noFill/>
+                          </a:ln>
+                          <a:solidFill>
+                            <a:schemeClr val="tx1"/>
+                          </a:solidFill>
+                          <a:effectLst/>
+                          <a:uLnTx/>
+                          <a:uFillTx/>
+                          <a:sym typeface="Wingdings" pitchFamily="2" charset="2"/>
+                        </a:rPr>
+                        <a:t>125</a:t>
+                      </a:r>
+                      <a:r>
+                        <a:rPr kumimoji="0" lang="bg-BG" sz="2300" b="1" u="none" strike="noStrike" kern="1200" cap="none" spc="0" normalizeH="0" baseline="0" noProof="0" dirty="0">
+                          <a:ln>
+                            <a:noFill/>
+                          </a:ln>
+                          <a:solidFill>
+                            <a:schemeClr val="tx1"/>
+                          </a:solidFill>
+                          <a:effectLst/>
+                          <a:uLnTx/>
+                          <a:uFillTx/>
+                          <a:sym typeface="Wingdings" pitchFamily="2" charset="2"/>
+                        </a:rPr>
+                        <a:t> 000 000 </a:t>
+                      </a:r>
+                      <a:r>
+                        <a:rPr lang="bg-BG" sz="2300" b="1" i="0" u="none" strike="noStrike" kern="1200" cap="none" spc="0" normalizeH="0" baseline="0" noProof="0" dirty="0">
                           <a:ln>
                             <a:noFill/>
                           </a:ln>
@@ -26645,7 +25971,7 @@
             <a:pPr marL="723265" lvl="1" indent="-375920"/>
             <a:r>
               <a:rPr lang="bg-BG" dirty="0"/>
-              <a:t>Най-добър случай, средноаритметично и най-лош случай</a:t>
+              <a:t>Най-добър случай, средноаритметичен и най-лош случай</a:t>
             </a:r>
             <a:endParaRPr lang="bg-BG" dirty="0">
               <a:cs typeface="Calibri"/>
@@ -36439,14 +35765,6 @@
                 <a:cs typeface="Consolas" pitchFamily="49" charset="0"/>
               </a:rPr>
               <a:t>~</a:t>
-            </a:r>
-            <a:r>
-              <a:rPr lang="bg-BG" sz="3350" b="1" dirty="0">
-                <a:solidFill>
-                  <a:schemeClr val="bg1"/>
-                </a:solidFill>
-              </a:rPr>
-              <a:t> </a:t>
             </a:r>
             <a:r>
               <a:rPr lang="bg-BG" altLang="ko-KR" sz="3350" b="1" dirty="0">
@@ -38410,7 +37728,7 @@
 </file>
 
 <file path=ppt/slides/slide29.xml><?xml version="1.0" encoding="utf-8"?>
-<p:sld xmlns:a="http://schemas.openxmlformats.org/drawingml/2006/main" xmlns:r="http://schemas.openxmlformats.org/officeDocument/2006/relationships" xmlns:p="http://schemas.openxmlformats.org/presentationml/2006/main">
+<p:sld xmlns:a="http://schemas.openxmlformats.org/drawingml/2006/main" xmlns:r="http://schemas.openxmlformats.org/officeDocument/2006/relationships" xmlns:p="http://schemas.openxmlformats.org/presentationml/2006/main" show="0">
   <p:cSld>
     <p:spTree>
       <p:nvGrpSpPr>
@@ -38781,11 +38099,11 @@
   <p:clrMapOvr>
     <a:masterClrMapping/>
   </p:clrMapOvr>
-  <mc:AlternateContent xmlns:mc="http://schemas.openxmlformats.org/markup-compatibility/2006" xmlns:p14="http://schemas.microsoft.com/office/powerpoint/2010/main">
-    <mc:Choice Requires="p14">
+  <mc:AlternateContent xmlns:mc="http://schemas.openxmlformats.org/markup-compatibility/2006">
+    <mc:Choice xmlns:p14="http://schemas.microsoft.com/office/powerpoint/2010/main" Requires="p14">
       <p:transition spd="slow" p14:dur="2000" advClick="0" advTm="5000"/>
     </mc:Choice>
-    <mc:Fallback xmlns="">
+    <mc:Fallback>
       <p:transition spd="slow" advClick="0" advTm="5000"/>
     </mc:Fallback>
   </mc:AlternateContent>
@@ -39044,7 +38362,7 @@
               <a:rPr lang="bg-BG" sz="3350" dirty="0">
                 <a:cs typeface="Calibri"/>
               </a:rPr>
-              <a:t>Понятието е изведено от </a:t>
+              <a:t>Понятието е дефинирано за пръв път от </a:t>
             </a:r>
             <a:r>
               <a:rPr lang="bg-BG" sz="3350" b="1" dirty="0">
@@ -39141,7 +38459,7 @@
         </p:nvSpPr>
         <p:spPr>
           <a:xfrm>
-            <a:off x="525009" y="3474000"/>
+            <a:off x="512780" y="3749734"/>
             <a:ext cx="11166439" cy="2757266"/>
           </a:xfrm>
           <a:prstGeom prst="rect">
@@ -39341,15 +38659,33 @@
                                   </p:childTnLst>
                                 </p:cTn>
                               </p:par>
+                            </p:childTnLst>
+                          </p:cTn>
+                        </p:par>
+                      </p:childTnLst>
+                    </p:cTn>
+                  </p:par>
+                  <p:par>
+                    <p:cTn id="7" fill="hold">
+                      <p:stCondLst>
+                        <p:cond delay="indefinite"/>
+                      </p:stCondLst>
+                      <p:childTnLst>
+                        <p:par>
+                          <p:cTn id="8" fill="hold">
+                            <p:stCondLst>
+                              <p:cond delay="0"/>
+                            </p:stCondLst>
+                            <p:childTnLst>
                               <p:par>
-                                <p:cTn id="7" presetID="1" presetClass="entr" presetSubtype="0" fill="hold" grpId="0" nodeType="withEffect">
+                                <p:cTn id="9" presetID="1" presetClass="entr" presetSubtype="0" fill="hold" grpId="0" nodeType="clickEffect">
                                   <p:stCondLst>
                                     <p:cond delay="0"/>
                                   </p:stCondLst>
                                   <p:childTnLst>
                                     <p:set>
                                       <p:cBhvr>
-                                        <p:cTn id="8" dur="1" fill="hold">
+                                        <p:cTn id="10" dur="1" fill="hold">
                                           <p:stCondLst>
                                             <p:cond delay="0"/>
                                           </p:stCondLst>
@@ -39564,7 +38900,7 @@
               <a:rPr lang="bg-BG" sz="3200" dirty="0">
                 <a:cs typeface="Calibri"/>
               </a:rPr>
-              <a:t>(алгоритми)</a:t>
+              <a:t>(алгоритъм)</a:t>
             </a:r>
             <a:endParaRPr lang="bg-BG" sz="3200" dirty="0"/>
           </a:p>
@@ -39690,7 +39026,7 @@
                                         <p:tgtEl>
                                           <p:spTgt spid="3">
                                             <p:txEl>
-                                              <p:pRg st="2" end="2"/>
+                                              <p:pRg st="1" end="1"/>
                                             </p:txEl>
                                           </p:spTgt>
                                         </p:tgtEl>
@@ -39732,6 +39068,55 @@
                                     <p:set>
                                       <p:cBhvr>
                                         <p:cTn id="10" dur="1" fill="hold">
+                                          <p:stCondLst>
+                                            <p:cond delay="0"/>
+                                          </p:stCondLst>
+                                        </p:cTn>
+                                        <p:tgtEl>
+                                          <p:spTgt spid="3">
+                                            <p:txEl>
+                                              <p:pRg st="2" end="2"/>
+                                            </p:txEl>
+                                          </p:spTgt>
+                                        </p:tgtEl>
+                                        <p:attrNameLst>
+                                          <p:attrName>style.visibility</p:attrName>
+                                        </p:attrNameLst>
+                                      </p:cBhvr>
+                                      <p:to>
+                                        <p:strVal val="visible"/>
+                                      </p:to>
+                                    </p:set>
+                                  </p:childTnLst>
+                                </p:cTn>
+                              </p:par>
+                            </p:childTnLst>
+                          </p:cTn>
+                        </p:par>
+                      </p:childTnLst>
+                    </p:cTn>
+                  </p:par>
+                  <p:par>
+                    <p:cTn id="11" fill="hold">
+                      <p:stCondLst>
+                        <p:cond delay="indefinite"/>
+                      </p:stCondLst>
+                      <p:childTnLst>
+                        <p:par>
+                          <p:cTn id="12" fill="hold">
+                            <p:stCondLst>
+                              <p:cond delay="0"/>
+                            </p:stCondLst>
+                            <p:childTnLst>
+                              <p:par>
+                                <p:cTn id="13" presetID="1" presetClass="entr" presetSubtype="0" fill="hold" nodeType="clickEffect">
+                                  <p:stCondLst>
+                                    <p:cond delay="0"/>
+                                  </p:stCondLst>
+                                  <p:childTnLst>
+                                    <p:set>
+                                      <p:cBhvr>
+                                        <p:cTn id="14" dur="1" fill="hold">
                                           <p:stCondLst>
                                             <p:cond delay="0"/>
                                           </p:stCondLst>
@@ -41311,7 +40696,7 @@
             </a:effectLst>
             <a:extLst>
               <a:ext uri="{909E8E84-426E-40dd-AFC4-6F175D3DCCD1}">
-                <a14:hiddenFill xmlns="" xmlns:a14="http://schemas.microsoft.com/office/drawing/2010/main">
+                <a14:hiddenFill xmlns:a14="http://schemas.microsoft.com/office/drawing/2010/main" xmlns="">
                   <a:solidFill>
                     <a:srgbClr val="FFFFFF"/>
                   </a:solidFill>
@@ -41352,7 +40737,7 @@
             <a:noFill/>
             <a:extLst>
               <a:ext uri="{909E8E84-426E-40dd-AFC4-6F175D3DCCD1}">
-                <a14:hiddenFill xmlns="" xmlns:a14="http://schemas.microsoft.com/office/drawing/2010/main">
+                <a14:hiddenFill xmlns:a14="http://schemas.microsoft.com/office/drawing/2010/main" xmlns="">
                   <a:solidFill>
                     <a:srgbClr val="FFFFFF"/>
                   </a:solidFill>
@@ -41936,8 +41321,8 @@
           <a:lstStyle/>
           <a:p>
             <a:r>
-              <a:rPr lang="bg-BG"/>
-              <a:t>Сложност на алгоритми</a:t>
+              <a:rPr lang="bg-BG" dirty="0"/>
+              <a:t>Алгоритмична и времева сложност</a:t>
             </a:r>
           </a:p>
         </p:txBody>
@@ -41964,8 +41349,8 @@
           <a:lstStyle/>
           <a:p>
             <a:r>
-              <a:rPr lang="bg-BG"/>
-              <a:t>Алгоритмична и времева сложност</a:t>
+              <a:rPr lang="bg-BG" dirty="0"/>
+              <a:t>Сложност на алгоритмите</a:t>
             </a:r>
           </a:p>
         </p:txBody>
@@ -42026,7 +41411,7 @@
         </p:spPr>
         <p:txBody>
           <a:bodyPr vert="horz" lIns="108000" tIns="36000" rIns="108000" bIns="36000" rtlCol="0" anchor="t">
-            <a:normAutofit lnSpcReduction="10000"/>
+            <a:normAutofit/>
           </a:bodyPr>
           <a:lstStyle/>
           <a:p>
@@ -42167,42 +41552,6 @@
             </a:endParaRPr>
           </a:p>
           <a:p>
-            <a:pPr marL="802957" lvl="1" indent="-360045">
-              <a:lnSpc>
-                <a:spcPct val="110000"/>
-              </a:lnSpc>
-            </a:pPr>
-            <a:r>
-              <a:rPr lang="bg-BG" altLang="ko-KR" sz="3150" dirty="0">
-                <a:ea typeface="굴림"/>
-              </a:rPr>
-              <a:t>Потребление на комуникацията на</a:t>
-            </a:r>
-            <a:r>
-              <a:rPr lang="bg-BG" altLang="ko-KR" sz="3150" dirty="0">
-                <a:solidFill>
-                  <a:schemeClr val="bg1"/>
-                </a:solidFill>
-                <a:ea typeface="굴림"/>
-              </a:rPr>
-              <a:t> </a:t>
-            </a:r>
-            <a:r>
-              <a:rPr lang="bg-BG" sz="3150" b="1" dirty="0">
-                <a:solidFill>
-                  <a:schemeClr val="bg1"/>
-                </a:solidFill>
-              </a:rPr>
-              <a:t>честотна лента </a:t>
-            </a:r>
-            <a:endParaRPr lang="bg-BG" altLang="ko-KR" sz="3150" dirty="0">
-              <a:solidFill>
-                <a:schemeClr val="bg1"/>
-              </a:solidFill>
-              <a:ea typeface="굴림"/>
-            </a:endParaRPr>
-          </a:p>
-          <a:p>
             <a:pPr indent="-360045">
               <a:lnSpc>
                 <a:spcPct val="110000"/>
@@ -42255,34 +41604,23 @@
               </a:rPr>
               <a:t>примитивни задачи</a:t>
             </a:r>
-            <a:br>
-              <a:rPr lang="bg-BG" altLang="ko-KR" sz="3150" b="1" dirty="0">
+            <a:endParaRPr lang="bg-BG" altLang="ko-KR" sz="3150" b="1" dirty="0">
+              <a:ea typeface="굴림"/>
+            </a:endParaRPr>
+          </a:p>
+          <a:p>
+            <a:pPr marL="1255395" lvl="2" indent="-360045">
+              <a:lnSpc>
+                <a:spcPct val="110000"/>
+              </a:lnSpc>
+            </a:pPr>
+            <a:r>
+              <a:rPr lang="bg-BG" altLang="ko-KR" sz="2950" dirty="0">
                 <a:ea typeface="굴림"/>
+                <a:cs typeface="Calibri"/>
               </a:rPr>
-            </a:br>
-            <a:r>
-              <a:rPr lang="bg-BG" altLang="ko-KR" sz="3150" dirty="0">
-                <a:ea typeface="굴림"/>
-              </a:rPr>
-              <a:t>(</a:t>
-            </a:r>
-            <a:r>
-              <a:rPr lang="bg-BG" sz="3150" dirty="0">
-                <a:ea typeface="+mn-lt"/>
-                <a:cs typeface="+mn-lt"/>
-              </a:rPr>
-              <a:t>независими от машината стъпки</a:t>
-            </a:r>
-            <a:r>
-              <a:rPr lang="bg-BG" altLang="ko-KR" sz="3150" dirty="0">
-                <a:ea typeface="굴림"/>
-              </a:rPr>
-              <a:t>)</a:t>
-            </a:r>
-            <a:endParaRPr lang="bg-BG" altLang="ko-KR" sz="3150" dirty="0">
-              <a:ea typeface="굴림"/>
-              <a:cs typeface="Calibri"/>
-            </a:endParaRPr>
+              <a:t>Аритметични операции, сравнения, премествания, …</a:t>
+            </a:r>
           </a:p>
         </p:txBody>
       </p:sp>
@@ -42360,7 +41698,7 @@
           <a:noFill/>
           <a:extLst>
             <a:ext uri="{909E8E84-426E-40dd-AFC4-6F175D3DCCD1}">
-              <a14:hiddenFill xmlns="" xmlns:a14="http://schemas.microsoft.com/office/drawing/2010/main">
+              <a14:hiddenFill xmlns:a14="http://schemas.microsoft.com/office/drawing/2010/main" xmlns="">
                 <a:solidFill>
                   <a:srgbClr val="FFFFFF"/>
                 </a:solidFill>
@@ -42408,7 +41746,7 @@
           <a:noFill/>
           <a:extLst>
             <a:ext uri="{909E8E84-426E-40dd-AFC4-6F175D3DCCD1}">
-              <a14:hiddenFill xmlns="" xmlns:a14="http://schemas.microsoft.com/office/drawing/2010/main">
+              <a14:hiddenFill xmlns:a14="http://schemas.microsoft.com/office/drawing/2010/main" xmlns="">
                 <a:solidFill>
                   <a:srgbClr val="FFFFFF"/>
                 </a:solidFill>
@@ -42547,7 +41885,7 @@
                                         <p:tgtEl>
                                           <p:spTgt spid="466947">
                                             <p:txEl>
-                                              <p:pRg st="2" end="2"/>
+                                              <p:pRg st="1" end="1"/>
                                             </p:txEl>
                                           </p:spTgt>
                                         </p:tgtEl>
@@ -42596,7 +41934,7 @@
                                         <p:tgtEl>
                                           <p:spTgt spid="466947">
                                             <p:txEl>
-                                              <p:pRg st="3" end="3"/>
+                                              <p:pRg st="2" end="2"/>
                                             </p:txEl>
                                           </p:spTgt>
                                         </p:tgtEl>
@@ -42645,7 +41983,7 @@
                                         <p:tgtEl>
                                           <p:spTgt spid="466947">
                                             <p:txEl>
-                                              <p:pRg st="4" end="4"/>
+                                              <p:pRg st="3" end="3"/>
                                             </p:txEl>
                                           </p:spTgt>
                                         </p:tgtEl>
@@ -42687,6 +42025,55 @@
                                     <p:set>
                                       <p:cBhvr>
                                         <p:cTn id="18" dur="1" fill="hold">
+                                          <p:stCondLst>
+                                            <p:cond delay="0"/>
+                                          </p:stCondLst>
+                                        </p:cTn>
+                                        <p:tgtEl>
+                                          <p:spTgt spid="466947">
+                                            <p:txEl>
+                                              <p:pRg st="4" end="4"/>
+                                            </p:txEl>
+                                          </p:spTgt>
+                                        </p:tgtEl>
+                                        <p:attrNameLst>
+                                          <p:attrName>style.visibility</p:attrName>
+                                        </p:attrNameLst>
+                                      </p:cBhvr>
+                                      <p:to>
+                                        <p:strVal val="visible"/>
+                                      </p:to>
+                                    </p:set>
+                                  </p:childTnLst>
+                                </p:cTn>
+                              </p:par>
+                            </p:childTnLst>
+                          </p:cTn>
+                        </p:par>
+                      </p:childTnLst>
+                    </p:cTn>
+                  </p:par>
+                  <p:par>
+                    <p:cTn id="19" fill="hold">
+                      <p:stCondLst>
+                        <p:cond delay="indefinite"/>
+                      </p:stCondLst>
+                      <p:childTnLst>
+                        <p:par>
+                          <p:cTn id="20" fill="hold">
+                            <p:stCondLst>
+                              <p:cond delay="0"/>
+                            </p:stCondLst>
+                            <p:childTnLst>
+                              <p:par>
+                                <p:cTn id="21" presetID="1" presetClass="entr" presetSubtype="0" fill="hold" nodeType="clickEffect">
+                                  <p:stCondLst>
+                                    <p:cond delay="0"/>
+                                  </p:stCondLst>
+                                  <p:childTnLst>
+                                    <p:set>
+                                      <p:cBhvr>
+                                        <p:cTn id="22" dur="1" fill="hold">
                                           <p:stCondLst>
                                             <p:cond delay="0"/>
                                           </p:stCondLst>

--- a/Courses/Software-Sciences/Module-2-DS-and-Algo/11-Algorithms-Intro-and-Complexity/11-Algorithms-Intro-and-Complexity.pptx
+++ b/Courses/Software-Sciences/Module-2-DS-and-Algo/11-Algorithms-Intro-and-Complexity/11-Algorithms-Intro-and-Complexity.pptx
@@ -5,10 +5,10 @@
     <p:sldMasterId id="2147483675" r:id="rId1"/>
   </p:sldMasterIdLst>
   <p:notesMasterIdLst>
-    <p:notesMasterId r:id="rId31"/>
+    <p:notesMasterId r:id="rId30"/>
   </p:notesMasterIdLst>
   <p:handoutMasterIdLst>
-    <p:handoutMasterId r:id="rId32"/>
+    <p:handoutMasterId r:id="rId31"/>
   </p:handoutMasterIdLst>
   <p:sldIdLst>
     <p:sldId id="394" r:id="rId2"/>
@@ -23,23 +23,22 @@
     <p:sldId id="433" r:id="rId11"/>
     <p:sldId id="434" r:id="rId12"/>
     <p:sldId id="435" r:id="rId13"/>
-    <p:sldId id="438" r:id="rId14"/>
-    <p:sldId id="439" r:id="rId15"/>
-    <p:sldId id="478" r:id="rId16"/>
-    <p:sldId id="440" r:id="rId17"/>
-    <p:sldId id="441" r:id="rId18"/>
-    <p:sldId id="442" r:id="rId19"/>
-    <p:sldId id="443" r:id="rId20"/>
-    <p:sldId id="444" r:id="rId21"/>
-    <p:sldId id="445" r:id="rId22"/>
-    <p:sldId id="456" r:id="rId23"/>
-    <p:sldId id="457" r:id="rId24"/>
-    <p:sldId id="458" r:id="rId25"/>
-    <p:sldId id="459" r:id="rId26"/>
-    <p:sldId id="494" r:id="rId27"/>
-    <p:sldId id="526" r:id="rId28"/>
-    <p:sldId id="504" r:id="rId29"/>
-    <p:sldId id="505" r:id="rId30"/>
+    <p:sldId id="439" r:id="rId14"/>
+    <p:sldId id="478" r:id="rId15"/>
+    <p:sldId id="440" r:id="rId16"/>
+    <p:sldId id="441" r:id="rId17"/>
+    <p:sldId id="442" r:id="rId18"/>
+    <p:sldId id="443" r:id="rId19"/>
+    <p:sldId id="444" r:id="rId20"/>
+    <p:sldId id="445" r:id="rId21"/>
+    <p:sldId id="456" r:id="rId22"/>
+    <p:sldId id="457" r:id="rId23"/>
+    <p:sldId id="458" r:id="rId24"/>
+    <p:sldId id="459" r:id="rId25"/>
+    <p:sldId id="494" r:id="rId26"/>
+    <p:sldId id="526" r:id="rId27"/>
+    <p:sldId id="504" r:id="rId28"/>
+    <p:sldId id="505" r:id="rId29"/>
   </p:sldIdLst>
   <p:sldSz cx="12192000" cy="6858000"/>
   <p:notesSz cx="6858000" cy="9144000"/>
@@ -163,7 +162,6 @@
             <p14:sldId id="433"/>
             <p14:sldId id="434"/>
             <p14:sldId id="435"/>
-            <p14:sldId id="438"/>
             <p14:sldId id="439"/>
             <p14:sldId id="478"/>
             <p14:sldId id="440"/>
@@ -307,7 +305,7 @@
           <a:p>
             <a:fld id="{4E087215-0C8F-4762-A664-737A353EC9A4}" type="datetimeFigureOut">
               <a:rPr lang="bg-BG" smtClean="0"/>
-              <a:t>8.07.24 г.</a:t>
+              <a:t>9.07.24 г.</a:t>
             </a:fld>
             <a:endParaRPr lang="bg-BG"/>
           </a:p>
@@ -503,7 +501,7 @@
           <a:p>
             <a:fld id="{72D84649-876A-46C9-8472-14CB09C070D8}" type="datetimeFigureOut">
               <a:rPr lang="en-US" smtClean="0"/>
-              <a:t>7/8/24</a:t>
+              <a:t>7/9/24</a:t>
             </a:fld>
             <a:endParaRPr lang="en-US"/>
           </a:p>
@@ -972,7 +970,7 @@
             <a:fld id="{A49943CF-1512-4E5E-9867-C26AF6DC7F81}" type="slidenum">
               <a:rPr lang="en-US"/>
               <a:pPr/>
-              <a:t>23</a:t>
+              <a:t>22</a:t>
             </a:fld>
             <a:r>
               <a:rPr lang="en-US"/>
@@ -1119,7 +1117,7 @@
             <a:fld id="{7DFFBBB9-A1C9-4DBC-9682-34C93C989556}" type="slidenum">
               <a:rPr lang="en-US"/>
               <a:pPr/>
-              <a:t>24</a:t>
+              <a:t>23</a:t>
             </a:fld>
             <a:r>
               <a:rPr lang="en-US"/>
@@ -1266,7 +1264,7 @@
             <a:fld id="{C4F5F54C-C19A-4257-BC48-21152A369210}" type="slidenum">
               <a:rPr lang="en-US"/>
               <a:pPr/>
-              <a:t>25</a:t>
+              <a:t>24</a:t>
             </a:fld>
             <a:r>
               <a:rPr lang="en-US"/>
@@ -1413,7 +1411,7 @@
             <a:fld id="{C4F5F54C-C19A-4257-BC48-21152A369210}" type="slidenum">
               <a:rPr lang="en-US"/>
               <a:pPr/>
-              <a:t>26</a:t>
+              <a:t>25</a:t>
             </a:fld>
             <a:r>
               <a:rPr lang="en-US"/>
@@ -1594,7 +1592,7 @@
             <a:fld id="{3EBA5BD7-F043-4D1B-AA17-CD412FC534DE}" type="slidenum">
               <a:rPr lang="en-US" smtClean="0"/>
               <a:pPr/>
-              <a:t>27</a:t>
+              <a:t>26</a:t>
             </a:fld>
             <a:endParaRPr lang="en-US"/>
           </a:p>
@@ -1840,7 +1838,7 @@
             <a:fld id="{3EBA5BD7-F043-4D1B-AA17-CD412FC534DE}" type="slidenum">
               <a:rPr lang="en-US" smtClean="0"/>
               <a:pPr/>
-              <a:t>28</a:t>
+              <a:t>27</a:t>
             </a:fld>
             <a:endParaRPr lang="en-US" dirty="0"/>
           </a:p>
@@ -2086,7 +2084,7 @@
             <a:fld id="{3EBA5BD7-F043-4D1B-AA17-CD412FC534DE}" type="slidenum">
               <a:rPr lang="en-US" smtClean="0"/>
               <a:pPr/>
-              <a:t>29</a:t>
+              <a:t>28</a:t>
             </a:fld>
             <a:endParaRPr lang="en-US" dirty="0"/>
           </a:p>
@@ -3066,7 +3064,7 @@
             <a:fld id="{C2A7EBC5-F09A-48C8-879F-7697B83713A1}" type="slidenum">
               <a:rPr lang="en-US"/>
               <a:pPr/>
-              <a:t>14</a:t>
+              <a:t>13</a:t>
             </a:fld>
             <a:r>
               <a:rPr lang="en-US"/>
@@ -3213,7 +3211,7 @@
             <a:fld id="{52E3DB46-C682-4CC7-81DB-EFB10F12DED0}" type="slidenum">
               <a:rPr lang="en-US"/>
               <a:pPr/>
-              <a:t>22</a:t>
+              <a:t>21</a:t>
             </a:fld>
             <a:r>
               <a:rPr lang="en-US"/>
@@ -9034,7 +9032,7 @@
           <a:noFill/>
           <a:extLst>
             <a:ext uri="{909E8E84-426E-40dd-AFC4-6F175D3DCCD1}">
-              <a14:hiddenFill xmlns:a14="http://schemas.microsoft.com/office/drawing/2010/main" xmlns="">
+              <a14:hiddenFill xmlns="" xmlns:a14="http://schemas.microsoft.com/office/drawing/2010/main">
                 <a:solidFill>
                   <a:srgbClr val="FFFFFF"/>
                 </a:solidFill>
@@ -12207,7 +12205,7 @@
           <a:noFill/>
           <a:extLst>
             <a:ext uri="{909E8E84-426E-40dd-AFC4-6F175D3DCCD1}">
-              <a14:hiddenFill xmlns:a14="http://schemas.microsoft.com/office/drawing/2010/main" xmlns="">
+              <a14:hiddenFill xmlns="" xmlns:a14="http://schemas.microsoft.com/office/drawing/2010/main">
                 <a:solidFill>
                   <a:srgbClr val="FFFFFF"/>
                 </a:solidFill>
@@ -12671,777 +12669,6 @@
       </p:grpSpPr>
       <p:sp>
         <p:nvSpPr>
-          <p:cNvPr id="3" name="Content Placeholder 2"/>
-          <p:cNvSpPr>
-            <a:spLocks noGrp="1"/>
-          </p:cNvSpPr>
-          <p:nvPr>
-            <p:ph type="body" sz="quarter" idx="10"/>
-          </p:nvPr>
-        </p:nvSpPr>
-        <p:spPr>
-          <a:xfrm>
-            <a:off x="130955" y="1196126"/>
-            <a:ext cx="11930091" cy="5561125"/>
-          </a:xfrm>
-        </p:spPr>
-        <p:txBody>
-          <a:bodyPr vert="horz" lIns="108000" tIns="36000" rIns="108000" bIns="36000" rtlCol="0" anchor="t">
-            <a:noAutofit/>
-          </a:bodyPr>
-          <a:lstStyle/>
-          <a:p>
-            <a:pPr marL="360045" indent="-360045">
-              <a:spcBef>
-                <a:spcPts val="300"/>
-              </a:spcBef>
-              <a:spcAft>
-                <a:spcPts val="300"/>
-              </a:spcAft>
-              <a:buClr>
-                <a:schemeClr val="tx1"/>
-              </a:buClr>
-            </a:pPr>
-            <a:r>
-              <a:rPr lang="bg-BG" sz="3600" dirty="0">
-                <a:ea typeface="+mn-lt"/>
-                <a:cs typeface="+mn-lt"/>
-              </a:rPr>
-              <a:t>Приблизителна оценка на </a:t>
-            </a:r>
-            <a:r>
-              <a:rPr lang="bg-BG" sz="3600" b="1" dirty="0">
-                <a:solidFill>
-                  <a:schemeClr val="bg1"/>
-                </a:solidFill>
-                <a:ea typeface="+mn-lt"/>
-                <a:cs typeface="+mn-lt"/>
-              </a:rPr>
-              <a:t>броя на стъпките</a:t>
-            </a:r>
-            <a:r>
-              <a:rPr lang="bg-BG" sz="3600" b="1" dirty="0">
-                <a:ea typeface="+mn-lt"/>
-                <a:cs typeface="+mn-lt"/>
-              </a:rPr>
-              <a:t> </a:t>
-            </a:r>
-            <a:r>
-              <a:rPr lang="bg-BG" sz="3600" dirty="0">
-                <a:ea typeface="+mn-lt"/>
-                <a:cs typeface="+mn-lt"/>
-              </a:rPr>
-              <a:t>на дадено изчисление</a:t>
-            </a:r>
-            <a:r>
-              <a:rPr lang="bg-BG" sz="3600" dirty="0"/>
-              <a:t> в зависимост от </a:t>
-            </a:r>
-            <a:r>
-              <a:rPr lang="bg-BG" sz="3600" b="1" dirty="0">
-                <a:solidFill>
-                  <a:schemeClr val="bg1"/>
-                </a:solidFill>
-              </a:rPr>
-              <a:t>размера на входа</a:t>
-            </a:r>
-            <a:endParaRPr lang="bg-BG" sz="3600" dirty="0">
-              <a:solidFill>
-                <a:schemeClr val="bg1"/>
-              </a:solidFill>
-            </a:endParaRPr>
-          </a:p>
-          <a:p>
-            <a:pPr lvl="1" indent="-360045">
-              <a:spcBef>
-                <a:spcPts val="300"/>
-              </a:spcBef>
-              <a:spcAft>
-                <a:spcPts val="300"/>
-              </a:spcAft>
-              <a:buClr>
-                <a:schemeClr val="tx1"/>
-              </a:buClr>
-            </a:pPr>
-            <a:r>
-              <a:rPr lang="bg-BG" sz="3600" dirty="0">
-                <a:ea typeface="+mn-lt"/>
-                <a:cs typeface="+mn-lt"/>
-              </a:rPr>
-              <a:t>Измерено с </a:t>
-            </a:r>
-            <a:r>
-              <a:rPr lang="bg-BG" sz="3600" b="1" dirty="0">
-                <a:ea typeface="+mn-lt"/>
-                <a:cs typeface="+mn-lt"/>
-              </a:rPr>
-              <a:t>асимптотична нотация</a:t>
-            </a:r>
-            <a:r>
-              <a:rPr lang="bg-BG" sz="3200" b="1" dirty="0"/>
-              <a:t> </a:t>
-            </a:r>
-            <a:r>
-              <a:rPr lang="bg-BG" sz="3600" b="1" dirty="0">
-                <a:solidFill>
-                  <a:schemeClr val="bg1"/>
-                </a:solidFill>
-                <a:latin typeface="Consolas"/>
-                <a:cs typeface="Consolas" pitchFamily="49" charset="0"/>
-              </a:rPr>
-              <a:t>O(g)</a:t>
-            </a:r>
-            <a:r>
-              <a:rPr lang="bg-BG" sz="3600" dirty="0"/>
-              <a:t>; </a:t>
-            </a:r>
-            <a:r>
-              <a:rPr lang="bg-BG" sz="3600" b="1" dirty="0">
-                <a:solidFill>
-                  <a:schemeClr val="bg1"/>
-                </a:solidFill>
-                <a:latin typeface="Consolas"/>
-              </a:rPr>
-              <a:t>g</a:t>
-            </a:r>
-            <a:r>
-              <a:rPr lang="bg-BG" sz="3600" dirty="0"/>
-              <a:t> е функция на размера на входните данни</a:t>
-            </a:r>
-            <a:endParaRPr lang="bg-BG" sz="3600" dirty="0">
-              <a:cs typeface="Calibri"/>
-            </a:endParaRPr>
-          </a:p>
-          <a:p>
-            <a:pPr marL="360045" indent="-360045">
-              <a:spcBef>
-                <a:spcPts val="300"/>
-              </a:spcBef>
-              <a:spcAft>
-                <a:spcPts val="300"/>
-              </a:spcAft>
-              <a:buClr>
-                <a:schemeClr val="tx1"/>
-              </a:buClr>
-            </a:pPr>
-            <a:r>
-              <a:rPr lang="bg-BG" sz="3600" dirty="0"/>
-              <a:t>Примери:</a:t>
-            </a:r>
-            <a:endParaRPr lang="bg-BG" sz="3600" dirty="0">
-              <a:cs typeface="Calibri"/>
-            </a:endParaRPr>
-          </a:p>
-          <a:p>
-            <a:pPr lvl="1" indent="-360045">
-              <a:spcBef>
-                <a:spcPts val="300"/>
-              </a:spcBef>
-              <a:spcAft>
-                <a:spcPts val="300"/>
-              </a:spcAft>
-              <a:buClr>
-                <a:schemeClr val="tx1"/>
-              </a:buClr>
-            </a:pPr>
-            <a:r>
-              <a:rPr lang="bg-BG" sz="3600" b="1" dirty="0">
-                <a:solidFill>
-                  <a:schemeClr val="bg1"/>
-                </a:solidFill>
-              </a:rPr>
-              <a:t>Линейна</a:t>
-            </a:r>
-            <a:r>
-              <a:rPr lang="bg-BG" sz="3600" dirty="0"/>
-              <a:t> сложност </a:t>
-            </a:r>
-            <a:r>
-              <a:rPr lang="bg-BG" sz="3600" b="1" dirty="0">
-                <a:solidFill>
-                  <a:schemeClr val="bg1"/>
-                </a:solidFill>
-                <a:latin typeface="Consolas"/>
-                <a:cs typeface="Consolas" pitchFamily="49" charset="0"/>
-              </a:rPr>
-              <a:t>O(n)</a:t>
-            </a:r>
-            <a:endParaRPr lang="bg-BG" sz="3600" b="1" dirty="0">
-              <a:solidFill>
-                <a:schemeClr val="bg1"/>
-              </a:solidFill>
-              <a:latin typeface="Consolas"/>
-              <a:cs typeface="Calibri"/>
-            </a:endParaRPr>
-          </a:p>
-          <a:p>
-            <a:pPr marL="1255395" lvl="2" indent="-360045">
-              <a:spcBef>
-                <a:spcPts val="300"/>
-              </a:spcBef>
-              <a:spcAft>
-                <a:spcPts val="300"/>
-              </a:spcAft>
-              <a:buClr>
-                <a:schemeClr val="tx1"/>
-              </a:buClr>
-            </a:pPr>
-            <a:r>
-              <a:rPr lang="bg-BG" sz="3200" dirty="0">
-                <a:cs typeface="Calibri"/>
-              </a:rPr>
-              <a:t>Всеки елемент се обработва </a:t>
-            </a:r>
-            <a:r>
-              <a:rPr lang="bg-BG" sz="3200" b="1" dirty="0">
-                <a:solidFill>
-                  <a:schemeClr val="bg1"/>
-                </a:solidFill>
-                <a:cs typeface="Calibri"/>
-              </a:rPr>
-              <a:t>веднъж</a:t>
-            </a:r>
-            <a:endParaRPr lang="bg-BG" sz="3200" b="1" dirty="0">
-              <a:solidFill>
-                <a:schemeClr val="bg1"/>
-              </a:solidFill>
-            </a:endParaRPr>
-          </a:p>
-          <a:p>
-            <a:pPr lvl="1" indent="-360045">
-              <a:spcBef>
-                <a:spcPts val="300"/>
-              </a:spcBef>
-              <a:spcAft>
-                <a:spcPts val="300"/>
-              </a:spcAft>
-              <a:buClr>
-                <a:schemeClr val="tx1"/>
-              </a:buClr>
-            </a:pPr>
-            <a:r>
-              <a:rPr lang="bg-BG" sz="3600" b="1" dirty="0">
-                <a:solidFill>
-                  <a:schemeClr val="bg1"/>
-                </a:solidFill>
-              </a:rPr>
-              <a:t>Квадратна</a:t>
-            </a:r>
-            <a:r>
-              <a:rPr lang="bg-BG" sz="3600" dirty="0"/>
-              <a:t> сложност</a:t>
-            </a:r>
-            <a:r>
-              <a:rPr lang="bg-BG" sz="3600" dirty="0">
-                <a:solidFill>
-                  <a:srgbClr val="234465"/>
-                </a:solidFill>
-                <a:latin typeface="Calibri"/>
-                <a:cs typeface="Calibri"/>
-              </a:rPr>
-              <a:t> </a:t>
-            </a:r>
-            <a:r>
-              <a:rPr lang="bg-BG" sz="3600" b="1" dirty="0">
-                <a:solidFill>
-                  <a:schemeClr val="bg1"/>
-                </a:solidFill>
-                <a:latin typeface="Consolas"/>
-                <a:cs typeface="Consolas" pitchFamily="49" charset="0"/>
-              </a:rPr>
-              <a:t>O(n</a:t>
-            </a:r>
-            <a:r>
-              <a:rPr lang="bg-BG" sz="3600" b="1" baseline="30000" dirty="0">
-                <a:solidFill>
-                  <a:schemeClr val="bg1"/>
-                </a:solidFill>
-                <a:latin typeface="Consolas"/>
-                <a:cs typeface="Consolas" pitchFamily="49" charset="0"/>
-              </a:rPr>
-              <a:t>2</a:t>
-            </a:r>
-            <a:r>
-              <a:rPr lang="bg-BG" sz="3600" b="1" dirty="0">
-                <a:solidFill>
-                  <a:schemeClr val="bg1"/>
-                </a:solidFill>
-                <a:latin typeface="Consolas"/>
-                <a:cs typeface="Consolas" pitchFamily="49" charset="0"/>
-              </a:rPr>
-              <a:t>)</a:t>
-            </a:r>
-          </a:p>
-          <a:p>
-            <a:pPr marL="1255395" lvl="2" indent="-360045">
-              <a:spcBef>
-                <a:spcPts val="300"/>
-              </a:spcBef>
-              <a:spcAft>
-                <a:spcPts val="300"/>
-              </a:spcAft>
-              <a:buClr>
-                <a:schemeClr val="tx1"/>
-              </a:buClr>
-            </a:pPr>
-            <a:r>
-              <a:rPr lang="bg-BG" sz="3200" dirty="0"/>
-              <a:t>Всеки елемент се обработва </a:t>
-            </a:r>
-            <a:r>
-              <a:rPr lang="bg-BG" sz="3200" b="1" dirty="0">
-                <a:solidFill>
-                  <a:schemeClr val="bg1"/>
-                </a:solidFill>
-                <a:latin typeface="Consolas"/>
-              </a:rPr>
-              <a:t>n</a:t>
-            </a:r>
-            <a:r>
-              <a:rPr lang="bg-BG" sz="3200" dirty="0">
-                <a:ea typeface="+mn-lt"/>
-                <a:cs typeface="+mn-lt"/>
-              </a:rPr>
-              <a:t> пъти</a:t>
-            </a:r>
-            <a:endParaRPr lang="bg-BG" sz="3200" dirty="0">
-              <a:cs typeface="Calibri"/>
-            </a:endParaRPr>
-          </a:p>
-        </p:txBody>
-      </p:sp>
-      <p:sp>
-        <p:nvSpPr>
-          <p:cNvPr id="2" name="Title 1"/>
-          <p:cNvSpPr>
-            <a:spLocks noGrp="1"/>
-          </p:cNvSpPr>
-          <p:nvPr>
-            <p:ph type="title"/>
-          </p:nvPr>
-        </p:nvSpPr>
-        <p:spPr/>
-        <p:txBody>
-          <a:bodyPr/>
-          <a:lstStyle/>
-          <a:p>
-            <a:r>
-              <a:rPr lang="en-US" sz="3950" dirty="0"/>
-              <a:t>Алгоритмична сложност</a:t>
-            </a:r>
-            <a:endParaRPr lang="bg-BG" dirty="0"/>
-          </a:p>
-        </p:txBody>
-      </p:sp>
-      <p:sp>
-        <p:nvSpPr>
-          <p:cNvPr id="4" name="Slide Number">
-            <a:extLst>
-              <a:ext uri="{FF2B5EF4-FFF2-40B4-BE49-F238E27FC236}">
-                <a16:creationId xmlns:a16="http://schemas.microsoft.com/office/drawing/2014/main" id="{28CE4501-0C8E-3AE4-C692-B7C141D180CA}"/>
-              </a:ext>
-            </a:extLst>
-          </p:cNvPr>
-          <p:cNvSpPr>
-            <a:spLocks noGrp="1"/>
-          </p:cNvSpPr>
-          <p:nvPr>
-            <p:ph type="sldNum" sz="quarter" idx="5"/>
-          </p:nvPr>
-        </p:nvSpPr>
-        <p:spPr>
-          <a:xfrm>
-            <a:off x="11753030" y="6507000"/>
-            <a:ext cx="367414" cy="297000"/>
-          </a:xfrm>
-          <a:prstGeom prst="rect">
-            <a:avLst/>
-          </a:prstGeom>
-        </p:spPr>
-        <p:txBody>
-          <a:bodyPr vert="horz" lIns="91440" tIns="45720" rIns="91440" bIns="45720" rtlCol="0" anchor="b"/>
-          <a:lstStyle>
-            <a:lvl1pPr algn="r">
-              <a:defRPr sz="1000"/>
-            </a:lvl1pPr>
-          </a:lstStyle>
-          <a:p>
-            <a:fld id="{2BF067CD-8E6B-4360-9AA8-C5DF2A48A6D1}" type="slidenum">
-              <a:rPr lang="en-US" noProof="0" smtClean="0"/>
-              <a:pPr/>
-              <a:t>13</a:t>
-            </a:fld>
-            <a:endParaRPr lang="en-US" noProof="0" dirty="0"/>
-          </a:p>
-        </p:txBody>
-      </p:sp>
-    </p:spTree>
-    <p:extLst>
-      <p:ext uri="{BB962C8B-B14F-4D97-AF65-F5344CB8AC3E}">
-        <p14:creationId xmlns:p14="http://schemas.microsoft.com/office/powerpoint/2010/main" val="1380018944"/>
-      </p:ext>
-    </p:extLst>
-  </p:cSld>
-  <p:clrMapOvr>
-    <a:masterClrMapping/>
-  </p:clrMapOvr>
-  <mc:AlternateContent xmlns:mc="http://schemas.openxmlformats.org/markup-compatibility/2006" xmlns:p14="http://schemas.microsoft.com/office/powerpoint/2010/main">
-    <mc:Choice Requires="p14">
-      <p:transition spd="slow" p14:dur="2000" advClick="0" advTm="5000"/>
-    </mc:Choice>
-    <mc:Fallback xmlns="">
-      <p:transition spd="slow" advClick="0" advTm="5000"/>
-    </mc:Fallback>
-  </mc:AlternateContent>
-  <p:timing>
-    <p:tnLst>
-      <p:par>
-        <p:cTn id="1" dur="indefinite" restart="never" nodeType="tmRoot">
-          <p:childTnLst>
-            <p:seq concurrent="1" nextAc="seek">
-              <p:cTn id="2" dur="indefinite" nodeType="mainSeq">
-                <p:childTnLst>
-                  <p:par>
-                    <p:cTn id="3" fill="hold">
-                      <p:stCondLst>
-                        <p:cond delay="indefinite"/>
-                      </p:stCondLst>
-                      <p:childTnLst>
-                        <p:par>
-                          <p:cTn id="4" fill="hold">
-                            <p:stCondLst>
-                              <p:cond delay="0"/>
-                            </p:stCondLst>
-                            <p:childTnLst>
-                              <p:par>
-                                <p:cTn id="5" presetID="1" presetClass="entr" presetSubtype="0" fill="hold" nodeType="clickEffect">
-                                  <p:stCondLst>
-                                    <p:cond delay="0"/>
-                                  </p:stCondLst>
-                                  <p:childTnLst>
-                                    <p:set>
-                                      <p:cBhvr>
-                                        <p:cTn id="6" dur="1" fill="hold">
-                                          <p:stCondLst>
-                                            <p:cond delay="0"/>
-                                          </p:stCondLst>
-                                        </p:cTn>
-                                        <p:tgtEl>
-                                          <p:spTgt spid="3">
-                                            <p:txEl>
-                                              <p:pRg st="1" end="1"/>
-                                            </p:txEl>
-                                          </p:spTgt>
-                                        </p:tgtEl>
-                                        <p:attrNameLst>
-                                          <p:attrName>style.visibility</p:attrName>
-                                        </p:attrNameLst>
-                                      </p:cBhvr>
-                                      <p:to>
-                                        <p:strVal val="visible"/>
-                                      </p:to>
-                                    </p:set>
-                                  </p:childTnLst>
-                                </p:cTn>
-                              </p:par>
-                            </p:childTnLst>
-                          </p:cTn>
-                        </p:par>
-                      </p:childTnLst>
-                    </p:cTn>
-                  </p:par>
-                  <p:par>
-                    <p:cTn id="7" fill="hold">
-                      <p:stCondLst>
-                        <p:cond delay="indefinite"/>
-                      </p:stCondLst>
-                      <p:childTnLst>
-                        <p:par>
-                          <p:cTn id="8" fill="hold">
-                            <p:stCondLst>
-                              <p:cond delay="0"/>
-                            </p:stCondLst>
-                            <p:childTnLst>
-                              <p:par>
-                                <p:cTn id="9" presetID="1" presetClass="entr" presetSubtype="0" fill="hold" grpId="0" nodeType="clickEffect">
-                                  <p:stCondLst>
-                                    <p:cond delay="0"/>
-                                  </p:stCondLst>
-                                  <p:childTnLst>
-                                    <p:set>
-                                      <p:cBhvr>
-                                        <p:cTn id="10" dur="1" fill="hold">
-                                          <p:stCondLst>
-                                            <p:cond delay="0"/>
-                                          </p:stCondLst>
-                                        </p:cTn>
-                                        <p:tgtEl>
-                                          <p:spTgt spid="3">
-                                            <p:txEl>
-                                              <p:pRg st="2" end="2"/>
-                                            </p:txEl>
-                                          </p:spTgt>
-                                        </p:tgtEl>
-                                        <p:attrNameLst>
-                                          <p:attrName>style.visibility</p:attrName>
-                                        </p:attrNameLst>
-                                      </p:cBhvr>
-                                      <p:to>
-                                        <p:strVal val="visible"/>
-                                      </p:to>
-                                    </p:set>
-                                  </p:childTnLst>
-                                </p:cTn>
-                              </p:par>
-                            </p:childTnLst>
-                          </p:cTn>
-                        </p:par>
-                      </p:childTnLst>
-                    </p:cTn>
-                  </p:par>
-                  <p:par>
-                    <p:cTn id="11" fill="hold">
-                      <p:stCondLst>
-                        <p:cond delay="indefinite"/>
-                      </p:stCondLst>
-                      <p:childTnLst>
-                        <p:par>
-                          <p:cTn id="12" fill="hold">
-                            <p:stCondLst>
-                              <p:cond delay="0"/>
-                            </p:stCondLst>
-                            <p:childTnLst>
-                              <p:par>
-                                <p:cTn id="13" presetID="1" presetClass="entr" presetSubtype="0" fill="hold" grpId="0" nodeType="clickEffect">
-                                  <p:stCondLst>
-                                    <p:cond delay="0"/>
-                                  </p:stCondLst>
-                                  <p:childTnLst>
-                                    <p:set>
-                                      <p:cBhvr>
-                                        <p:cTn id="14" dur="1" fill="hold">
-                                          <p:stCondLst>
-                                            <p:cond delay="0"/>
-                                          </p:stCondLst>
-                                        </p:cTn>
-                                        <p:tgtEl>
-                                          <p:spTgt spid="3">
-                                            <p:txEl>
-                                              <p:pRg st="3" end="3"/>
-                                            </p:txEl>
-                                          </p:spTgt>
-                                        </p:tgtEl>
-                                        <p:attrNameLst>
-                                          <p:attrName>style.visibility</p:attrName>
-                                        </p:attrNameLst>
-                                      </p:cBhvr>
-                                      <p:to>
-                                        <p:strVal val="visible"/>
-                                      </p:to>
-                                    </p:set>
-                                  </p:childTnLst>
-                                </p:cTn>
-                              </p:par>
-                            </p:childTnLst>
-                          </p:cTn>
-                        </p:par>
-                      </p:childTnLst>
-                    </p:cTn>
-                  </p:par>
-                  <p:par>
-                    <p:cTn id="15" fill="hold">
-                      <p:stCondLst>
-                        <p:cond delay="indefinite"/>
-                      </p:stCondLst>
-                      <p:childTnLst>
-                        <p:par>
-                          <p:cTn id="16" fill="hold">
-                            <p:stCondLst>
-                              <p:cond delay="0"/>
-                            </p:stCondLst>
-                            <p:childTnLst>
-                              <p:par>
-                                <p:cTn id="17" presetID="1" presetClass="entr" presetSubtype="0" fill="hold" grpId="0" nodeType="clickEffect">
-                                  <p:stCondLst>
-                                    <p:cond delay="0"/>
-                                  </p:stCondLst>
-                                  <p:childTnLst>
-                                    <p:set>
-                                      <p:cBhvr>
-                                        <p:cTn id="18" dur="1" fill="hold">
-                                          <p:stCondLst>
-                                            <p:cond delay="0"/>
-                                          </p:stCondLst>
-                                        </p:cTn>
-                                        <p:tgtEl>
-                                          <p:spTgt spid="3">
-                                            <p:txEl>
-                                              <p:pRg st="4" end="4"/>
-                                            </p:txEl>
-                                          </p:spTgt>
-                                        </p:tgtEl>
-                                        <p:attrNameLst>
-                                          <p:attrName>style.visibility</p:attrName>
-                                        </p:attrNameLst>
-                                      </p:cBhvr>
-                                      <p:to>
-                                        <p:strVal val="visible"/>
-                                      </p:to>
-                                    </p:set>
-                                  </p:childTnLst>
-                                </p:cTn>
-                              </p:par>
-                            </p:childTnLst>
-                          </p:cTn>
-                        </p:par>
-                      </p:childTnLst>
-                    </p:cTn>
-                  </p:par>
-                  <p:par>
-                    <p:cTn id="19" fill="hold">
-                      <p:stCondLst>
-                        <p:cond delay="indefinite"/>
-                      </p:stCondLst>
-                      <p:childTnLst>
-                        <p:par>
-                          <p:cTn id="20" fill="hold">
-                            <p:stCondLst>
-                              <p:cond delay="0"/>
-                            </p:stCondLst>
-                            <p:childTnLst>
-                              <p:par>
-                                <p:cTn id="21" presetID="1" presetClass="entr" presetSubtype="0" fill="hold" grpId="0" nodeType="clickEffect">
-                                  <p:stCondLst>
-                                    <p:cond delay="0"/>
-                                  </p:stCondLst>
-                                  <p:childTnLst>
-                                    <p:set>
-                                      <p:cBhvr>
-                                        <p:cTn id="22" dur="1" fill="hold">
-                                          <p:stCondLst>
-                                            <p:cond delay="0"/>
-                                          </p:stCondLst>
-                                        </p:cTn>
-                                        <p:tgtEl>
-                                          <p:spTgt spid="3">
-                                            <p:txEl>
-                                              <p:pRg st="5" end="5"/>
-                                            </p:txEl>
-                                          </p:spTgt>
-                                        </p:tgtEl>
-                                        <p:attrNameLst>
-                                          <p:attrName>style.visibility</p:attrName>
-                                        </p:attrNameLst>
-                                      </p:cBhvr>
-                                      <p:to>
-                                        <p:strVal val="visible"/>
-                                      </p:to>
-                                    </p:set>
-                                  </p:childTnLst>
-                                </p:cTn>
-                              </p:par>
-                            </p:childTnLst>
-                          </p:cTn>
-                        </p:par>
-                      </p:childTnLst>
-                    </p:cTn>
-                  </p:par>
-                  <p:par>
-                    <p:cTn id="23" fill="hold">
-                      <p:stCondLst>
-                        <p:cond delay="indefinite"/>
-                      </p:stCondLst>
-                      <p:childTnLst>
-                        <p:par>
-                          <p:cTn id="24" fill="hold">
-                            <p:stCondLst>
-                              <p:cond delay="0"/>
-                            </p:stCondLst>
-                            <p:childTnLst>
-                              <p:par>
-                                <p:cTn id="25" presetID="1" presetClass="entr" presetSubtype="0" fill="hold" grpId="0" nodeType="clickEffect">
-                                  <p:stCondLst>
-                                    <p:cond delay="0"/>
-                                  </p:stCondLst>
-                                  <p:childTnLst>
-                                    <p:set>
-                                      <p:cBhvr>
-                                        <p:cTn id="26" dur="1" fill="hold">
-                                          <p:stCondLst>
-                                            <p:cond delay="0"/>
-                                          </p:stCondLst>
-                                        </p:cTn>
-                                        <p:tgtEl>
-                                          <p:spTgt spid="3">
-                                            <p:txEl>
-                                              <p:pRg st="6" end="6"/>
-                                            </p:txEl>
-                                          </p:spTgt>
-                                        </p:tgtEl>
-                                        <p:attrNameLst>
-                                          <p:attrName>style.visibility</p:attrName>
-                                        </p:attrNameLst>
-                                      </p:cBhvr>
-                                      <p:to>
-                                        <p:strVal val="visible"/>
-                                      </p:to>
-                                    </p:set>
-                                  </p:childTnLst>
-                                </p:cTn>
-                              </p:par>
-                            </p:childTnLst>
-                          </p:cTn>
-                        </p:par>
-                      </p:childTnLst>
-                    </p:cTn>
-                  </p:par>
-                </p:childTnLst>
-              </p:cTn>
-              <p:prevCondLst>
-                <p:cond evt="onPrev" delay="0">
-                  <p:tgtEl>
-                    <p:sldTgt/>
-                  </p:tgtEl>
-                </p:cond>
-              </p:prevCondLst>
-              <p:nextCondLst>
-                <p:cond evt="onNext" delay="0">
-                  <p:tgtEl>
-                    <p:sldTgt/>
-                  </p:tgtEl>
-                </p:cond>
-              </p:nextCondLst>
-            </p:seq>
-          </p:childTnLst>
-        </p:cTn>
-      </p:par>
-    </p:tnLst>
-    <p:bldLst>
-      <p:bldP spid="3" grpId="0" uiExpand="1" build="p"/>
-    </p:bldLst>
-  </p:timing>
-</p:sld>
-</file>
-
-<file path=ppt/slides/slide14.xml><?xml version="1.0" encoding="utf-8"?>
-<p:sld xmlns:a="http://schemas.openxmlformats.org/drawingml/2006/main" xmlns:r="http://schemas.openxmlformats.org/officeDocument/2006/relationships" xmlns:p="http://schemas.openxmlformats.org/presentationml/2006/main">
-  <p:cSld>
-    <p:spTree>
-      <p:nvGrpSpPr>
-        <p:cNvPr id="1" name=""/>
-        <p:cNvGrpSpPr/>
-        <p:nvPr/>
-      </p:nvGrpSpPr>
-      <p:grpSpPr>
-        <a:xfrm>
-          <a:off x="0" y="0"/>
-          <a:ext cx="0" cy="0"/>
-          <a:chOff x="0" y="0"/>
-          <a:chExt cx="0" cy="0"/>
-        </a:xfrm>
-      </p:grpSpPr>
-      <p:sp>
-        <p:nvSpPr>
           <p:cNvPr id="475139" name="Rectangle 3"/>
           <p:cNvSpPr>
             <a:spLocks noGrp="1" noChangeArrowheads="1"/>
@@ -13744,7 +12971,7 @@
             <a:fld id="{2BF067CD-8E6B-4360-9AA8-C5DF2A48A6D1}" type="slidenum">
               <a:rPr lang="en-US" noProof="0" smtClean="0"/>
               <a:pPr/>
-              <a:t>14</a:t>
+              <a:t>13</a:t>
             </a:fld>
             <a:endParaRPr lang="en-US" noProof="0" dirty="0"/>
           </a:p>
@@ -13778,7 +13005,7 @@
         </p:blipFill>
         <p:spPr>
           <a:xfrm>
-            <a:off x="7273414" y="4060775"/>
+            <a:off x="9059900" y="4060775"/>
             <a:ext cx="2876837" cy="2876837"/>
           </a:xfrm>
           <a:prstGeom prst="rect">
@@ -13935,7 +13162,7 @@
 </p:sld>
 </file>
 
-<file path=ppt/slides/slide15.xml><?xml version="1.0" encoding="utf-8"?>
+<file path=ppt/slides/slide14.xml><?xml version="1.0" encoding="utf-8"?>
 <p:sld xmlns:a="http://schemas.openxmlformats.org/drawingml/2006/main" xmlns:r="http://schemas.openxmlformats.org/officeDocument/2006/relationships" xmlns:p="http://schemas.openxmlformats.org/presentationml/2006/main">
   <p:cSld>
     <p:spTree>
@@ -21323,7 +20550,7 @@
             <a:fld id="{2BF067CD-8E6B-4360-9AA8-C5DF2A48A6D1}" type="slidenum">
               <a:rPr lang="en-US" noProof="0" smtClean="0"/>
               <a:pPr/>
-              <a:t>15</a:t>
+              <a:t>14</a:t>
             </a:fld>
             <a:endParaRPr lang="en-US" noProof="0" dirty="0"/>
           </a:p>
@@ -21634,7 +20861,7 @@
 </p:sld>
 </file>
 
-<file path=ppt/slides/slide16.xml><?xml version="1.0" encoding="utf-8"?>
+<file path=ppt/slides/slide15.xml><?xml version="1.0" encoding="utf-8"?>
 <p:sld xmlns:a="http://schemas.openxmlformats.org/drawingml/2006/main" xmlns:r="http://schemas.openxmlformats.org/officeDocument/2006/relationships" xmlns:p="http://schemas.openxmlformats.org/presentationml/2006/main">
   <p:cSld>
     <p:spTree>
@@ -22102,7 +21329,7 @@
             <a:fld id="{2BF067CD-8E6B-4360-9AA8-C5DF2A48A6D1}" type="slidenum">
               <a:rPr lang="en-US" noProof="0" smtClean="0"/>
               <a:pPr/>
-              <a:t>16</a:t>
+              <a:t>15</a:t>
             </a:fld>
             <a:endParaRPr lang="en-US" noProof="0" dirty="0"/>
           </a:p>
@@ -22234,7 +21461,7 @@
 </p:sld>
 </file>
 
-<file path=ppt/slides/slide17.xml><?xml version="1.0" encoding="utf-8"?>
+<file path=ppt/slides/slide16.xml><?xml version="1.0" encoding="utf-8"?>
 <p:sld xmlns:a="http://schemas.openxmlformats.org/drawingml/2006/main" xmlns:r="http://schemas.openxmlformats.org/officeDocument/2006/relationships" xmlns:p="http://schemas.openxmlformats.org/presentationml/2006/main">
   <p:cSld>
     <p:spTree>
@@ -22364,7 +21591,7 @@
             <a:fld id="{2BF067CD-8E6B-4360-9AA8-C5DF2A48A6D1}" type="slidenum">
               <a:rPr lang="en-US" noProof="0" smtClean="0"/>
               <a:pPr/>
-              <a:t>17</a:t>
+              <a:t>16</a:t>
             </a:fld>
             <a:endParaRPr lang="en-US" noProof="0" dirty="0"/>
           </a:p>
@@ -22391,7 +21618,7 @@
 </p:sld>
 </file>
 
-<file path=ppt/slides/slide18.xml><?xml version="1.0" encoding="utf-8"?>
+<file path=ppt/slides/slide17.xml><?xml version="1.0" encoding="utf-8"?>
 <p:sld xmlns:a="http://schemas.openxmlformats.org/drawingml/2006/main" xmlns:r="http://schemas.openxmlformats.org/officeDocument/2006/relationships" xmlns:p="http://schemas.openxmlformats.org/presentationml/2006/main">
   <p:cSld>
     <p:spTree>
@@ -24027,7 +23254,7 @@
             <a:fld id="{2BF067CD-8E6B-4360-9AA8-C5DF2A48A6D1}" type="slidenum">
               <a:rPr lang="en-US" noProof="0" smtClean="0"/>
               <a:pPr/>
-              <a:t>18</a:t>
+              <a:t>17</a:t>
             </a:fld>
             <a:endParaRPr lang="en-US" noProof="0" dirty="0"/>
           </a:p>
@@ -24054,7 +23281,7 @@
 </p:sld>
 </file>
 
-<file path=ppt/slides/slide19.xml><?xml version="1.0" encoding="utf-8"?>
+<file path=ppt/slides/slide18.xml><?xml version="1.0" encoding="utf-8"?>
 <p:sld xmlns:a="http://schemas.openxmlformats.org/drawingml/2006/main" xmlns:r="http://schemas.openxmlformats.org/officeDocument/2006/relationships" xmlns:p="http://schemas.openxmlformats.org/presentationml/2006/main">
   <p:cSld>
     <p:spTree>
@@ -25835,7 +25062,7 @@
             <a:fld id="{2BF067CD-8E6B-4360-9AA8-C5DF2A48A6D1}" type="slidenum">
               <a:rPr lang="en-US" noProof="0" smtClean="0"/>
               <a:pPr/>
-              <a:t>19</a:t>
+              <a:t>18</a:t>
             </a:fld>
             <a:endParaRPr lang="en-US" noProof="0" dirty="0"/>
           </a:p>
@@ -25845,6 +25072,142 @@
     <p:extLst>
       <p:ext uri="{BB962C8B-B14F-4D97-AF65-F5344CB8AC3E}">
         <p14:creationId xmlns:p14="http://schemas.microsoft.com/office/powerpoint/2010/main" val="2167131842"/>
+      </p:ext>
+    </p:extLst>
+  </p:cSld>
+  <p:clrMapOvr>
+    <a:masterClrMapping/>
+  </p:clrMapOvr>
+  <mc:AlternateContent xmlns:mc="http://schemas.openxmlformats.org/markup-compatibility/2006" xmlns:p14="http://schemas.microsoft.com/office/powerpoint/2010/main">
+    <mc:Choice Requires="p14">
+      <p:transition spd="slow" p14:dur="2000" advClick="0" advTm="5000"/>
+    </mc:Choice>
+    <mc:Fallback xmlns="">
+      <p:transition spd="slow" advClick="0" advTm="5000"/>
+    </mc:Fallback>
+  </mc:AlternateContent>
+</p:sld>
+</file>
+
+<file path=ppt/slides/slide19.xml><?xml version="1.0" encoding="utf-8"?>
+<p:sld xmlns:a="http://schemas.openxmlformats.org/drawingml/2006/main" xmlns:r="http://schemas.openxmlformats.org/officeDocument/2006/relationships" xmlns:p="http://schemas.openxmlformats.org/presentationml/2006/main">
+  <p:cSld>
+    <p:spTree>
+      <p:nvGrpSpPr>
+        <p:cNvPr id="1" name=""/>
+        <p:cNvGrpSpPr/>
+        <p:nvPr/>
+      </p:nvGrpSpPr>
+      <p:grpSpPr>
+        <a:xfrm>
+          <a:off x="0" y="0"/>
+          <a:ext cx="0" cy="0"/>
+          <a:chOff x="0" y="0"/>
+          <a:chExt cx="0" cy="0"/>
+        </a:xfrm>
+      </p:grpSpPr>
+      <p:sp>
+        <p:nvSpPr>
+          <p:cNvPr id="4" name="Title 3"/>
+          <p:cNvSpPr>
+            <a:spLocks noGrp="1"/>
+          </p:cNvSpPr>
+          <p:nvPr>
+            <p:ph type="title"/>
+          </p:nvPr>
+        </p:nvSpPr>
+        <p:spPr/>
+        <p:txBody>
+          <a:bodyPr/>
+          <a:lstStyle/>
+          <a:p>
+            <a:r>
+              <a:rPr lang="bg-BG" sz="3950" dirty="0">
+                <a:ea typeface="+mj-lt"/>
+                <a:cs typeface="+mj-lt"/>
+              </a:rPr>
+              <a:t>Функционални стойности</a:t>
+            </a:r>
+            <a:endParaRPr lang="bg-BG" dirty="0"/>
+          </a:p>
+        </p:txBody>
+      </p:sp>
+      <p:pic>
+        <p:nvPicPr>
+          <p:cNvPr id="6" name="Picture 5" descr="Screen Shot 2015-06-25 at 3.33.09 PM.png"/>
+          <p:cNvPicPr>
+            <a:picLocks noChangeAspect="1"/>
+          </p:cNvPicPr>
+          <p:nvPr/>
+        </p:nvPicPr>
+        <p:blipFill>
+          <a:blip r:embed="rId2">
+            <a:extLst>
+              <a:ext uri="{28A0092B-C50C-407E-A947-70E740481C1C}">
+                <a14:useLocalDpi xmlns:a14="http://schemas.microsoft.com/office/drawing/2010/main" val="0"/>
+              </a:ext>
+            </a:extLst>
+          </a:blip>
+          <a:stretch>
+            <a:fillRect/>
+          </a:stretch>
+        </p:blipFill>
+        <p:spPr>
+          <a:xfrm>
+            <a:off x="762597" y="1311775"/>
+            <a:ext cx="10666809" cy="5323227"/>
+          </a:xfrm>
+          <a:prstGeom prst="rect">
+            <a:avLst/>
+          </a:prstGeom>
+        </p:spPr>
+      </p:pic>
+      <p:sp>
+        <p:nvSpPr>
+          <p:cNvPr id="2" name="Slide Number">
+            <a:extLst>
+              <a:ext uri="{FF2B5EF4-FFF2-40B4-BE49-F238E27FC236}">
+                <a16:creationId xmlns:a16="http://schemas.microsoft.com/office/drawing/2014/main" id="{400A8FDB-04F0-B27A-2777-931D2C1A022E}"/>
+              </a:ext>
+            </a:extLst>
+          </p:cNvPr>
+          <p:cNvSpPr>
+            <a:spLocks noGrp="1"/>
+          </p:cNvSpPr>
+          <p:nvPr>
+            <p:ph type="sldNum" sz="quarter" idx="5"/>
+          </p:nvPr>
+        </p:nvSpPr>
+        <p:spPr>
+          <a:xfrm>
+            <a:off x="11753030" y="6507000"/>
+            <a:ext cx="367414" cy="297000"/>
+          </a:xfrm>
+          <a:prstGeom prst="rect">
+            <a:avLst/>
+          </a:prstGeom>
+        </p:spPr>
+        <p:txBody>
+          <a:bodyPr vert="horz" lIns="91440" tIns="45720" rIns="91440" bIns="45720" rtlCol="0" anchor="b"/>
+          <a:lstStyle>
+            <a:lvl1pPr algn="r">
+              <a:defRPr sz="1000"/>
+            </a:lvl1pPr>
+          </a:lstStyle>
+          <a:p>
+            <a:fld id="{2BF067CD-8E6B-4360-9AA8-C5DF2A48A6D1}" type="slidenum">
+              <a:rPr lang="en-US" noProof="0" smtClean="0"/>
+              <a:pPr/>
+              <a:t>19</a:t>
+            </a:fld>
+            <a:endParaRPr lang="en-US" noProof="0" dirty="0"/>
+          </a:p>
+        </p:txBody>
+      </p:sp>
+    </p:spTree>
+    <p:extLst>
+      <p:ext uri="{BB962C8B-B14F-4D97-AF65-F5344CB8AC3E}">
+        <p14:creationId xmlns:p14="http://schemas.microsoft.com/office/powerpoint/2010/main" val="1805863270"/>
       </p:ext>
     </p:extLst>
   </p:cSld>
@@ -26570,142 +25933,6 @@
       </p:grpSpPr>
       <p:sp>
         <p:nvSpPr>
-          <p:cNvPr id="4" name="Title 3"/>
-          <p:cNvSpPr>
-            <a:spLocks noGrp="1"/>
-          </p:cNvSpPr>
-          <p:nvPr>
-            <p:ph type="title"/>
-          </p:nvPr>
-        </p:nvSpPr>
-        <p:spPr/>
-        <p:txBody>
-          <a:bodyPr/>
-          <a:lstStyle/>
-          <a:p>
-            <a:r>
-              <a:rPr lang="bg-BG" sz="3950" dirty="0">
-                <a:ea typeface="+mj-lt"/>
-                <a:cs typeface="+mj-lt"/>
-              </a:rPr>
-              <a:t>Функционални стойности</a:t>
-            </a:r>
-            <a:endParaRPr lang="bg-BG" dirty="0"/>
-          </a:p>
-        </p:txBody>
-      </p:sp>
-      <p:pic>
-        <p:nvPicPr>
-          <p:cNvPr id="6" name="Picture 5" descr="Screen Shot 2015-06-25 at 3.33.09 PM.png"/>
-          <p:cNvPicPr>
-            <a:picLocks noChangeAspect="1"/>
-          </p:cNvPicPr>
-          <p:nvPr/>
-        </p:nvPicPr>
-        <p:blipFill>
-          <a:blip r:embed="rId2">
-            <a:extLst>
-              <a:ext uri="{28A0092B-C50C-407E-A947-70E740481C1C}">
-                <a14:useLocalDpi xmlns:a14="http://schemas.microsoft.com/office/drawing/2010/main" val="0"/>
-              </a:ext>
-            </a:extLst>
-          </a:blip>
-          <a:stretch>
-            <a:fillRect/>
-          </a:stretch>
-        </p:blipFill>
-        <p:spPr>
-          <a:xfrm>
-            <a:off x="762597" y="1311775"/>
-            <a:ext cx="10666809" cy="5323227"/>
-          </a:xfrm>
-          <a:prstGeom prst="rect">
-            <a:avLst/>
-          </a:prstGeom>
-        </p:spPr>
-      </p:pic>
-      <p:sp>
-        <p:nvSpPr>
-          <p:cNvPr id="2" name="Slide Number">
-            <a:extLst>
-              <a:ext uri="{FF2B5EF4-FFF2-40B4-BE49-F238E27FC236}">
-                <a16:creationId xmlns:a16="http://schemas.microsoft.com/office/drawing/2014/main" id="{400A8FDB-04F0-B27A-2777-931D2C1A022E}"/>
-              </a:ext>
-            </a:extLst>
-          </p:cNvPr>
-          <p:cNvSpPr>
-            <a:spLocks noGrp="1"/>
-          </p:cNvSpPr>
-          <p:nvPr>
-            <p:ph type="sldNum" sz="quarter" idx="5"/>
-          </p:nvPr>
-        </p:nvSpPr>
-        <p:spPr>
-          <a:xfrm>
-            <a:off x="11753030" y="6507000"/>
-            <a:ext cx="367414" cy="297000"/>
-          </a:xfrm>
-          <a:prstGeom prst="rect">
-            <a:avLst/>
-          </a:prstGeom>
-        </p:spPr>
-        <p:txBody>
-          <a:bodyPr vert="horz" lIns="91440" tIns="45720" rIns="91440" bIns="45720" rtlCol="0" anchor="b"/>
-          <a:lstStyle>
-            <a:lvl1pPr algn="r">
-              <a:defRPr sz="1000"/>
-            </a:lvl1pPr>
-          </a:lstStyle>
-          <a:p>
-            <a:fld id="{2BF067CD-8E6B-4360-9AA8-C5DF2A48A6D1}" type="slidenum">
-              <a:rPr lang="en-US" noProof="0" smtClean="0"/>
-              <a:pPr/>
-              <a:t>20</a:t>
-            </a:fld>
-            <a:endParaRPr lang="en-US" noProof="0" dirty="0"/>
-          </a:p>
-        </p:txBody>
-      </p:sp>
-    </p:spTree>
-    <p:extLst>
-      <p:ext uri="{BB962C8B-B14F-4D97-AF65-F5344CB8AC3E}">
-        <p14:creationId xmlns:p14="http://schemas.microsoft.com/office/powerpoint/2010/main" val="1805863270"/>
-      </p:ext>
-    </p:extLst>
-  </p:cSld>
-  <p:clrMapOvr>
-    <a:masterClrMapping/>
-  </p:clrMapOvr>
-  <mc:AlternateContent xmlns:mc="http://schemas.openxmlformats.org/markup-compatibility/2006" xmlns:p14="http://schemas.microsoft.com/office/powerpoint/2010/main">
-    <mc:Choice Requires="p14">
-      <p:transition spd="slow" p14:dur="2000" advClick="0" advTm="5000"/>
-    </mc:Choice>
-    <mc:Fallback xmlns="">
-      <p:transition spd="slow" advClick="0" advTm="5000"/>
-    </mc:Fallback>
-  </mc:AlternateContent>
-</p:sld>
-</file>
-
-<file path=ppt/slides/slide21.xml><?xml version="1.0" encoding="utf-8"?>
-<p:sld xmlns:a="http://schemas.openxmlformats.org/drawingml/2006/main" xmlns:r="http://schemas.openxmlformats.org/officeDocument/2006/relationships" xmlns:p="http://schemas.openxmlformats.org/presentationml/2006/main">
-  <p:cSld>
-    <p:spTree>
-      <p:nvGrpSpPr>
-        <p:cNvPr id="1" name=""/>
-        <p:cNvGrpSpPr/>
-        <p:nvPr/>
-      </p:nvGrpSpPr>
-      <p:grpSpPr>
-        <a:xfrm>
-          <a:off x="0" y="0"/>
-          <a:ext cx="0" cy="0"/>
-          <a:chOff x="0" y="0"/>
-          <a:chExt cx="0" cy="0"/>
-        </a:xfrm>
-      </p:grpSpPr>
-      <p:sp>
-        <p:nvSpPr>
           <p:cNvPr id="2" name="Title 1"/>
           <p:cNvSpPr>
             <a:spLocks noGrp="1"/>
@@ -33234,7 +32461,7 @@
             <a:fld id="{2BF067CD-8E6B-4360-9AA8-C5DF2A48A6D1}" type="slidenum">
               <a:rPr lang="en-US" noProof="0" smtClean="0"/>
               <a:pPr/>
-              <a:t>21</a:t>
+              <a:t>20</a:t>
             </a:fld>
             <a:endParaRPr lang="en-US" noProof="0" dirty="0"/>
           </a:p>
@@ -33261,7 +32488,7 @@
 </p:sld>
 </file>
 
-<file path=ppt/slides/slide22.xml><?xml version="1.0" encoding="utf-8"?>
+<file path=ppt/slides/slide21.xml><?xml version="1.0" encoding="utf-8"?>
 <p:sld xmlns:a="http://schemas.openxmlformats.org/drawingml/2006/main" xmlns:r="http://schemas.openxmlformats.org/officeDocument/2006/relationships" xmlns:p="http://schemas.openxmlformats.org/presentationml/2006/main">
   <p:cSld>
     <p:spTree>
@@ -33677,7 +32904,7 @@
 </p:sld>
 </file>
 
-<file path=ppt/slides/slide23.xml><?xml version="1.0" encoding="utf-8"?>
+<file path=ppt/slides/slide22.xml><?xml version="1.0" encoding="utf-8"?>
 <p:sld xmlns:a="http://schemas.openxmlformats.org/drawingml/2006/main" xmlns:r="http://schemas.openxmlformats.org/officeDocument/2006/relationships" xmlns:p="http://schemas.openxmlformats.org/presentationml/2006/main">
   <p:cSld>
     <p:spTree>
@@ -34148,7 +33375,7 @@
             <a:fld id="{2BF067CD-8E6B-4360-9AA8-C5DF2A48A6D1}" type="slidenum">
               <a:rPr lang="en-US" noProof="0" smtClean="0"/>
               <a:pPr/>
-              <a:t>23</a:t>
+              <a:t>22</a:t>
             </a:fld>
             <a:endParaRPr lang="en-US" noProof="0" dirty="0"/>
           </a:p>
@@ -34303,7 +33530,7 @@
 </p:sld>
 </file>
 
-<file path=ppt/slides/slide24.xml><?xml version="1.0" encoding="utf-8"?>
+<file path=ppt/slides/slide23.xml><?xml version="1.0" encoding="utf-8"?>
 <p:sld xmlns:a="http://schemas.openxmlformats.org/drawingml/2006/main" xmlns:r="http://schemas.openxmlformats.org/officeDocument/2006/relationships" xmlns:p="http://schemas.openxmlformats.org/presentationml/2006/main">
   <p:cSld>
     <p:spTree>
@@ -34859,7 +34086,7 @@
             <a:fld id="{2BF067CD-8E6B-4360-9AA8-C5DF2A48A6D1}" type="slidenum">
               <a:rPr lang="en-US" noProof="0" smtClean="0"/>
               <a:pPr/>
-              <a:t>24</a:t>
+              <a:t>23</a:t>
             </a:fld>
             <a:endParaRPr lang="en-US" noProof="0" dirty="0"/>
           </a:p>
@@ -35014,7 +34241,7 @@
 </p:sld>
 </file>
 
-<file path=ppt/slides/slide25.xml><?xml version="1.0" encoding="utf-8"?>
+<file path=ppt/slides/slide24.xml><?xml version="1.0" encoding="utf-8"?>
 <p:sld xmlns:a="http://schemas.openxmlformats.org/drawingml/2006/main" xmlns:r="http://schemas.openxmlformats.org/officeDocument/2006/relationships" xmlns:p="http://schemas.openxmlformats.org/presentationml/2006/main">
   <p:cSld>
     <p:spTree>
@@ -35477,7 +34704,7 @@
             <a:fld id="{2BF067CD-8E6B-4360-9AA8-C5DF2A48A6D1}" type="slidenum">
               <a:rPr lang="en-US" noProof="0" smtClean="0"/>
               <a:pPr/>
-              <a:t>25</a:t>
+              <a:t>24</a:t>
             </a:fld>
             <a:endParaRPr lang="en-US" noProof="0" dirty="0"/>
           </a:p>
@@ -35632,7 +34859,7 @@
 </p:sld>
 </file>
 
-<file path=ppt/slides/slide26.xml><?xml version="1.0" encoding="utf-8"?>
+<file path=ppt/slides/slide25.xml><?xml version="1.0" encoding="utf-8"?>
 <p:sld xmlns:a="http://schemas.openxmlformats.org/drawingml/2006/main" xmlns:r="http://schemas.openxmlformats.org/officeDocument/2006/relationships" xmlns:p="http://schemas.openxmlformats.org/presentationml/2006/main">
   <p:cSld>
     <p:spTree>
@@ -36087,7 +35314,7 @@
             <a:fld id="{2BF067CD-8E6B-4360-9AA8-C5DF2A48A6D1}" type="slidenum">
               <a:rPr lang="en-US" noProof="0" smtClean="0"/>
               <a:pPr/>
-              <a:t>26</a:t>
+              <a:t>25</a:t>
             </a:fld>
             <a:endParaRPr lang="en-US" noProof="0" dirty="0"/>
           </a:p>
@@ -36242,7 +35469,7 @@
 </p:sld>
 </file>
 
-<file path=ppt/slides/slide27.xml><?xml version="1.0" encoding="utf-8"?>
+<file path=ppt/slides/slide26.xml><?xml version="1.0" encoding="utf-8"?>
 <p:sld xmlns:a="http://schemas.openxmlformats.org/drawingml/2006/main" xmlns:r="http://schemas.openxmlformats.org/officeDocument/2006/relationships" xmlns:p="http://schemas.openxmlformats.org/presentationml/2006/main">
   <p:cSld>
     <p:spTree>
@@ -37333,7 +36560,7 @@
             <a:fld id="{2BF067CD-8E6B-4360-9AA8-C5DF2A48A6D1}" type="slidenum">
               <a:rPr lang="en-US" noProof="0" smtClean="0"/>
               <a:pPr/>
-              <a:t>27</a:t>
+              <a:t>26</a:t>
             </a:fld>
             <a:endParaRPr lang="en-US" noProof="0" dirty="0"/>
           </a:p>
@@ -37537,7 +36764,7 @@
 </p:sld>
 </file>
 
-<file path=ppt/slides/slide28.xml><?xml version="1.0" encoding="utf-8"?>
+<file path=ppt/slides/slide27.xml><?xml version="1.0" encoding="utf-8"?>
 <p:sld xmlns:a="http://schemas.openxmlformats.org/drawingml/2006/main" xmlns:r="http://schemas.openxmlformats.org/officeDocument/2006/relationships" xmlns:p="http://schemas.openxmlformats.org/presentationml/2006/main">
   <p:cSld>
     <p:spTree>
@@ -37727,7 +36954,7 @@
 </p:sld>
 </file>
 
-<file path=ppt/slides/slide29.xml><?xml version="1.0" encoding="utf-8"?>
+<file path=ppt/slides/slide28.xml><?xml version="1.0" encoding="utf-8"?>
 <p:sld xmlns:a="http://schemas.openxmlformats.org/drawingml/2006/main" xmlns:r="http://schemas.openxmlformats.org/officeDocument/2006/relationships" xmlns:p="http://schemas.openxmlformats.org/presentationml/2006/main" show="0">
   <p:cSld>
     <p:spTree>
@@ -38083,7 +37310,7 @@
             <a:fld id="{2BF067CD-8E6B-4360-9AA8-C5DF2A48A6D1}" type="slidenum">
               <a:rPr lang="en-US" noProof="0" smtClean="0"/>
               <a:pPr/>
-              <a:t>29</a:t>
+              <a:t>28</a:t>
             </a:fld>
             <a:endParaRPr lang="en-US" noProof="0" dirty="0"/>
           </a:p>
@@ -38099,11 +37326,11 @@
   <p:clrMapOvr>
     <a:masterClrMapping/>
   </p:clrMapOvr>
-  <mc:AlternateContent xmlns:mc="http://schemas.openxmlformats.org/markup-compatibility/2006">
-    <mc:Choice xmlns:p14="http://schemas.microsoft.com/office/powerpoint/2010/main" Requires="p14">
+  <mc:AlternateContent xmlns:mc="http://schemas.openxmlformats.org/markup-compatibility/2006" xmlns:p14="http://schemas.microsoft.com/office/powerpoint/2010/main">
+    <mc:Choice Requires="p14">
       <p:transition spd="slow" p14:dur="2000" advClick="0" advTm="5000"/>
     </mc:Choice>
-    <mc:Fallback>
+    <mc:Fallback xmlns="">
       <p:transition spd="slow" advClick="0" advTm="5000"/>
     </mc:Fallback>
   </mc:AlternateContent>
@@ -40696,7 +39923,7 @@
             </a:effectLst>
             <a:extLst>
               <a:ext uri="{909E8E84-426E-40dd-AFC4-6F175D3DCCD1}">
-                <a14:hiddenFill xmlns:a14="http://schemas.microsoft.com/office/drawing/2010/main" xmlns="">
+                <a14:hiddenFill xmlns="" xmlns:a14="http://schemas.microsoft.com/office/drawing/2010/main">
                   <a:solidFill>
                     <a:srgbClr val="FFFFFF"/>
                   </a:solidFill>
@@ -40737,7 +39964,7 @@
             <a:noFill/>
             <a:extLst>
               <a:ext uri="{909E8E84-426E-40dd-AFC4-6F175D3DCCD1}">
-                <a14:hiddenFill xmlns:a14="http://schemas.microsoft.com/office/drawing/2010/main" xmlns="">
+                <a14:hiddenFill xmlns="" xmlns:a14="http://schemas.microsoft.com/office/drawing/2010/main">
                   <a:solidFill>
                     <a:srgbClr val="FFFFFF"/>
                   </a:solidFill>
@@ -41698,7 +40925,7 @@
           <a:noFill/>
           <a:extLst>
             <a:ext uri="{909E8E84-426E-40dd-AFC4-6F175D3DCCD1}">
-              <a14:hiddenFill xmlns:a14="http://schemas.microsoft.com/office/drawing/2010/main" xmlns="">
+              <a14:hiddenFill xmlns="" xmlns:a14="http://schemas.microsoft.com/office/drawing/2010/main">
                 <a:solidFill>
                   <a:srgbClr val="FFFFFF"/>
                 </a:solidFill>
@@ -41746,7 +40973,7 @@
           <a:noFill/>
           <a:extLst>
             <a:ext uri="{909E8E84-426E-40dd-AFC4-6F175D3DCCD1}">
-              <a14:hiddenFill xmlns:a14="http://schemas.microsoft.com/office/drawing/2010/main" xmlns="">
+              <a14:hiddenFill xmlns="" xmlns:a14="http://schemas.microsoft.com/office/drawing/2010/main">
                 <a:solidFill>
                   <a:srgbClr val="FFFFFF"/>
                 </a:solidFill>

--- a/Courses/Software-Sciences/Module-2-DS-and-Algo/11-Algorithms-Intro-and-Complexity/11-Algorithms-Intro-and-Complexity.pptx
+++ b/Courses/Software-Sciences/Module-2-DS-and-Algo/11-Algorithms-Intro-and-Complexity/11-Algorithms-Intro-and-Complexity.pptx
@@ -305,7 +305,7 @@
           <a:p>
             <a:fld id="{4E087215-0C8F-4762-A664-737A353EC9A4}" type="datetimeFigureOut">
               <a:rPr lang="bg-BG" smtClean="0"/>
-              <a:t>9.07.24 г.</a:t>
+              <a:t>10.07.24 г.</a:t>
             </a:fld>
             <a:endParaRPr lang="bg-BG"/>
           </a:p>
@@ -501,7 +501,7 @@
           <a:p>
             <a:fld id="{72D84649-876A-46C9-8472-14CB09C070D8}" type="datetimeFigureOut">
               <a:rPr lang="en-US" smtClean="0"/>
-              <a:t>7/9/24</a:t>
+              <a:t>7/10/24</a:t>
             </a:fld>
             <a:endParaRPr lang="en-US"/>
           </a:p>
@@ -9032,7 +9032,7 @@
           <a:noFill/>
           <a:extLst>
             <a:ext uri="{909E8E84-426E-40dd-AFC4-6F175D3DCCD1}">
-              <a14:hiddenFill xmlns="" xmlns:a14="http://schemas.microsoft.com/office/drawing/2010/main">
+              <a14:hiddenFill xmlns:a14="http://schemas.microsoft.com/office/drawing/2010/main" xmlns="">
                 <a:solidFill>
                   <a:srgbClr val="FFFFFF"/>
                 </a:solidFill>
@@ -12205,7 +12205,7 @@
           <a:noFill/>
           <a:extLst>
             <a:ext uri="{909E8E84-426E-40dd-AFC4-6F175D3DCCD1}">
-              <a14:hiddenFill xmlns="" xmlns:a14="http://schemas.microsoft.com/office/drawing/2010/main">
+              <a14:hiddenFill xmlns:a14="http://schemas.microsoft.com/office/drawing/2010/main" xmlns="">
                 <a:solidFill>
                   <a:srgbClr val="FFFFFF"/>
                 </a:solidFill>
@@ -39923,7 +39923,7 @@
             </a:effectLst>
             <a:extLst>
               <a:ext uri="{909E8E84-426E-40dd-AFC4-6F175D3DCCD1}">
-                <a14:hiddenFill xmlns="" xmlns:a14="http://schemas.microsoft.com/office/drawing/2010/main">
+                <a14:hiddenFill xmlns:a14="http://schemas.microsoft.com/office/drawing/2010/main" xmlns="">
                   <a:solidFill>
                     <a:srgbClr val="FFFFFF"/>
                   </a:solidFill>
@@ -39964,7 +39964,7 @@
             <a:noFill/>
             <a:extLst>
               <a:ext uri="{909E8E84-426E-40dd-AFC4-6F175D3DCCD1}">
-                <a14:hiddenFill xmlns="" xmlns:a14="http://schemas.microsoft.com/office/drawing/2010/main">
+                <a14:hiddenFill xmlns:a14="http://schemas.microsoft.com/office/drawing/2010/main" xmlns="">
                   <a:solidFill>
                     <a:srgbClr val="FFFFFF"/>
                   </a:solidFill>
@@ -40925,7 +40925,7 @@
           <a:noFill/>
           <a:extLst>
             <a:ext uri="{909E8E84-426E-40dd-AFC4-6F175D3DCCD1}">
-              <a14:hiddenFill xmlns="" xmlns:a14="http://schemas.microsoft.com/office/drawing/2010/main">
+              <a14:hiddenFill xmlns:a14="http://schemas.microsoft.com/office/drawing/2010/main" xmlns="">
                 <a:solidFill>
                   <a:srgbClr val="FFFFFF"/>
                 </a:solidFill>
@@ -40973,7 +40973,7 @@
           <a:noFill/>
           <a:extLst>
             <a:ext uri="{909E8E84-426E-40dd-AFC4-6F175D3DCCD1}">
-              <a14:hiddenFill xmlns="" xmlns:a14="http://schemas.microsoft.com/office/drawing/2010/main">
+              <a14:hiddenFill xmlns:a14="http://schemas.microsoft.com/office/drawing/2010/main" xmlns="">
                 <a:solidFill>
                   <a:srgbClr val="FFFFFF"/>
                 </a:solidFill>
